--- a/kolloquim.pptx
+++ b/kolloquim.pptx
@@ -96,7 +96,7 @@
         <p:spPr>
           <a:xfrm>
             <a:off x="522360" y="671400"/>
-            <a:ext cx="9646920" cy="947520"/>
+            <a:ext cx="9646200" cy="946800"/>
           </a:xfrm>
           <a:prstGeom prst="rect">
             <a:avLst/>
@@ -207,7 +207,7 @@
         <p:spPr>
           <a:xfrm>
             <a:off x="522360" y="671400"/>
-            <a:ext cx="9646920" cy="947520"/>
+            <a:ext cx="9646200" cy="946800"/>
           </a:xfrm>
           <a:prstGeom prst="rect">
             <a:avLst/>
@@ -378,7 +378,7 @@
         <p:spPr>
           <a:xfrm>
             <a:off x="522360" y="671400"/>
-            <a:ext cx="9646920" cy="947520"/>
+            <a:ext cx="9646200" cy="946800"/>
           </a:xfrm>
           <a:prstGeom prst="rect">
             <a:avLst/>
@@ -631,7 +631,7 @@
         <p:spPr>
           <a:xfrm>
             <a:off x="522360" y="671400"/>
-            <a:ext cx="9646920" cy="947520"/>
+            <a:ext cx="9646200" cy="946800"/>
           </a:xfrm>
           <a:prstGeom prst="rect">
             <a:avLst/>
@@ -711,7 +711,7 @@
         <p:spPr>
           <a:xfrm>
             <a:off x="522360" y="671400"/>
-            <a:ext cx="9646920" cy="947520"/>
+            <a:ext cx="9646200" cy="946800"/>
           </a:xfrm>
           <a:prstGeom prst="rect">
             <a:avLst/>
@@ -792,7 +792,7 @@
         <p:spPr>
           <a:xfrm>
             <a:off x="522360" y="671400"/>
-            <a:ext cx="9646920" cy="947520"/>
+            <a:ext cx="9646200" cy="946800"/>
           </a:xfrm>
           <a:prstGeom prst="rect">
             <a:avLst/>
@@ -903,7 +903,7 @@
         <p:spPr>
           <a:xfrm>
             <a:off x="522360" y="671400"/>
-            <a:ext cx="9646920" cy="947520"/>
+            <a:ext cx="9646200" cy="946800"/>
           </a:xfrm>
           <a:prstGeom prst="rect">
             <a:avLst/>
@@ -954,7 +954,7 @@
         <p:spPr>
           <a:xfrm>
             <a:off x="522360" y="671400"/>
-            <a:ext cx="9646920" cy="4393440"/>
+            <a:ext cx="9646200" cy="4390200"/>
           </a:xfrm>
           <a:prstGeom prst="rect">
             <a:avLst/>
@@ -1005,7 +1005,7 @@
         <p:spPr>
           <a:xfrm>
             <a:off x="522360" y="671400"/>
-            <a:ext cx="9646920" cy="947520"/>
+            <a:ext cx="9646200" cy="946800"/>
           </a:xfrm>
           <a:prstGeom prst="rect">
             <a:avLst/>
@@ -1146,7 +1146,7 @@
         <p:spPr>
           <a:xfrm>
             <a:off x="522360" y="671400"/>
-            <a:ext cx="9646920" cy="947520"/>
+            <a:ext cx="9646200" cy="946800"/>
           </a:xfrm>
           <a:prstGeom prst="rect">
             <a:avLst/>
@@ -1226,7 +1226,7 @@
         <p:spPr>
           <a:xfrm>
             <a:off x="522360" y="671400"/>
-            <a:ext cx="9646920" cy="947520"/>
+            <a:ext cx="9646200" cy="946800"/>
           </a:xfrm>
           <a:prstGeom prst="rect">
             <a:avLst/>
@@ -1367,7 +1367,7 @@
         <p:spPr>
           <a:xfrm>
             <a:off x="522360" y="671400"/>
-            <a:ext cx="9646920" cy="947520"/>
+            <a:ext cx="9646200" cy="946800"/>
           </a:xfrm>
           <a:prstGeom prst="rect">
             <a:avLst/>
@@ -1508,7 +1508,7 @@
         <p:spPr>
           <a:xfrm>
             <a:off x="522360" y="671400"/>
-            <a:ext cx="9646920" cy="947520"/>
+            <a:ext cx="9646200" cy="946800"/>
           </a:xfrm>
           <a:prstGeom prst="rect">
             <a:avLst/>
@@ -1619,7 +1619,7 @@
         <p:spPr>
           <a:xfrm>
             <a:off x="522360" y="671400"/>
-            <a:ext cx="9646920" cy="947520"/>
+            <a:ext cx="9646200" cy="946800"/>
           </a:xfrm>
           <a:prstGeom prst="rect">
             <a:avLst/>
@@ -1790,7 +1790,7 @@
         <p:spPr>
           <a:xfrm>
             <a:off x="522360" y="671400"/>
-            <a:ext cx="9646920" cy="947520"/>
+            <a:ext cx="9646200" cy="946800"/>
           </a:xfrm>
           <a:prstGeom prst="rect">
             <a:avLst/>
@@ -2043,7 +2043,7 @@
         <p:spPr>
           <a:xfrm>
             <a:off x="522360" y="671400"/>
-            <a:ext cx="9646920" cy="947520"/>
+            <a:ext cx="9646200" cy="946800"/>
           </a:xfrm>
           <a:prstGeom prst="rect">
             <a:avLst/>
@@ -2123,7 +2123,7 @@
         <p:spPr>
           <a:xfrm>
             <a:off x="522360" y="671400"/>
-            <a:ext cx="9646920" cy="947520"/>
+            <a:ext cx="9646200" cy="946800"/>
           </a:xfrm>
           <a:prstGeom prst="rect">
             <a:avLst/>
@@ -2204,7 +2204,7 @@
         <p:spPr>
           <a:xfrm>
             <a:off x="522360" y="671400"/>
-            <a:ext cx="9646920" cy="947520"/>
+            <a:ext cx="9646200" cy="946800"/>
           </a:xfrm>
           <a:prstGeom prst="rect">
             <a:avLst/>
@@ -2315,7 +2315,7 @@
         <p:spPr>
           <a:xfrm>
             <a:off x="522360" y="671400"/>
-            <a:ext cx="9646920" cy="947520"/>
+            <a:ext cx="9646200" cy="946800"/>
           </a:xfrm>
           <a:prstGeom prst="rect">
             <a:avLst/>
@@ -2366,7 +2366,7 @@
         <p:spPr>
           <a:xfrm>
             <a:off x="522360" y="671400"/>
-            <a:ext cx="9646920" cy="947520"/>
+            <a:ext cx="9646200" cy="946800"/>
           </a:xfrm>
           <a:prstGeom prst="rect">
             <a:avLst/>
@@ -2447,7 +2447,7 @@
         <p:spPr>
           <a:xfrm>
             <a:off x="522360" y="671400"/>
-            <a:ext cx="9646920" cy="4393440"/>
+            <a:ext cx="9646200" cy="4390200"/>
           </a:xfrm>
           <a:prstGeom prst="rect">
             <a:avLst/>
@@ -2498,7 +2498,7 @@
         <p:spPr>
           <a:xfrm>
             <a:off x="522360" y="671400"/>
-            <a:ext cx="9646920" cy="947520"/>
+            <a:ext cx="9646200" cy="946800"/>
           </a:xfrm>
           <a:prstGeom prst="rect">
             <a:avLst/>
@@ -2639,7 +2639,7 @@
         <p:spPr>
           <a:xfrm>
             <a:off x="522360" y="671400"/>
-            <a:ext cx="9646920" cy="947520"/>
+            <a:ext cx="9646200" cy="946800"/>
           </a:xfrm>
           <a:prstGeom prst="rect">
             <a:avLst/>
@@ -2780,7 +2780,7 @@
         <p:spPr>
           <a:xfrm>
             <a:off x="522360" y="671400"/>
-            <a:ext cx="9646920" cy="947520"/>
+            <a:ext cx="9646200" cy="946800"/>
           </a:xfrm>
           <a:prstGeom prst="rect">
             <a:avLst/>
@@ -2921,7 +2921,7 @@
         <p:spPr>
           <a:xfrm>
             <a:off x="522360" y="671400"/>
-            <a:ext cx="9646920" cy="947520"/>
+            <a:ext cx="9646200" cy="946800"/>
           </a:xfrm>
           <a:prstGeom prst="rect">
             <a:avLst/>
@@ -3032,7 +3032,7 @@
         <p:spPr>
           <a:xfrm>
             <a:off x="522360" y="671400"/>
-            <a:ext cx="9646920" cy="947520"/>
+            <a:ext cx="9646200" cy="946800"/>
           </a:xfrm>
           <a:prstGeom prst="rect">
             <a:avLst/>
@@ -3203,7 +3203,7 @@
         <p:spPr>
           <a:xfrm>
             <a:off x="522360" y="671400"/>
-            <a:ext cx="9646920" cy="947520"/>
+            <a:ext cx="9646200" cy="946800"/>
           </a:xfrm>
           <a:prstGeom prst="rect">
             <a:avLst/>
@@ -3456,7 +3456,7 @@
         <p:spPr>
           <a:xfrm>
             <a:off x="522360" y="671400"/>
-            <a:ext cx="9646920" cy="947520"/>
+            <a:ext cx="9646200" cy="946800"/>
           </a:xfrm>
           <a:prstGeom prst="rect">
             <a:avLst/>
@@ -3536,7 +3536,7 @@
         <p:spPr>
           <a:xfrm>
             <a:off x="522360" y="671400"/>
-            <a:ext cx="9646920" cy="947520"/>
+            <a:ext cx="9646200" cy="946800"/>
           </a:xfrm>
           <a:prstGeom prst="rect">
             <a:avLst/>
@@ -3617,7 +3617,7 @@
         <p:spPr>
           <a:xfrm>
             <a:off x="522360" y="671400"/>
-            <a:ext cx="9646920" cy="947520"/>
+            <a:ext cx="9646200" cy="946800"/>
           </a:xfrm>
           <a:prstGeom prst="rect">
             <a:avLst/>
@@ -3728,7 +3728,7 @@
         <p:spPr>
           <a:xfrm>
             <a:off x="522360" y="671400"/>
-            <a:ext cx="9646920" cy="947520"/>
+            <a:ext cx="9646200" cy="946800"/>
           </a:xfrm>
           <a:prstGeom prst="rect">
             <a:avLst/>
@@ -3839,7 +3839,7 @@
         <p:spPr>
           <a:xfrm>
             <a:off x="522360" y="671400"/>
-            <a:ext cx="9646920" cy="947520"/>
+            <a:ext cx="9646200" cy="946800"/>
           </a:xfrm>
           <a:prstGeom prst="rect">
             <a:avLst/>
@@ -3890,7 +3890,7 @@
         <p:spPr>
           <a:xfrm>
             <a:off x="522360" y="671400"/>
-            <a:ext cx="9646920" cy="4393440"/>
+            <a:ext cx="9646200" cy="4390200"/>
           </a:xfrm>
           <a:prstGeom prst="rect">
             <a:avLst/>
@@ -3941,7 +3941,7 @@
         <p:spPr>
           <a:xfrm>
             <a:off x="522360" y="671400"/>
-            <a:ext cx="9646920" cy="947520"/>
+            <a:ext cx="9646200" cy="946800"/>
           </a:xfrm>
           <a:prstGeom prst="rect">
             <a:avLst/>
@@ -4082,7 +4082,7 @@
         <p:spPr>
           <a:xfrm>
             <a:off x="522360" y="671400"/>
-            <a:ext cx="9646920" cy="947520"/>
+            <a:ext cx="9646200" cy="946800"/>
           </a:xfrm>
           <a:prstGeom prst="rect">
             <a:avLst/>
@@ -4223,7 +4223,7 @@
         <p:spPr>
           <a:xfrm>
             <a:off x="522360" y="671400"/>
-            <a:ext cx="9646920" cy="947520"/>
+            <a:ext cx="9646200" cy="946800"/>
           </a:xfrm>
           <a:prstGeom prst="rect">
             <a:avLst/>
@@ -4364,7 +4364,7 @@
         <p:spPr>
           <a:xfrm>
             <a:off x="522360" y="671400"/>
-            <a:ext cx="9646920" cy="947520"/>
+            <a:ext cx="9646200" cy="946800"/>
           </a:xfrm>
           <a:prstGeom prst="rect">
             <a:avLst/>
@@ -4475,7 +4475,7 @@
         <p:spPr>
           <a:xfrm>
             <a:off x="522360" y="671400"/>
-            <a:ext cx="9646920" cy="947520"/>
+            <a:ext cx="9646200" cy="946800"/>
           </a:xfrm>
           <a:prstGeom prst="rect">
             <a:avLst/>
@@ -4646,7 +4646,7 @@
         <p:spPr>
           <a:xfrm>
             <a:off x="522360" y="671400"/>
-            <a:ext cx="9646920" cy="947520"/>
+            <a:ext cx="9646200" cy="946800"/>
           </a:xfrm>
           <a:prstGeom prst="rect">
             <a:avLst/>
@@ -4877,7 +4877,7 @@
         <p:spPr>
           <a:xfrm>
             <a:off x="522360" y="671400"/>
-            <a:ext cx="9646920" cy="947520"/>
+            <a:ext cx="9646200" cy="946800"/>
           </a:xfrm>
           <a:prstGeom prst="rect">
             <a:avLst/>
@@ -4928,7 +4928,7 @@
         <p:spPr>
           <a:xfrm>
             <a:off x="522360" y="671400"/>
-            <a:ext cx="9646920" cy="4393440"/>
+            <a:ext cx="9646200" cy="4390200"/>
           </a:xfrm>
           <a:prstGeom prst="rect">
             <a:avLst/>
@@ -4979,7 +4979,7 @@
         <p:spPr>
           <a:xfrm>
             <a:off x="522360" y="671400"/>
-            <a:ext cx="9646920" cy="947520"/>
+            <a:ext cx="9646200" cy="946800"/>
           </a:xfrm>
           <a:prstGeom prst="rect">
             <a:avLst/>
@@ -5120,7 +5120,7 @@
         <p:spPr>
           <a:xfrm>
             <a:off x="522360" y="671400"/>
-            <a:ext cx="9646920" cy="947520"/>
+            <a:ext cx="9646200" cy="946800"/>
           </a:xfrm>
           <a:prstGeom prst="rect">
             <a:avLst/>
@@ -5261,7 +5261,7 @@
         <p:spPr>
           <a:xfrm>
             <a:off x="522360" y="671400"/>
-            <a:ext cx="9646920" cy="947520"/>
+            <a:ext cx="9646200" cy="946800"/>
           </a:xfrm>
           <a:prstGeom prst="rect">
             <a:avLst/>
@@ -5405,7 +5405,7 @@
         <p:spPr>
           <a:xfrm>
             <a:off x="512640" y="7165800"/>
-            <a:ext cx="7711920" cy="214200"/>
+            <a:ext cx="7711200" cy="213480"/>
           </a:xfrm>
           <a:prstGeom prst="rect">
             <a:avLst/>
@@ -5516,7 +5516,7 @@
         <p:spPr>
           <a:xfrm>
             <a:off x="556920" y="685080"/>
-            <a:ext cx="1372680" cy="1870560"/>
+            <a:ext cx="1371960" cy="1869840"/>
           </a:xfrm>
           <a:prstGeom prst="rect">
             <a:avLst/>
@@ -5539,7 +5539,7 @@
         <p:spPr>
           <a:xfrm>
             <a:off x="7707600" y="2088000"/>
-            <a:ext cx="2449440" cy="4894920"/>
+            <a:ext cx="2448720" cy="4894200"/>
           </a:xfrm>
           <a:prstGeom prst="rect">
             <a:avLst/>
@@ -5820,7 +5820,7 @@
         <p:spPr>
           <a:xfrm>
             <a:off x="9451440" y="5365800"/>
-            <a:ext cx="718200" cy="1438560"/>
+            <a:ext cx="717480" cy="1437840"/>
           </a:xfrm>
           <a:prstGeom prst="rect">
             <a:avLst/>
@@ -5839,7 +5839,7 @@
         <p:spPr>
           <a:xfrm>
             <a:off x="512640" y="7165800"/>
-            <a:ext cx="7711920" cy="214200"/>
+            <a:ext cx="7711200" cy="213480"/>
           </a:xfrm>
           <a:prstGeom prst="rect">
             <a:avLst/>
@@ -6208,7 +6208,7 @@
         <p:spPr>
           <a:xfrm>
             <a:off x="9451440" y="5365800"/>
-            <a:ext cx="718200" cy="1438560"/>
+            <a:ext cx="717480" cy="1437840"/>
           </a:xfrm>
           <a:prstGeom prst="rect">
             <a:avLst/>
@@ -6227,7 +6227,7 @@
         <p:spPr>
           <a:xfrm>
             <a:off x="512640" y="7165800"/>
-            <a:ext cx="7711920" cy="214200"/>
+            <a:ext cx="7711200" cy="213480"/>
           </a:xfrm>
           <a:prstGeom prst="rect">
             <a:avLst/>
@@ -6338,7 +6338,7 @@
         <p:spPr>
           <a:xfrm>
             <a:off x="522360" y="671400"/>
-            <a:ext cx="9646920" cy="947520"/>
+            <a:ext cx="9646200" cy="946800"/>
           </a:xfrm>
           <a:prstGeom prst="rect">
             <a:avLst/>
@@ -6774,7 +6774,7 @@
         <p:spPr>
           <a:xfrm>
             <a:off x="9451440" y="5365800"/>
-            <a:ext cx="718200" cy="1438560"/>
+            <a:ext cx="717480" cy="1437840"/>
           </a:xfrm>
           <a:prstGeom prst="rect">
             <a:avLst/>
@@ -6793,7 +6793,7 @@
         <p:spPr>
           <a:xfrm>
             <a:off x="512640" y="7165800"/>
-            <a:ext cx="7711920" cy="214200"/>
+            <a:ext cx="7711200" cy="213480"/>
           </a:xfrm>
           <a:prstGeom prst="rect">
             <a:avLst/>
@@ -6904,7 +6904,7 @@
         <p:spPr>
           <a:xfrm>
             <a:off x="522360" y="671400"/>
-            <a:ext cx="9646920" cy="947520"/>
+            <a:ext cx="9646200" cy="946800"/>
           </a:xfrm>
           <a:prstGeom prst="rect">
             <a:avLst/>
@@ -7150,7 +7150,7 @@
         <p:spPr>
           <a:xfrm>
             <a:off x="522360" y="4718160"/>
-            <a:ext cx="6983280" cy="717480"/>
+            <a:ext cx="6982560" cy="716760"/>
           </a:xfrm>
           <a:prstGeom prst="rect">
             <a:avLst/>
@@ -7199,7 +7199,7 @@
         <p:spPr>
           <a:xfrm>
             <a:off x="503280" y="5472360"/>
-            <a:ext cx="6983280" cy="1006200"/>
+            <a:ext cx="6982560" cy="1005480"/>
           </a:xfrm>
           <a:prstGeom prst="rect">
             <a:avLst/>
@@ -7243,7 +7243,7 @@
         <p:spPr>
           <a:xfrm>
             <a:off x="522360" y="6878520"/>
-            <a:ext cx="6632280" cy="214200"/>
+            <a:ext cx="6631560" cy="213480"/>
           </a:xfrm>
           <a:prstGeom prst="rect">
             <a:avLst/>
@@ -7341,7 +7341,7 @@
         <p:spPr>
           <a:xfrm>
             <a:off x="8947080" y="7165800"/>
-            <a:ext cx="1222200" cy="226800"/>
+            <a:ext cx="1221480" cy="226080"/>
           </a:xfrm>
           <a:prstGeom prst="rect">
             <a:avLst/>
@@ -7375,7 +7375,7 @@
               </a:rPr>
               <a:t>Seite </a:t>
             </a:r>
-            <a:fld id="{60EAE8DA-99E8-4F76-8F9C-D70B1A300EEE}" type="slidenum">
+            <a:fld id="{D7B208A5-B0F3-4909-BDD2-803F9C609B1D}" type="slidenum">
               <a:rPr b="0" lang="de-DE" sz="1000" spc="-1" strike="noStrike">
                 <a:solidFill>
                   <a:srgbClr val="000000"/>
@@ -7400,7 +7400,7 @@
         <p:spPr>
           <a:xfrm>
             <a:off x="522360" y="671400"/>
-            <a:ext cx="9646920" cy="947520"/>
+            <a:ext cx="9646200" cy="946800"/>
           </a:xfrm>
           <a:prstGeom prst="rect">
             <a:avLst/>
@@ -7460,7 +7460,7 @@
         <p:spPr>
           <a:xfrm>
             <a:off x="522360" y="2138400"/>
-            <a:ext cx="8422920" cy="4520880"/>
+            <a:ext cx="8422200" cy="4520160"/>
           </a:xfrm>
           <a:prstGeom prst="rect">
             <a:avLst/>
@@ -7486,7 +7486,7 @@
         <p:spPr>
           <a:xfrm>
             <a:off x="522360" y="2138400"/>
-            <a:ext cx="8422920" cy="4520880"/>
+            <a:ext cx="8422200" cy="4520160"/>
           </a:xfrm>
           <a:prstGeom prst="rect">
             <a:avLst/>
@@ -7512,7 +7512,7 @@
         <p:spPr>
           <a:xfrm>
             <a:off x="535320" y="1769400"/>
-            <a:ext cx="8608320" cy="4384440"/>
+            <a:ext cx="8607600" cy="4383720"/>
           </a:xfrm>
           <a:prstGeom prst="rect">
             <a:avLst/>
@@ -7533,7 +7533,7 @@
             <a:normAutofit/>
           </a:bodyPr>
           <a:p>
-            <a:pPr marL="432000" indent="-322920">
+            <a:pPr marL="432000" indent="-322200">
               <a:lnSpc>
                 <a:spcPct val="100000"/>
               </a:lnSpc>
@@ -7562,7 +7562,7 @@
             </a:endParaRPr>
           </a:p>
           <a:p>
-            <a:pPr lvl="1" marL="864000" indent="-322920">
+            <a:pPr lvl="1" marL="864000" indent="-322200">
               <a:lnSpc>
                 <a:spcPct val="100000"/>
               </a:lnSpc>
@@ -7611,7 +7611,7 @@
             </a:endParaRPr>
           </a:p>
           <a:p>
-            <a:pPr lvl="1" marL="864000" indent="-322920">
+            <a:pPr lvl="1" marL="864000" indent="-322200">
               <a:lnSpc>
                 <a:spcPct val="100000"/>
               </a:lnSpc>
@@ -7640,7 +7640,7 @@
             </a:endParaRPr>
           </a:p>
           <a:p>
-            <a:pPr marL="432000" indent="-322920">
+            <a:pPr marL="432000" indent="-322200">
               <a:lnSpc>
                 <a:spcPct val="100000"/>
               </a:lnSpc>
@@ -7669,7 +7669,7 @@
             </a:endParaRPr>
           </a:p>
           <a:p>
-            <a:pPr lvl="1" marL="864000" indent="-322920">
+            <a:pPr lvl="1" marL="864000" indent="-322200">
               <a:lnSpc>
                 <a:spcPct val="100000"/>
               </a:lnSpc>
@@ -7698,7 +7698,7 @@
             </a:endParaRPr>
           </a:p>
           <a:p>
-            <a:pPr lvl="1" marL="864000" indent="-322920">
+            <a:pPr lvl="1" marL="864000" indent="-322200">
               <a:lnSpc>
                 <a:spcPct val="100000"/>
               </a:lnSpc>
@@ -7786,7 +7786,7 @@
         <p:spPr>
           <a:xfrm>
             <a:off x="8947080" y="7165800"/>
-            <a:ext cx="1222200" cy="226800"/>
+            <a:ext cx="1221480" cy="226080"/>
           </a:xfrm>
           <a:prstGeom prst="rect">
             <a:avLst/>
@@ -7820,7 +7820,7 @@
               </a:rPr>
               <a:t>Seite </a:t>
             </a:r>
-            <a:fld id="{FB1AA89D-44F2-4312-816C-463F04743CDC}" type="slidenum">
+            <a:fld id="{58E03FE0-7FEA-45EB-BB3F-2633AE1DB9CB}" type="slidenum">
               <a:rPr b="0" lang="de-DE" sz="1000" spc="-1" strike="noStrike">
                 <a:solidFill>
                   <a:srgbClr val="000000"/>
@@ -7845,7 +7845,7 @@
         <p:spPr>
           <a:xfrm>
             <a:off x="522360" y="671400"/>
-            <a:ext cx="9646920" cy="947520"/>
+            <a:ext cx="9646200" cy="946800"/>
           </a:xfrm>
           <a:prstGeom prst="rect">
             <a:avLst/>
@@ -7905,7 +7905,7 @@
         <p:spPr>
           <a:xfrm>
             <a:off x="522360" y="2138400"/>
-            <a:ext cx="8422920" cy="4520880"/>
+            <a:ext cx="8422200" cy="4520160"/>
           </a:xfrm>
           <a:prstGeom prst="rect">
             <a:avLst/>
@@ -7931,7 +7931,7 @@
         <p:spPr>
           <a:xfrm>
             <a:off x="522360" y="2138400"/>
-            <a:ext cx="8422920" cy="4520880"/>
+            <a:ext cx="8422200" cy="4520160"/>
           </a:xfrm>
           <a:prstGeom prst="rect">
             <a:avLst/>
@@ -7961,7 +7961,7 @@
         <p:spPr>
           <a:xfrm>
             <a:off x="5408640" y="2520000"/>
-            <a:ext cx="4094640" cy="2519280"/>
+            <a:ext cx="4093920" cy="2518560"/>
           </a:xfrm>
           <a:prstGeom prst="rect">
             <a:avLst/>
@@ -7980,7 +7980,7 @@
         <p:spPr>
           <a:xfrm>
             <a:off x="535320" y="1769400"/>
-            <a:ext cx="8608320" cy="4384440"/>
+            <a:ext cx="8607600" cy="4383720"/>
           </a:xfrm>
           <a:prstGeom prst="rect">
             <a:avLst/>
@@ -8001,7 +8001,7 @@
             <a:normAutofit/>
           </a:bodyPr>
           <a:p>
-            <a:pPr marL="432000" indent="-322920">
+            <a:pPr marL="432000" indent="-322200">
               <a:lnSpc>
                 <a:spcPct val="100000"/>
               </a:lnSpc>
@@ -8030,7 +8030,7 @@
             </a:endParaRPr>
           </a:p>
           <a:p>
-            <a:pPr lvl="1" marL="864000" indent="-322920">
+            <a:pPr lvl="1" marL="864000" indent="-322200">
               <a:lnSpc>
                 <a:spcPct val="100000"/>
               </a:lnSpc>
@@ -8059,7 +8059,7 @@
             </a:endParaRPr>
           </a:p>
           <a:p>
-            <a:pPr lvl="1" marL="864000" indent="-322920">
+            <a:pPr lvl="1" marL="864000" indent="-322200">
               <a:lnSpc>
                 <a:spcPct val="100000"/>
               </a:lnSpc>
@@ -8088,7 +8088,7 @@
             </a:endParaRPr>
           </a:p>
           <a:p>
-            <a:pPr lvl="1" marL="864000" indent="-322920">
+            <a:pPr lvl="1" marL="864000" indent="-322200">
               <a:lnSpc>
                 <a:spcPct val="100000"/>
               </a:lnSpc>
@@ -8156,7 +8156,7 @@
             </a:endParaRPr>
           </a:p>
           <a:p>
-            <a:pPr marL="432000" indent="-322920">
+            <a:pPr marL="432000" indent="-322200">
               <a:lnSpc>
                 <a:spcPct val="100000"/>
               </a:lnSpc>
@@ -8244,7 +8244,7 @@
         <p:spPr>
           <a:xfrm>
             <a:off x="8947080" y="7165800"/>
-            <a:ext cx="1222200" cy="226800"/>
+            <a:ext cx="1221480" cy="226080"/>
           </a:xfrm>
           <a:prstGeom prst="rect">
             <a:avLst/>
@@ -8278,7 +8278,7 @@
               </a:rPr>
               <a:t>Seite </a:t>
             </a:r>
-            <a:fld id="{09FFD65F-54B0-4635-A60B-905ED21A6825}" type="slidenum">
+            <a:fld id="{9A692926-7041-4999-A796-D0A4F3136E18}" type="slidenum">
               <a:rPr b="0" lang="de-DE" sz="1000" spc="-1" strike="noStrike">
                 <a:solidFill>
                   <a:srgbClr val="000000"/>
@@ -8303,7 +8303,7 @@
         <p:spPr>
           <a:xfrm>
             <a:off x="522360" y="671400"/>
-            <a:ext cx="9646920" cy="947520"/>
+            <a:ext cx="9646200" cy="946800"/>
           </a:xfrm>
           <a:prstGeom prst="rect">
             <a:avLst/>
@@ -8363,7 +8363,7 @@
         <p:spPr>
           <a:xfrm>
             <a:off x="522360" y="2138400"/>
-            <a:ext cx="8422920" cy="4520880"/>
+            <a:ext cx="8422200" cy="4520160"/>
           </a:xfrm>
           <a:prstGeom prst="rect">
             <a:avLst/>
@@ -8389,7 +8389,7 @@
         <p:spPr>
           <a:xfrm>
             <a:off x="522360" y="2138400"/>
-            <a:ext cx="8422920" cy="4520880"/>
+            <a:ext cx="8422200" cy="4520160"/>
           </a:xfrm>
           <a:prstGeom prst="rect">
             <a:avLst/>
@@ -8415,7 +8415,7 @@
         <p:spPr>
           <a:xfrm>
             <a:off x="535680" y="1769400"/>
-            <a:ext cx="8608320" cy="1469520"/>
+            <a:ext cx="8607600" cy="1468800"/>
           </a:xfrm>
           <a:prstGeom prst="rect">
             <a:avLst/>
@@ -8436,7 +8436,7 @@
             <a:normAutofit/>
           </a:bodyPr>
           <a:p>
-            <a:pPr marL="432000" indent="-322920">
+            <a:pPr marL="432000" indent="-322200">
               <a:lnSpc>
                 <a:spcPct val="100000"/>
               </a:lnSpc>
@@ -8465,7 +8465,7 @@
             </a:endParaRPr>
           </a:p>
           <a:p>
-            <a:pPr marL="432000" indent="-322920">
+            <a:pPr marL="432000" indent="-322200">
               <a:lnSpc>
                 <a:spcPct val="100000"/>
               </a:lnSpc>
@@ -8508,7 +8508,7 @@
         <p:spPr>
           <a:xfrm>
             <a:off x="648000" y="3641400"/>
-            <a:ext cx="8401320" cy="3197880"/>
+            <a:ext cx="8400600" cy="3197160"/>
           </a:xfrm>
           <a:prstGeom prst="rect">
             <a:avLst/>
@@ -8576,7 +8576,7 @@
         <p:spPr>
           <a:xfrm>
             <a:off x="8947080" y="7165800"/>
-            <a:ext cx="1222200" cy="226800"/>
+            <a:ext cx="1221480" cy="226080"/>
           </a:xfrm>
           <a:prstGeom prst="rect">
             <a:avLst/>
@@ -8610,7 +8610,7 @@
               </a:rPr>
               <a:t>Seite </a:t>
             </a:r>
-            <a:fld id="{77620D23-C7C2-4A63-87DD-FA0B73ABB172}" type="slidenum">
+            <a:fld id="{0319E3E0-DBF9-488E-9B94-9BAEEA4EB870}" type="slidenum">
               <a:rPr b="0" lang="de-DE" sz="1000" spc="-1" strike="noStrike">
                 <a:solidFill>
                   <a:srgbClr val="000000"/>
@@ -8635,7 +8635,7 @@
         <p:spPr>
           <a:xfrm>
             <a:off x="522360" y="671400"/>
-            <a:ext cx="9646920" cy="947520"/>
+            <a:ext cx="9646200" cy="946800"/>
           </a:xfrm>
           <a:prstGeom prst="rect">
             <a:avLst/>
@@ -8695,7 +8695,7 @@
         <p:spPr>
           <a:xfrm>
             <a:off x="522360" y="2138400"/>
-            <a:ext cx="8422920" cy="4520880"/>
+            <a:ext cx="8422200" cy="4520160"/>
           </a:xfrm>
           <a:prstGeom prst="rect">
             <a:avLst/>
@@ -8721,7 +8721,7 @@
         <p:spPr>
           <a:xfrm>
             <a:off x="522360" y="2138400"/>
-            <a:ext cx="8422920" cy="4520880"/>
+            <a:ext cx="8422200" cy="4520160"/>
           </a:xfrm>
           <a:prstGeom prst="rect">
             <a:avLst/>
@@ -8747,7 +8747,7 @@
         <p:spPr>
           <a:xfrm>
             <a:off x="536040" y="1769760"/>
-            <a:ext cx="4934880" cy="2693160"/>
+            <a:ext cx="4934160" cy="2692440"/>
           </a:xfrm>
           <a:prstGeom prst="rect">
             <a:avLst/>
@@ -8773,7 +8773,7 @@
         <p:spPr>
           <a:xfrm>
             <a:off x="576000" y="5184000"/>
-            <a:ext cx="4934880" cy="1685160"/>
+            <a:ext cx="4934160" cy="1684440"/>
           </a:xfrm>
           <a:prstGeom prst="rect">
             <a:avLst/>
@@ -8803,7 +8803,7 @@
         <p:spPr>
           <a:xfrm>
             <a:off x="6120000" y="792000"/>
-            <a:ext cx="4362480" cy="2270160"/>
+            <a:ext cx="4361760" cy="2269440"/>
           </a:xfrm>
           <a:prstGeom prst="rect">
             <a:avLst/>
@@ -8822,7 +8822,7 @@
         <p:spPr>
           <a:xfrm>
             <a:off x="535320" y="1769400"/>
-            <a:ext cx="7096680" cy="4384440"/>
+            <a:ext cx="7095960" cy="4383720"/>
           </a:xfrm>
           <a:prstGeom prst="rect">
             <a:avLst/>
@@ -8843,7 +8843,7 @@
             <a:normAutofit/>
           </a:bodyPr>
           <a:p>
-            <a:pPr marL="432000" indent="-322920">
+            <a:pPr marL="432000" indent="-322200">
               <a:lnSpc>
                 <a:spcPct val="100000"/>
               </a:lnSpc>
@@ -8872,7 +8872,7 @@
             </a:endParaRPr>
           </a:p>
           <a:p>
-            <a:pPr lvl="1" marL="864000" indent="-322920">
+            <a:pPr lvl="1" marL="864000" indent="-322200">
               <a:lnSpc>
                 <a:spcPct val="100000"/>
               </a:lnSpc>
@@ -8901,7 +8901,7 @@
             </a:endParaRPr>
           </a:p>
           <a:p>
-            <a:pPr lvl="1" marL="864000" indent="-322920">
+            <a:pPr lvl="1" marL="864000" indent="-322200">
               <a:lnSpc>
                 <a:spcPct val="100000"/>
               </a:lnSpc>
@@ -8930,7 +8930,7 @@
             </a:endParaRPr>
           </a:p>
           <a:p>
-            <a:pPr marL="432000" indent="-322920">
+            <a:pPr marL="432000" indent="-322200">
               <a:lnSpc>
                 <a:spcPct val="100000"/>
               </a:lnSpc>
@@ -8959,7 +8959,7 @@
             </a:endParaRPr>
           </a:p>
           <a:p>
-            <a:pPr lvl="1" marL="864000" indent="-322920">
+            <a:pPr lvl="1" marL="864000" indent="-322200">
               <a:lnSpc>
                 <a:spcPct val="100000"/>
               </a:lnSpc>
@@ -8988,7 +8988,7 @@
             </a:endParaRPr>
           </a:p>
           <a:p>
-            <a:pPr marL="432000" indent="-322920">
+            <a:pPr marL="432000" indent="-322200">
               <a:lnSpc>
                 <a:spcPct val="100000"/>
               </a:lnSpc>
@@ -9086,7 +9086,7 @@
         <p:spPr>
           <a:xfrm>
             <a:off x="8947080" y="7165800"/>
-            <a:ext cx="1222200" cy="226800"/>
+            <a:ext cx="1221480" cy="226080"/>
           </a:xfrm>
           <a:prstGeom prst="rect">
             <a:avLst/>
@@ -9120,7 +9120,7 @@
               </a:rPr>
               <a:t>Seite </a:t>
             </a:r>
-            <a:fld id="{F55688CB-9DC3-4033-A8F5-8B9B6756A774}" type="slidenum">
+            <a:fld id="{CB3C3EDB-6A72-4BE5-8219-E8D6FBC2F545}" type="slidenum">
               <a:rPr b="0" lang="de-DE" sz="1000" spc="-1" strike="noStrike">
                 <a:solidFill>
                   <a:srgbClr val="000000"/>
@@ -9145,7 +9145,7 @@
         <p:spPr>
           <a:xfrm>
             <a:off x="522360" y="671400"/>
-            <a:ext cx="9646920" cy="947520"/>
+            <a:ext cx="9646200" cy="946800"/>
           </a:xfrm>
           <a:prstGeom prst="rect">
             <a:avLst/>
@@ -9205,7 +9205,7 @@
         <p:spPr>
           <a:xfrm>
             <a:off x="522360" y="2138400"/>
-            <a:ext cx="8422920" cy="4520880"/>
+            <a:ext cx="8422200" cy="4520160"/>
           </a:xfrm>
           <a:prstGeom prst="rect">
             <a:avLst/>
@@ -9231,7 +9231,7 @@
         <p:spPr>
           <a:xfrm>
             <a:off x="522360" y="2138400"/>
-            <a:ext cx="8422920" cy="4520880"/>
+            <a:ext cx="8422200" cy="4520160"/>
           </a:xfrm>
           <a:prstGeom prst="rect">
             <a:avLst/>
@@ -9257,7 +9257,7 @@
         <p:spPr>
           <a:xfrm>
             <a:off x="535320" y="1769400"/>
-            <a:ext cx="8751960" cy="2440080"/>
+            <a:ext cx="8751240" cy="2439360"/>
           </a:xfrm>
           <a:prstGeom prst="rect">
             <a:avLst/>
@@ -9278,7 +9278,7 @@
             <a:normAutofit/>
           </a:bodyPr>
           <a:p>
-            <a:pPr marL="432000" indent="-322920">
+            <a:pPr marL="432000" indent="-322200">
               <a:lnSpc>
                 <a:spcPct val="100000"/>
               </a:lnSpc>
@@ -9307,7 +9307,7 @@
             </a:endParaRPr>
           </a:p>
           <a:p>
-            <a:pPr lvl="1" marL="864000" indent="-322920">
+            <a:pPr lvl="1" marL="864000" indent="-322200">
               <a:lnSpc>
                 <a:spcPct val="100000"/>
               </a:lnSpc>
@@ -9336,7 +9336,7 @@
             </a:endParaRPr>
           </a:p>
           <a:p>
-            <a:pPr marL="432000" indent="-322920">
+            <a:pPr marL="432000" indent="-322200">
               <a:lnSpc>
                 <a:spcPct val="100000"/>
               </a:lnSpc>
@@ -9365,7 +9365,7 @@
             </a:endParaRPr>
           </a:p>
           <a:p>
-            <a:pPr lvl="1" marL="864000" indent="-322920">
+            <a:pPr lvl="1" marL="864000" indent="-322200">
               <a:lnSpc>
                 <a:spcPct val="100000"/>
               </a:lnSpc>
@@ -9408,7 +9408,7 @@
         <p:spPr>
           <a:xfrm>
             <a:off x="2520000" y="4248000"/>
-            <a:ext cx="5040000" cy="2453400"/>
+            <a:ext cx="5039280" cy="2452680"/>
           </a:xfrm>
           <a:prstGeom prst="rect">
             <a:avLst/>
@@ -9476,7 +9476,7 @@
         <p:spPr>
           <a:xfrm>
             <a:off x="8947080" y="7165800"/>
-            <a:ext cx="1222200" cy="226800"/>
+            <a:ext cx="1221480" cy="226080"/>
           </a:xfrm>
           <a:prstGeom prst="rect">
             <a:avLst/>
@@ -9510,7 +9510,7 @@
               </a:rPr>
               <a:t>Seite </a:t>
             </a:r>
-            <a:fld id="{BCB9C1A9-44DF-463F-A75A-D799BA4772ED}" type="slidenum">
+            <a:fld id="{E07DE5EA-A0F3-4109-BA18-02F9EBE4A09C}" type="slidenum">
               <a:rPr b="0" lang="de-DE" sz="1000" spc="-1" strike="noStrike">
                 <a:solidFill>
                   <a:srgbClr val="000000"/>
@@ -9535,7 +9535,7 @@
         <p:spPr>
           <a:xfrm>
             <a:off x="522360" y="671400"/>
-            <a:ext cx="9646920" cy="947520"/>
+            <a:ext cx="9646200" cy="946800"/>
           </a:xfrm>
           <a:prstGeom prst="rect">
             <a:avLst/>
@@ -9595,7 +9595,7 @@
         <p:spPr>
           <a:xfrm>
             <a:off x="522360" y="2138400"/>
-            <a:ext cx="8422920" cy="4520880"/>
+            <a:ext cx="8422200" cy="4520160"/>
           </a:xfrm>
           <a:prstGeom prst="rect">
             <a:avLst/>
@@ -9621,7 +9621,7 @@
         <p:spPr>
           <a:xfrm>
             <a:off x="576000" y="1769400"/>
-            <a:ext cx="5975280" cy="4997880"/>
+            <a:ext cx="5974560" cy="4997160"/>
           </a:xfrm>
           <a:prstGeom prst="rect">
             <a:avLst/>
@@ -9642,7 +9642,7 @@
             <a:normAutofit/>
           </a:bodyPr>
           <a:p>
-            <a:pPr marL="432000" indent="-322920">
+            <a:pPr marL="432000" indent="-322200">
               <a:lnSpc>
                 <a:spcPct val="100000"/>
               </a:lnSpc>
@@ -9671,7 +9671,7 @@
             </a:endParaRPr>
           </a:p>
           <a:p>
-            <a:pPr marL="432000" indent="-322920">
+            <a:pPr marL="432000" indent="-322200">
               <a:lnSpc>
                 <a:spcPct val="100000"/>
               </a:lnSpc>
@@ -9700,7 +9700,7 @@
             </a:endParaRPr>
           </a:p>
           <a:p>
-            <a:pPr lvl="1" marL="864000" indent="-322920">
+            <a:pPr lvl="1" marL="864000" indent="-322200">
               <a:lnSpc>
                 <a:spcPct val="100000"/>
               </a:lnSpc>
@@ -9729,7 +9729,7 @@
             </a:endParaRPr>
           </a:p>
           <a:p>
-            <a:pPr lvl="1" marL="864000" indent="-322920">
+            <a:pPr lvl="1" marL="864000" indent="-322200">
               <a:lnSpc>
                 <a:spcPct val="100000"/>
               </a:lnSpc>
@@ -9758,7 +9758,7 @@
             </a:endParaRPr>
           </a:p>
           <a:p>
-            <a:pPr marL="432000" indent="-322920">
+            <a:pPr marL="432000" indent="-322200">
               <a:lnSpc>
                 <a:spcPct val="100000"/>
               </a:lnSpc>
@@ -9797,7 +9797,7 @@
         <p:spPr>
           <a:xfrm>
             <a:off x="1209240" y="1936440"/>
-            <a:ext cx="180000" cy="345960"/>
+            <a:ext cx="179280" cy="345240"/>
           </a:xfrm>
           <a:prstGeom prst="rect">
             <a:avLst/>
@@ -9827,7 +9827,7 @@
         <p:spPr>
           <a:xfrm>
             <a:off x="6624360" y="671400"/>
-            <a:ext cx="3383280" cy="3906360"/>
+            <a:ext cx="3382560" cy="3905640"/>
           </a:xfrm>
           <a:prstGeom prst="rect">
             <a:avLst/>
@@ -9846,7 +9846,7 @@
         <p:spPr>
           <a:xfrm>
             <a:off x="522360" y="6693840"/>
-            <a:ext cx="6983640" cy="289800"/>
+            <a:ext cx="6982920" cy="289080"/>
           </a:xfrm>
           <a:prstGeom prst="rect">
             <a:avLst/>
@@ -9867,7 +9867,11 @@
           <a:p>
             <a:r>
               <a:rPr b="0" lang="de-DE" sz="1400" spc="-1" strike="noStrike">
-                <a:latin typeface="Arial"/>
+                <a:solidFill>
+                  <a:srgbClr val="000000"/>
+                </a:solidFill>
+                <a:latin typeface="Arial"/>
+                <a:ea typeface="DejaVu Sans"/>
               </a:rPr>
               <a:t>*https://github.com/rajarsheem/libsdae-autoencoder-tensorflow</a:t>
             </a:r>
@@ -9935,7 +9939,7 @@
         <p:spPr>
           <a:xfrm>
             <a:off x="8947080" y="7165800"/>
-            <a:ext cx="1222200" cy="226800"/>
+            <a:ext cx="1221480" cy="226080"/>
           </a:xfrm>
           <a:prstGeom prst="rect">
             <a:avLst/>
@@ -9969,7 +9973,7 @@
               </a:rPr>
               <a:t>Seite </a:t>
             </a:r>
-            <a:fld id="{E793BFFB-AB0F-45C2-8BB7-6C836B663901}" type="slidenum">
+            <a:fld id="{EC74CA9B-23C1-4E23-874C-A969B05D8176}" type="slidenum">
               <a:rPr b="0" lang="de-DE" sz="1000" spc="-1" strike="noStrike">
                 <a:solidFill>
                   <a:srgbClr val="000000"/>
@@ -9994,7 +9998,7 @@
         <p:spPr>
           <a:xfrm>
             <a:off x="522360" y="671400"/>
-            <a:ext cx="9646920" cy="947520"/>
+            <a:ext cx="9646200" cy="946800"/>
           </a:xfrm>
           <a:prstGeom prst="rect">
             <a:avLst/>
@@ -10054,7 +10058,7 @@
         <p:spPr>
           <a:xfrm>
             <a:off x="522360" y="2138400"/>
-            <a:ext cx="8422920" cy="4520880"/>
+            <a:ext cx="8422200" cy="4520160"/>
           </a:xfrm>
           <a:prstGeom prst="rect">
             <a:avLst/>
@@ -10080,7 +10084,7 @@
         <p:spPr>
           <a:xfrm>
             <a:off x="522360" y="2138400"/>
-            <a:ext cx="8422920" cy="4520880"/>
+            <a:ext cx="8422200" cy="4520160"/>
           </a:xfrm>
           <a:prstGeom prst="rect">
             <a:avLst/>
@@ -10110,7 +10114,7 @@
         <p:spPr>
           <a:xfrm>
             <a:off x="1225080" y="4896000"/>
-            <a:ext cx="7198920" cy="1710000"/>
+            <a:ext cx="7198200" cy="1709280"/>
           </a:xfrm>
           <a:prstGeom prst="rect">
             <a:avLst/>
@@ -10129,7 +10133,7 @@
         <p:spPr>
           <a:xfrm>
             <a:off x="576000" y="1769400"/>
-            <a:ext cx="9576000" cy="3126600"/>
+            <a:ext cx="9575280" cy="3125880"/>
           </a:xfrm>
           <a:prstGeom prst="rect">
             <a:avLst/>
@@ -10150,7 +10154,7 @@
             <a:normAutofit/>
           </a:bodyPr>
           <a:p>
-            <a:pPr marL="432000" indent="-322920">
+            <a:pPr marL="432000" indent="-322200">
               <a:lnSpc>
                 <a:spcPct val="100000"/>
               </a:lnSpc>
@@ -10179,7 +10183,7 @@
             </a:endParaRPr>
           </a:p>
           <a:p>
-            <a:pPr marL="432000" indent="-322920">
+            <a:pPr marL="432000" indent="-322200">
               <a:lnSpc>
                 <a:spcPct val="100000"/>
               </a:lnSpc>
@@ -10218,7 +10222,7 @@
             </a:endParaRPr>
           </a:p>
           <a:p>
-            <a:pPr marL="432000" indent="-322920">
+            <a:pPr marL="432000" indent="-322200">
               <a:lnSpc>
                 <a:spcPct val="100000"/>
               </a:lnSpc>
@@ -10257,7 +10261,7 @@
             </a:endParaRPr>
           </a:p>
           <a:p>
-            <a:pPr marL="432000" indent="-322920">
+            <a:pPr marL="432000" indent="-322200">
               <a:lnSpc>
                 <a:spcPct val="100000"/>
               </a:lnSpc>
@@ -10365,7 +10369,7 @@
         <p:spPr>
           <a:xfrm>
             <a:off x="8947080" y="7165800"/>
-            <a:ext cx="1222200" cy="226800"/>
+            <a:ext cx="1221480" cy="226080"/>
           </a:xfrm>
           <a:prstGeom prst="rect">
             <a:avLst/>
@@ -10399,7 +10403,7 @@
               </a:rPr>
               <a:t>Seite </a:t>
             </a:r>
-            <a:fld id="{27F2211A-E726-41D5-8A7E-55E5B94FD0D9}" type="slidenum">
+            <a:fld id="{6B684E64-99A7-4660-9A65-9EC79EEAA08C}" type="slidenum">
               <a:rPr b="0" lang="de-DE" sz="1000" spc="-1" strike="noStrike">
                 <a:solidFill>
                   <a:srgbClr val="000000"/>
@@ -10424,7 +10428,7 @@
         <p:spPr>
           <a:xfrm>
             <a:off x="522360" y="671400"/>
-            <a:ext cx="9646920" cy="947520"/>
+            <a:ext cx="9646200" cy="946800"/>
           </a:xfrm>
           <a:prstGeom prst="rect">
             <a:avLst/>
@@ -10484,7 +10488,7 @@
         <p:spPr>
           <a:xfrm>
             <a:off x="522360" y="2138400"/>
-            <a:ext cx="8422920" cy="4520880"/>
+            <a:ext cx="8422200" cy="4520160"/>
           </a:xfrm>
           <a:prstGeom prst="rect">
             <a:avLst/>
@@ -10510,7 +10514,7 @@
         <p:spPr>
           <a:xfrm>
             <a:off x="522360" y="2138400"/>
-            <a:ext cx="8422920" cy="4520880"/>
+            <a:ext cx="8422200" cy="4520160"/>
           </a:xfrm>
           <a:prstGeom prst="rect">
             <a:avLst/>
@@ -10536,7 +10540,7 @@
         <p:spPr>
           <a:xfrm>
             <a:off x="535680" y="1769400"/>
-            <a:ext cx="8608320" cy="4384440"/>
+            <a:ext cx="8607600" cy="4383720"/>
           </a:xfrm>
           <a:prstGeom prst="rect">
             <a:avLst/>
@@ -10557,7 +10561,7 @@
             <a:normAutofit/>
           </a:bodyPr>
           <a:p>
-            <a:pPr marL="432000" indent="-322920">
+            <a:pPr marL="432000" indent="-322200">
               <a:lnSpc>
                 <a:spcPct val="100000"/>
               </a:lnSpc>
@@ -10586,7 +10590,7 @@
             </a:endParaRPr>
           </a:p>
           <a:p>
-            <a:pPr lvl="1" marL="864000" indent="-322920">
+            <a:pPr lvl="1" marL="864000" indent="-322200">
               <a:lnSpc>
                 <a:spcPct val="100000"/>
               </a:lnSpc>
@@ -10615,7 +10619,7 @@
             </a:endParaRPr>
           </a:p>
           <a:p>
-            <a:pPr lvl="1" marL="864000" indent="-322920">
+            <a:pPr lvl="1" marL="864000" indent="-322200">
               <a:lnSpc>
                 <a:spcPct val="100000"/>
               </a:lnSpc>
@@ -10644,7 +10648,7 @@
             </a:endParaRPr>
           </a:p>
           <a:p>
-            <a:pPr marL="432000" indent="-322920">
+            <a:pPr marL="432000" indent="-322200">
               <a:lnSpc>
                 <a:spcPct val="100000"/>
               </a:lnSpc>
@@ -10673,7 +10677,7 @@
             </a:endParaRPr>
           </a:p>
           <a:p>
-            <a:pPr lvl="1" marL="864000" indent="-322920">
+            <a:pPr lvl="1" marL="864000" indent="-322200">
               <a:lnSpc>
                 <a:spcPct val="100000"/>
               </a:lnSpc>
@@ -10702,7 +10706,7 @@
             </a:endParaRPr>
           </a:p>
           <a:p>
-            <a:pPr lvl="1" marL="864000" indent="-322920">
+            <a:pPr lvl="1" marL="864000" indent="-322200">
               <a:lnSpc>
                 <a:spcPct val="100000"/>
               </a:lnSpc>
@@ -10741,7 +10745,7 @@
         <p:spPr>
           <a:xfrm>
             <a:off x="522360" y="6637680"/>
-            <a:ext cx="6119640" cy="345960"/>
+            <a:ext cx="6118920" cy="345240"/>
           </a:xfrm>
           <a:prstGeom prst="rect">
             <a:avLst/>
@@ -10762,7 +10766,11 @@
           <a:p>
             <a:r>
               <a:rPr b="0" lang="de-DE" sz="1800" spc="-1" strike="noStrike">
-                <a:latin typeface="Arial"/>
+                <a:solidFill>
+                  <a:srgbClr val="000000"/>
+                </a:solidFill>
+                <a:latin typeface="Arial"/>
+                <a:ea typeface="DejaVu Sans"/>
               </a:rPr>
               <a:t>* https://github.com/serban/kmeans</a:t>
             </a:r>
@@ -10830,7 +10838,7 @@
         <p:spPr>
           <a:xfrm>
             <a:off x="8947080" y="7165800"/>
-            <a:ext cx="1222200" cy="226800"/>
+            <a:ext cx="1221480" cy="226080"/>
           </a:xfrm>
           <a:prstGeom prst="rect">
             <a:avLst/>
@@ -10864,7 +10872,7 @@
               </a:rPr>
               <a:t>Seite </a:t>
             </a:r>
-            <a:fld id="{BB772905-A1AE-4BB6-A0FF-3D96E223D6AE}" type="slidenum">
+            <a:fld id="{E54D5BFD-32A8-4DA0-98F9-DB864A3FC142}" type="slidenum">
               <a:rPr b="0" lang="de-DE" sz="1000" spc="-1" strike="noStrike">
                 <a:solidFill>
                   <a:srgbClr val="000000"/>
@@ -10889,7 +10897,7 @@
         <p:spPr>
           <a:xfrm>
             <a:off x="522360" y="671400"/>
-            <a:ext cx="9646920" cy="947520"/>
+            <a:ext cx="9646200" cy="946800"/>
           </a:xfrm>
           <a:prstGeom prst="rect">
             <a:avLst/>
@@ -10939,7 +10947,7 @@
         <p:spPr>
           <a:xfrm>
             <a:off x="522360" y="2138400"/>
-            <a:ext cx="8422920" cy="4520880"/>
+            <a:ext cx="8422200" cy="4520160"/>
           </a:xfrm>
           <a:prstGeom prst="rect">
             <a:avLst/>
@@ -10965,7 +10973,7 @@
         <p:spPr>
           <a:xfrm>
             <a:off x="522360" y="2138400"/>
-            <a:ext cx="8422920" cy="4520880"/>
+            <a:ext cx="8422200" cy="4520160"/>
           </a:xfrm>
           <a:prstGeom prst="rect">
             <a:avLst/>
@@ -10982,106 +10990,29 @@
           <a:fontRef idx="minor"/>
         </p:style>
       </p:sp>
-      <p:sp>
-        <p:nvSpPr>
-          <p:cNvPr id="265" name="CustomShape 5"/>
-          <p:cNvSpPr/>
+      <p:pic>
+        <p:nvPicPr>
+          <p:cNvPr id="265" name="" descr=""/>
+          <p:cNvPicPr/>
           <p:nvPr/>
-        </p:nvSpPr>
-        <p:spPr>
-          <a:xfrm>
-            <a:off x="535680" y="1769400"/>
-            <a:ext cx="8608320" cy="4384440"/>
-          </a:xfrm>
-          <a:prstGeom prst="rect">
-            <a:avLst/>
-          </a:prstGeom>
-          <a:noFill/>
+        </p:nvPicPr>
+        <p:blipFill>
+          <a:blip r:embed="rId1"/>
+          <a:stretch/>
+        </p:blipFill>
+        <p:spPr>
+          <a:xfrm>
+            <a:off x="1080000" y="1618200"/>
+            <a:ext cx="6484320" cy="3945600"/>
+          </a:xfrm>
+          <a:prstGeom prst="rect">
+            <a:avLst/>
+          </a:prstGeom>
           <a:ln>
             <a:noFill/>
           </a:ln>
         </p:spPr>
-        <p:style>
-          <a:lnRef idx="0"/>
-          <a:fillRef idx="0"/>
-          <a:effectRef idx="0"/>
-          <a:fontRef idx="minor"/>
-        </p:style>
-        <p:txBody>
-          <a:bodyPr lIns="0" rIns="0" tIns="0" bIns="0">
-            <a:normAutofit/>
-          </a:bodyPr>
-          <a:p>
-            <a:pPr marL="432000" indent="-322920">
-              <a:lnSpc>
-                <a:spcPct val="100000"/>
-              </a:lnSpc>
-              <a:spcBef>
-                <a:spcPts val="1417"/>
-              </a:spcBef>
-              <a:buClr>
-                <a:srgbClr val="000000"/>
-              </a:buClr>
-              <a:buSzPct val="45000"/>
-              <a:buFont typeface="Wingdings" charset="2"/>
-              <a:buChar char=""/>
-            </a:pPr>
-            <a:r>
-              <a:rPr b="0" lang="de-DE" sz="3200" spc="-1" strike="noStrike">
-                <a:solidFill>
-                  <a:srgbClr val="000000"/>
-                </a:solidFill>
-                <a:latin typeface="Arial"/>
-                <a:ea typeface="DejaVu Sans"/>
-              </a:rPr>
-              <a:t>Test</a:t>
-            </a:r>
-            <a:endParaRPr b="0" lang="de-DE" sz="3200" spc="-1" strike="noStrike">
-              <a:latin typeface="Arial"/>
-            </a:endParaRPr>
-          </a:p>
-        </p:txBody>
-      </p:sp>
-      <p:sp>
-        <p:nvSpPr>
-          <p:cNvPr id="266" name="CustomShape 6"/>
-          <p:cNvSpPr/>
-          <p:nvPr/>
-        </p:nvSpPr>
-        <p:spPr>
-          <a:xfrm>
-            <a:off x="522360" y="6637680"/>
-            <a:ext cx="6119640" cy="345960"/>
-          </a:xfrm>
-          <a:prstGeom prst="rect">
-            <a:avLst/>
-          </a:prstGeom>
-          <a:noFill/>
-          <a:ln>
-            <a:noFill/>
-          </a:ln>
-        </p:spPr>
-        <p:style>
-          <a:lnRef idx="0"/>
-          <a:fillRef idx="0"/>
-          <a:effectRef idx="0"/>
-          <a:fontRef idx="minor"/>
-        </p:style>
-        <p:txBody>
-          <a:bodyPr lIns="90000" rIns="90000" tIns="45000" bIns="45000"/>
-          <a:p>
-            <a:r>
-              <a:rPr b="0" lang="de-DE" sz="1800" spc="-1" strike="noStrike">
-                <a:latin typeface="Arial"/>
-              </a:rPr>
-              <a:t>* https://github.com/serban/kmeans</a:t>
-            </a:r>
-            <a:endParaRPr b="0" lang="de-DE" sz="1800" spc="-1" strike="noStrike">
-              <a:latin typeface="Arial"/>
-            </a:endParaRPr>
-          </a:p>
-        </p:txBody>
-      </p:sp>
+      </p:pic>
     </p:spTree>
   </p:cSld>
   <p:timing>
@@ -11133,14 +11064,14 @@
       </p:grpSpPr>
       <p:sp>
         <p:nvSpPr>
-          <p:cNvPr id="267" name="CustomShape 1"/>
+          <p:cNvPr id="266" name="CustomShape 1"/>
           <p:cNvSpPr/>
           <p:nvPr/>
         </p:nvSpPr>
         <p:spPr>
           <a:xfrm>
             <a:off x="8947080" y="7165800"/>
-            <a:ext cx="1222200" cy="226800"/>
+            <a:ext cx="1221480" cy="226080"/>
           </a:xfrm>
           <a:prstGeom prst="rect">
             <a:avLst/>
@@ -11174,7 +11105,7 @@
               </a:rPr>
               <a:t>Seite </a:t>
             </a:r>
-            <a:fld id="{6D0A0D26-02E0-4789-8B0E-254823972B67}" type="slidenum">
+            <a:fld id="{7019970C-E604-4172-B6D5-672D56D7E06A}" type="slidenum">
               <a:rPr b="0" lang="de-DE" sz="1000" spc="-1" strike="noStrike">
                 <a:solidFill>
                   <a:srgbClr val="000000"/>
@@ -11192,14 +11123,14 @@
       </p:sp>
       <p:sp>
         <p:nvSpPr>
-          <p:cNvPr id="268" name="CustomShape 2"/>
+          <p:cNvPr id="267" name="CustomShape 2"/>
           <p:cNvSpPr/>
           <p:nvPr/>
         </p:nvSpPr>
         <p:spPr>
           <a:xfrm>
             <a:off x="522360" y="671400"/>
-            <a:ext cx="9646920" cy="947520"/>
+            <a:ext cx="9646200" cy="946800"/>
           </a:xfrm>
           <a:prstGeom prst="rect">
             <a:avLst/>
@@ -11252,14 +11183,14 @@
       </p:sp>
       <p:sp>
         <p:nvSpPr>
-          <p:cNvPr id="269" name="CustomShape 3"/>
+          <p:cNvPr id="268" name="CustomShape 3"/>
           <p:cNvSpPr/>
           <p:nvPr/>
         </p:nvSpPr>
         <p:spPr>
           <a:xfrm>
             <a:off x="522360" y="2138400"/>
-            <a:ext cx="8422920" cy="4520880"/>
+            <a:ext cx="8422200" cy="4520160"/>
           </a:xfrm>
           <a:prstGeom prst="rect">
             <a:avLst/>
@@ -11278,14 +11209,14 @@
       </p:sp>
       <p:sp>
         <p:nvSpPr>
-          <p:cNvPr id="270" name="CustomShape 4"/>
+          <p:cNvPr id="269" name="CustomShape 4"/>
           <p:cNvSpPr/>
           <p:nvPr/>
         </p:nvSpPr>
         <p:spPr>
           <a:xfrm>
             <a:off x="522360" y="2138400"/>
-            <a:ext cx="8422920" cy="4520880"/>
+            <a:ext cx="8422200" cy="4520160"/>
           </a:xfrm>
           <a:prstGeom prst="rect">
             <a:avLst/>
@@ -11304,14 +11235,14 @@
       </p:sp>
       <p:sp>
         <p:nvSpPr>
-          <p:cNvPr id="271" name="CustomShape 5"/>
+          <p:cNvPr id="270" name="CustomShape 5"/>
           <p:cNvSpPr/>
           <p:nvPr/>
         </p:nvSpPr>
         <p:spPr>
           <a:xfrm>
             <a:off x="536040" y="1769400"/>
-            <a:ext cx="8608320" cy="4384440"/>
+            <a:ext cx="8607600" cy="4383720"/>
           </a:xfrm>
           <a:prstGeom prst="rect">
             <a:avLst/>
@@ -11332,7 +11263,7 @@
             <a:normAutofit/>
           </a:bodyPr>
           <a:p>
-            <a:pPr marL="432000" indent="-322920">
+            <a:pPr marL="432000" indent="-322200">
               <a:lnSpc>
                 <a:spcPct val="100000"/>
               </a:lnSpc>
@@ -11361,7 +11292,7 @@
             </a:endParaRPr>
           </a:p>
           <a:p>
-            <a:pPr lvl="1" marL="864000" indent="-322920">
+            <a:pPr lvl="1" marL="864000" indent="-322200">
               <a:lnSpc>
                 <a:spcPct val="100000"/>
               </a:lnSpc>
@@ -11390,7 +11321,7 @@
             </a:endParaRPr>
           </a:p>
           <a:p>
-            <a:pPr lvl="1" marL="864000" indent="-322920">
+            <a:pPr lvl="1" marL="864000" indent="-322200">
               <a:lnSpc>
                 <a:spcPct val="100000"/>
               </a:lnSpc>
@@ -11419,7 +11350,7 @@
             </a:endParaRPr>
           </a:p>
           <a:p>
-            <a:pPr marL="432000" indent="-322920">
+            <a:pPr marL="432000" indent="-322200">
               <a:lnSpc>
                 <a:spcPct val="100000"/>
               </a:lnSpc>
@@ -11471,7 +11402,7 @@
       </p:sp>
       <p:pic>
         <p:nvPicPr>
-          <p:cNvPr id="272" name="" descr=""/>
+          <p:cNvPr id="271" name="" descr=""/>
           <p:cNvPicPr/>
           <p:nvPr/>
         </p:nvPicPr>
@@ -11482,7 +11413,7 @@
         <p:spPr>
           <a:xfrm>
             <a:off x="2304000" y="4619880"/>
-            <a:ext cx="5399640" cy="2075040"/>
+            <a:ext cx="5398920" cy="2074320"/>
           </a:xfrm>
           <a:prstGeom prst="rect">
             <a:avLst/>
@@ -11550,7 +11481,7 @@
         <p:spPr>
           <a:xfrm>
             <a:off x="8947080" y="7165800"/>
-            <a:ext cx="1222200" cy="226800"/>
+            <a:ext cx="1221480" cy="226080"/>
           </a:xfrm>
           <a:prstGeom prst="rect">
             <a:avLst/>
@@ -11584,7 +11515,7 @@
               </a:rPr>
               <a:t>Seite </a:t>
             </a:r>
-            <a:fld id="{16E9AF66-F702-4523-8C5E-8A2ABBFD33E3}" type="slidenum">
+            <a:fld id="{D1C061EB-B239-46C8-AEB9-7F93653CE6B6}" type="slidenum">
               <a:rPr b="0" lang="de-DE" sz="1000" spc="-1" strike="noStrike">
                 <a:solidFill>
                   <a:srgbClr val="000000"/>
@@ -11609,7 +11540,7 @@
         <p:spPr>
           <a:xfrm>
             <a:off x="522360" y="671400"/>
-            <a:ext cx="9646920" cy="947520"/>
+            <a:ext cx="9646200" cy="946800"/>
           </a:xfrm>
           <a:prstGeom prst="rect">
             <a:avLst/>
@@ -12228,14 +12159,14 @@
       </p:grpSpPr>
       <p:sp>
         <p:nvSpPr>
-          <p:cNvPr id="273" name="CustomShape 1"/>
+          <p:cNvPr id="272" name="CustomShape 1"/>
           <p:cNvSpPr/>
           <p:nvPr/>
         </p:nvSpPr>
         <p:spPr>
           <a:xfrm>
             <a:off x="8947080" y="7165800"/>
-            <a:ext cx="1222200" cy="226800"/>
+            <a:ext cx="1221480" cy="226080"/>
           </a:xfrm>
           <a:prstGeom prst="rect">
             <a:avLst/>
@@ -12269,7 +12200,7 @@
               </a:rPr>
               <a:t>Seite </a:t>
             </a:r>
-            <a:fld id="{D83F9D6A-B0F3-486E-9009-0ACAFEA62BCA}" type="slidenum">
+            <a:fld id="{3DC5B97D-BF4F-4510-8F65-CA7F996E8161}" type="slidenum">
               <a:rPr b="0" lang="de-DE" sz="1000" spc="-1" strike="noStrike">
                 <a:solidFill>
                   <a:srgbClr val="000000"/>
@@ -12287,14 +12218,14 @@
       </p:sp>
       <p:sp>
         <p:nvSpPr>
-          <p:cNvPr id="274" name="CustomShape 2"/>
+          <p:cNvPr id="273" name="CustomShape 2"/>
           <p:cNvSpPr/>
           <p:nvPr/>
         </p:nvSpPr>
         <p:spPr>
           <a:xfrm>
             <a:off x="522360" y="671400"/>
-            <a:ext cx="9646920" cy="947520"/>
+            <a:ext cx="9646200" cy="946800"/>
           </a:xfrm>
           <a:prstGeom prst="rect">
             <a:avLst/>
@@ -12347,14 +12278,14 @@
       </p:sp>
       <p:sp>
         <p:nvSpPr>
-          <p:cNvPr id="275" name="CustomShape 3"/>
+          <p:cNvPr id="274" name="CustomShape 3"/>
           <p:cNvSpPr/>
           <p:nvPr/>
         </p:nvSpPr>
         <p:spPr>
           <a:xfrm>
             <a:off x="522360" y="2138400"/>
-            <a:ext cx="8422920" cy="4520880"/>
+            <a:ext cx="8422200" cy="4520160"/>
           </a:xfrm>
           <a:prstGeom prst="rect">
             <a:avLst/>
@@ -12373,14 +12304,14 @@
       </p:sp>
       <p:sp>
         <p:nvSpPr>
-          <p:cNvPr id="276" name="CustomShape 4"/>
+          <p:cNvPr id="275" name="CustomShape 4"/>
           <p:cNvSpPr/>
           <p:nvPr/>
         </p:nvSpPr>
         <p:spPr>
           <a:xfrm>
             <a:off x="522360" y="2138400"/>
-            <a:ext cx="8422920" cy="4520880"/>
+            <a:ext cx="8422200" cy="4520160"/>
           </a:xfrm>
           <a:prstGeom prst="rect">
             <a:avLst/>
@@ -12399,23 +12330,23 @@
       </p:sp>
       <p:graphicFrame>
         <p:nvGraphicFramePr>
-          <p:cNvPr id="277" name="Table 5"/>
+          <p:cNvPr id="276" name="Table 5"/>
           <p:cNvGraphicFramePr/>
           <p:nvPr/>
         </p:nvGraphicFramePr>
         <p:xfrm>
-          <a:off x="604440" y="2023920"/>
-          <a:ext cx="7546680" cy="3615480"/>
+          <a:off x="495720" y="2871000"/>
+          <a:ext cx="8360280" cy="3615480"/>
         </p:xfrm>
         <a:graphic>
           <a:graphicData uri="http://schemas.openxmlformats.org/drawingml/2006/table">
             <a:tbl>
               <a:tblPr/>
               <a:tblGrid>
-                <a:gridCol w="1886040"/>
-                <a:gridCol w="1886040"/>
-                <a:gridCol w="1886040"/>
-                <a:gridCol w="1888920"/>
+                <a:gridCol w="2089080"/>
+                <a:gridCol w="2089080"/>
+                <a:gridCol w="2089080"/>
+                <a:gridCol w="2093040"/>
               </a:tblGrid>
               <a:tr h="903600">
                 <a:tc>
@@ -12447,8 +12378,13 @@
                 </a:tc>
                 <a:tc>
                   <a:txBody>
-                    <a:bodyPr lIns="90000" rIns="90000"/>
+                    <a:bodyPr lIns="90000" rIns="90000" anchor="ctr"/>
                     <a:p>
+                      <a:pPr algn="ctr">
+                        <a:lnSpc>
+                          <a:spcPct val="100000"/>
+                        </a:lnSpc>
+                      </a:pPr>
                       <a:r>
                         <a:rPr b="0" lang="de-DE" sz="1800" spc="-1" strike="noStrike">
                           <a:latin typeface="Arial"/>
@@ -12488,8 +12424,13 @@
                 </a:tc>
                 <a:tc>
                   <a:txBody>
-                    <a:bodyPr lIns="90000" rIns="90000"/>
+                    <a:bodyPr lIns="90000" rIns="90000" anchor="ctr"/>
                     <a:p>
+                      <a:pPr algn="ctr">
+                        <a:lnSpc>
+                          <a:spcPct val="100000"/>
+                        </a:lnSpc>
+                      </a:pPr>
                       <a:r>
                         <a:rPr b="0" lang="de-DE" sz="1800" spc="-1" strike="noStrike">
                           <a:latin typeface="Arial"/>
@@ -12529,8 +12470,13 @@
                 </a:tc>
                 <a:tc>
                   <a:txBody>
-                    <a:bodyPr lIns="90000" rIns="90000"/>
+                    <a:bodyPr lIns="90000" rIns="90000" anchor="ctr"/>
                     <a:p>
+                      <a:pPr algn="ctr">
+                        <a:lnSpc>
+                          <a:spcPct val="100000"/>
+                        </a:lnSpc>
+                      </a:pPr>
                       <a:r>
                         <a:rPr b="0" lang="de-DE" sz="1800" spc="-1" strike="noStrike">
                           <a:latin typeface="Arial"/>
@@ -12572,8 +12518,9 @@
               <a:tr h="903600">
                 <a:tc>
                   <a:txBody>
-                    <a:bodyPr lIns="90000" rIns="90000"/>
+                    <a:bodyPr lIns="90000" rIns="90000" anchor="ctr"/>
                     <a:p>
+                      <a:pPr algn="ctr"/>
                       <a:r>
                         <a:rPr b="0" lang="de-DE" sz="1800" spc="-1" strike="noStrike">
                           <a:latin typeface="Arial"/>
@@ -12613,8 +12560,13 @@
                 </a:tc>
                 <a:tc>
                   <a:txBody>
-                    <a:bodyPr lIns="90000" rIns="90000"/>
+                    <a:bodyPr lIns="90000" rIns="90000" anchor="ctr"/>
                     <a:p>
+                      <a:pPr algn="ctr">
+                        <a:lnSpc>
+                          <a:spcPct val="100000"/>
+                        </a:lnSpc>
+                      </a:pPr>
                       <a:r>
                         <a:rPr b="0" lang="de-DE" sz="1800" spc="-1" strike="noStrike">
                           <a:latin typeface="Arial"/>
@@ -12626,6 +12578,11 @@
                       </a:endParaRPr>
                     </a:p>
                     <a:p>
+                      <a:pPr algn="ctr">
+                        <a:lnSpc>
+                          <a:spcPct val="100000"/>
+                        </a:lnSpc>
+                      </a:pPr>
                       <a:r>
                         <a:rPr b="0" lang="de-DE" sz="1800" spc="-1" strike="noStrike">
                           <a:latin typeface="Arial"/>
@@ -12665,8 +12622,13 @@
                 </a:tc>
                 <a:tc>
                   <a:txBody>
-                    <a:bodyPr lIns="90000" rIns="90000"/>
+                    <a:bodyPr lIns="90000" rIns="90000" anchor="ctr"/>
                     <a:p>
+                      <a:pPr algn="ctr">
+                        <a:lnSpc>
+                          <a:spcPct val="100000"/>
+                        </a:lnSpc>
+                      </a:pPr>
                       <a:r>
                         <a:rPr b="0" lang="de-DE" sz="1800" spc="-1" strike="noStrike">
                           <a:latin typeface="Arial"/>
@@ -12706,8 +12668,13 @@
                 </a:tc>
                 <a:tc>
                   <a:txBody>
-                    <a:bodyPr lIns="90000" rIns="90000"/>
+                    <a:bodyPr lIns="90000" rIns="90000" anchor="ctr"/>
                     <a:p>
+                      <a:pPr algn="ctr">
+                        <a:lnSpc>
+                          <a:spcPct val="100000"/>
+                        </a:lnSpc>
+                      </a:pPr>
                       <a:r>
                         <a:rPr b="0" lang="de-DE" sz="1800" spc="-1" strike="noStrike">
                           <a:latin typeface="Arial"/>
@@ -12749,8 +12716,9 @@
               <a:tr h="903600">
                 <a:tc>
                   <a:txBody>
-                    <a:bodyPr lIns="90000" rIns="90000"/>
+                    <a:bodyPr lIns="90000" rIns="90000" anchor="ctr"/>
                     <a:p>
+                      <a:pPr algn="ctr"/>
                       <a:r>
                         <a:rPr b="0" lang="de-DE" sz="1800" spc="-1" strike="noStrike">
                           <a:latin typeface="Arial"/>
@@ -12790,8 +12758,13 @@
                 </a:tc>
                 <a:tc>
                   <a:txBody>
-                    <a:bodyPr lIns="90000" rIns="90000"/>
+                    <a:bodyPr lIns="90000" rIns="90000" anchor="ctr"/>
                     <a:p>
+                      <a:pPr algn="ctr">
+                        <a:lnSpc>
+                          <a:spcPct val="100000"/>
+                        </a:lnSpc>
+                      </a:pPr>
                       <a:r>
                         <a:rPr b="0" lang="de-DE" sz="1800" spc="-1" strike="noStrike">
                           <a:latin typeface="Arial"/>
@@ -12803,6 +12776,11 @@
                       </a:endParaRPr>
                     </a:p>
                     <a:p>
+                      <a:pPr algn="ctr">
+                        <a:lnSpc>
+                          <a:spcPct val="100000"/>
+                        </a:lnSpc>
+                      </a:pPr>
                       <a:r>
                         <a:rPr b="0" lang="de-DE" sz="1800" spc="-1" strike="noStrike">
                           <a:latin typeface="Arial"/>
@@ -12842,8 +12820,13 @@
                 </a:tc>
                 <a:tc>
                   <a:txBody>
-                    <a:bodyPr lIns="90000" rIns="90000"/>
+                    <a:bodyPr lIns="90000" rIns="90000" anchor="ctr"/>
                     <a:p>
+                      <a:pPr algn="ctr">
+                        <a:lnSpc>
+                          <a:spcPct val="100000"/>
+                        </a:lnSpc>
+                      </a:pPr>
                       <a:r>
                         <a:rPr b="0" lang="de-DE" sz="1800" spc="-1" strike="noStrike">
                           <a:latin typeface="Arial"/>
@@ -12883,8 +12866,13 @@
                 </a:tc>
                 <a:tc>
                   <a:txBody>
-                    <a:bodyPr lIns="90000" rIns="90000"/>
+                    <a:bodyPr lIns="90000" rIns="90000" anchor="ctr"/>
                     <a:p>
+                      <a:pPr algn="ctr">
+                        <a:lnSpc>
+                          <a:spcPct val="100000"/>
+                        </a:lnSpc>
+                      </a:pPr>
                       <a:r>
                         <a:rPr b="0" lang="de-DE" sz="1800" spc="-1" strike="noStrike">
                           <a:latin typeface="Arial"/>
@@ -12926,8 +12914,9 @@
               <a:tr h="905040">
                 <a:tc>
                   <a:txBody>
-                    <a:bodyPr lIns="90000" rIns="90000"/>
+                    <a:bodyPr lIns="90000" rIns="90000" anchor="ctr"/>
                     <a:p>
+                      <a:pPr algn="ctr"/>
                       <a:r>
                         <a:rPr b="0" lang="de-DE" sz="1800" spc="-1" strike="noStrike">
                           <a:latin typeface="Arial"/>
@@ -12967,8 +12956,13 @@
                 </a:tc>
                 <a:tc>
                   <a:txBody>
-                    <a:bodyPr lIns="90000" rIns="90000"/>
+                    <a:bodyPr lIns="90000" rIns="90000" anchor="ctr"/>
                     <a:p>
+                      <a:pPr algn="ctr">
+                        <a:lnSpc>
+                          <a:spcPct val="100000"/>
+                        </a:lnSpc>
+                      </a:pPr>
                       <a:r>
                         <a:rPr b="0" lang="de-DE" sz="1800" spc="-1" strike="noStrike">
                           <a:latin typeface="Arial"/>
@@ -12980,6 +12974,11 @@
                       </a:endParaRPr>
                     </a:p>
                     <a:p>
+                      <a:pPr algn="ctr">
+                        <a:lnSpc>
+                          <a:spcPct val="100000"/>
+                        </a:lnSpc>
+                      </a:pPr>
                       <a:r>
                         <a:rPr b="0" lang="de-DE" sz="1800" spc="-1" strike="noStrike">
                           <a:latin typeface="Arial"/>
@@ -12991,6 +12990,11 @@
                       </a:endParaRPr>
                     </a:p>
                     <a:p>
+                      <a:pPr algn="ctr">
+                        <a:lnSpc>
+                          <a:spcPct val="100000"/>
+                        </a:lnSpc>
+                      </a:pPr>
                       <a:r>
                         <a:rPr b="0" lang="de-DE" sz="1800" spc="-1" strike="noStrike">
                           <a:latin typeface="Arial"/>
@@ -13030,8 +13034,13 @@
                 </a:tc>
                 <a:tc>
                   <a:txBody>
-                    <a:bodyPr lIns="90000" rIns="90000"/>
+                    <a:bodyPr lIns="90000" rIns="90000" anchor="ctr"/>
                     <a:p>
+                      <a:pPr algn="ctr">
+                        <a:lnSpc>
+                          <a:spcPct val="100000"/>
+                        </a:lnSpc>
+                      </a:pPr>
                       <a:r>
                         <a:rPr b="0" lang="de-DE" sz="1800" spc="-1" strike="noStrike">
                           <a:latin typeface="Arial"/>
@@ -13071,8 +13080,13 @@
                 </a:tc>
                 <a:tc>
                   <a:txBody>
-                    <a:bodyPr lIns="90000" rIns="90000"/>
+                    <a:bodyPr lIns="90000" rIns="90000" anchor="ctr"/>
                     <a:p>
+                      <a:pPr algn="ctr">
+                        <a:lnSpc>
+                          <a:spcPct val="100000"/>
+                        </a:lnSpc>
+                      </a:pPr>
                       <a:r>
                         <a:rPr b="0" lang="de-DE" sz="1800" spc="-1" strike="noStrike">
                           <a:latin typeface="Arial"/>
@@ -13115,6 +13129,76 @@
           </a:graphicData>
         </a:graphic>
       </p:graphicFrame>
+      <p:sp>
+        <p:nvSpPr>
+          <p:cNvPr id="277" name="CustomShape 6"/>
+          <p:cNvSpPr/>
+          <p:nvPr/>
+        </p:nvSpPr>
+        <p:spPr>
+          <a:xfrm>
+            <a:off x="535680" y="1769400"/>
+            <a:ext cx="8607600" cy="966600"/>
+          </a:xfrm>
+          <a:prstGeom prst="rect">
+            <a:avLst/>
+          </a:prstGeom>
+          <a:noFill/>
+          <a:ln>
+            <a:noFill/>
+          </a:ln>
+        </p:spPr>
+        <p:style>
+          <a:lnRef idx="0"/>
+          <a:fillRef idx="0"/>
+          <a:effectRef idx="0"/>
+          <a:fontRef idx="minor"/>
+        </p:style>
+        <p:txBody>
+          <a:bodyPr lIns="0" rIns="0" tIns="0" bIns="0">
+            <a:normAutofit/>
+          </a:bodyPr>
+          <a:p>
+            <a:pPr marL="432000" indent="-322200">
+              <a:lnSpc>
+                <a:spcPct val="100000"/>
+              </a:lnSpc>
+              <a:spcBef>
+                <a:spcPts val="1417"/>
+              </a:spcBef>
+              <a:buClr>
+                <a:srgbClr val="000000"/>
+              </a:buClr>
+              <a:buSzPct val="45000"/>
+              <a:buFont typeface="Wingdings" charset="2"/>
+              <a:buChar char=""/>
+            </a:pPr>
+            <a:r>
+              <a:rPr b="0" lang="de-DE" sz="3200" spc="-1" strike="noStrike">
+                <a:solidFill>
+                  <a:srgbClr val="000000"/>
+                </a:solidFill>
+                <a:latin typeface="Arial"/>
+                <a:ea typeface="DejaVu Sans"/>
+              </a:rPr>
+              <a:t>„</a:t>
+            </a:r>
+            <a:r>
+              <a:rPr b="0" lang="de-DE" sz="3200" spc="-1" strike="noStrike">
+                <a:solidFill>
+                  <a:srgbClr val="000000"/>
+                </a:solidFill>
+                <a:latin typeface="Arial"/>
+                <a:ea typeface="DejaVu Sans"/>
+              </a:rPr>
+              <a:t>Caltech 101“ als Testdaten</a:t>
+            </a:r>
+            <a:endParaRPr b="0" lang="de-DE" sz="3200" spc="-1" strike="noStrike">
+              <a:latin typeface="Arial"/>
+            </a:endParaRPr>
+          </a:p>
+        </p:txBody>
+      </p:sp>
     </p:spTree>
   </p:cSld>
   <p:timing>
@@ -13173,7 +13257,7 @@
         <p:spPr>
           <a:xfrm>
             <a:off x="8947080" y="7165800"/>
-            <a:ext cx="1222200" cy="226800"/>
+            <a:ext cx="1221480" cy="226080"/>
           </a:xfrm>
           <a:prstGeom prst="rect">
             <a:avLst/>
@@ -13207,7 +13291,7 @@
               </a:rPr>
               <a:t>Seite </a:t>
             </a:r>
-            <a:fld id="{BEF9EE33-CC43-4FD2-A8A8-B6DE28C97E08}" type="slidenum">
+            <a:fld id="{D62D9ECA-BF0B-4F6E-8095-3A762EA94961}" type="slidenum">
               <a:rPr b="0" lang="de-DE" sz="1000" spc="-1" strike="noStrike">
                 <a:solidFill>
                   <a:srgbClr val="000000"/>
@@ -13232,7 +13316,7 @@
         <p:spPr>
           <a:xfrm>
             <a:off x="522360" y="671400"/>
-            <a:ext cx="9646920" cy="947520"/>
+            <a:ext cx="9646200" cy="946800"/>
           </a:xfrm>
           <a:prstGeom prst="rect">
             <a:avLst/>
@@ -13292,7 +13376,7 @@
         <p:spPr>
           <a:xfrm>
             <a:off x="522360" y="2138400"/>
-            <a:ext cx="8422920" cy="4520880"/>
+            <a:ext cx="8422200" cy="4520160"/>
           </a:xfrm>
           <a:prstGeom prst="rect">
             <a:avLst/>
@@ -13318,7 +13402,7 @@
         <p:spPr>
           <a:xfrm>
             <a:off x="522360" y="2138400"/>
-            <a:ext cx="8422920" cy="4520880"/>
+            <a:ext cx="8422200" cy="4520160"/>
           </a:xfrm>
           <a:prstGeom prst="rect">
             <a:avLst/>
@@ -13348,7 +13432,7 @@
         <p:spPr>
           <a:xfrm>
             <a:off x="504000" y="1728000"/>
-            <a:ext cx="5470920" cy="2426040"/>
+            <a:ext cx="5470200" cy="2425320"/>
           </a:xfrm>
           <a:prstGeom prst="rect">
             <a:avLst/>
@@ -13371,7 +13455,7 @@
         <p:spPr>
           <a:xfrm>
             <a:off x="504000" y="4320000"/>
-            <a:ext cx="5470920" cy="2426760"/>
+            <a:ext cx="5470200" cy="2426040"/>
           </a:xfrm>
           <a:prstGeom prst="rect">
             <a:avLst/>
@@ -13389,8 +13473,8 @@
         </p:nvSpPr>
         <p:spPr>
           <a:xfrm>
-            <a:off x="6120000" y="1769760"/>
-            <a:ext cx="3382920" cy="2333160"/>
+            <a:off x="792000" y="1863360"/>
+            <a:ext cx="791640" cy="368280"/>
           </a:xfrm>
           <a:prstGeom prst="rect">
             <a:avLst/>
@@ -13411,19 +13495,13 @@
             <a:normAutofit/>
           </a:bodyPr>
           <a:p>
-            <a:pPr marL="432000" indent="-322920">
+            <a:pPr>
               <a:lnSpc>
                 <a:spcPct val="100000"/>
               </a:lnSpc>
               <a:spcBef>
                 <a:spcPts val="1417"/>
               </a:spcBef>
-              <a:buClr>
-                <a:srgbClr val="000000"/>
-              </a:buClr>
-              <a:buSzPct val="45000"/>
-              <a:buFont typeface="Wingdings" charset="2"/>
-              <a:buChar char=""/>
             </a:pPr>
             <a:r>
               <a:rPr b="0" lang="de-DE" sz="2600" spc="-1" strike="noStrike">
@@ -13435,6 +13513,19 @@
               </a:rPr>
               <a:t>SIFT</a:t>
             </a:r>
+            <a:endParaRPr b="0" lang="de-DE" sz="2600" spc="-1" strike="noStrike">
+              <a:latin typeface="Arial"/>
+            </a:endParaRPr>
+          </a:p>
+          <a:p>
+            <a:pPr>
+              <a:lnSpc>
+                <a:spcPct val="100000"/>
+              </a:lnSpc>
+              <a:spcBef>
+                <a:spcPts val="283"/>
+              </a:spcBef>
+            </a:pPr>
             <a:endParaRPr b="0" lang="de-DE" sz="2600" spc="-1" strike="noStrike">
               <a:latin typeface="Arial"/>
             </a:endParaRPr>
@@ -13449,8 +13540,8 @@
         </p:nvSpPr>
         <p:spPr>
           <a:xfrm>
-            <a:off x="6120000" y="4392000"/>
-            <a:ext cx="3382920" cy="2333160"/>
+            <a:off x="792000" y="4392000"/>
+            <a:ext cx="1943640" cy="431640"/>
           </a:xfrm>
           <a:prstGeom prst="rect">
             <a:avLst/>
@@ -13471,19 +13562,13 @@
             <a:normAutofit/>
           </a:bodyPr>
           <a:p>
-            <a:pPr marL="432000" indent="-322920">
+            <a:pPr>
               <a:lnSpc>
                 <a:spcPct val="100000"/>
               </a:lnSpc>
               <a:spcBef>
                 <a:spcPts val="1417"/>
               </a:spcBef>
-              <a:buClr>
-                <a:srgbClr val="000000"/>
-              </a:buClr>
-              <a:buSzPct val="45000"/>
-              <a:buFont typeface="Wingdings" charset="2"/>
-              <a:buChar char=""/>
             </a:pPr>
             <a:r>
               <a:rPr b="0" lang="de-DE" sz="2600" spc="-1" strike="noStrike">
@@ -13493,7 +13578,7 @@
                 <a:latin typeface="Arial"/>
                 <a:ea typeface="DejaVu Sans"/>
               </a:rPr>
-              <a:t>AE</a:t>
+              <a:t>Autoencoder</a:t>
             </a:r>
             <a:endParaRPr b="0" lang="de-DE" sz="2600" spc="-1" strike="noStrike">
               <a:latin typeface="Arial"/>
@@ -13501,6 +13586,1499 @@
           </a:p>
         </p:txBody>
       </p:sp>
+      <p:graphicFrame>
+        <p:nvGraphicFramePr>
+          <p:cNvPr id="286" name="Table 7"/>
+          <p:cNvGraphicFramePr/>
+          <p:nvPr/>
+        </p:nvGraphicFramePr>
+        <p:xfrm>
+          <a:off x="6413040" y="4354920"/>
+          <a:ext cx="1752120" cy="1953360"/>
+        </p:xfrm>
+        <a:graphic>
+          <a:graphicData uri="http://schemas.openxmlformats.org/drawingml/2006/table">
+            <a:tbl>
+              <a:tblPr/>
+              <a:tblGrid>
+                <a:gridCol w="775440"/>
+                <a:gridCol w="977040"/>
+              </a:tblGrid>
+              <a:tr h="291600">
+                <a:tc>
+                  <a:txBody>
+                    <a:bodyPr lIns="90000" rIns="90000" tIns="46800" bIns="46800"/>
+                    <a:p>
+                      <a:pPr algn="ctr">
+                        <a:lnSpc>
+                          <a:spcPct val="100000"/>
+                        </a:lnSpc>
+                      </a:pPr>
+                      <a:r>
+                        <a:rPr b="0" lang="de-DE" sz="1400" spc="-1" strike="noStrike">
+                          <a:latin typeface="Arial"/>
+                        </a:rPr>
+                        <a:t>k</a:t>
+                      </a:r>
+                      <a:endParaRPr b="0" lang="de-DE" sz="1400" spc="-1" strike="noStrike">
+                        <a:latin typeface="Arial"/>
+                      </a:endParaRPr>
+                    </a:p>
+                  </a:txBody>
+                  <a:tcPr marL="90000" marR="90000">
+                    <a:lnL w="720">
+                      <a:solidFill>
+                        <a:srgbClr val="ffffff"/>
+                      </a:solidFill>
+                    </a:lnL>
+                    <a:lnR w="720">
+                      <a:solidFill>
+                        <a:srgbClr val="ffffff"/>
+                      </a:solidFill>
+                    </a:lnR>
+                    <a:lnT w="720">
+                      <a:solidFill>
+                        <a:srgbClr val="ffffff"/>
+                      </a:solidFill>
+                    </a:lnT>
+                    <a:lnB w="720">
+                      <a:solidFill>
+                        <a:srgbClr val="ffffff"/>
+                      </a:solidFill>
+                    </a:lnB>
+                    <a:solidFill>
+                      <a:srgbClr val="ff6633"/>
+                    </a:solidFill>
+                  </a:tcPr>
+                </a:tc>
+                <a:tc>
+                  <a:txBody>
+                    <a:bodyPr lIns="90000" rIns="90000" tIns="46800" bIns="46800"/>
+                    <a:p>
+                      <a:pPr algn="ctr">
+                        <a:lnSpc>
+                          <a:spcPct val="100000"/>
+                        </a:lnSpc>
+                      </a:pPr>
+                      <a:r>
+                        <a:rPr b="0" lang="de-DE" sz="1400" spc="-1" strike="noStrike">
+                          <a:latin typeface="Arial"/>
+                        </a:rPr>
+                        <a:t>AUC in %</a:t>
+                      </a:r>
+                      <a:endParaRPr b="0" lang="de-DE" sz="1400" spc="-1" strike="noStrike">
+                        <a:latin typeface="Arial"/>
+                      </a:endParaRPr>
+                    </a:p>
+                  </a:txBody>
+                  <a:tcPr marL="90000" marR="90000">
+                    <a:lnL w="720">
+                      <a:solidFill>
+                        <a:srgbClr val="ffffff"/>
+                      </a:solidFill>
+                    </a:lnL>
+                    <a:lnR w="720">
+                      <a:solidFill>
+                        <a:srgbClr val="ffffff"/>
+                      </a:solidFill>
+                    </a:lnR>
+                    <a:lnT w="720">
+                      <a:solidFill>
+                        <a:srgbClr val="ffffff"/>
+                      </a:solidFill>
+                    </a:lnT>
+                    <a:lnB w="720">
+                      <a:solidFill>
+                        <a:srgbClr val="ffffff"/>
+                      </a:solidFill>
+                    </a:lnB>
+                    <a:solidFill>
+                      <a:srgbClr val="ff6633"/>
+                    </a:solidFill>
+                  </a:tcPr>
+                </a:tc>
+              </a:tr>
+              <a:tr h="291600">
+                <a:tc>
+                  <a:txBody>
+                    <a:bodyPr lIns="90000" rIns="90000" tIns="46800" bIns="46800"/>
+                    <a:p>
+                      <a:pPr algn="r">
+                        <a:lnSpc>
+                          <a:spcPct val="100000"/>
+                        </a:lnSpc>
+                      </a:pPr>
+                      <a:r>
+                        <a:rPr b="0" lang="de-DE" sz="1400" spc="-1" strike="noStrike">
+                          <a:latin typeface="Arial"/>
+                        </a:rPr>
+                        <a:t>5</a:t>
+                      </a:r>
+                      <a:endParaRPr b="0" lang="de-DE" sz="1400" spc="-1" strike="noStrike">
+                        <a:latin typeface="Arial"/>
+                      </a:endParaRPr>
+                    </a:p>
+                  </a:txBody>
+                  <a:tcPr marL="90000" marR="90000">
+                    <a:lnL w="720">
+                      <a:solidFill>
+                        <a:srgbClr val="ffffff"/>
+                      </a:solidFill>
+                    </a:lnL>
+                    <a:lnR w="720">
+                      <a:solidFill>
+                        <a:srgbClr val="ffffff"/>
+                      </a:solidFill>
+                    </a:lnR>
+                    <a:lnT w="720">
+                      <a:solidFill>
+                        <a:srgbClr val="ffffff"/>
+                      </a:solidFill>
+                    </a:lnT>
+                    <a:lnB w="720">
+                      <a:solidFill>
+                        <a:srgbClr val="ffffff"/>
+                      </a:solidFill>
+                    </a:lnB>
+                    <a:solidFill>
+                      <a:srgbClr val="ff9966"/>
+                    </a:solidFill>
+                  </a:tcPr>
+                </a:tc>
+                <a:tc>
+                  <a:txBody>
+                    <a:bodyPr lIns="90000" rIns="90000" tIns="46800" bIns="46800"/>
+                    <a:p>
+                      <a:pPr algn="r"/>
+                      <a:r>
+                        <a:rPr b="0" lang="de-DE" sz="1400" spc="-1" strike="noStrike">
+                          <a:latin typeface="Arial"/>
+                        </a:rPr>
+                        <a:t>58.50</a:t>
+                      </a:r>
+                      <a:endParaRPr b="0" lang="de-DE" sz="1400" spc="-1" strike="noStrike">
+                        <a:latin typeface="Arial"/>
+                      </a:endParaRPr>
+                    </a:p>
+                  </a:txBody>
+                  <a:tcPr marL="90000" marR="90000">
+                    <a:lnL w="720">
+                      <a:solidFill>
+                        <a:srgbClr val="ffffff"/>
+                      </a:solidFill>
+                    </a:lnL>
+                    <a:lnR w="720">
+                      <a:solidFill>
+                        <a:srgbClr val="ffffff"/>
+                      </a:solidFill>
+                    </a:lnR>
+                    <a:lnT w="720">
+                      <a:solidFill>
+                        <a:srgbClr val="ffffff"/>
+                      </a:solidFill>
+                    </a:lnT>
+                    <a:lnB w="720">
+                      <a:solidFill>
+                        <a:srgbClr val="ffffff"/>
+                      </a:solidFill>
+                    </a:lnB>
+                    <a:solidFill>
+                      <a:srgbClr val="ff9966"/>
+                    </a:solidFill>
+                  </a:tcPr>
+                </a:tc>
+              </a:tr>
+              <a:tr h="291600">
+                <a:tc>
+                  <a:txBody>
+                    <a:bodyPr lIns="90000" rIns="90000" tIns="46800" bIns="46800"/>
+                    <a:p>
+                      <a:pPr algn="r">
+                        <a:lnSpc>
+                          <a:spcPct val="100000"/>
+                        </a:lnSpc>
+                      </a:pPr>
+                      <a:r>
+                        <a:rPr b="0" lang="de-DE" sz="1400" spc="-1" strike="noStrike">
+                          <a:latin typeface="Arial"/>
+                        </a:rPr>
+                        <a:t>10</a:t>
+                      </a:r>
+                      <a:endParaRPr b="0" lang="de-DE" sz="1400" spc="-1" strike="noStrike">
+                        <a:latin typeface="Arial"/>
+                      </a:endParaRPr>
+                    </a:p>
+                  </a:txBody>
+                  <a:tcPr marL="90000" marR="90000">
+                    <a:lnL w="720">
+                      <a:solidFill>
+                        <a:srgbClr val="ffffff"/>
+                      </a:solidFill>
+                    </a:lnL>
+                    <a:lnR w="720">
+                      <a:solidFill>
+                        <a:srgbClr val="ffffff"/>
+                      </a:solidFill>
+                    </a:lnR>
+                    <a:lnT w="720">
+                      <a:solidFill>
+                        <a:srgbClr val="ffffff"/>
+                      </a:solidFill>
+                    </a:lnT>
+                    <a:lnB w="720">
+                      <a:solidFill>
+                        <a:srgbClr val="ffffff"/>
+                      </a:solidFill>
+                    </a:lnB>
+                    <a:solidFill>
+                      <a:srgbClr val="ffcc99"/>
+                    </a:solidFill>
+                  </a:tcPr>
+                </a:tc>
+                <a:tc>
+                  <a:txBody>
+                    <a:bodyPr lIns="90000" rIns="90000" tIns="46800" bIns="46800"/>
+                    <a:p>
+                      <a:pPr algn="r"/>
+                      <a:r>
+                        <a:rPr b="0" lang="de-DE" sz="1400" spc="-1" strike="noStrike">
+                          <a:latin typeface="Arial"/>
+                        </a:rPr>
+                        <a:t>54.56</a:t>
+                      </a:r>
+                      <a:endParaRPr b="0" lang="de-DE" sz="1400" spc="-1" strike="noStrike">
+                        <a:latin typeface="Arial"/>
+                      </a:endParaRPr>
+                    </a:p>
+                  </a:txBody>
+                  <a:tcPr marL="90000" marR="90000">
+                    <a:lnL w="720">
+                      <a:solidFill>
+                        <a:srgbClr val="ffffff"/>
+                      </a:solidFill>
+                    </a:lnL>
+                    <a:lnR w="720">
+                      <a:solidFill>
+                        <a:srgbClr val="ffffff"/>
+                      </a:solidFill>
+                    </a:lnR>
+                    <a:lnT w="720">
+                      <a:solidFill>
+                        <a:srgbClr val="ffffff"/>
+                      </a:solidFill>
+                    </a:lnT>
+                    <a:lnB w="720">
+                      <a:solidFill>
+                        <a:srgbClr val="ffffff"/>
+                      </a:solidFill>
+                    </a:lnB>
+                    <a:solidFill>
+                      <a:srgbClr val="ffcc99"/>
+                    </a:solidFill>
+                  </a:tcPr>
+                </a:tc>
+              </a:tr>
+              <a:tr h="291600">
+                <a:tc>
+                  <a:txBody>
+                    <a:bodyPr lIns="90000" rIns="90000" tIns="46800" bIns="46800"/>
+                    <a:p>
+                      <a:pPr algn="r">
+                        <a:lnSpc>
+                          <a:spcPct val="100000"/>
+                        </a:lnSpc>
+                      </a:pPr>
+                      <a:r>
+                        <a:rPr b="0" lang="de-DE" sz="1400" spc="-1" strike="noStrike">
+                          <a:latin typeface="Arial"/>
+                        </a:rPr>
+                        <a:t>20</a:t>
+                      </a:r>
+                      <a:endParaRPr b="0" lang="de-DE" sz="1400" spc="-1" strike="noStrike">
+                        <a:latin typeface="Arial"/>
+                      </a:endParaRPr>
+                    </a:p>
+                  </a:txBody>
+                  <a:tcPr marL="90000" marR="90000">
+                    <a:lnL w="720">
+                      <a:solidFill>
+                        <a:srgbClr val="ffffff"/>
+                      </a:solidFill>
+                    </a:lnL>
+                    <a:lnR w="720">
+                      <a:solidFill>
+                        <a:srgbClr val="ffffff"/>
+                      </a:solidFill>
+                    </a:lnR>
+                    <a:lnT w="720">
+                      <a:solidFill>
+                        <a:srgbClr val="ffffff"/>
+                      </a:solidFill>
+                    </a:lnT>
+                    <a:lnB w="720">
+                      <a:solidFill>
+                        <a:srgbClr val="ffffff"/>
+                      </a:solidFill>
+                    </a:lnB>
+                    <a:solidFill>
+                      <a:srgbClr val="ff9966"/>
+                    </a:solidFill>
+                  </a:tcPr>
+                </a:tc>
+                <a:tc>
+                  <a:txBody>
+                    <a:bodyPr lIns="90000" rIns="90000" tIns="46800" bIns="46800"/>
+                    <a:p>
+                      <a:pPr algn="r"/>
+                      <a:r>
+                        <a:rPr b="0" lang="de-DE" sz="1400" spc="-1" strike="noStrike">
+                          <a:latin typeface="Arial"/>
+                        </a:rPr>
+                        <a:t>56.37</a:t>
+                      </a:r>
+                      <a:endParaRPr b="0" lang="de-DE" sz="1400" spc="-1" strike="noStrike">
+                        <a:latin typeface="Arial"/>
+                      </a:endParaRPr>
+                    </a:p>
+                  </a:txBody>
+                  <a:tcPr marL="90000" marR="90000">
+                    <a:lnL w="720">
+                      <a:solidFill>
+                        <a:srgbClr val="ffffff"/>
+                      </a:solidFill>
+                    </a:lnL>
+                    <a:lnR w="720">
+                      <a:solidFill>
+                        <a:srgbClr val="ffffff"/>
+                      </a:solidFill>
+                    </a:lnR>
+                    <a:lnT w="720">
+                      <a:solidFill>
+                        <a:srgbClr val="ffffff"/>
+                      </a:solidFill>
+                    </a:lnT>
+                    <a:lnB w="720">
+                      <a:solidFill>
+                        <a:srgbClr val="ffffff"/>
+                      </a:solidFill>
+                    </a:lnB>
+                    <a:solidFill>
+                      <a:srgbClr val="ff9966"/>
+                    </a:solidFill>
+                  </a:tcPr>
+                </a:tc>
+              </a:tr>
+              <a:tr h="291600">
+                <a:tc>
+                  <a:txBody>
+                    <a:bodyPr lIns="90000" rIns="90000" tIns="46800" bIns="46800"/>
+                    <a:p>
+                      <a:pPr algn="r">
+                        <a:lnSpc>
+                          <a:spcPct val="100000"/>
+                        </a:lnSpc>
+                      </a:pPr>
+                      <a:r>
+                        <a:rPr b="0" lang="de-DE" sz="1400" spc="-1" strike="noStrike">
+                          <a:latin typeface="Arial"/>
+                        </a:rPr>
+                        <a:t>50</a:t>
+                      </a:r>
+                      <a:endParaRPr b="0" lang="de-DE" sz="1400" spc="-1" strike="noStrike">
+                        <a:latin typeface="Arial"/>
+                      </a:endParaRPr>
+                    </a:p>
+                  </a:txBody>
+                  <a:tcPr marL="90000" marR="90000">
+                    <a:lnL w="720">
+                      <a:solidFill>
+                        <a:srgbClr val="ffffff"/>
+                      </a:solidFill>
+                    </a:lnL>
+                    <a:lnR w="720">
+                      <a:solidFill>
+                        <a:srgbClr val="ffffff"/>
+                      </a:solidFill>
+                    </a:lnR>
+                    <a:lnT w="720">
+                      <a:solidFill>
+                        <a:srgbClr val="ffffff"/>
+                      </a:solidFill>
+                    </a:lnT>
+                    <a:lnB w="720">
+                      <a:solidFill>
+                        <a:srgbClr val="ffffff"/>
+                      </a:solidFill>
+                    </a:lnB>
+                    <a:solidFill>
+                      <a:srgbClr val="ffcc99"/>
+                    </a:solidFill>
+                  </a:tcPr>
+                </a:tc>
+                <a:tc>
+                  <a:txBody>
+                    <a:bodyPr lIns="90000" rIns="90000" tIns="46800" bIns="46800"/>
+                    <a:p>
+                      <a:pPr algn="r"/>
+                      <a:r>
+                        <a:rPr b="0" lang="de-DE" sz="1400" spc="-1" strike="noStrike">
+                          <a:latin typeface="Arial"/>
+                        </a:rPr>
+                        <a:t>57.78</a:t>
+                      </a:r>
+                      <a:endParaRPr b="0" lang="de-DE" sz="1400" spc="-1" strike="noStrike">
+                        <a:latin typeface="Arial"/>
+                      </a:endParaRPr>
+                    </a:p>
+                  </a:txBody>
+                  <a:tcPr marL="90000" marR="90000">
+                    <a:lnL w="720">
+                      <a:solidFill>
+                        <a:srgbClr val="ffffff"/>
+                      </a:solidFill>
+                    </a:lnL>
+                    <a:lnR w="720">
+                      <a:solidFill>
+                        <a:srgbClr val="ffffff"/>
+                      </a:solidFill>
+                    </a:lnR>
+                    <a:lnT w="720">
+                      <a:solidFill>
+                        <a:srgbClr val="ffffff"/>
+                      </a:solidFill>
+                    </a:lnT>
+                    <a:lnB w="720">
+                      <a:solidFill>
+                        <a:srgbClr val="ffffff"/>
+                      </a:solidFill>
+                    </a:lnB>
+                    <a:solidFill>
+                      <a:srgbClr val="ffcc99"/>
+                    </a:solidFill>
+                  </a:tcPr>
+                </a:tc>
+              </a:tr>
+              <a:tr h="291600">
+                <a:tc>
+                  <a:txBody>
+                    <a:bodyPr lIns="90000" rIns="90000" tIns="46800" bIns="46800"/>
+                    <a:p>
+                      <a:pPr algn="r">
+                        <a:lnSpc>
+                          <a:spcPct val="100000"/>
+                        </a:lnSpc>
+                      </a:pPr>
+                      <a:r>
+                        <a:rPr b="0" lang="de-DE" sz="1400" spc="-1" strike="noStrike">
+                          <a:latin typeface="Arial"/>
+                        </a:rPr>
+                        <a:t>90</a:t>
+                      </a:r>
+                      <a:endParaRPr b="0" lang="de-DE" sz="1400" spc="-1" strike="noStrike">
+                        <a:latin typeface="Arial"/>
+                      </a:endParaRPr>
+                    </a:p>
+                  </a:txBody>
+                  <a:tcPr marL="90000" marR="90000">
+                    <a:lnL w="720">
+                      <a:solidFill>
+                        <a:srgbClr val="ffffff"/>
+                      </a:solidFill>
+                    </a:lnL>
+                    <a:lnR w="720">
+                      <a:solidFill>
+                        <a:srgbClr val="ffffff"/>
+                      </a:solidFill>
+                    </a:lnR>
+                    <a:lnT w="720">
+                      <a:solidFill>
+                        <a:srgbClr val="ffffff"/>
+                      </a:solidFill>
+                    </a:lnT>
+                    <a:lnB w="720">
+                      <a:solidFill>
+                        <a:srgbClr val="ffffff"/>
+                      </a:solidFill>
+                    </a:lnB>
+                    <a:solidFill>
+                      <a:srgbClr val="ff9966"/>
+                    </a:solidFill>
+                  </a:tcPr>
+                </a:tc>
+                <a:tc>
+                  <a:txBody>
+                    <a:bodyPr lIns="90000" rIns="90000" tIns="46800" bIns="46800"/>
+                    <a:p>
+                      <a:pPr algn="r"/>
+                      <a:r>
+                        <a:rPr b="0" lang="de-DE" sz="1400" spc="-1" strike="noStrike">
+                          <a:latin typeface="Arial"/>
+                        </a:rPr>
+                        <a:t>53.62</a:t>
+                      </a:r>
+                      <a:endParaRPr b="0" lang="de-DE" sz="1400" spc="-1" strike="noStrike">
+                        <a:latin typeface="Arial"/>
+                      </a:endParaRPr>
+                    </a:p>
+                  </a:txBody>
+                  <a:tcPr marL="90000" marR="90000">
+                    <a:lnL w="720">
+                      <a:solidFill>
+                        <a:srgbClr val="ffffff"/>
+                      </a:solidFill>
+                    </a:lnL>
+                    <a:lnR w="720">
+                      <a:solidFill>
+                        <a:srgbClr val="ffffff"/>
+                      </a:solidFill>
+                    </a:lnR>
+                    <a:lnT w="720">
+                      <a:solidFill>
+                        <a:srgbClr val="ffffff"/>
+                      </a:solidFill>
+                    </a:lnT>
+                    <a:lnB w="720">
+                      <a:solidFill>
+                        <a:srgbClr val="ffffff"/>
+                      </a:solidFill>
+                    </a:lnB>
+                    <a:solidFill>
+                      <a:srgbClr val="ff9966"/>
+                    </a:solidFill>
+                  </a:tcPr>
+                </a:tc>
+              </a:tr>
+              <a:tr h="291600">
+                <a:tc>
+                  <a:txBody>
+                    <a:bodyPr lIns="90000" rIns="90000" tIns="46800" bIns="46800"/>
+                    <a:p>
+                      <a:pPr algn="r">
+                        <a:lnSpc>
+                          <a:spcPct val="100000"/>
+                        </a:lnSpc>
+                      </a:pPr>
+                      <a:r>
+                        <a:rPr b="0" lang="de-DE" sz="1400" spc="-1" strike="noStrike">
+                          <a:latin typeface="Arial"/>
+                        </a:rPr>
+                        <a:t>200</a:t>
+                      </a:r>
+                      <a:endParaRPr b="0" lang="de-DE" sz="1400" spc="-1" strike="noStrike">
+                        <a:latin typeface="Arial"/>
+                      </a:endParaRPr>
+                    </a:p>
+                  </a:txBody>
+                  <a:tcPr marL="90000" marR="90000">
+                    <a:lnL w="720">
+                      <a:solidFill>
+                        <a:srgbClr val="ffffff"/>
+                      </a:solidFill>
+                    </a:lnL>
+                    <a:lnR w="720">
+                      <a:solidFill>
+                        <a:srgbClr val="ffffff"/>
+                      </a:solidFill>
+                    </a:lnR>
+                    <a:lnT w="720">
+                      <a:solidFill>
+                        <a:srgbClr val="ffffff"/>
+                      </a:solidFill>
+                    </a:lnT>
+                    <a:lnB w="720">
+                      <a:solidFill>
+                        <a:srgbClr val="ffffff"/>
+                      </a:solidFill>
+                    </a:lnB>
+                    <a:solidFill>
+                      <a:srgbClr val="ffcc99"/>
+                    </a:solidFill>
+                  </a:tcPr>
+                </a:tc>
+                <a:tc>
+                  <a:txBody>
+                    <a:bodyPr lIns="90000" rIns="90000" tIns="46800" bIns="46800"/>
+                    <a:p>
+                      <a:pPr algn="r"/>
+                      <a:r>
+                        <a:rPr b="1" lang="de-DE" sz="1400" spc="-1" strike="noStrike">
+                          <a:latin typeface="Arial"/>
+                        </a:rPr>
+                        <a:t>60.49</a:t>
+                      </a:r>
+                      <a:endParaRPr b="1" lang="de-DE" sz="1400" spc="-1" strike="noStrike">
+                        <a:latin typeface="Arial"/>
+                      </a:endParaRPr>
+                    </a:p>
+                  </a:txBody>
+                  <a:tcPr marL="90000" marR="90000">
+                    <a:lnL w="720">
+                      <a:solidFill>
+                        <a:srgbClr val="ffffff"/>
+                      </a:solidFill>
+                    </a:lnL>
+                    <a:lnR w="720">
+                      <a:solidFill>
+                        <a:srgbClr val="ffffff"/>
+                      </a:solidFill>
+                    </a:lnR>
+                    <a:lnT w="720">
+                      <a:solidFill>
+                        <a:srgbClr val="ffffff"/>
+                      </a:solidFill>
+                    </a:lnT>
+                    <a:lnB w="720">
+                      <a:solidFill>
+                        <a:srgbClr val="ffffff"/>
+                      </a:solidFill>
+                    </a:lnB>
+                    <a:solidFill>
+                      <a:srgbClr val="ffcc99"/>
+                    </a:solidFill>
+                  </a:tcPr>
+                </a:tc>
+              </a:tr>
+              <a:tr h="291600">
+                <a:tc>
+                  <a:txBody>
+                    <a:bodyPr lIns="90000" rIns="90000" tIns="46800" bIns="46800"/>
+                    <a:p>
+                      <a:pPr algn="r">
+                        <a:lnSpc>
+                          <a:spcPct val="100000"/>
+                        </a:lnSpc>
+                      </a:pPr>
+                      <a:r>
+                        <a:rPr b="0" lang="de-DE" sz="1400" spc="-1" strike="noStrike">
+                          <a:latin typeface="Arial"/>
+                        </a:rPr>
+                        <a:t>500</a:t>
+                      </a:r>
+                      <a:endParaRPr b="0" lang="de-DE" sz="1400" spc="-1" strike="noStrike">
+                        <a:latin typeface="Arial"/>
+                      </a:endParaRPr>
+                    </a:p>
+                  </a:txBody>
+                  <a:tcPr marL="90000" marR="90000">
+                    <a:lnL w="720">
+                      <a:solidFill>
+                        <a:srgbClr val="ffffff"/>
+                      </a:solidFill>
+                    </a:lnL>
+                    <a:lnR w="720">
+                      <a:solidFill>
+                        <a:srgbClr val="ffffff"/>
+                      </a:solidFill>
+                    </a:lnR>
+                    <a:lnT w="720">
+                      <a:solidFill>
+                        <a:srgbClr val="ffffff"/>
+                      </a:solidFill>
+                    </a:lnT>
+                    <a:lnB w="720">
+                      <a:solidFill>
+                        <a:srgbClr val="ffffff"/>
+                      </a:solidFill>
+                    </a:lnB>
+                    <a:solidFill>
+                      <a:srgbClr val="ff9966"/>
+                    </a:solidFill>
+                  </a:tcPr>
+                </a:tc>
+                <a:tc>
+                  <a:txBody>
+                    <a:bodyPr lIns="90000" rIns="90000" tIns="46800" bIns="46800"/>
+                    <a:p>
+                      <a:pPr algn="r"/>
+                      <a:r>
+                        <a:rPr b="0" lang="de-DE" sz="1400" spc="-1" strike="noStrike">
+                          <a:latin typeface="Arial"/>
+                        </a:rPr>
+                        <a:t>59.56</a:t>
+                      </a:r>
+                      <a:endParaRPr b="0" lang="de-DE" sz="1400" spc="-1" strike="noStrike">
+                        <a:latin typeface="Arial"/>
+                      </a:endParaRPr>
+                    </a:p>
+                  </a:txBody>
+                  <a:tcPr marL="90000" marR="90000">
+                    <a:lnL w="720">
+                      <a:solidFill>
+                        <a:srgbClr val="ffffff"/>
+                      </a:solidFill>
+                    </a:lnL>
+                    <a:lnR w="720">
+                      <a:solidFill>
+                        <a:srgbClr val="ffffff"/>
+                      </a:solidFill>
+                    </a:lnR>
+                    <a:lnT w="720">
+                      <a:solidFill>
+                        <a:srgbClr val="ffffff"/>
+                      </a:solidFill>
+                    </a:lnT>
+                    <a:lnB w="720">
+                      <a:solidFill>
+                        <a:srgbClr val="ffffff"/>
+                      </a:solidFill>
+                    </a:lnB>
+                    <a:solidFill>
+                      <a:srgbClr val="ff9966"/>
+                    </a:solidFill>
+                  </a:tcPr>
+                </a:tc>
+              </a:tr>
+            </a:tbl>
+          </a:graphicData>
+        </a:graphic>
+      </p:graphicFrame>
+      <p:graphicFrame>
+        <p:nvGraphicFramePr>
+          <p:cNvPr id="287" name="Table 8"/>
+          <p:cNvGraphicFramePr/>
+          <p:nvPr/>
+        </p:nvGraphicFramePr>
+        <p:xfrm>
+          <a:off x="6401520" y="1775880"/>
+          <a:ext cx="1752840" cy="2162520"/>
+        </p:xfrm>
+        <a:graphic>
+          <a:graphicData uri="http://schemas.openxmlformats.org/drawingml/2006/table">
+            <a:tbl>
+              <a:tblPr/>
+              <a:tblGrid>
+                <a:gridCol w="775440"/>
+                <a:gridCol w="977760"/>
+              </a:tblGrid>
+              <a:tr h="291600">
+                <a:tc>
+                  <a:txBody>
+                    <a:bodyPr lIns="90000" rIns="90000"/>
+                    <a:p>
+                      <a:pPr algn="ctr">
+                        <a:lnSpc>
+                          <a:spcPct val="100000"/>
+                        </a:lnSpc>
+                      </a:pPr>
+                      <a:r>
+                        <a:rPr b="0" lang="de-DE" sz="1400" spc="-1" strike="noStrike">
+                          <a:latin typeface="Arial"/>
+                        </a:rPr>
+                        <a:t>k</a:t>
+                      </a:r>
+                      <a:endParaRPr b="0" lang="de-DE" sz="1400" spc="-1" strike="noStrike">
+                        <a:latin typeface="Arial"/>
+                      </a:endParaRPr>
+                    </a:p>
+                  </a:txBody>
+                  <a:tcPr marL="90000" marR="90000">
+                    <a:lnL w="720">
+                      <a:solidFill>
+                        <a:srgbClr val="ffffff"/>
+                      </a:solidFill>
+                    </a:lnL>
+                    <a:lnR w="720">
+                      <a:solidFill>
+                        <a:srgbClr val="ffffff"/>
+                      </a:solidFill>
+                    </a:lnR>
+                    <a:lnT w="720">
+                      <a:solidFill>
+                        <a:srgbClr val="ffffff"/>
+                      </a:solidFill>
+                    </a:lnT>
+                    <a:lnB w="720">
+                      <a:solidFill>
+                        <a:srgbClr val="ffffff"/>
+                      </a:solidFill>
+                    </a:lnB>
+                    <a:solidFill>
+                      <a:srgbClr val="ff6633"/>
+                    </a:solidFill>
+                  </a:tcPr>
+                </a:tc>
+                <a:tc>
+                  <a:txBody>
+                    <a:bodyPr lIns="90000" rIns="90000"/>
+                    <a:p>
+                      <a:pPr algn="ctr">
+                        <a:lnSpc>
+                          <a:spcPct val="100000"/>
+                        </a:lnSpc>
+                      </a:pPr>
+                      <a:r>
+                        <a:rPr b="0" lang="de-DE" sz="1400" spc="-1" strike="noStrike">
+                          <a:latin typeface="Arial"/>
+                        </a:rPr>
+                        <a:t>AUC in %</a:t>
+                      </a:r>
+                      <a:endParaRPr b="0" lang="de-DE" sz="1400" spc="-1" strike="noStrike">
+                        <a:latin typeface="Arial"/>
+                      </a:endParaRPr>
+                    </a:p>
+                  </a:txBody>
+                  <a:tcPr marL="90000" marR="90000">
+                    <a:lnL w="720">
+                      <a:solidFill>
+                        <a:srgbClr val="ffffff"/>
+                      </a:solidFill>
+                    </a:lnL>
+                    <a:lnR w="720">
+                      <a:solidFill>
+                        <a:srgbClr val="ffffff"/>
+                      </a:solidFill>
+                    </a:lnR>
+                    <a:lnT w="720">
+                      <a:solidFill>
+                        <a:srgbClr val="ffffff"/>
+                      </a:solidFill>
+                    </a:lnT>
+                    <a:lnB w="720">
+                      <a:solidFill>
+                        <a:srgbClr val="ffffff"/>
+                      </a:solidFill>
+                    </a:lnB>
+                    <a:solidFill>
+                      <a:srgbClr val="ff6633"/>
+                    </a:solidFill>
+                  </a:tcPr>
+                </a:tc>
+              </a:tr>
+              <a:tr h="291600">
+                <a:tc>
+                  <a:txBody>
+                    <a:bodyPr lIns="90000" rIns="90000"/>
+                    <a:p>
+                      <a:pPr algn="r">
+                        <a:lnSpc>
+                          <a:spcPct val="100000"/>
+                        </a:lnSpc>
+                      </a:pPr>
+                      <a:r>
+                        <a:rPr b="0" lang="de-DE" sz="1400" spc="-1" strike="noStrike">
+                          <a:latin typeface="Arial"/>
+                        </a:rPr>
+                        <a:t>5</a:t>
+                      </a:r>
+                      <a:endParaRPr b="0" lang="de-DE" sz="1400" spc="-1" strike="noStrike">
+                        <a:latin typeface="Arial"/>
+                      </a:endParaRPr>
+                    </a:p>
+                  </a:txBody>
+                  <a:tcPr marL="90000" marR="90000">
+                    <a:lnL w="720">
+                      <a:solidFill>
+                        <a:srgbClr val="ffffff"/>
+                      </a:solidFill>
+                    </a:lnL>
+                    <a:lnR w="720">
+                      <a:solidFill>
+                        <a:srgbClr val="ffffff"/>
+                      </a:solidFill>
+                    </a:lnR>
+                    <a:lnT w="720">
+                      <a:solidFill>
+                        <a:srgbClr val="ffffff"/>
+                      </a:solidFill>
+                    </a:lnT>
+                    <a:lnB w="720">
+                      <a:solidFill>
+                        <a:srgbClr val="ffffff"/>
+                      </a:solidFill>
+                    </a:lnB>
+                    <a:solidFill>
+                      <a:srgbClr val="ff9966"/>
+                    </a:solidFill>
+                  </a:tcPr>
+                </a:tc>
+                <a:tc>
+                  <a:txBody>
+                    <a:bodyPr lIns="90000" rIns="90000"/>
+                    <a:p>
+                      <a:pPr algn="r"/>
+                      <a:r>
+                        <a:rPr b="0" lang="de-DE" sz="1400" spc="-1" strike="noStrike">
+                          <a:latin typeface="Arial"/>
+                          <a:ea typeface="CMR12"/>
+                        </a:rPr>
+                        <a:t>56.73</a:t>
+                      </a:r>
+                      <a:endParaRPr b="0" lang="de-DE" sz="1400" spc="-1" strike="noStrike">
+                        <a:latin typeface="Arial"/>
+                      </a:endParaRPr>
+                    </a:p>
+                  </a:txBody>
+                  <a:tcPr marL="90000" marR="90000">
+                    <a:lnL w="720">
+                      <a:solidFill>
+                        <a:srgbClr val="ffffff"/>
+                      </a:solidFill>
+                    </a:lnL>
+                    <a:lnR w="720">
+                      <a:solidFill>
+                        <a:srgbClr val="ffffff"/>
+                      </a:solidFill>
+                    </a:lnR>
+                    <a:lnT w="720">
+                      <a:solidFill>
+                        <a:srgbClr val="ffffff"/>
+                      </a:solidFill>
+                    </a:lnT>
+                    <a:lnB w="720">
+                      <a:solidFill>
+                        <a:srgbClr val="ffffff"/>
+                      </a:solidFill>
+                    </a:lnB>
+                    <a:solidFill>
+                      <a:srgbClr val="ff9966"/>
+                    </a:solidFill>
+                  </a:tcPr>
+                </a:tc>
+              </a:tr>
+              <a:tr h="291600">
+                <a:tc>
+                  <a:txBody>
+                    <a:bodyPr lIns="90000" rIns="90000"/>
+                    <a:p>
+                      <a:pPr algn="r">
+                        <a:lnSpc>
+                          <a:spcPct val="100000"/>
+                        </a:lnSpc>
+                      </a:pPr>
+                      <a:r>
+                        <a:rPr b="0" lang="de-DE" sz="1400" spc="-1" strike="noStrike">
+                          <a:latin typeface="Arial"/>
+                        </a:rPr>
+                        <a:t>10</a:t>
+                      </a:r>
+                      <a:endParaRPr b="0" lang="de-DE" sz="1400" spc="-1" strike="noStrike">
+                        <a:latin typeface="Arial"/>
+                      </a:endParaRPr>
+                    </a:p>
+                  </a:txBody>
+                  <a:tcPr marL="90000" marR="90000">
+                    <a:lnL w="720">
+                      <a:solidFill>
+                        <a:srgbClr val="ffffff"/>
+                      </a:solidFill>
+                    </a:lnL>
+                    <a:lnR w="720">
+                      <a:solidFill>
+                        <a:srgbClr val="ffffff"/>
+                      </a:solidFill>
+                    </a:lnR>
+                    <a:lnT w="720">
+                      <a:solidFill>
+                        <a:srgbClr val="ffffff"/>
+                      </a:solidFill>
+                    </a:lnT>
+                    <a:lnB w="720">
+                      <a:solidFill>
+                        <a:srgbClr val="ffffff"/>
+                      </a:solidFill>
+                    </a:lnB>
+                    <a:solidFill>
+                      <a:srgbClr val="ffcc99"/>
+                    </a:solidFill>
+                  </a:tcPr>
+                </a:tc>
+                <a:tc>
+                  <a:txBody>
+                    <a:bodyPr lIns="90000" rIns="90000"/>
+                    <a:p>
+                      <a:pPr algn="r"/>
+                      <a:r>
+                        <a:rPr b="0" lang="de-DE" sz="1400" spc="-1" strike="noStrike">
+                          <a:latin typeface="Arial"/>
+                        </a:rPr>
+                        <a:t>60.43</a:t>
+                      </a:r>
+                      <a:endParaRPr b="0" lang="de-DE" sz="1400" spc="-1" strike="noStrike">
+                        <a:latin typeface="Arial"/>
+                      </a:endParaRPr>
+                    </a:p>
+                  </a:txBody>
+                  <a:tcPr marL="90000" marR="90000">
+                    <a:lnL w="720">
+                      <a:solidFill>
+                        <a:srgbClr val="ffffff"/>
+                      </a:solidFill>
+                    </a:lnL>
+                    <a:lnR w="720">
+                      <a:solidFill>
+                        <a:srgbClr val="ffffff"/>
+                      </a:solidFill>
+                    </a:lnR>
+                    <a:lnT w="720">
+                      <a:solidFill>
+                        <a:srgbClr val="ffffff"/>
+                      </a:solidFill>
+                    </a:lnT>
+                    <a:lnB w="720">
+                      <a:solidFill>
+                        <a:srgbClr val="ffffff"/>
+                      </a:solidFill>
+                    </a:lnB>
+                    <a:solidFill>
+                      <a:srgbClr val="ffcc99"/>
+                    </a:solidFill>
+                  </a:tcPr>
+                </a:tc>
+              </a:tr>
+              <a:tr h="291600">
+                <a:tc>
+                  <a:txBody>
+                    <a:bodyPr lIns="90000" rIns="90000"/>
+                    <a:p>
+                      <a:pPr algn="r">
+                        <a:lnSpc>
+                          <a:spcPct val="100000"/>
+                        </a:lnSpc>
+                      </a:pPr>
+                      <a:r>
+                        <a:rPr b="0" lang="de-DE" sz="1400" spc="-1" strike="noStrike">
+                          <a:latin typeface="Arial"/>
+                        </a:rPr>
+                        <a:t>20</a:t>
+                      </a:r>
+                      <a:endParaRPr b="0" lang="de-DE" sz="1400" spc="-1" strike="noStrike">
+                        <a:latin typeface="Arial"/>
+                      </a:endParaRPr>
+                    </a:p>
+                  </a:txBody>
+                  <a:tcPr marL="90000" marR="90000">
+                    <a:lnL w="720">
+                      <a:solidFill>
+                        <a:srgbClr val="ffffff"/>
+                      </a:solidFill>
+                    </a:lnL>
+                    <a:lnR w="720">
+                      <a:solidFill>
+                        <a:srgbClr val="ffffff"/>
+                      </a:solidFill>
+                    </a:lnR>
+                    <a:lnT w="720">
+                      <a:solidFill>
+                        <a:srgbClr val="ffffff"/>
+                      </a:solidFill>
+                    </a:lnT>
+                    <a:lnB w="720">
+                      <a:solidFill>
+                        <a:srgbClr val="ffffff"/>
+                      </a:solidFill>
+                    </a:lnB>
+                    <a:solidFill>
+                      <a:srgbClr val="ff9966"/>
+                    </a:solidFill>
+                  </a:tcPr>
+                </a:tc>
+                <a:tc>
+                  <a:txBody>
+                    <a:bodyPr lIns="90000" rIns="90000"/>
+                    <a:p>
+                      <a:pPr algn="r"/>
+                      <a:r>
+                        <a:rPr b="0" lang="de-DE" sz="1400" spc="-1" strike="noStrike">
+                          <a:latin typeface="Arial"/>
+                        </a:rPr>
+                        <a:t>59.62</a:t>
+                      </a:r>
+                      <a:endParaRPr b="0" lang="de-DE" sz="1400" spc="-1" strike="noStrike">
+                        <a:latin typeface="Arial"/>
+                      </a:endParaRPr>
+                    </a:p>
+                  </a:txBody>
+                  <a:tcPr marL="90000" marR="90000">
+                    <a:lnL w="720">
+                      <a:solidFill>
+                        <a:srgbClr val="ffffff"/>
+                      </a:solidFill>
+                    </a:lnL>
+                    <a:lnR w="720">
+                      <a:solidFill>
+                        <a:srgbClr val="ffffff"/>
+                      </a:solidFill>
+                    </a:lnR>
+                    <a:lnT w="720">
+                      <a:solidFill>
+                        <a:srgbClr val="ffffff"/>
+                      </a:solidFill>
+                    </a:lnT>
+                    <a:lnB w="720">
+                      <a:solidFill>
+                        <a:srgbClr val="ffffff"/>
+                      </a:solidFill>
+                    </a:lnB>
+                    <a:solidFill>
+                      <a:srgbClr val="ff9966"/>
+                    </a:solidFill>
+                  </a:tcPr>
+                </a:tc>
+              </a:tr>
+              <a:tr h="291600">
+                <a:tc>
+                  <a:txBody>
+                    <a:bodyPr lIns="90000" rIns="90000"/>
+                    <a:p>
+                      <a:pPr algn="r">
+                        <a:lnSpc>
+                          <a:spcPct val="100000"/>
+                        </a:lnSpc>
+                      </a:pPr>
+                      <a:r>
+                        <a:rPr b="0" lang="de-DE" sz="1400" spc="-1" strike="noStrike">
+                          <a:latin typeface="Arial"/>
+                        </a:rPr>
+                        <a:t>50</a:t>
+                      </a:r>
+                      <a:endParaRPr b="0" lang="de-DE" sz="1400" spc="-1" strike="noStrike">
+                        <a:latin typeface="Arial"/>
+                      </a:endParaRPr>
+                    </a:p>
+                  </a:txBody>
+                  <a:tcPr marL="90000" marR="90000">
+                    <a:lnL w="720">
+                      <a:solidFill>
+                        <a:srgbClr val="ffffff"/>
+                      </a:solidFill>
+                    </a:lnL>
+                    <a:lnR w="720">
+                      <a:solidFill>
+                        <a:srgbClr val="ffffff"/>
+                      </a:solidFill>
+                    </a:lnR>
+                    <a:lnT w="720">
+                      <a:solidFill>
+                        <a:srgbClr val="ffffff"/>
+                      </a:solidFill>
+                    </a:lnT>
+                    <a:lnB w="720">
+                      <a:solidFill>
+                        <a:srgbClr val="ffffff"/>
+                      </a:solidFill>
+                    </a:lnB>
+                    <a:solidFill>
+                      <a:srgbClr val="ffcc99"/>
+                    </a:solidFill>
+                  </a:tcPr>
+                </a:tc>
+                <a:tc>
+                  <a:txBody>
+                    <a:bodyPr lIns="90000" rIns="90000"/>
+                    <a:p>
+                      <a:pPr algn="r"/>
+                      <a:r>
+                        <a:rPr b="1" lang="de-DE" sz="1400" spc="-1" strike="noStrike">
+                          <a:latin typeface="Arial"/>
+                        </a:rPr>
+                        <a:t>67.70</a:t>
+                      </a:r>
+                      <a:endParaRPr b="1" lang="de-DE" sz="1400" spc="-1" strike="noStrike">
+                        <a:latin typeface="Arial"/>
+                      </a:endParaRPr>
+                    </a:p>
+                  </a:txBody>
+                  <a:tcPr marL="90000" marR="90000">
+                    <a:lnL w="720">
+                      <a:solidFill>
+                        <a:srgbClr val="ffffff"/>
+                      </a:solidFill>
+                    </a:lnL>
+                    <a:lnR w="720">
+                      <a:solidFill>
+                        <a:srgbClr val="ffffff"/>
+                      </a:solidFill>
+                    </a:lnR>
+                    <a:lnT w="720">
+                      <a:solidFill>
+                        <a:srgbClr val="ffffff"/>
+                      </a:solidFill>
+                    </a:lnT>
+                    <a:lnB w="720">
+                      <a:solidFill>
+                        <a:srgbClr val="ffffff"/>
+                      </a:solidFill>
+                    </a:lnB>
+                    <a:solidFill>
+                      <a:srgbClr val="ffcc99"/>
+                    </a:solidFill>
+                  </a:tcPr>
+                </a:tc>
+              </a:tr>
+              <a:tr h="291600">
+                <a:tc>
+                  <a:txBody>
+                    <a:bodyPr lIns="90000" rIns="90000"/>
+                    <a:p>
+                      <a:pPr algn="r">
+                        <a:lnSpc>
+                          <a:spcPct val="100000"/>
+                        </a:lnSpc>
+                      </a:pPr>
+                      <a:r>
+                        <a:rPr b="0" lang="de-DE" sz="1400" spc="-1" strike="noStrike">
+                          <a:latin typeface="Arial"/>
+                        </a:rPr>
+                        <a:t>90</a:t>
+                      </a:r>
+                      <a:endParaRPr b="0" lang="de-DE" sz="1400" spc="-1" strike="noStrike">
+                        <a:latin typeface="Arial"/>
+                      </a:endParaRPr>
+                    </a:p>
+                  </a:txBody>
+                  <a:tcPr marL="90000" marR="90000">
+                    <a:lnL w="720">
+                      <a:solidFill>
+                        <a:srgbClr val="ffffff"/>
+                      </a:solidFill>
+                    </a:lnL>
+                    <a:lnR w="720">
+                      <a:solidFill>
+                        <a:srgbClr val="ffffff"/>
+                      </a:solidFill>
+                    </a:lnR>
+                    <a:lnT w="720">
+                      <a:solidFill>
+                        <a:srgbClr val="ffffff"/>
+                      </a:solidFill>
+                    </a:lnT>
+                    <a:lnB w="720">
+                      <a:solidFill>
+                        <a:srgbClr val="ffffff"/>
+                      </a:solidFill>
+                    </a:lnB>
+                    <a:solidFill>
+                      <a:srgbClr val="ff9966"/>
+                    </a:solidFill>
+                  </a:tcPr>
+                </a:tc>
+                <a:tc>
+                  <a:txBody>
+                    <a:bodyPr lIns="90000" rIns="90000"/>
+                    <a:p>
+                      <a:pPr algn="r"/>
+                      <a:r>
+                        <a:rPr b="0" lang="de-DE" sz="1400" spc="-1" strike="noStrike">
+                          <a:latin typeface="Arial"/>
+                        </a:rPr>
+                        <a:t>63.59</a:t>
+                      </a:r>
+                      <a:endParaRPr b="0" lang="de-DE" sz="1400" spc="-1" strike="noStrike">
+                        <a:latin typeface="Arial"/>
+                      </a:endParaRPr>
+                    </a:p>
+                  </a:txBody>
+                  <a:tcPr marL="90000" marR="90000">
+                    <a:lnL w="720">
+                      <a:solidFill>
+                        <a:srgbClr val="ffffff"/>
+                      </a:solidFill>
+                    </a:lnL>
+                    <a:lnR w="720">
+                      <a:solidFill>
+                        <a:srgbClr val="ffffff"/>
+                      </a:solidFill>
+                    </a:lnR>
+                    <a:lnT w="720">
+                      <a:solidFill>
+                        <a:srgbClr val="ffffff"/>
+                      </a:solidFill>
+                    </a:lnT>
+                    <a:lnB w="720">
+                      <a:solidFill>
+                        <a:srgbClr val="ffffff"/>
+                      </a:solidFill>
+                    </a:lnB>
+                    <a:solidFill>
+                      <a:srgbClr val="ff9966"/>
+                    </a:solidFill>
+                  </a:tcPr>
+                </a:tc>
+              </a:tr>
+              <a:tr h="291600">
+                <a:tc>
+                  <a:txBody>
+                    <a:bodyPr lIns="90000" rIns="90000"/>
+                    <a:p>
+                      <a:pPr algn="r">
+                        <a:lnSpc>
+                          <a:spcPct val="100000"/>
+                        </a:lnSpc>
+                      </a:pPr>
+                      <a:r>
+                        <a:rPr b="0" lang="de-DE" sz="1400" spc="-1" strike="noStrike">
+                          <a:latin typeface="Arial"/>
+                        </a:rPr>
+                        <a:t>200</a:t>
+                      </a:r>
+                      <a:endParaRPr b="0" lang="de-DE" sz="1400" spc="-1" strike="noStrike">
+                        <a:latin typeface="Arial"/>
+                      </a:endParaRPr>
+                    </a:p>
+                  </a:txBody>
+                  <a:tcPr marL="90000" marR="90000">
+                    <a:lnL w="720">
+                      <a:solidFill>
+                        <a:srgbClr val="ffffff"/>
+                      </a:solidFill>
+                    </a:lnL>
+                    <a:lnR w="720">
+                      <a:solidFill>
+                        <a:srgbClr val="ffffff"/>
+                      </a:solidFill>
+                    </a:lnR>
+                    <a:lnT w="720">
+                      <a:solidFill>
+                        <a:srgbClr val="ffffff"/>
+                      </a:solidFill>
+                    </a:lnT>
+                    <a:lnB w="720">
+                      <a:solidFill>
+                        <a:srgbClr val="ffffff"/>
+                      </a:solidFill>
+                    </a:lnB>
+                    <a:solidFill>
+                      <a:srgbClr val="ffcc99"/>
+                    </a:solidFill>
+                  </a:tcPr>
+                </a:tc>
+                <a:tc>
+                  <a:txBody>
+                    <a:bodyPr lIns="90000" rIns="90000"/>
+                    <a:p>
+                      <a:pPr algn="r"/>
+                      <a:r>
+                        <a:rPr b="0" lang="de-DE" sz="1400" spc="-1" strike="noStrike">
+                          <a:latin typeface="Arial"/>
+                        </a:rPr>
+                        <a:t>62.80</a:t>
+                      </a:r>
+                      <a:endParaRPr b="0" lang="de-DE" sz="1400" spc="-1" strike="noStrike">
+                        <a:latin typeface="Arial"/>
+                      </a:endParaRPr>
+                    </a:p>
+                  </a:txBody>
+                  <a:tcPr marL="90000" marR="90000">
+                    <a:lnL w="720">
+                      <a:solidFill>
+                        <a:srgbClr val="ffffff"/>
+                      </a:solidFill>
+                    </a:lnL>
+                    <a:lnR w="720">
+                      <a:solidFill>
+                        <a:srgbClr val="ffffff"/>
+                      </a:solidFill>
+                    </a:lnR>
+                    <a:lnT w="720">
+                      <a:solidFill>
+                        <a:srgbClr val="ffffff"/>
+                      </a:solidFill>
+                    </a:lnT>
+                    <a:lnB w="720">
+                      <a:solidFill>
+                        <a:srgbClr val="ffffff"/>
+                      </a:solidFill>
+                    </a:lnB>
+                    <a:solidFill>
+                      <a:srgbClr val="ffcc99"/>
+                    </a:solidFill>
+                  </a:tcPr>
+                </a:tc>
+              </a:tr>
+              <a:tr h="291600">
+                <a:tc>
+                  <a:txBody>
+                    <a:bodyPr lIns="90000" rIns="90000"/>
+                    <a:p>
+                      <a:pPr algn="r">
+                        <a:lnSpc>
+                          <a:spcPct val="100000"/>
+                        </a:lnSpc>
+                      </a:pPr>
+                      <a:r>
+                        <a:rPr b="0" lang="de-DE" sz="1400" spc="-1" strike="noStrike">
+                          <a:latin typeface="Arial"/>
+                        </a:rPr>
+                        <a:t>500</a:t>
+                      </a:r>
+                      <a:endParaRPr b="0" lang="de-DE" sz="1400" spc="-1" strike="noStrike">
+                        <a:latin typeface="Arial"/>
+                      </a:endParaRPr>
+                    </a:p>
+                  </a:txBody>
+                  <a:tcPr marL="90000" marR="90000">
+                    <a:lnL w="720">
+                      <a:solidFill>
+                        <a:srgbClr val="ffffff"/>
+                      </a:solidFill>
+                    </a:lnL>
+                    <a:lnR w="720">
+                      <a:solidFill>
+                        <a:srgbClr val="ffffff"/>
+                      </a:solidFill>
+                    </a:lnR>
+                    <a:lnT w="720">
+                      <a:solidFill>
+                        <a:srgbClr val="ffffff"/>
+                      </a:solidFill>
+                    </a:lnT>
+                    <a:lnB w="720">
+                      <a:solidFill>
+                        <a:srgbClr val="ffffff"/>
+                      </a:solidFill>
+                    </a:lnB>
+                    <a:solidFill>
+                      <a:srgbClr val="ff9966"/>
+                    </a:solidFill>
+                  </a:tcPr>
+                </a:tc>
+                <a:tc>
+                  <a:txBody>
+                    <a:bodyPr lIns="90000" rIns="90000"/>
+                    <a:p>
+                      <a:pPr algn="r"/>
+                      <a:r>
+                        <a:rPr b="0" lang="de-DE" sz="1400" spc="-1" strike="noStrike">
+                          <a:latin typeface="Arial"/>
+                        </a:rPr>
+                        <a:t>58.90</a:t>
+                      </a:r>
+                      <a:endParaRPr b="0" lang="de-DE" sz="1400" spc="-1" strike="noStrike">
+                        <a:latin typeface="Arial"/>
+                      </a:endParaRPr>
+                    </a:p>
+                  </a:txBody>
+                  <a:tcPr marL="90000" marR="90000">
+                    <a:lnL w="720">
+                      <a:solidFill>
+                        <a:srgbClr val="ffffff"/>
+                      </a:solidFill>
+                    </a:lnL>
+                    <a:lnR w="720">
+                      <a:solidFill>
+                        <a:srgbClr val="ffffff"/>
+                      </a:solidFill>
+                    </a:lnR>
+                    <a:lnT w="720">
+                      <a:solidFill>
+                        <a:srgbClr val="ffffff"/>
+                      </a:solidFill>
+                    </a:lnT>
+                    <a:lnB w="720">
+                      <a:solidFill>
+                        <a:srgbClr val="ffffff"/>
+                      </a:solidFill>
+                    </a:lnB>
+                    <a:solidFill>
+                      <a:srgbClr val="ff9966"/>
+                    </a:solidFill>
+                  </a:tcPr>
+                </a:tc>
+              </a:tr>
+            </a:tbl>
+          </a:graphicData>
+        </a:graphic>
+      </p:graphicFrame>
     </p:spTree>
   </p:cSld>
   <p:timing>
@@ -13552,14 +15130,14 @@
       </p:grpSpPr>
       <p:sp>
         <p:nvSpPr>
-          <p:cNvPr id="286" name="CustomShape 1"/>
+          <p:cNvPr id="288" name="CustomShape 1"/>
           <p:cNvSpPr/>
           <p:nvPr/>
         </p:nvSpPr>
         <p:spPr>
           <a:xfrm>
             <a:off x="8947080" y="7165800"/>
-            <a:ext cx="1222200" cy="226800"/>
+            <a:ext cx="1221480" cy="226080"/>
           </a:xfrm>
           <a:prstGeom prst="rect">
             <a:avLst/>
@@ -13593,7 +15171,7 @@
               </a:rPr>
               <a:t>Seite </a:t>
             </a:r>
-            <a:fld id="{DE1B232B-C40E-429C-A47F-393CA350F119}" type="slidenum">
+            <a:fld id="{E0AD0200-709E-4321-B7DC-1B4936631A46}" type="slidenum">
               <a:rPr b="0" lang="de-DE" sz="1000" spc="-1" strike="noStrike">
                 <a:solidFill>
                   <a:srgbClr val="000000"/>
@@ -13611,14 +15189,14 @@
       </p:sp>
       <p:sp>
         <p:nvSpPr>
-          <p:cNvPr id="287" name="CustomShape 2"/>
+          <p:cNvPr id="289" name="CustomShape 2"/>
           <p:cNvSpPr/>
           <p:nvPr/>
         </p:nvSpPr>
         <p:spPr>
           <a:xfrm>
             <a:off x="522360" y="671400"/>
-            <a:ext cx="9646920" cy="947520"/>
+            <a:ext cx="9646200" cy="946800"/>
           </a:xfrm>
           <a:prstGeom prst="rect">
             <a:avLst/>
@@ -13671,14 +15249,14 @@
       </p:sp>
       <p:sp>
         <p:nvSpPr>
-          <p:cNvPr id="288" name="CustomShape 3"/>
+          <p:cNvPr id="290" name="CustomShape 3"/>
           <p:cNvSpPr/>
           <p:nvPr/>
         </p:nvSpPr>
         <p:spPr>
           <a:xfrm>
             <a:off x="522360" y="2138400"/>
-            <a:ext cx="8422920" cy="4520880"/>
+            <a:ext cx="8422200" cy="4520160"/>
           </a:xfrm>
           <a:prstGeom prst="rect">
             <a:avLst/>
@@ -13697,14 +15275,14 @@
       </p:sp>
       <p:sp>
         <p:nvSpPr>
-          <p:cNvPr id="289" name="CustomShape 4"/>
+          <p:cNvPr id="291" name="CustomShape 4"/>
           <p:cNvSpPr/>
           <p:nvPr/>
         </p:nvSpPr>
         <p:spPr>
           <a:xfrm>
             <a:off x="522360" y="2138400"/>
-            <a:ext cx="8422920" cy="4520880"/>
+            <a:ext cx="8422200" cy="4520160"/>
           </a:xfrm>
           <a:prstGeom prst="rect">
             <a:avLst/>
@@ -13720,126 +15298,6 @@
           <a:effectRef idx="0"/>
           <a:fontRef idx="minor"/>
         </p:style>
-      </p:sp>
-      <p:sp>
-        <p:nvSpPr>
-          <p:cNvPr id="290" name="CustomShape 5"/>
-          <p:cNvSpPr/>
-          <p:nvPr/>
-        </p:nvSpPr>
-        <p:spPr>
-          <a:xfrm>
-            <a:off x="6120000" y="1769760"/>
-            <a:ext cx="3382920" cy="2333160"/>
-          </a:xfrm>
-          <a:prstGeom prst="rect">
-            <a:avLst/>
-          </a:prstGeom>
-          <a:noFill/>
-          <a:ln>
-            <a:noFill/>
-          </a:ln>
-        </p:spPr>
-        <p:style>
-          <a:lnRef idx="0"/>
-          <a:fillRef idx="0"/>
-          <a:effectRef idx="0"/>
-          <a:fontRef idx="minor"/>
-        </p:style>
-        <p:txBody>
-          <a:bodyPr lIns="0" rIns="0" tIns="0" bIns="0">
-            <a:normAutofit/>
-          </a:bodyPr>
-          <a:p>
-            <a:pPr marL="432000" indent="-322920">
-              <a:lnSpc>
-                <a:spcPct val="100000"/>
-              </a:lnSpc>
-              <a:spcBef>
-                <a:spcPts val="1417"/>
-              </a:spcBef>
-              <a:buClr>
-                <a:srgbClr val="000000"/>
-              </a:buClr>
-              <a:buSzPct val="45000"/>
-              <a:buFont typeface="Wingdings" charset="2"/>
-              <a:buChar char=""/>
-            </a:pPr>
-            <a:r>
-              <a:rPr b="0" lang="de-DE" sz="2600" spc="-1" strike="noStrike">
-                <a:solidFill>
-                  <a:srgbClr val="000000"/>
-                </a:solidFill>
-                <a:latin typeface="Arial"/>
-                <a:ea typeface="DejaVu Sans"/>
-              </a:rPr>
-              <a:t>SIFT</a:t>
-            </a:r>
-            <a:endParaRPr b="0" lang="de-DE" sz="2600" spc="-1" strike="noStrike">
-              <a:latin typeface="Arial"/>
-            </a:endParaRPr>
-          </a:p>
-        </p:txBody>
-      </p:sp>
-      <p:sp>
-        <p:nvSpPr>
-          <p:cNvPr id="291" name="CustomShape 6"/>
-          <p:cNvSpPr/>
-          <p:nvPr/>
-        </p:nvSpPr>
-        <p:spPr>
-          <a:xfrm>
-            <a:off x="6120000" y="4392000"/>
-            <a:ext cx="3382920" cy="2333160"/>
-          </a:xfrm>
-          <a:prstGeom prst="rect">
-            <a:avLst/>
-          </a:prstGeom>
-          <a:noFill/>
-          <a:ln>
-            <a:noFill/>
-          </a:ln>
-        </p:spPr>
-        <p:style>
-          <a:lnRef idx="0"/>
-          <a:fillRef idx="0"/>
-          <a:effectRef idx="0"/>
-          <a:fontRef idx="minor"/>
-        </p:style>
-        <p:txBody>
-          <a:bodyPr lIns="0" rIns="0" tIns="0" bIns="0">
-            <a:normAutofit/>
-          </a:bodyPr>
-          <a:p>
-            <a:pPr marL="432000" indent="-322920">
-              <a:lnSpc>
-                <a:spcPct val="100000"/>
-              </a:lnSpc>
-              <a:spcBef>
-                <a:spcPts val="1417"/>
-              </a:spcBef>
-              <a:buClr>
-                <a:srgbClr val="000000"/>
-              </a:buClr>
-              <a:buSzPct val="45000"/>
-              <a:buFont typeface="Wingdings" charset="2"/>
-              <a:buChar char=""/>
-            </a:pPr>
-            <a:r>
-              <a:rPr b="0" lang="de-DE" sz="2600" spc="-1" strike="noStrike">
-                <a:solidFill>
-                  <a:srgbClr val="000000"/>
-                </a:solidFill>
-                <a:latin typeface="Arial"/>
-                <a:ea typeface="DejaVu Sans"/>
-              </a:rPr>
-              <a:t>AE</a:t>
-            </a:r>
-            <a:endParaRPr b="0" lang="de-DE" sz="2600" spc="-1" strike="noStrike">
-              <a:latin typeface="Arial"/>
-            </a:endParaRPr>
-          </a:p>
-        </p:txBody>
       </p:sp>
       <p:pic>
         <p:nvPicPr>
@@ -13854,7 +15312,7 @@
         <p:spPr>
           <a:xfrm>
             <a:off x="504720" y="4320720"/>
-            <a:ext cx="5470200" cy="2426040"/>
+            <a:ext cx="5469480" cy="2425320"/>
           </a:xfrm>
           <a:prstGeom prst="rect">
             <a:avLst/>
@@ -13877,7 +15335,7 @@
         <p:spPr>
           <a:xfrm>
             <a:off x="504720" y="1728720"/>
-            <a:ext cx="5470200" cy="2425320"/>
+            <a:ext cx="5469480" cy="2424600"/>
           </a:xfrm>
           <a:prstGeom prst="rect">
             <a:avLst/>
@@ -13887,6 +15345,1619 @@
           </a:ln>
         </p:spPr>
       </p:pic>
+      <p:sp>
+        <p:nvSpPr>
+          <p:cNvPr id="294" name="CustomShape 5"/>
+          <p:cNvSpPr/>
+          <p:nvPr/>
+        </p:nvSpPr>
+        <p:spPr>
+          <a:xfrm>
+            <a:off x="792000" y="1863360"/>
+            <a:ext cx="791640" cy="368280"/>
+          </a:xfrm>
+          <a:prstGeom prst="rect">
+            <a:avLst/>
+          </a:prstGeom>
+          <a:noFill/>
+          <a:ln>
+            <a:noFill/>
+          </a:ln>
+        </p:spPr>
+        <p:style>
+          <a:lnRef idx="0"/>
+          <a:fillRef idx="0"/>
+          <a:effectRef idx="0"/>
+          <a:fontRef idx="minor"/>
+        </p:style>
+        <p:txBody>
+          <a:bodyPr lIns="0" rIns="0" tIns="0" bIns="0">
+            <a:normAutofit/>
+          </a:bodyPr>
+          <a:p>
+            <a:pPr>
+              <a:lnSpc>
+                <a:spcPct val="100000"/>
+              </a:lnSpc>
+              <a:spcBef>
+                <a:spcPts val="1417"/>
+              </a:spcBef>
+            </a:pPr>
+            <a:r>
+              <a:rPr b="0" lang="de-DE" sz="2600" spc="-1" strike="noStrike">
+                <a:solidFill>
+                  <a:srgbClr val="000000"/>
+                </a:solidFill>
+                <a:latin typeface="Arial"/>
+                <a:ea typeface="DejaVu Sans"/>
+              </a:rPr>
+              <a:t>SIFT</a:t>
+            </a:r>
+            <a:endParaRPr b="0" lang="de-DE" sz="2600" spc="-1" strike="noStrike">
+              <a:latin typeface="Arial"/>
+            </a:endParaRPr>
+          </a:p>
+          <a:p>
+            <a:pPr>
+              <a:lnSpc>
+                <a:spcPct val="100000"/>
+              </a:lnSpc>
+              <a:spcBef>
+                <a:spcPts val="283"/>
+              </a:spcBef>
+            </a:pPr>
+            <a:endParaRPr b="0" lang="de-DE" sz="2600" spc="-1" strike="noStrike">
+              <a:latin typeface="Arial"/>
+            </a:endParaRPr>
+          </a:p>
+        </p:txBody>
+      </p:sp>
+      <p:sp>
+        <p:nvSpPr>
+          <p:cNvPr id="295" name="CustomShape 6"/>
+          <p:cNvSpPr/>
+          <p:nvPr/>
+        </p:nvSpPr>
+        <p:spPr>
+          <a:xfrm>
+            <a:off x="792000" y="4392000"/>
+            <a:ext cx="1943640" cy="431640"/>
+          </a:xfrm>
+          <a:prstGeom prst="rect">
+            <a:avLst/>
+          </a:prstGeom>
+          <a:noFill/>
+          <a:ln>
+            <a:noFill/>
+          </a:ln>
+        </p:spPr>
+        <p:style>
+          <a:lnRef idx="0"/>
+          <a:fillRef idx="0"/>
+          <a:effectRef idx="0"/>
+          <a:fontRef idx="minor"/>
+        </p:style>
+        <p:txBody>
+          <a:bodyPr lIns="0" rIns="0" tIns="0" bIns="0">
+            <a:normAutofit/>
+          </a:bodyPr>
+          <a:p>
+            <a:pPr>
+              <a:lnSpc>
+                <a:spcPct val="100000"/>
+              </a:lnSpc>
+              <a:spcBef>
+                <a:spcPts val="1417"/>
+              </a:spcBef>
+            </a:pPr>
+            <a:r>
+              <a:rPr b="0" lang="de-DE" sz="2600" spc="-1" strike="noStrike">
+                <a:solidFill>
+                  <a:srgbClr val="000000"/>
+                </a:solidFill>
+                <a:latin typeface="Arial"/>
+                <a:ea typeface="DejaVu Sans"/>
+              </a:rPr>
+              <a:t>Autoencoder</a:t>
+            </a:r>
+            <a:endParaRPr b="0" lang="de-DE" sz="2600" spc="-1" strike="noStrike">
+              <a:latin typeface="Arial"/>
+            </a:endParaRPr>
+          </a:p>
+        </p:txBody>
+      </p:sp>
+      <p:graphicFrame>
+        <p:nvGraphicFramePr>
+          <p:cNvPr id="296" name="Table 7"/>
+          <p:cNvGraphicFramePr/>
+          <p:nvPr/>
+        </p:nvGraphicFramePr>
+        <p:xfrm>
+          <a:off x="6401880" y="1776240"/>
+          <a:ext cx="1753920" cy="2333520"/>
+        </p:xfrm>
+        <a:graphic>
+          <a:graphicData uri="http://schemas.openxmlformats.org/drawingml/2006/table">
+            <a:tbl>
+              <a:tblPr/>
+              <a:tblGrid>
+                <a:gridCol w="775440"/>
+                <a:gridCol w="978480"/>
+              </a:tblGrid>
+              <a:tr h="291600">
+                <a:tc>
+                  <a:txBody>
+                    <a:bodyPr lIns="90000" rIns="90000"/>
+                    <a:p>
+                      <a:pPr algn="ctr">
+                        <a:lnSpc>
+                          <a:spcPct val="100000"/>
+                        </a:lnSpc>
+                      </a:pPr>
+                      <a:r>
+                        <a:rPr b="0" lang="de-DE" sz="1400" spc="-1" strike="noStrike">
+                          <a:latin typeface="Arial"/>
+                        </a:rPr>
+                        <a:t>k</a:t>
+                      </a:r>
+                      <a:endParaRPr b="0" lang="de-DE" sz="1400" spc="-1" strike="noStrike">
+                        <a:latin typeface="Arial"/>
+                      </a:endParaRPr>
+                    </a:p>
+                  </a:txBody>
+                  <a:tcPr marL="90000" marR="90000">
+                    <a:lnL w="720">
+                      <a:solidFill>
+                        <a:srgbClr val="ffffff"/>
+                      </a:solidFill>
+                    </a:lnL>
+                    <a:lnR w="720">
+                      <a:solidFill>
+                        <a:srgbClr val="ffffff"/>
+                      </a:solidFill>
+                    </a:lnR>
+                    <a:lnT w="720">
+                      <a:solidFill>
+                        <a:srgbClr val="ffffff"/>
+                      </a:solidFill>
+                    </a:lnT>
+                    <a:lnB w="720">
+                      <a:solidFill>
+                        <a:srgbClr val="ffffff"/>
+                      </a:solidFill>
+                    </a:lnB>
+                    <a:solidFill>
+                      <a:srgbClr val="ff6633"/>
+                    </a:solidFill>
+                  </a:tcPr>
+                </a:tc>
+                <a:tc>
+                  <a:txBody>
+                    <a:bodyPr lIns="90000" rIns="90000"/>
+                    <a:p>
+                      <a:pPr algn="ctr">
+                        <a:lnSpc>
+                          <a:spcPct val="100000"/>
+                        </a:lnSpc>
+                      </a:pPr>
+                      <a:r>
+                        <a:rPr b="0" lang="de-DE" sz="1400" spc="-1" strike="noStrike">
+                          <a:latin typeface="Arial"/>
+                        </a:rPr>
+                        <a:t>AUC in %</a:t>
+                      </a:r>
+                      <a:endParaRPr b="0" lang="de-DE" sz="1400" spc="-1" strike="noStrike">
+                        <a:latin typeface="Arial"/>
+                      </a:endParaRPr>
+                    </a:p>
+                  </a:txBody>
+                  <a:tcPr marL="90000" marR="90000">
+                    <a:lnL w="720">
+                      <a:solidFill>
+                        <a:srgbClr val="ffffff"/>
+                      </a:solidFill>
+                    </a:lnL>
+                    <a:lnR w="720">
+                      <a:solidFill>
+                        <a:srgbClr val="ffffff"/>
+                      </a:solidFill>
+                    </a:lnR>
+                    <a:lnT w="720">
+                      <a:solidFill>
+                        <a:srgbClr val="ffffff"/>
+                      </a:solidFill>
+                    </a:lnT>
+                    <a:lnB w="720">
+                      <a:solidFill>
+                        <a:srgbClr val="ffffff"/>
+                      </a:solidFill>
+                    </a:lnB>
+                    <a:solidFill>
+                      <a:srgbClr val="ff6633"/>
+                    </a:solidFill>
+                  </a:tcPr>
+                </a:tc>
+              </a:tr>
+              <a:tr h="291600">
+                <a:tc>
+                  <a:txBody>
+                    <a:bodyPr lIns="90000" rIns="90000"/>
+                    <a:p>
+                      <a:pPr algn="r">
+                        <a:lnSpc>
+                          <a:spcPct val="100000"/>
+                        </a:lnSpc>
+                      </a:pPr>
+                      <a:r>
+                        <a:rPr b="0" lang="de-DE" sz="1400" spc="-1" strike="noStrike">
+                          <a:latin typeface="Arial"/>
+                        </a:rPr>
+                        <a:t>5</a:t>
+                      </a:r>
+                      <a:endParaRPr b="0" lang="de-DE" sz="1400" spc="-1" strike="noStrike">
+                        <a:latin typeface="Arial"/>
+                      </a:endParaRPr>
+                    </a:p>
+                  </a:txBody>
+                  <a:tcPr marL="90000" marR="90000">
+                    <a:lnL w="720">
+                      <a:solidFill>
+                        <a:srgbClr val="ffffff"/>
+                      </a:solidFill>
+                    </a:lnL>
+                    <a:lnR w="720">
+                      <a:solidFill>
+                        <a:srgbClr val="ffffff"/>
+                      </a:solidFill>
+                    </a:lnR>
+                    <a:lnT w="720">
+                      <a:solidFill>
+                        <a:srgbClr val="ffffff"/>
+                      </a:solidFill>
+                    </a:lnT>
+                    <a:lnB w="720">
+                      <a:solidFill>
+                        <a:srgbClr val="ffffff"/>
+                      </a:solidFill>
+                    </a:lnB>
+                    <a:solidFill>
+                      <a:srgbClr val="ff9966"/>
+                    </a:solidFill>
+                  </a:tcPr>
+                </a:tc>
+                <a:tc>
+                  <a:txBody>
+                    <a:bodyPr lIns="90000" rIns="90000"/>
+                    <a:p>
+                      <a:pPr algn="r"/>
+                      <a:r>
+                        <a:rPr b="0" lang="de-DE" sz="1400" spc="-1" strike="noStrike">
+                          <a:latin typeface="Arial"/>
+                        </a:rPr>
+                        <a:t>50.49</a:t>
+                      </a:r>
+                      <a:endParaRPr b="0" lang="de-DE" sz="1400" spc="-1" strike="noStrike">
+                        <a:latin typeface="Arial"/>
+                      </a:endParaRPr>
+                    </a:p>
+                  </a:txBody>
+                  <a:tcPr marL="90000" marR="90000">
+                    <a:lnL w="720">
+                      <a:solidFill>
+                        <a:srgbClr val="ffffff"/>
+                      </a:solidFill>
+                    </a:lnL>
+                    <a:lnR w="720">
+                      <a:solidFill>
+                        <a:srgbClr val="ffffff"/>
+                      </a:solidFill>
+                    </a:lnR>
+                    <a:lnT w="720">
+                      <a:solidFill>
+                        <a:srgbClr val="ffffff"/>
+                      </a:solidFill>
+                    </a:lnT>
+                    <a:lnB w="720">
+                      <a:solidFill>
+                        <a:srgbClr val="ffffff"/>
+                      </a:solidFill>
+                    </a:lnB>
+                    <a:solidFill>
+                      <a:srgbClr val="ff9966"/>
+                    </a:solidFill>
+                  </a:tcPr>
+                </a:tc>
+              </a:tr>
+              <a:tr h="291600">
+                <a:tc>
+                  <a:txBody>
+                    <a:bodyPr lIns="90000" rIns="90000"/>
+                    <a:p>
+                      <a:pPr algn="r">
+                        <a:lnSpc>
+                          <a:spcPct val="100000"/>
+                        </a:lnSpc>
+                      </a:pPr>
+                      <a:r>
+                        <a:rPr b="0" lang="de-DE" sz="1400" spc="-1" strike="noStrike">
+                          <a:latin typeface="Arial"/>
+                        </a:rPr>
+                        <a:t>10</a:t>
+                      </a:r>
+                      <a:endParaRPr b="0" lang="de-DE" sz="1400" spc="-1" strike="noStrike">
+                        <a:latin typeface="Arial"/>
+                      </a:endParaRPr>
+                    </a:p>
+                  </a:txBody>
+                  <a:tcPr marL="90000" marR="90000">
+                    <a:lnL w="720">
+                      <a:solidFill>
+                        <a:srgbClr val="ffffff"/>
+                      </a:solidFill>
+                    </a:lnL>
+                    <a:lnR w="720">
+                      <a:solidFill>
+                        <a:srgbClr val="ffffff"/>
+                      </a:solidFill>
+                    </a:lnR>
+                    <a:lnT w="720">
+                      <a:solidFill>
+                        <a:srgbClr val="ffffff"/>
+                      </a:solidFill>
+                    </a:lnT>
+                    <a:lnB w="720">
+                      <a:solidFill>
+                        <a:srgbClr val="ffffff"/>
+                      </a:solidFill>
+                    </a:lnB>
+                    <a:solidFill>
+                      <a:srgbClr val="ffcc99"/>
+                    </a:solidFill>
+                  </a:tcPr>
+                </a:tc>
+                <a:tc>
+                  <a:txBody>
+                    <a:bodyPr lIns="90000" rIns="90000"/>
+                    <a:p>
+                      <a:pPr algn="r"/>
+                      <a:r>
+                        <a:rPr b="0" lang="de-DE" sz="1400" spc="-1" strike="noStrike">
+                          <a:latin typeface="Arial"/>
+                        </a:rPr>
+                        <a:t>58.56</a:t>
+                      </a:r>
+                      <a:endParaRPr b="0" lang="de-DE" sz="1400" spc="-1" strike="noStrike">
+                        <a:latin typeface="Arial"/>
+                      </a:endParaRPr>
+                    </a:p>
+                  </a:txBody>
+                  <a:tcPr marL="90000" marR="90000">
+                    <a:lnL w="720">
+                      <a:solidFill>
+                        <a:srgbClr val="ffffff"/>
+                      </a:solidFill>
+                    </a:lnL>
+                    <a:lnR w="720">
+                      <a:solidFill>
+                        <a:srgbClr val="ffffff"/>
+                      </a:solidFill>
+                    </a:lnR>
+                    <a:lnT w="720">
+                      <a:solidFill>
+                        <a:srgbClr val="ffffff"/>
+                      </a:solidFill>
+                    </a:lnT>
+                    <a:lnB w="720">
+                      <a:solidFill>
+                        <a:srgbClr val="ffffff"/>
+                      </a:solidFill>
+                    </a:lnB>
+                    <a:solidFill>
+                      <a:srgbClr val="ffcc99"/>
+                    </a:solidFill>
+                  </a:tcPr>
+                </a:tc>
+              </a:tr>
+              <a:tr h="291600">
+                <a:tc>
+                  <a:txBody>
+                    <a:bodyPr lIns="90000" rIns="90000"/>
+                    <a:p>
+                      <a:pPr algn="r">
+                        <a:lnSpc>
+                          <a:spcPct val="100000"/>
+                        </a:lnSpc>
+                      </a:pPr>
+                      <a:r>
+                        <a:rPr b="0" lang="de-DE" sz="1400" spc="-1" strike="noStrike">
+                          <a:latin typeface="Arial"/>
+                        </a:rPr>
+                        <a:t>20</a:t>
+                      </a:r>
+                      <a:endParaRPr b="0" lang="de-DE" sz="1400" spc="-1" strike="noStrike">
+                        <a:latin typeface="Arial"/>
+                      </a:endParaRPr>
+                    </a:p>
+                  </a:txBody>
+                  <a:tcPr marL="90000" marR="90000">
+                    <a:lnL w="720">
+                      <a:solidFill>
+                        <a:srgbClr val="ffffff"/>
+                      </a:solidFill>
+                    </a:lnL>
+                    <a:lnR w="720">
+                      <a:solidFill>
+                        <a:srgbClr val="ffffff"/>
+                      </a:solidFill>
+                    </a:lnR>
+                    <a:lnT w="720">
+                      <a:solidFill>
+                        <a:srgbClr val="ffffff"/>
+                      </a:solidFill>
+                    </a:lnT>
+                    <a:lnB w="720">
+                      <a:solidFill>
+                        <a:srgbClr val="ffffff"/>
+                      </a:solidFill>
+                    </a:lnB>
+                    <a:solidFill>
+                      <a:srgbClr val="ff9966"/>
+                    </a:solidFill>
+                  </a:tcPr>
+                </a:tc>
+                <a:tc>
+                  <a:txBody>
+                    <a:bodyPr lIns="90000" rIns="90000"/>
+                    <a:p>
+                      <a:pPr algn="r"/>
+                      <a:r>
+                        <a:rPr b="0" lang="de-DE" sz="1400" spc="-1" strike="noStrike">
+                          <a:latin typeface="Arial"/>
+                        </a:rPr>
+                        <a:t>64.91</a:t>
+                      </a:r>
+                      <a:endParaRPr b="0" lang="de-DE" sz="1400" spc="-1" strike="noStrike">
+                        <a:latin typeface="Arial"/>
+                      </a:endParaRPr>
+                    </a:p>
+                  </a:txBody>
+                  <a:tcPr marL="90000" marR="90000">
+                    <a:lnL w="720">
+                      <a:solidFill>
+                        <a:srgbClr val="ffffff"/>
+                      </a:solidFill>
+                    </a:lnL>
+                    <a:lnR w="720">
+                      <a:solidFill>
+                        <a:srgbClr val="ffffff"/>
+                      </a:solidFill>
+                    </a:lnR>
+                    <a:lnT w="720">
+                      <a:solidFill>
+                        <a:srgbClr val="ffffff"/>
+                      </a:solidFill>
+                    </a:lnT>
+                    <a:lnB w="720">
+                      <a:solidFill>
+                        <a:srgbClr val="ffffff"/>
+                      </a:solidFill>
+                    </a:lnB>
+                    <a:solidFill>
+                      <a:srgbClr val="ff9966"/>
+                    </a:solidFill>
+                  </a:tcPr>
+                </a:tc>
+              </a:tr>
+              <a:tr h="291600">
+                <a:tc>
+                  <a:txBody>
+                    <a:bodyPr lIns="90000" rIns="90000"/>
+                    <a:p>
+                      <a:pPr algn="r">
+                        <a:lnSpc>
+                          <a:spcPct val="100000"/>
+                        </a:lnSpc>
+                      </a:pPr>
+                      <a:r>
+                        <a:rPr b="0" lang="de-DE" sz="1400" spc="-1" strike="noStrike">
+                          <a:latin typeface="Arial"/>
+                        </a:rPr>
+                        <a:t>50</a:t>
+                      </a:r>
+                      <a:endParaRPr b="0" lang="de-DE" sz="1400" spc="-1" strike="noStrike">
+                        <a:latin typeface="Arial"/>
+                      </a:endParaRPr>
+                    </a:p>
+                  </a:txBody>
+                  <a:tcPr marL="90000" marR="90000">
+                    <a:lnL w="720">
+                      <a:solidFill>
+                        <a:srgbClr val="ffffff"/>
+                      </a:solidFill>
+                    </a:lnL>
+                    <a:lnR w="720">
+                      <a:solidFill>
+                        <a:srgbClr val="ffffff"/>
+                      </a:solidFill>
+                    </a:lnR>
+                    <a:lnT w="720">
+                      <a:solidFill>
+                        <a:srgbClr val="ffffff"/>
+                      </a:solidFill>
+                    </a:lnT>
+                    <a:lnB w="720">
+                      <a:solidFill>
+                        <a:srgbClr val="ffffff"/>
+                      </a:solidFill>
+                    </a:lnB>
+                    <a:solidFill>
+                      <a:srgbClr val="ffcc99"/>
+                    </a:solidFill>
+                  </a:tcPr>
+                </a:tc>
+                <a:tc>
+                  <a:txBody>
+                    <a:bodyPr lIns="90000" rIns="90000"/>
+                    <a:p>
+                      <a:pPr algn="r"/>
+                      <a:r>
+                        <a:rPr b="1" lang="de-DE" sz="1400" spc="-1" strike="noStrike">
+                          <a:latin typeface="Arial"/>
+                        </a:rPr>
+                        <a:t>68.31</a:t>
+                      </a:r>
+                      <a:endParaRPr b="1" lang="de-DE" sz="1400" spc="-1" strike="noStrike">
+                        <a:latin typeface="Arial"/>
+                      </a:endParaRPr>
+                    </a:p>
+                  </a:txBody>
+                  <a:tcPr marL="90000" marR="90000">
+                    <a:lnL w="720">
+                      <a:solidFill>
+                        <a:srgbClr val="ffffff"/>
+                      </a:solidFill>
+                    </a:lnL>
+                    <a:lnR w="720">
+                      <a:solidFill>
+                        <a:srgbClr val="ffffff"/>
+                      </a:solidFill>
+                    </a:lnR>
+                    <a:lnT w="720">
+                      <a:solidFill>
+                        <a:srgbClr val="ffffff"/>
+                      </a:solidFill>
+                    </a:lnT>
+                    <a:lnB w="720">
+                      <a:solidFill>
+                        <a:srgbClr val="ffffff"/>
+                      </a:solidFill>
+                    </a:lnB>
+                    <a:solidFill>
+                      <a:srgbClr val="ffcc99"/>
+                    </a:solidFill>
+                  </a:tcPr>
+                </a:tc>
+              </a:tr>
+              <a:tr h="291600">
+                <a:tc>
+                  <a:txBody>
+                    <a:bodyPr lIns="90000" rIns="90000"/>
+                    <a:p>
+                      <a:pPr algn="r">
+                        <a:lnSpc>
+                          <a:spcPct val="100000"/>
+                        </a:lnSpc>
+                      </a:pPr>
+                      <a:r>
+                        <a:rPr b="0" lang="de-DE" sz="1400" spc="-1" strike="noStrike">
+                          <a:latin typeface="Arial"/>
+                        </a:rPr>
+                        <a:t>90</a:t>
+                      </a:r>
+                      <a:endParaRPr b="0" lang="de-DE" sz="1400" spc="-1" strike="noStrike">
+                        <a:latin typeface="Arial"/>
+                      </a:endParaRPr>
+                    </a:p>
+                  </a:txBody>
+                  <a:tcPr marL="90000" marR="90000">
+                    <a:lnL w="720">
+                      <a:solidFill>
+                        <a:srgbClr val="ffffff"/>
+                      </a:solidFill>
+                    </a:lnL>
+                    <a:lnR w="720">
+                      <a:solidFill>
+                        <a:srgbClr val="ffffff"/>
+                      </a:solidFill>
+                    </a:lnR>
+                    <a:lnT w="720">
+                      <a:solidFill>
+                        <a:srgbClr val="ffffff"/>
+                      </a:solidFill>
+                    </a:lnT>
+                    <a:lnB w="720">
+                      <a:solidFill>
+                        <a:srgbClr val="ffffff"/>
+                      </a:solidFill>
+                    </a:lnB>
+                    <a:solidFill>
+                      <a:srgbClr val="ff9966"/>
+                    </a:solidFill>
+                  </a:tcPr>
+                </a:tc>
+                <a:tc>
+                  <a:txBody>
+                    <a:bodyPr lIns="90000" rIns="90000"/>
+                    <a:p>
+                      <a:pPr algn="r"/>
+                      <a:r>
+                        <a:rPr b="0" lang="de-DE" sz="1400" spc="-1" strike="noStrike">
+                          <a:latin typeface="Arial"/>
+                        </a:rPr>
+                        <a:t>67.47</a:t>
+                      </a:r>
+                      <a:endParaRPr b="0" lang="de-DE" sz="1400" spc="-1" strike="noStrike">
+                        <a:latin typeface="Arial"/>
+                      </a:endParaRPr>
+                    </a:p>
+                  </a:txBody>
+                  <a:tcPr marL="90000" marR="90000">
+                    <a:lnL w="720">
+                      <a:solidFill>
+                        <a:srgbClr val="ffffff"/>
+                      </a:solidFill>
+                    </a:lnL>
+                    <a:lnR w="720">
+                      <a:solidFill>
+                        <a:srgbClr val="ffffff"/>
+                      </a:solidFill>
+                    </a:lnR>
+                    <a:lnT w="720">
+                      <a:solidFill>
+                        <a:srgbClr val="ffffff"/>
+                      </a:solidFill>
+                    </a:lnT>
+                    <a:lnB w="720">
+                      <a:solidFill>
+                        <a:srgbClr val="ffffff"/>
+                      </a:solidFill>
+                    </a:lnB>
+                    <a:solidFill>
+                      <a:srgbClr val="ff9966"/>
+                    </a:solidFill>
+                  </a:tcPr>
+                </a:tc>
+              </a:tr>
+              <a:tr h="291600">
+                <a:tc>
+                  <a:txBody>
+                    <a:bodyPr lIns="90000" rIns="90000"/>
+                    <a:p>
+                      <a:pPr algn="r">
+                        <a:lnSpc>
+                          <a:spcPct val="100000"/>
+                        </a:lnSpc>
+                      </a:pPr>
+                      <a:r>
+                        <a:rPr b="0" lang="de-DE" sz="1400" spc="-1" strike="noStrike">
+                          <a:latin typeface="Arial"/>
+                        </a:rPr>
+                        <a:t>200</a:t>
+                      </a:r>
+                      <a:endParaRPr b="0" lang="de-DE" sz="1400" spc="-1" strike="noStrike">
+                        <a:latin typeface="Arial"/>
+                      </a:endParaRPr>
+                    </a:p>
+                  </a:txBody>
+                  <a:tcPr marL="90000" marR="90000">
+                    <a:lnL w="720">
+                      <a:solidFill>
+                        <a:srgbClr val="ffffff"/>
+                      </a:solidFill>
+                    </a:lnL>
+                    <a:lnR w="720">
+                      <a:solidFill>
+                        <a:srgbClr val="ffffff"/>
+                      </a:solidFill>
+                    </a:lnR>
+                    <a:lnT w="720">
+                      <a:solidFill>
+                        <a:srgbClr val="ffffff"/>
+                      </a:solidFill>
+                    </a:lnT>
+                    <a:lnB w="720">
+                      <a:solidFill>
+                        <a:srgbClr val="ffffff"/>
+                      </a:solidFill>
+                    </a:lnB>
+                    <a:solidFill>
+                      <a:srgbClr val="ffcc99"/>
+                    </a:solidFill>
+                  </a:tcPr>
+                </a:tc>
+                <a:tc>
+                  <a:txBody>
+                    <a:bodyPr lIns="90000" rIns="90000"/>
+                    <a:p>
+                      <a:pPr algn="r"/>
+                      <a:r>
+                        <a:rPr b="0" lang="de-DE" sz="1400" spc="-1" strike="noStrike">
+                          <a:latin typeface="Arial"/>
+                        </a:rPr>
+                        <a:t>66.04</a:t>
+                      </a:r>
+                      <a:endParaRPr b="0" lang="de-DE" sz="1400" spc="-1" strike="noStrike">
+                        <a:latin typeface="Arial"/>
+                      </a:endParaRPr>
+                    </a:p>
+                  </a:txBody>
+                  <a:tcPr marL="90000" marR="90000">
+                    <a:lnL w="720">
+                      <a:solidFill>
+                        <a:srgbClr val="ffffff"/>
+                      </a:solidFill>
+                    </a:lnL>
+                    <a:lnR w="720">
+                      <a:solidFill>
+                        <a:srgbClr val="ffffff"/>
+                      </a:solidFill>
+                    </a:lnR>
+                    <a:lnT w="720">
+                      <a:solidFill>
+                        <a:srgbClr val="ffffff"/>
+                      </a:solidFill>
+                    </a:lnT>
+                    <a:lnB w="720">
+                      <a:solidFill>
+                        <a:srgbClr val="ffffff"/>
+                      </a:solidFill>
+                    </a:lnB>
+                    <a:solidFill>
+                      <a:srgbClr val="ffcc99"/>
+                    </a:solidFill>
+                  </a:tcPr>
+                </a:tc>
+              </a:tr>
+              <a:tr h="292320">
+                <a:tc>
+                  <a:txBody>
+                    <a:bodyPr lIns="90000" rIns="90000"/>
+                    <a:p>
+                      <a:pPr algn="r">
+                        <a:lnSpc>
+                          <a:spcPct val="100000"/>
+                        </a:lnSpc>
+                      </a:pPr>
+                      <a:r>
+                        <a:rPr b="0" lang="de-DE" sz="1400" spc="-1" strike="noStrike">
+                          <a:latin typeface="Arial"/>
+                        </a:rPr>
+                        <a:t>500</a:t>
+                      </a:r>
+                      <a:endParaRPr b="0" lang="de-DE" sz="1400" spc="-1" strike="noStrike">
+                        <a:latin typeface="Arial"/>
+                      </a:endParaRPr>
+                    </a:p>
+                  </a:txBody>
+                  <a:tcPr marL="90000" marR="90000">
+                    <a:lnL w="720">
+                      <a:solidFill>
+                        <a:srgbClr val="ffffff"/>
+                      </a:solidFill>
+                    </a:lnL>
+                    <a:lnR w="720">
+                      <a:solidFill>
+                        <a:srgbClr val="ffffff"/>
+                      </a:solidFill>
+                    </a:lnR>
+                    <a:lnT w="720">
+                      <a:solidFill>
+                        <a:srgbClr val="ffffff"/>
+                      </a:solidFill>
+                    </a:lnT>
+                    <a:lnB w="720">
+                      <a:solidFill>
+                        <a:srgbClr val="ffffff"/>
+                      </a:solidFill>
+                    </a:lnB>
+                    <a:solidFill>
+                      <a:srgbClr val="ff9966"/>
+                    </a:solidFill>
+                  </a:tcPr>
+                </a:tc>
+                <a:tc>
+                  <a:txBody>
+                    <a:bodyPr lIns="90000" rIns="90000"/>
+                    <a:p>
+                      <a:pPr algn="r"/>
+                      <a:r>
+                        <a:rPr b="0" lang="de-DE" sz="1400" spc="-1" strike="noStrike">
+                          <a:latin typeface="Arial"/>
+                        </a:rPr>
+                        <a:t>63.39</a:t>
+                      </a:r>
+                      <a:endParaRPr b="0" lang="de-DE" sz="1400" spc="-1" strike="noStrike">
+                        <a:latin typeface="Arial"/>
+                      </a:endParaRPr>
+                    </a:p>
+                  </a:txBody>
+                  <a:tcPr marL="90000" marR="90000">
+                    <a:lnL w="720">
+                      <a:solidFill>
+                        <a:srgbClr val="ffffff"/>
+                      </a:solidFill>
+                    </a:lnL>
+                    <a:lnR w="720">
+                      <a:solidFill>
+                        <a:srgbClr val="ffffff"/>
+                      </a:solidFill>
+                    </a:lnR>
+                    <a:lnT w="720">
+                      <a:solidFill>
+                        <a:srgbClr val="ffffff"/>
+                      </a:solidFill>
+                    </a:lnT>
+                    <a:lnB w="720">
+                      <a:solidFill>
+                        <a:srgbClr val="ffffff"/>
+                      </a:solidFill>
+                    </a:lnB>
+                    <a:solidFill>
+                      <a:srgbClr val="ff9966"/>
+                    </a:solidFill>
+                  </a:tcPr>
+                </a:tc>
+              </a:tr>
+            </a:tbl>
+          </a:graphicData>
+        </a:graphic>
+      </p:graphicFrame>
+      <p:graphicFrame>
+        <p:nvGraphicFramePr>
+          <p:cNvPr id="297" name="Table 8"/>
+          <p:cNvGraphicFramePr/>
+          <p:nvPr/>
+        </p:nvGraphicFramePr>
+        <p:xfrm>
+          <a:off x="6413400" y="4355280"/>
+          <a:ext cx="1753200" cy="2457360"/>
+        </p:xfrm>
+        <a:graphic>
+          <a:graphicData uri="http://schemas.openxmlformats.org/drawingml/2006/table">
+            <a:tbl>
+              <a:tblPr/>
+              <a:tblGrid>
+                <a:gridCol w="775440"/>
+                <a:gridCol w="977760"/>
+              </a:tblGrid>
+              <a:tr h="307080">
+                <a:tc>
+                  <a:txBody>
+                    <a:bodyPr lIns="90000" rIns="90000" tIns="46800" bIns="46800"/>
+                    <a:p>
+                      <a:pPr algn="ctr">
+                        <a:lnSpc>
+                          <a:spcPct val="100000"/>
+                        </a:lnSpc>
+                      </a:pPr>
+                      <a:r>
+                        <a:rPr b="0" lang="de-DE" sz="1400" spc="-1" strike="noStrike">
+                          <a:latin typeface="Arial"/>
+                        </a:rPr>
+                        <a:t>k</a:t>
+                      </a:r>
+                      <a:endParaRPr b="0" lang="de-DE" sz="1400" spc="-1" strike="noStrike">
+                        <a:latin typeface="Arial"/>
+                      </a:endParaRPr>
+                    </a:p>
+                  </a:txBody>
+                  <a:tcPr marL="90000" marR="90000">
+                    <a:lnL w="720">
+                      <a:solidFill>
+                        <a:srgbClr val="ffffff"/>
+                      </a:solidFill>
+                    </a:lnL>
+                    <a:lnR w="720">
+                      <a:solidFill>
+                        <a:srgbClr val="ffffff"/>
+                      </a:solidFill>
+                    </a:lnR>
+                    <a:lnT w="720">
+                      <a:solidFill>
+                        <a:srgbClr val="ffffff"/>
+                      </a:solidFill>
+                    </a:lnT>
+                    <a:lnB w="720">
+                      <a:solidFill>
+                        <a:srgbClr val="ffffff"/>
+                      </a:solidFill>
+                    </a:lnB>
+                    <a:solidFill>
+                      <a:srgbClr val="ff6633"/>
+                    </a:solidFill>
+                  </a:tcPr>
+                </a:tc>
+                <a:tc>
+                  <a:txBody>
+                    <a:bodyPr lIns="90000" rIns="90000" tIns="46800" bIns="46800"/>
+                    <a:p>
+                      <a:pPr algn="ctr">
+                        <a:lnSpc>
+                          <a:spcPct val="100000"/>
+                        </a:lnSpc>
+                      </a:pPr>
+                      <a:r>
+                        <a:rPr b="0" lang="de-DE" sz="1400" spc="-1" strike="noStrike">
+                          <a:latin typeface="Arial"/>
+                        </a:rPr>
+                        <a:t>AUC in %</a:t>
+                      </a:r>
+                      <a:endParaRPr b="0" lang="de-DE" sz="1400" spc="-1" strike="noStrike">
+                        <a:latin typeface="Arial"/>
+                      </a:endParaRPr>
+                    </a:p>
+                  </a:txBody>
+                  <a:tcPr marL="90000" marR="90000">
+                    <a:lnL w="720">
+                      <a:solidFill>
+                        <a:srgbClr val="ffffff"/>
+                      </a:solidFill>
+                    </a:lnL>
+                    <a:lnR w="720">
+                      <a:solidFill>
+                        <a:srgbClr val="ffffff"/>
+                      </a:solidFill>
+                    </a:lnR>
+                    <a:lnT w="720">
+                      <a:solidFill>
+                        <a:srgbClr val="ffffff"/>
+                      </a:solidFill>
+                    </a:lnT>
+                    <a:lnB w="720">
+                      <a:solidFill>
+                        <a:srgbClr val="ffffff"/>
+                      </a:solidFill>
+                    </a:lnB>
+                    <a:solidFill>
+                      <a:srgbClr val="ff6633"/>
+                    </a:solidFill>
+                  </a:tcPr>
+                </a:tc>
+              </a:tr>
+              <a:tr h="307080">
+                <a:tc>
+                  <a:txBody>
+                    <a:bodyPr lIns="90000" rIns="90000" tIns="46800" bIns="46800"/>
+                    <a:p>
+                      <a:pPr algn="r">
+                        <a:lnSpc>
+                          <a:spcPct val="100000"/>
+                        </a:lnSpc>
+                      </a:pPr>
+                      <a:r>
+                        <a:rPr b="0" lang="de-DE" sz="1400" spc="-1" strike="noStrike">
+                          <a:latin typeface="Arial"/>
+                        </a:rPr>
+                        <a:t>5</a:t>
+                      </a:r>
+                      <a:endParaRPr b="0" lang="de-DE" sz="1400" spc="-1" strike="noStrike">
+                        <a:latin typeface="Arial"/>
+                      </a:endParaRPr>
+                    </a:p>
+                  </a:txBody>
+                  <a:tcPr marL="90000" marR="90000">
+                    <a:lnL w="720">
+                      <a:solidFill>
+                        <a:srgbClr val="ffffff"/>
+                      </a:solidFill>
+                    </a:lnL>
+                    <a:lnR w="720">
+                      <a:solidFill>
+                        <a:srgbClr val="ffffff"/>
+                      </a:solidFill>
+                    </a:lnR>
+                    <a:lnT w="720">
+                      <a:solidFill>
+                        <a:srgbClr val="ffffff"/>
+                      </a:solidFill>
+                    </a:lnT>
+                    <a:lnB w="720">
+                      <a:solidFill>
+                        <a:srgbClr val="ffffff"/>
+                      </a:solidFill>
+                    </a:lnB>
+                    <a:solidFill>
+                      <a:srgbClr val="ff9966"/>
+                    </a:solidFill>
+                  </a:tcPr>
+                </a:tc>
+                <a:tc>
+                  <a:txBody>
+                    <a:bodyPr lIns="90000" rIns="90000" tIns="46800" bIns="46800"/>
+                    <a:p>
+                      <a:pPr algn="r"/>
+                      <a:r>
+                        <a:rPr b="0" lang="de-DE" sz="1400" spc="-1" strike="noStrike">
+                          <a:latin typeface="Arial"/>
+                        </a:rPr>
+                        <a:t>57.68</a:t>
+                      </a:r>
+                      <a:endParaRPr b="0" lang="de-DE" sz="1400" spc="-1" strike="noStrike">
+                        <a:latin typeface="Arial"/>
+                      </a:endParaRPr>
+                    </a:p>
+                  </a:txBody>
+                  <a:tcPr marL="90000" marR="90000">
+                    <a:lnL w="720">
+                      <a:solidFill>
+                        <a:srgbClr val="ffffff"/>
+                      </a:solidFill>
+                    </a:lnL>
+                    <a:lnR w="720">
+                      <a:solidFill>
+                        <a:srgbClr val="ffffff"/>
+                      </a:solidFill>
+                    </a:lnR>
+                    <a:lnT w="720">
+                      <a:solidFill>
+                        <a:srgbClr val="ffffff"/>
+                      </a:solidFill>
+                    </a:lnT>
+                    <a:lnB w="720">
+                      <a:solidFill>
+                        <a:srgbClr val="ffffff"/>
+                      </a:solidFill>
+                    </a:lnB>
+                    <a:solidFill>
+                      <a:srgbClr val="ff9966"/>
+                    </a:solidFill>
+                  </a:tcPr>
+                </a:tc>
+              </a:tr>
+              <a:tr h="307080">
+                <a:tc>
+                  <a:txBody>
+                    <a:bodyPr lIns="90000" rIns="90000" tIns="46800" bIns="46800"/>
+                    <a:p>
+                      <a:pPr algn="r">
+                        <a:lnSpc>
+                          <a:spcPct val="100000"/>
+                        </a:lnSpc>
+                      </a:pPr>
+                      <a:r>
+                        <a:rPr b="0" lang="de-DE" sz="1400" spc="-1" strike="noStrike">
+                          <a:latin typeface="Arial"/>
+                        </a:rPr>
+                        <a:t>10</a:t>
+                      </a:r>
+                      <a:endParaRPr b="0" lang="de-DE" sz="1400" spc="-1" strike="noStrike">
+                        <a:latin typeface="Arial"/>
+                      </a:endParaRPr>
+                    </a:p>
+                  </a:txBody>
+                  <a:tcPr marL="90000" marR="90000">
+                    <a:lnL w="720">
+                      <a:solidFill>
+                        <a:srgbClr val="ffffff"/>
+                      </a:solidFill>
+                    </a:lnL>
+                    <a:lnR w="720">
+                      <a:solidFill>
+                        <a:srgbClr val="ffffff"/>
+                      </a:solidFill>
+                    </a:lnR>
+                    <a:lnT w="720">
+                      <a:solidFill>
+                        <a:srgbClr val="ffffff"/>
+                      </a:solidFill>
+                    </a:lnT>
+                    <a:lnB w="720">
+                      <a:solidFill>
+                        <a:srgbClr val="ffffff"/>
+                      </a:solidFill>
+                    </a:lnB>
+                    <a:solidFill>
+                      <a:srgbClr val="ffcc99"/>
+                    </a:solidFill>
+                  </a:tcPr>
+                </a:tc>
+                <a:tc>
+                  <a:txBody>
+                    <a:bodyPr lIns="90000" rIns="90000" tIns="46800" bIns="46800"/>
+                    <a:p>
+                      <a:pPr algn="r"/>
+                      <a:r>
+                        <a:rPr b="0" lang="de-DE" sz="1400" spc="-1" strike="noStrike">
+                          <a:latin typeface="Arial"/>
+                        </a:rPr>
+                        <a:t>62.99</a:t>
+                      </a:r>
+                      <a:endParaRPr b="0" lang="de-DE" sz="1400" spc="-1" strike="noStrike">
+                        <a:latin typeface="Arial"/>
+                      </a:endParaRPr>
+                    </a:p>
+                  </a:txBody>
+                  <a:tcPr marL="90000" marR="90000">
+                    <a:lnL w="720">
+                      <a:solidFill>
+                        <a:srgbClr val="ffffff"/>
+                      </a:solidFill>
+                    </a:lnL>
+                    <a:lnR w="720">
+                      <a:solidFill>
+                        <a:srgbClr val="ffffff"/>
+                      </a:solidFill>
+                    </a:lnR>
+                    <a:lnT w="720">
+                      <a:solidFill>
+                        <a:srgbClr val="ffffff"/>
+                      </a:solidFill>
+                    </a:lnT>
+                    <a:lnB w="720">
+                      <a:solidFill>
+                        <a:srgbClr val="ffffff"/>
+                      </a:solidFill>
+                    </a:lnB>
+                    <a:solidFill>
+                      <a:srgbClr val="ffcc99"/>
+                    </a:solidFill>
+                  </a:tcPr>
+                </a:tc>
+              </a:tr>
+              <a:tr h="307080">
+                <a:tc>
+                  <a:txBody>
+                    <a:bodyPr lIns="90000" rIns="90000" tIns="46800" bIns="46800"/>
+                    <a:p>
+                      <a:pPr algn="r">
+                        <a:lnSpc>
+                          <a:spcPct val="100000"/>
+                        </a:lnSpc>
+                      </a:pPr>
+                      <a:r>
+                        <a:rPr b="0" lang="de-DE" sz="1400" spc="-1" strike="noStrike">
+                          <a:latin typeface="Arial"/>
+                        </a:rPr>
+                        <a:t>20</a:t>
+                      </a:r>
+                      <a:endParaRPr b="0" lang="de-DE" sz="1400" spc="-1" strike="noStrike">
+                        <a:latin typeface="Arial"/>
+                      </a:endParaRPr>
+                    </a:p>
+                  </a:txBody>
+                  <a:tcPr marL="90000" marR="90000">
+                    <a:lnL w="720">
+                      <a:solidFill>
+                        <a:srgbClr val="ffffff"/>
+                      </a:solidFill>
+                    </a:lnL>
+                    <a:lnR w="720">
+                      <a:solidFill>
+                        <a:srgbClr val="ffffff"/>
+                      </a:solidFill>
+                    </a:lnR>
+                    <a:lnT w="720">
+                      <a:solidFill>
+                        <a:srgbClr val="ffffff"/>
+                      </a:solidFill>
+                    </a:lnT>
+                    <a:lnB w="720">
+                      <a:solidFill>
+                        <a:srgbClr val="ffffff"/>
+                      </a:solidFill>
+                    </a:lnB>
+                    <a:solidFill>
+                      <a:srgbClr val="ff9966"/>
+                    </a:solidFill>
+                  </a:tcPr>
+                </a:tc>
+                <a:tc>
+                  <a:txBody>
+                    <a:bodyPr lIns="90000" rIns="90000" tIns="46800" bIns="46800"/>
+                    <a:p>
+                      <a:pPr algn="r"/>
+                      <a:r>
+                        <a:rPr b="0" lang="de-DE" sz="1400" spc="-1" strike="noStrike">
+                          <a:latin typeface="Arial"/>
+                        </a:rPr>
+                        <a:t>60.34</a:t>
+                      </a:r>
+                      <a:endParaRPr b="0" lang="de-DE" sz="1400" spc="-1" strike="noStrike">
+                        <a:latin typeface="Arial"/>
+                      </a:endParaRPr>
+                    </a:p>
+                  </a:txBody>
+                  <a:tcPr marL="90000" marR="90000">
+                    <a:lnL w="720">
+                      <a:solidFill>
+                        <a:srgbClr val="ffffff"/>
+                      </a:solidFill>
+                    </a:lnL>
+                    <a:lnR w="720">
+                      <a:solidFill>
+                        <a:srgbClr val="ffffff"/>
+                      </a:solidFill>
+                    </a:lnR>
+                    <a:lnT w="720">
+                      <a:solidFill>
+                        <a:srgbClr val="ffffff"/>
+                      </a:solidFill>
+                    </a:lnT>
+                    <a:lnB w="720">
+                      <a:solidFill>
+                        <a:srgbClr val="ffffff"/>
+                      </a:solidFill>
+                    </a:lnB>
+                    <a:solidFill>
+                      <a:srgbClr val="ff9966"/>
+                    </a:solidFill>
+                  </a:tcPr>
+                </a:tc>
+              </a:tr>
+              <a:tr h="307080">
+                <a:tc>
+                  <a:txBody>
+                    <a:bodyPr lIns="90000" rIns="90000" tIns="46800" bIns="46800"/>
+                    <a:p>
+                      <a:pPr algn="r">
+                        <a:lnSpc>
+                          <a:spcPct val="100000"/>
+                        </a:lnSpc>
+                      </a:pPr>
+                      <a:r>
+                        <a:rPr b="0" lang="de-DE" sz="1400" spc="-1" strike="noStrike">
+                          <a:latin typeface="Arial"/>
+                        </a:rPr>
+                        <a:t>50</a:t>
+                      </a:r>
+                      <a:endParaRPr b="0" lang="de-DE" sz="1400" spc="-1" strike="noStrike">
+                        <a:latin typeface="Arial"/>
+                      </a:endParaRPr>
+                    </a:p>
+                  </a:txBody>
+                  <a:tcPr marL="90000" marR="90000">
+                    <a:lnL w="720">
+                      <a:solidFill>
+                        <a:srgbClr val="ffffff"/>
+                      </a:solidFill>
+                    </a:lnL>
+                    <a:lnR w="720">
+                      <a:solidFill>
+                        <a:srgbClr val="ffffff"/>
+                      </a:solidFill>
+                    </a:lnR>
+                    <a:lnT w="720">
+                      <a:solidFill>
+                        <a:srgbClr val="ffffff"/>
+                      </a:solidFill>
+                    </a:lnT>
+                    <a:lnB w="720">
+                      <a:solidFill>
+                        <a:srgbClr val="ffffff"/>
+                      </a:solidFill>
+                    </a:lnB>
+                    <a:solidFill>
+                      <a:srgbClr val="ffcc99"/>
+                    </a:solidFill>
+                  </a:tcPr>
+                </a:tc>
+                <a:tc>
+                  <a:txBody>
+                    <a:bodyPr lIns="90000" rIns="90000" tIns="46800" bIns="46800"/>
+                    <a:p>
+                      <a:pPr algn="r"/>
+                      <a:r>
+                        <a:rPr b="0" lang="de-DE" sz="1400" spc="-1" strike="noStrike">
+                          <a:latin typeface="Arial"/>
+                        </a:rPr>
+                        <a:t>61.52</a:t>
+                      </a:r>
+                      <a:endParaRPr b="0" lang="de-DE" sz="1400" spc="-1" strike="noStrike">
+                        <a:latin typeface="Arial"/>
+                      </a:endParaRPr>
+                    </a:p>
+                  </a:txBody>
+                  <a:tcPr marL="90000" marR="90000">
+                    <a:lnL w="720">
+                      <a:solidFill>
+                        <a:srgbClr val="ffffff"/>
+                      </a:solidFill>
+                    </a:lnL>
+                    <a:lnR w="720">
+                      <a:solidFill>
+                        <a:srgbClr val="ffffff"/>
+                      </a:solidFill>
+                    </a:lnR>
+                    <a:lnT w="720">
+                      <a:solidFill>
+                        <a:srgbClr val="ffffff"/>
+                      </a:solidFill>
+                    </a:lnT>
+                    <a:lnB w="720">
+                      <a:solidFill>
+                        <a:srgbClr val="ffffff"/>
+                      </a:solidFill>
+                    </a:lnB>
+                    <a:solidFill>
+                      <a:srgbClr val="ffcc99"/>
+                    </a:solidFill>
+                  </a:tcPr>
+                </a:tc>
+              </a:tr>
+              <a:tr h="307080">
+                <a:tc>
+                  <a:txBody>
+                    <a:bodyPr lIns="90000" rIns="90000" tIns="46800" bIns="46800"/>
+                    <a:p>
+                      <a:pPr algn="r">
+                        <a:lnSpc>
+                          <a:spcPct val="100000"/>
+                        </a:lnSpc>
+                      </a:pPr>
+                      <a:r>
+                        <a:rPr b="0" lang="de-DE" sz="1400" spc="-1" strike="noStrike">
+                          <a:latin typeface="Arial"/>
+                        </a:rPr>
+                        <a:t>90</a:t>
+                      </a:r>
+                      <a:endParaRPr b="0" lang="de-DE" sz="1400" spc="-1" strike="noStrike">
+                        <a:latin typeface="Arial"/>
+                      </a:endParaRPr>
+                    </a:p>
+                  </a:txBody>
+                  <a:tcPr marL="90000" marR="90000">
+                    <a:lnL w="720">
+                      <a:solidFill>
+                        <a:srgbClr val="ffffff"/>
+                      </a:solidFill>
+                    </a:lnL>
+                    <a:lnR w="720">
+                      <a:solidFill>
+                        <a:srgbClr val="ffffff"/>
+                      </a:solidFill>
+                    </a:lnR>
+                    <a:lnT w="720">
+                      <a:solidFill>
+                        <a:srgbClr val="ffffff"/>
+                      </a:solidFill>
+                    </a:lnT>
+                    <a:lnB w="720">
+                      <a:solidFill>
+                        <a:srgbClr val="ffffff"/>
+                      </a:solidFill>
+                    </a:lnB>
+                    <a:solidFill>
+                      <a:srgbClr val="ff9966"/>
+                    </a:solidFill>
+                  </a:tcPr>
+                </a:tc>
+                <a:tc>
+                  <a:txBody>
+                    <a:bodyPr lIns="90000" rIns="90000" tIns="46800" bIns="46800"/>
+                    <a:p>
+                      <a:pPr algn="r"/>
+                      <a:r>
+                        <a:rPr b="0" lang="de-DE" sz="1400" spc="-1" strike="noStrike">
+                          <a:latin typeface="Arial"/>
+                        </a:rPr>
+                        <a:t>63.19</a:t>
+                      </a:r>
+                      <a:endParaRPr b="0" lang="de-DE" sz="1400" spc="-1" strike="noStrike">
+                        <a:latin typeface="Arial"/>
+                      </a:endParaRPr>
+                    </a:p>
+                  </a:txBody>
+                  <a:tcPr marL="90000" marR="90000">
+                    <a:lnL w="720">
+                      <a:solidFill>
+                        <a:srgbClr val="ffffff"/>
+                      </a:solidFill>
+                    </a:lnL>
+                    <a:lnR w="720">
+                      <a:solidFill>
+                        <a:srgbClr val="ffffff"/>
+                      </a:solidFill>
+                    </a:lnR>
+                    <a:lnT w="720">
+                      <a:solidFill>
+                        <a:srgbClr val="ffffff"/>
+                      </a:solidFill>
+                    </a:lnT>
+                    <a:lnB w="720">
+                      <a:solidFill>
+                        <a:srgbClr val="ffffff"/>
+                      </a:solidFill>
+                    </a:lnB>
+                    <a:solidFill>
+                      <a:srgbClr val="ff9966"/>
+                    </a:solidFill>
+                  </a:tcPr>
+                </a:tc>
+              </a:tr>
+              <a:tr h="307080">
+                <a:tc>
+                  <a:txBody>
+                    <a:bodyPr lIns="90000" rIns="90000" tIns="46800" bIns="46800"/>
+                    <a:p>
+                      <a:pPr algn="r">
+                        <a:lnSpc>
+                          <a:spcPct val="100000"/>
+                        </a:lnSpc>
+                      </a:pPr>
+                      <a:r>
+                        <a:rPr b="0" lang="de-DE" sz="1400" spc="-1" strike="noStrike">
+                          <a:latin typeface="Arial"/>
+                        </a:rPr>
+                        <a:t>200</a:t>
+                      </a:r>
+                      <a:endParaRPr b="0" lang="de-DE" sz="1400" spc="-1" strike="noStrike">
+                        <a:latin typeface="Arial"/>
+                      </a:endParaRPr>
+                    </a:p>
+                  </a:txBody>
+                  <a:tcPr marL="90000" marR="90000">
+                    <a:lnL w="720">
+                      <a:solidFill>
+                        <a:srgbClr val="ffffff"/>
+                      </a:solidFill>
+                    </a:lnL>
+                    <a:lnR w="720">
+                      <a:solidFill>
+                        <a:srgbClr val="ffffff"/>
+                      </a:solidFill>
+                    </a:lnR>
+                    <a:lnT w="720">
+                      <a:solidFill>
+                        <a:srgbClr val="ffffff"/>
+                      </a:solidFill>
+                    </a:lnT>
+                    <a:lnB w="720">
+                      <a:solidFill>
+                        <a:srgbClr val="ffffff"/>
+                      </a:solidFill>
+                    </a:lnB>
+                    <a:solidFill>
+                      <a:srgbClr val="ffcc99"/>
+                    </a:solidFill>
+                  </a:tcPr>
+                </a:tc>
+                <a:tc>
+                  <a:txBody>
+                    <a:bodyPr lIns="90000" rIns="90000" tIns="46800" bIns="46800"/>
+                    <a:p>
+                      <a:pPr algn="r"/>
+                      <a:r>
+                        <a:rPr b="1" lang="de-DE" sz="1400" spc="-1" strike="noStrike">
+                          <a:latin typeface="Arial"/>
+                        </a:rPr>
+                        <a:t>63.24</a:t>
+                      </a:r>
+                      <a:endParaRPr b="1" lang="de-DE" sz="1400" spc="-1" strike="noStrike">
+                        <a:latin typeface="Arial"/>
+                      </a:endParaRPr>
+                    </a:p>
+                  </a:txBody>
+                  <a:tcPr marL="90000" marR="90000">
+                    <a:lnL w="720">
+                      <a:solidFill>
+                        <a:srgbClr val="ffffff"/>
+                      </a:solidFill>
+                    </a:lnL>
+                    <a:lnR w="720">
+                      <a:solidFill>
+                        <a:srgbClr val="ffffff"/>
+                      </a:solidFill>
+                    </a:lnR>
+                    <a:lnT w="720">
+                      <a:solidFill>
+                        <a:srgbClr val="ffffff"/>
+                      </a:solidFill>
+                    </a:lnT>
+                    <a:lnB w="720">
+                      <a:solidFill>
+                        <a:srgbClr val="ffffff"/>
+                      </a:solidFill>
+                    </a:lnB>
+                    <a:solidFill>
+                      <a:srgbClr val="ffcc99"/>
+                    </a:solidFill>
+                  </a:tcPr>
+                </a:tc>
+              </a:tr>
+              <a:tr h="307800">
+                <a:tc>
+                  <a:txBody>
+                    <a:bodyPr lIns="90000" rIns="90000" tIns="46800" bIns="46800"/>
+                    <a:p>
+                      <a:pPr algn="r">
+                        <a:lnSpc>
+                          <a:spcPct val="100000"/>
+                        </a:lnSpc>
+                      </a:pPr>
+                      <a:r>
+                        <a:rPr b="0" lang="de-DE" sz="1400" spc="-1" strike="noStrike">
+                          <a:latin typeface="Arial"/>
+                        </a:rPr>
+                        <a:t>500</a:t>
+                      </a:r>
+                      <a:endParaRPr b="0" lang="de-DE" sz="1400" spc="-1" strike="noStrike">
+                        <a:latin typeface="Arial"/>
+                      </a:endParaRPr>
+                    </a:p>
+                  </a:txBody>
+                  <a:tcPr marL="90000" marR="90000">
+                    <a:lnL w="720">
+                      <a:solidFill>
+                        <a:srgbClr val="ffffff"/>
+                      </a:solidFill>
+                    </a:lnL>
+                    <a:lnR w="720">
+                      <a:solidFill>
+                        <a:srgbClr val="ffffff"/>
+                      </a:solidFill>
+                    </a:lnR>
+                    <a:lnT w="720">
+                      <a:solidFill>
+                        <a:srgbClr val="ffffff"/>
+                      </a:solidFill>
+                    </a:lnT>
+                    <a:lnB w="720">
+                      <a:solidFill>
+                        <a:srgbClr val="ffffff"/>
+                      </a:solidFill>
+                    </a:lnB>
+                    <a:solidFill>
+                      <a:srgbClr val="ff9966"/>
+                    </a:solidFill>
+                  </a:tcPr>
+                </a:tc>
+                <a:tc>
+                  <a:txBody>
+                    <a:bodyPr lIns="90000" rIns="90000" tIns="46800" bIns="46800"/>
+                    <a:p>
+                      <a:pPr algn="r"/>
+                      <a:r>
+                        <a:rPr b="0" lang="de-DE" sz="1400" spc="-1" strike="noStrike">
+                          <a:latin typeface="Arial"/>
+                        </a:rPr>
+                        <a:t>60.70</a:t>
+                      </a:r>
+                      <a:endParaRPr b="0" lang="de-DE" sz="1400" spc="-1" strike="noStrike">
+                        <a:latin typeface="Arial"/>
+                      </a:endParaRPr>
+                    </a:p>
+                  </a:txBody>
+                  <a:tcPr marL="90000" marR="90000">
+                    <a:lnL w="720">
+                      <a:solidFill>
+                        <a:srgbClr val="ffffff"/>
+                      </a:solidFill>
+                    </a:lnL>
+                    <a:lnR w="720">
+                      <a:solidFill>
+                        <a:srgbClr val="ffffff"/>
+                      </a:solidFill>
+                    </a:lnR>
+                    <a:lnT w="720">
+                      <a:solidFill>
+                        <a:srgbClr val="ffffff"/>
+                      </a:solidFill>
+                    </a:lnT>
+                    <a:lnB w="720">
+                      <a:solidFill>
+                        <a:srgbClr val="ffffff"/>
+                      </a:solidFill>
+                    </a:lnB>
+                    <a:solidFill>
+                      <a:srgbClr val="ff9966"/>
+                    </a:solidFill>
+                  </a:tcPr>
+                </a:tc>
+              </a:tr>
+            </a:tbl>
+          </a:graphicData>
+        </a:graphic>
+      </p:graphicFrame>
     </p:spTree>
   </p:cSld>
   <p:timing>
@@ -13938,14 +17009,14 @@
       </p:grpSpPr>
       <p:sp>
         <p:nvSpPr>
-          <p:cNvPr id="294" name="CustomShape 1"/>
+          <p:cNvPr id="298" name="CustomShape 1"/>
           <p:cNvSpPr/>
           <p:nvPr/>
         </p:nvSpPr>
         <p:spPr>
           <a:xfrm>
             <a:off x="8947080" y="7165800"/>
-            <a:ext cx="1222200" cy="226800"/>
+            <a:ext cx="1221480" cy="226080"/>
           </a:xfrm>
           <a:prstGeom prst="rect">
             <a:avLst/>
@@ -13979,7 +17050,7 @@
               </a:rPr>
               <a:t>Seite </a:t>
             </a:r>
-            <a:fld id="{BFBF96B7-B48C-48A0-A0F4-681E9A17048A}" type="slidenum">
+            <a:fld id="{0E6EC162-1B46-4067-A2F7-69A622036735}" type="slidenum">
               <a:rPr b="0" lang="de-DE" sz="1000" spc="-1" strike="noStrike">
                 <a:solidFill>
                   <a:srgbClr val="000000"/>
@@ -13997,14 +17068,14 @@
       </p:sp>
       <p:sp>
         <p:nvSpPr>
-          <p:cNvPr id="295" name="CustomShape 2"/>
+          <p:cNvPr id="299" name="CustomShape 2"/>
           <p:cNvSpPr/>
           <p:nvPr/>
         </p:nvSpPr>
         <p:spPr>
           <a:xfrm>
             <a:off x="522360" y="671400"/>
-            <a:ext cx="9646920" cy="947520"/>
+            <a:ext cx="9646200" cy="946800"/>
           </a:xfrm>
           <a:prstGeom prst="rect">
             <a:avLst/>
@@ -14057,14 +17128,14 @@
       </p:sp>
       <p:sp>
         <p:nvSpPr>
-          <p:cNvPr id="296" name="CustomShape 3"/>
+          <p:cNvPr id="300" name="CustomShape 3"/>
           <p:cNvSpPr/>
           <p:nvPr/>
         </p:nvSpPr>
         <p:spPr>
           <a:xfrm>
             <a:off x="522360" y="2138400"/>
-            <a:ext cx="8422920" cy="4520880"/>
+            <a:ext cx="8422200" cy="4520160"/>
           </a:xfrm>
           <a:prstGeom prst="rect">
             <a:avLst/>
@@ -14083,14 +17154,14 @@
       </p:sp>
       <p:sp>
         <p:nvSpPr>
-          <p:cNvPr id="297" name="CustomShape 4"/>
+          <p:cNvPr id="301" name="CustomShape 4"/>
           <p:cNvSpPr/>
           <p:nvPr/>
         </p:nvSpPr>
         <p:spPr>
           <a:xfrm>
             <a:off x="522360" y="2138400"/>
-            <a:ext cx="8422920" cy="4520880"/>
+            <a:ext cx="8422200" cy="4520160"/>
           </a:xfrm>
           <a:prstGeom prst="rect">
             <a:avLst/>
@@ -14107,16 +17178,62 @@
           <a:fontRef idx="minor"/>
         </p:style>
       </p:sp>
-      <p:sp>
-        <p:nvSpPr>
-          <p:cNvPr id="298" name="CustomShape 5"/>
+      <p:pic>
+        <p:nvPicPr>
+          <p:cNvPr id="302" name="" descr=""/>
+          <p:cNvPicPr/>
+          <p:nvPr/>
+        </p:nvPicPr>
+        <p:blipFill>
+          <a:blip r:embed="rId1"/>
+          <a:stretch/>
+        </p:blipFill>
+        <p:spPr>
+          <a:xfrm>
+            <a:off x="504360" y="1728360"/>
+            <a:ext cx="5469840" cy="2424960"/>
+          </a:xfrm>
+          <a:prstGeom prst="rect">
+            <a:avLst/>
+          </a:prstGeom>
+          <a:ln>
+            <a:noFill/>
+          </a:ln>
+        </p:spPr>
+      </p:pic>
+      <p:pic>
+        <p:nvPicPr>
+          <p:cNvPr id="303" name="" descr=""/>
+          <p:cNvPicPr/>
+          <p:nvPr/>
+        </p:nvPicPr>
+        <p:blipFill>
+          <a:blip r:embed="rId2"/>
+          <a:stretch/>
+        </p:blipFill>
+        <p:spPr>
+          <a:xfrm>
+            <a:off x="504360" y="4320360"/>
+            <a:ext cx="5469840" cy="2425680"/>
+          </a:xfrm>
+          <a:prstGeom prst="rect">
+            <a:avLst/>
+          </a:prstGeom>
+          <a:ln>
+            <a:noFill/>
+          </a:ln>
+        </p:spPr>
+      </p:pic>
+      <p:sp>
+        <p:nvSpPr>
+          <p:cNvPr id="304" name="CustomShape 5"/>
           <p:cNvSpPr/>
           <p:nvPr/>
         </p:nvSpPr>
         <p:spPr>
           <a:xfrm>
-            <a:off x="6120000" y="1769760"/>
-            <a:ext cx="3382920" cy="2333160"/>
+            <a:off x="792000" y="1863360"/>
+            <a:ext cx="791640" cy="368280"/>
           </a:xfrm>
           <a:prstGeom prst="rect">
             <a:avLst/>
@@ -14137,19 +17254,13 @@
             <a:normAutofit/>
           </a:bodyPr>
           <a:p>
-            <a:pPr marL="432000" indent="-322920">
+            <a:pPr>
               <a:lnSpc>
                 <a:spcPct val="100000"/>
               </a:lnSpc>
               <a:spcBef>
                 <a:spcPts val="1417"/>
               </a:spcBef>
-              <a:buClr>
-                <a:srgbClr val="000000"/>
-              </a:buClr>
-              <a:buSzPct val="45000"/>
-              <a:buFont typeface="Wingdings" charset="2"/>
-              <a:buChar char=""/>
             </a:pPr>
             <a:r>
               <a:rPr b="0" lang="de-DE" sz="2600" spc="-1" strike="noStrike">
@@ -14165,18 +17276,31 @@
               <a:latin typeface="Arial"/>
             </a:endParaRPr>
           </a:p>
+          <a:p>
+            <a:pPr>
+              <a:lnSpc>
+                <a:spcPct val="100000"/>
+              </a:lnSpc>
+              <a:spcBef>
+                <a:spcPts val="283"/>
+              </a:spcBef>
+            </a:pPr>
+            <a:endParaRPr b="0" lang="de-DE" sz="2600" spc="-1" strike="noStrike">
+              <a:latin typeface="Arial"/>
+            </a:endParaRPr>
+          </a:p>
         </p:txBody>
       </p:sp>
       <p:sp>
         <p:nvSpPr>
-          <p:cNvPr id="299" name="CustomShape 6"/>
+          <p:cNvPr id="305" name="CustomShape 6"/>
           <p:cNvSpPr/>
           <p:nvPr/>
         </p:nvSpPr>
         <p:spPr>
           <a:xfrm>
-            <a:off x="6120000" y="4392000"/>
-            <a:ext cx="3382920" cy="2333160"/>
+            <a:off x="792000" y="4392000"/>
+            <a:ext cx="1943640" cy="431640"/>
           </a:xfrm>
           <a:prstGeom prst="rect">
             <a:avLst/>
@@ -14197,19 +17321,13 @@
             <a:normAutofit/>
           </a:bodyPr>
           <a:p>
-            <a:pPr marL="432000" indent="-322920">
+            <a:pPr>
               <a:lnSpc>
                 <a:spcPct val="100000"/>
               </a:lnSpc>
               <a:spcBef>
                 <a:spcPts val="1417"/>
               </a:spcBef>
-              <a:buClr>
-                <a:srgbClr val="000000"/>
-              </a:buClr>
-              <a:buSzPct val="45000"/>
-              <a:buFont typeface="Wingdings" charset="2"/>
-              <a:buChar char=""/>
             </a:pPr>
             <a:r>
               <a:rPr b="0" lang="de-DE" sz="2600" spc="-1" strike="noStrike">
@@ -14219,7 +17337,7 @@
                 <a:latin typeface="Arial"/>
                 <a:ea typeface="DejaVu Sans"/>
               </a:rPr>
-              <a:t>AE</a:t>
+              <a:t>Autoencoder</a:t>
             </a:r>
             <a:endParaRPr b="0" lang="de-DE" sz="2600" spc="-1" strike="noStrike">
               <a:latin typeface="Arial"/>
@@ -14227,52 +17345,1498 @@
           </a:p>
         </p:txBody>
       </p:sp>
-      <p:pic>
-        <p:nvPicPr>
-          <p:cNvPr id="300" name="" descr=""/>
-          <p:cNvPicPr/>
+      <p:graphicFrame>
+        <p:nvGraphicFramePr>
+          <p:cNvPr id="306" name="Table 7"/>
+          <p:cNvGraphicFramePr/>
           <p:nvPr/>
-        </p:nvPicPr>
-        <p:blipFill>
-          <a:blip r:embed="rId1"/>
-          <a:stretch/>
-        </p:blipFill>
-        <p:spPr>
-          <a:xfrm>
-            <a:off x="504360" y="1728360"/>
-            <a:ext cx="5470560" cy="2425680"/>
-          </a:xfrm>
-          <a:prstGeom prst="rect">
-            <a:avLst/>
-          </a:prstGeom>
-          <a:ln>
-            <a:noFill/>
-          </a:ln>
-        </p:spPr>
-      </p:pic>
-      <p:pic>
-        <p:nvPicPr>
-          <p:cNvPr id="301" name="" descr=""/>
-          <p:cNvPicPr/>
+        </p:nvGraphicFramePr>
+        <p:xfrm>
+          <a:off x="6401880" y="1776240"/>
+          <a:ext cx="1753920" cy="2333520"/>
+        </p:xfrm>
+        <a:graphic>
+          <a:graphicData uri="http://schemas.openxmlformats.org/drawingml/2006/table">
+            <a:tbl>
+              <a:tblPr/>
+              <a:tblGrid>
+                <a:gridCol w="775440"/>
+                <a:gridCol w="978480"/>
+              </a:tblGrid>
+              <a:tr h="291600">
+                <a:tc>
+                  <a:txBody>
+                    <a:bodyPr lIns="90000" rIns="90000"/>
+                    <a:p>
+                      <a:pPr algn="ctr">
+                        <a:lnSpc>
+                          <a:spcPct val="100000"/>
+                        </a:lnSpc>
+                      </a:pPr>
+                      <a:r>
+                        <a:rPr b="0" lang="de-DE" sz="1400" spc="-1" strike="noStrike">
+                          <a:latin typeface="Arial"/>
+                        </a:rPr>
+                        <a:t>k</a:t>
+                      </a:r>
+                      <a:endParaRPr b="0" lang="de-DE" sz="1400" spc="-1" strike="noStrike">
+                        <a:latin typeface="Arial"/>
+                      </a:endParaRPr>
+                    </a:p>
+                  </a:txBody>
+                  <a:tcPr marL="90000" marR="90000">
+                    <a:lnL w="720">
+                      <a:solidFill>
+                        <a:srgbClr val="ffffff"/>
+                      </a:solidFill>
+                    </a:lnL>
+                    <a:lnR w="720">
+                      <a:solidFill>
+                        <a:srgbClr val="ffffff"/>
+                      </a:solidFill>
+                    </a:lnR>
+                    <a:lnT w="720">
+                      <a:solidFill>
+                        <a:srgbClr val="ffffff"/>
+                      </a:solidFill>
+                    </a:lnT>
+                    <a:lnB w="720">
+                      <a:solidFill>
+                        <a:srgbClr val="ffffff"/>
+                      </a:solidFill>
+                    </a:lnB>
+                    <a:solidFill>
+                      <a:srgbClr val="ff6633"/>
+                    </a:solidFill>
+                  </a:tcPr>
+                </a:tc>
+                <a:tc>
+                  <a:txBody>
+                    <a:bodyPr lIns="90000" rIns="90000"/>
+                    <a:p>
+                      <a:pPr algn="ctr">
+                        <a:lnSpc>
+                          <a:spcPct val="100000"/>
+                        </a:lnSpc>
+                      </a:pPr>
+                      <a:r>
+                        <a:rPr b="0" lang="de-DE" sz="1400" spc="-1" strike="noStrike">
+                          <a:latin typeface="Arial"/>
+                        </a:rPr>
+                        <a:t>AUC in %</a:t>
+                      </a:r>
+                      <a:endParaRPr b="0" lang="de-DE" sz="1400" spc="-1" strike="noStrike">
+                        <a:latin typeface="Arial"/>
+                      </a:endParaRPr>
+                    </a:p>
+                  </a:txBody>
+                  <a:tcPr marL="90000" marR="90000">
+                    <a:lnL w="720">
+                      <a:solidFill>
+                        <a:srgbClr val="ffffff"/>
+                      </a:solidFill>
+                    </a:lnL>
+                    <a:lnR w="720">
+                      <a:solidFill>
+                        <a:srgbClr val="ffffff"/>
+                      </a:solidFill>
+                    </a:lnR>
+                    <a:lnT w="720">
+                      <a:solidFill>
+                        <a:srgbClr val="ffffff"/>
+                      </a:solidFill>
+                    </a:lnT>
+                    <a:lnB w="720">
+                      <a:solidFill>
+                        <a:srgbClr val="ffffff"/>
+                      </a:solidFill>
+                    </a:lnB>
+                    <a:solidFill>
+                      <a:srgbClr val="ff6633"/>
+                    </a:solidFill>
+                  </a:tcPr>
+                </a:tc>
+              </a:tr>
+              <a:tr h="291600">
+                <a:tc>
+                  <a:txBody>
+                    <a:bodyPr lIns="90000" rIns="90000"/>
+                    <a:p>
+                      <a:pPr algn="r">
+                        <a:lnSpc>
+                          <a:spcPct val="100000"/>
+                        </a:lnSpc>
+                      </a:pPr>
+                      <a:r>
+                        <a:rPr b="0" lang="de-DE" sz="1400" spc="-1" strike="noStrike">
+                          <a:latin typeface="Arial"/>
+                        </a:rPr>
+                        <a:t>5</a:t>
+                      </a:r>
+                      <a:endParaRPr b="0" lang="de-DE" sz="1400" spc="-1" strike="noStrike">
+                        <a:latin typeface="Arial"/>
+                      </a:endParaRPr>
+                    </a:p>
+                  </a:txBody>
+                  <a:tcPr marL="90000" marR="90000">
+                    <a:lnL w="720">
+                      <a:solidFill>
+                        <a:srgbClr val="ffffff"/>
+                      </a:solidFill>
+                    </a:lnL>
+                    <a:lnR w="720">
+                      <a:solidFill>
+                        <a:srgbClr val="ffffff"/>
+                      </a:solidFill>
+                    </a:lnR>
+                    <a:lnT w="720">
+                      <a:solidFill>
+                        <a:srgbClr val="ffffff"/>
+                      </a:solidFill>
+                    </a:lnT>
+                    <a:lnB w="720">
+                      <a:solidFill>
+                        <a:srgbClr val="ffffff"/>
+                      </a:solidFill>
+                    </a:lnB>
+                    <a:solidFill>
+                      <a:srgbClr val="ff9966"/>
+                    </a:solidFill>
+                  </a:tcPr>
+                </a:tc>
+                <a:tc>
+                  <a:txBody>
+                    <a:bodyPr lIns="90000" rIns="90000"/>
+                    <a:p>
+                      <a:pPr algn="r"/>
+                      <a:r>
+                        <a:rPr b="1" lang="de-DE" sz="1400" spc="-1" strike="noStrike">
+                          <a:latin typeface="Arial"/>
+                        </a:rPr>
+                        <a:t>69.65</a:t>
+                      </a:r>
+                      <a:endParaRPr b="1" lang="de-DE" sz="1400" spc="-1" strike="noStrike">
+                        <a:latin typeface="Arial"/>
+                      </a:endParaRPr>
+                    </a:p>
+                  </a:txBody>
+                  <a:tcPr marL="90000" marR="90000">
+                    <a:lnL w="720">
+                      <a:solidFill>
+                        <a:srgbClr val="ffffff"/>
+                      </a:solidFill>
+                    </a:lnL>
+                    <a:lnR w="720">
+                      <a:solidFill>
+                        <a:srgbClr val="ffffff"/>
+                      </a:solidFill>
+                    </a:lnR>
+                    <a:lnT w="720">
+                      <a:solidFill>
+                        <a:srgbClr val="ffffff"/>
+                      </a:solidFill>
+                    </a:lnT>
+                    <a:lnB w="720">
+                      <a:solidFill>
+                        <a:srgbClr val="ffffff"/>
+                      </a:solidFill>
+                    </a:lnB>
+                    <a:solidFill>
+                      <a:srgbClr val="ff9966"/>
+                    </a:solidFill>
+                  </a:tcPr>
+                </a:tc>
+              </a:tr>
+              <a:tr h="291600">
+                <a:tc>
+                  <a:txBody>
+                    <a:bodyPr lIns="90000" rIns="90000"/>
+                    <a:p>
+                      <a:pPr algn="r">
+                        <a:lnSpc>
+                          <a:spcPct val="100000"/>
+                        </a:lnSpc>
+                      </a:pPr>
+                      <a:r>
+                        <a:rPr b="0" lang="de-DE" sz="1400" spc="-1" strike="noStrike">
+                          <a:latin typeface="Arial"/>
+                        </a:rPr>
+                        <a:t>10</a:t>
+                      </a:r>
+                      <a:endParaRPr b="0" lang="de-DE" sz="1400" spc="-1" strike="noStrike">
+                        <a:latin typeface="Arial"/>
+                      </a:endParaRPr>
+                    </a:p>
+                  </a:txBody>
+                  <a:tcPr marL="90000" marR="90000">
+                    <a:lnL w="720">
+                      <a:solidFill>
+                        <a:srgbClr val="ffffff"/>
+                      </a:solidFill>
+                    </a:lnL>
+                    <a:lnR w="720">
+                      <a:solidFill>
+                        <a:srgbClr val="ffffff"/>
+                      </a:solidFill>
+                    </a:lnR>
+                    <a:lnT w="720">
+                      <a:solidFill>
+                        <a:srgbClr val="ffffff"/>
+                      </a:solidFill>
+                    </a:lnT>
+                    <a:lnB w="720">
+                      <a:solidFill>
+                        <a:srgbClr val="ffffff"/>
+                      </a:solidFill>
+                    </a:lnB>
+                    <a:solidFill>
+                      <a:srgbClr val="ffcc99"/>
+                    </a:solidFill>
+                  </a:tcPr>
+                </a:tc>
+                <a:tc>
+                  <a:txBody>
+                    <a:bodyPr lIns="90000" rIns="90000"/>
+                    <a:p>
+                      <a:pPr algn="r"/>
+                      <a:r>
+                        <a:rPr b="0" lang="de-DE" sz="1400" spc="-1" strike="noStrike">
+                          <a:latin typeface="Arial"/>
+                        </a:rPr>
+                        <a:t>67.81</a:t>
+                      </a:r>
+                      <a:endParaRPr b="0" lang="de-DE" sz="1400" spc="-1" strike="noStrike">
+                        <a:latin typeface="Arial"/>
+                      </a:endParaRPr>
+                    </a:p>
+                  </a:txBody>
+                  <a:tcPr marL="90000" marR="90000">
+                    <a:lnL w="720">
+                      <a:solidFill>
+                        <a:srgbClr val="ffffff"/>
+                      </a:solidFill>
+                    </a:lnL>
+                    <a:lnR w="720">
+                      <a:solidFill>
+                        <a:srgbClr val="ffffff"/>
+                      </a:solidFill>
+                    </a:lnR>
+                    <a:lnT w="720">
+                      <a:solidFill>
+                        <a:srgbClr val="ffffff"/>
+                      </a:solidFill>
+                    </a:lnT>
+                    <a:lnB w="720">
+                      <a:solidFill>
+                        <a:srgbClr val="ffffff"/>
+                      </a:solidFill>
+                    </a:lnB>
+                    <a:solidFill>
+                      <a:srgbClr val="ffcc99"/>
+                    </a:solidFill>
+                  </a:tcPr>
+                </a:tc>
+              </a:tr>
+              <a:tr h="291600">
+                <a:tc>
+                  <a:txBody>
+                    <a:bodyPr lIns="90000" rIns="90000"/>
+                    <a:p>
+                      <a:pPr algn="r">
+                        <a:lnSpc>
+                          <a:spcPct val="100000"/>
+                        </a:lnSpc>
+                      </a:pPr>
+                      <a:r>
+                        <a:rPr b="0" lang="de-DE" sz="1400" spc="-1" strike="noStrike">
+                          <a:latin typeface="Arial"/>
+                        </a:rPr>
+                        <a:t>20</a:t>
+                      </a:r>
+                      <a:endParaRPr b="0" lang="de-DE" sz="1400" spc="-1" strike="noStrike">
+                        <a:latin typeface="Arial"/>
+                      </a:endParaRPr>
+                    </a:p>
+                  </a:txBody>
+                  <a:tcPr marL="90000" marR="90000">
+                    <a:lnL w="720">
+                      <a:solidFill>
+                        <a:srgbClr val="ffffff"/>
+                      </a:solidFill>
+                    </a:lnL>
+                    <a:lnR w="720">
+                      <a:solidFill>
+                        <a:srgbClr val="ffffff"/>
+                      </a:solidFill>
+                    </a:lnR>
+                    <a:lnT w="720">
+                      <a:solidFill>
+                        <a:srgbClr val="ffffff"/>
+                      </a:solidFill>
+                    </a:lnT>
+                    <a:lnB w="720">
+                      <a:solidFill>
+                        <a:srgbClr val="ffffff"/>
+                      </a:solidFill>
+                    </a:lnB>
+                    <a:solidFill>
+                      <a:srgbClr val="ff9966"/>
+                    </a:solidFill>
+                  </a:tcPr>
+                </a:tc>
+                <a:tc>
+                  <a:txBody>
+                    <a:bodyPr lIns="90000" rIns="90000"/>
+                    <a:p>
+                      <a:pPr algn="r"/>
+                      <a:r>
+                        <a:rPr b="0" lang="de-DE" sz="1400" spc="-1" strike="noStrike">
+                          <a:latin typeface="Arial"/>
+                        </a:rPr>
+                        <a:t>62.29</a:t>
+                      </a:r>
+                      <a:endParaRPr b="0" lang="de-DE" sz="1400" spc="-1" strike="noStrike">
+                        <a:latin typeface="Arial"/>
+                      </a:endParaRPr>
+                    </a:p>
+                  </a:txBody>
+                  <a:tcPr marL="90000" marR="90000">
+                    <a:lnL w="720">
+                      <a:solidFill>
+                        <a:srgbClr val="ffffff"/>
+                      </a:solidFill>
+                    </a:lnL>
+                    <a:lnR w="720">
+                      <a:solidFill>
+                        <a:srgbClr val="ffffff"/>
+                      </a:solidFill>
+                    </a:lnR>
+                    <a:lnT w="720">
+                      <a:solidFill>
+                        <a:srgbClr val="ffffff"/>
+                      </a:solidFill>
+                    </a:lnT>
+                    <a:lnB w="720">
+                      <a:solidFill>
+                        <a:srgbClr val="ffffff"/>
+                      </a:solidFill>
+                    </a:lnB>
+                    <a:solidFill>
+                      <a:srgbClr val="ff9966"/>
+                    </a:solidFill>
+                  </a:tcPr>
+                </a:tc>
+              </a:tr>
+              <a:tr h="291600">
+                <a:tc>
+                  <a:txBody>
+                    <a:bodyPr lIns="90000" rIns="90000"/>
+                    <a:p>
+                      <a:pPr algn="r">
+                        <a:lnSpc>
+                          <a:spcPct val="100000"/>
+                        </a:lnSpc>
+                      </a:pPr>
+                      <a:r>
+                        <a:rPr b="0" lang="de-DE" sz="1400" spc="-1" strike="noStrike">
+                          <a:latin typeface="Arial"/>
+                        </a:rPr>
+                        <a:t>50</a:t>
+                      </a:r>
+                      <a:endParaRPr b="0" lang="de-DE" sz="1400" spc="-1" strike="noStrike">
+                        <a:latin typeface="Arial"/>
+                      </a:endParaRPr>
+                    </a:p>
+                  </a:txBody>
+                  <a:tcPr marL="90000" marR="90000">
+                    <a:lnL w="720">
+                      <a:solidFill>
+                        <a:srgbClr val="ffffff"/>
+                      </a:solidFill>
+                    </a:lnL>
+                    <a:lnR w="720">
+                      <a:solidFill>
+                        <a:srgbClr val="ffffff"/>
+                      </a:solidFill>
+                    </a:lnR>
+                    <a:lnT w="720">
+                      <a:solidFill>
+                        <a:srgbClr val="ffffff"/>
+                      </a:solidFill>
+                    </a:lnT>
+                    <a:lnB w="720">
+                      <a:solidFill>
+                        <a:srgbClr val="ffffff"/>
+                      </a:solidFill>
+                    </a:lnB>
+                    <a:solidFill>
+                      <a:srgbClr val="ffcc99"/>
+                    </a:solidFill>
+                  </a:tcPr>
+                </a:tc>
+                <a:tc>
+                  <a:txBody>
+                    <a:bodyPr lIns="90000" rIns="90000"/>
+                    <a:p>
+                      <a:pPr algn="r"/>
+                      <a:r>
+                        <a:rPr b="0" lang="de-DE" sz="1400" spc="-1" strike="noStrike">
+                          <a:latin typeface="Arial"/>
+                        </a:rPr>
+                        <a:t>63.18</a:t>
+                      </a:r>
+                      <a:endParaRPr b="0" lang="de-DE" sz="1400" spc="-1" strike="noStrike">
+                        <a:latin typeface="Arial"/>
+                      </a:endParaRPr>
+                    </a:p>
+                  </a:txBody>
+                  <a:tcPr marL="90000" marR="90000">
+                    <a:lnL w="720">
+                      <a:solidFill>
+                        <a:srgbClr val="ffffff"/>
+                      </a:solidFill>
+                    </a:lnL>
+                    <a:lnR w="720">
+                      <a:solidFill>
+                        <a:srgbClr val="ffffff"/>
+                      </a:solidFill>
+                    </a:lnR>
+                    <a:lnT w="720">
+                      <a:solidFill>
+                        <a:srgbClr val="ffffff"/>
+                      </a:solidFill>
+                    </a:lnT>
+                    <a:lnB w="720">
+                      <a:solidFill>
+                        <a:srgbClr val="ffffff"/>
+                      </a:solidFill>
+                    </a:lnB>
+                    <a:solidFill>
+                      <a:srgbClr val="ffcc99"/>
+                    </a:solidFill>
+                  </a:tcPr>
+                </a:tc>
+              </a:tr>
+              <a:tr h="291600">
+                <a:tc>
+                  <a:txBody>
+                    <a:bodyPr lIns="90000" rIns="90000"/>
+                    <a:p>
+                      <a:pPr algn="r">
+                        <a:lnSpc>
+                          <a:spcPct val="100000"/>
+                        </a:lnSpc>
+                      </a:pPr>
+                      <a:r>
+                        <a:rPr b="0" lang="de-DE" sz="1400" spc="-1" strike="noStrike">
+                          <a:latin typeface="Arial"/>
+                        </a:rPr>
+                        <a:t>90</a:t>
+                      </a:r>
+                      <a:endParaRPr b="0" lang="de-DE" sz="1400" spc="-1" strike="noStrike">
+                        <a:latin typeface="Arial"/>
+                      </a:endParaRPr>
+                    </a:p>
+                  </a:txBody>
+                  <a:tcPr marL="90000" marR="90000">
+                    <a:lnL w="720">
+                      <a:solidFill>
+                        <a:srgbClr val="ffffff"/>
+                      </a:solidFill>
+                    </a:lnL>
+                    <a:lnR w="720">
+                      <a:solidFill>
+                        <a:srgbClr val="ffffff"/>
+                      </a:solidFill>
+                    </a:lnR>
+                    <a:lnT w="720">
+                      <a:solidFill>
+                        <a:srgbClr val="ffffff"/>
+                      </a:solidFill>
+                    </a:lnT>
+                    <a:lnB w="720">
+                      <a:solidFill>
+                        <a:srgbClr val="ffffff"/>
+                      </a:solidFill>
+                    </a:lnB>
+                    <a:solidFill>
+                      <a:srgbClr val="ff9966"/>
+                    </a:solidFill>
+                  </a:tcPr>
+                </a:tc>
+                <a:tc>
+                  <a:txBody>
+                    <a:bodyPr lIns="90000" rIns="90000"/>
+                    <a:p>
+                      <a:pPr algn="r"/>
+                      <a:r>
+                        <a:rPr b="0" lang="de-DE" sz="1400" spc="-1" strike="noStrike">
+                          <a:latin typeface="Arial"/>
+                        </a:rPr>
+                        <a:t>61.77</a:t>
+                      </a:r>
+                      <a:endParaRPr b="0" lang="de-DE" sz="1400" spc="-1" strike="noStrike">
+                        <a:latin typeface="Arial"/>
+                      </a:endParaRPr>
+                    </a:p>
+                  </a:txBody>
+                  <a:tcPr marL="90000" marR="90000">
+                    <a:lnL w="720">
+                      <a:solidFill>
+                        <a:srgbClr val="ffffff"/>
+                      </a:solidFill>
+                    </a:lnL>
+                    <a:lnR w="720">
+                      <a:solidFill>
+                        <a:srgbClr val="ffffff"/>
+                      </a:solidFill>
+                    </a:lnR>
+                    <a:lnT w="720">
+                      <a:solidFill>
+                        <a:srgbClr val="ffffff"/>
+                      </a:solidFill>
+                    </a:lnT>
+                    <a:lnB w="720">
+                      <a:solidFill>
+                        <a:srgbClr val="ffffff"/>
+                      </a:solidFill>
+                    </a:lnB>
+                    <a:solidFill>
+                      <a:srgbClr val="ff9966"/>
+                    </a:solidFill>
+                  </a:tcPr>
+                </a:tc>
+              </a:tr>
+              <a:tr h="291600">
+                <a:tc>
+                  <a:txBody>
+                    <a:bodyPr lIns="90000" rIns="90000"/>
+                    <a:p>
+                      <a:pPr algn="r">
+                        <a:lnSpc>
+                          <a:spcPct val="100000"/>
+                        </a:lnSpc>
+                      </a:pPr>
+                      <a:r>
+                        <a:rPr b="0" lang="de-DE" sz="1400" spc="-1" strike="noStrike">
+                          <a:latin typeface="Arial"/>
+                        </a:rPr>
+                        <a:t>200</a:t>
+                      </a:r>
+                      <a:endParaRPr b="0" lang="de-DE" sz="1400" spc="-1" strike="noStrike">
+                        <a:latin typeface="Arial"/>
+                      </a:endParaRPr>
+                    </a:p>
+                  </a:txBody>
+                  <a:tcPr marL="90000" marR="90000">
+                    <a:lnL w="720">
+                      <a:solidFill>
+                        <a:srgbClr val="ffffff"/>
+                      </a:solidFill>
+                    </a:lnL>
+                    <a:lnR w="720">
+                      <a:solidFill>
+                        <a:srgbClr val="ffffff"/>
+                      </a:solidFill>
+                    </a:lnR>
+                    <a:lnT w="720">
+                      <a:solidFill>
+                        <a:srgbClr val="ffffff"/>
+                      </a:solidFill>
+                    </a:lnT>
+                    <a:lnB w="720">
+                      <a:solidFill>
+                        <a:srgbClr val="ffffff"/>
+                      </a:solidFill>
+                    </a:lnB>
+                    <a:solidFill>
+                      <a:srgbClr val="ffcc99"/>
+                    </a:solidFill>
+                  </a:tcPr>
+                </a:tc>
+                <a:tc>
+                  <a:txBody>
+                    <a:bodyPr lIns="90000" rIns="90000"/>
+                    <a:p>
+                      <a:pPr algn="r"/>
+                      <a:r>
+                        <a:rPr b="0" lang="de-DE" sz="1400" spc="-1" strike="noStrike">
+                          <a:latin typeface="Arial"/>
+                        </a:rPr>
+                        <a:t>60.02</a:t>
+                      </a:r>
+                      <a:endParaRPr b="0" lang="de-DE" sz="1400" spc="-1" strike="noStrike">
+                        <a:latin typeface="Arial"/>
+                      </a:endParaRPr>
+                    </a:p>
+                  </a:txBody>
+                  <a:tcPr marL="90000" marR="90000">
+                    <a:lnL w="720">
+                      <a:solidFill>
+                        <a:srgbClr val="ffffff"/>
+                      </a:solidFill>
+                    </a:lnL>
+                    <a:lnR w="720">
+                      <a:solidFill>
+                        <a:srgbClr val="ffffff"/>
+                      </a:solidFill>
+                    </a:lnR>
+                    <a:lnT w="720">
+                      <a:solidFill>
+                        <a:srgbClr val="ffffff"/>
+                      </a:solidFill>
+                    </a:lnT>
+                    <a:lnB w="720">
+                      <a:solidFill>
+                        <a:srgbClr val="ffffff"/>
+                      </a:solidFill>
+                    </a:lnB>
+                    <a:solidFill>
+                      <a:srgbClr val="ffcc99"/>
+                    </a:solidFill>
+                  </a:tcPr>
+                </a:tc>
+              </a:tr>
+              <a:tr h="292320">
+                <a:tc>
+                  <a:txBody>
+                    <a:bodyPr lIns="90000" rIns="90000"/>
+                    <a:p>
+                      <a:pPr algn="r">
+                        <a:lnSpc>
+                          <a:spcPct val="100000"/>
+                        </a:lnSpc>
+                      </a:pPr>
+                      <a:r>
+                        <a:rPr b="0" lang="de-DE" sz="1400" spc="-1" strike="noStrike">
+                          <a:latin typeface="Arial"/>
+                        </a:rPr>
+                        <a:t>500</a:t>
+                      </a:r>
+                      <a:endParaRPr b="0" lang="de-DE" sz="1400" spc="-1" strike="noStrike">
+                        <a:latin typeface="Arial"/>
+                      </a:endParaRPr>
+                    </a:p>
+                  </a:txBody>
+                  <a:tcPr marL="90000" marR="90000">
+                    <a:lnL w="720">
+                      <a:solidFill>
+                        <a:srgbClr val="ffffff"/>
+                      </a:solidFill>
+                    </a:lnL>
+                    <a:lnR w="720">
+                      <a:solidFill>
+                        <a:srgbClr val="ffffff"/>
+                      </a:solidFill>
+                    </a:lnR>
+                    <a:lnT w="720">
+                      <a:solidFill>
+                        <a:srgbClr val="ffffff"/>
+                      </a:solidFill>
+                    </a:lnT>
+                    <a:lnB w="720">
+                      <a:solidFill>
+                        <a:srgbClr val="ffffff"/>
+                      </a:solidFill>
+                    </a:lnB>
+                    <a:solidFill>
+                      <a:srgbClr val="ff9966"/>
+                    </a:solidFill>
+                  </a:tcPr>
+                </a:tc>
+                <a:tc>
+                  <a:txBody>
+                    <a:bodyPr lIns="90000" rIns="90000"/>
+                    <a:p>
+                      <a:pPr algn="r"/>
+                      <a:r>
+                        <a:rPr b="0" lang="de-DE" sz="1400" spc="-1" strike="noStrike">
+                          <a:latin typeface="Arial"/>
+                        </a:rPr>
+                        <a:t>58.84</a:t>
+                      </a:r>
+                      <a:endParaRPr b="0" lang="de-DE" sz="1400" spc="-1" strike="noStrike">
+                        <a:latin typeface="Arial"/>
+                      </a:endParaRPr>
+                    </a:p>
+                  </a:txBody>
+                  <a:tcPr marL="90000" marR="90000">
+                    <a:lnL w="720">
+                      <a:solidFill>
+                        <a:srgbClr val="ffffff"/>
+                      </a:solidFill>
+                    </a:lnL>
+                    <a:lnR w="720">
+                      <a:solidFill>
+                        <a:srgbClr val="ffffff"/>
+                      </a:solidFill>
+                    </a:lnR>
+                    <a:lnT w="720">
+                      <a:solidFill>
+                        <a:srgbClr val="ffffff"/>
+                      </a:solidFill>
+                    </a:lnT>
+                    <a:lnB w="720">
+                      <a:solidFill>
+                        <a:srgbClr val="ffffff"/>
+                      </a:solidFill>
+                    </a:lnB>
+                    <a:solidFill>
+                      <a:srgbClr val="ff9966"/>
+                    </a:solidFill>
+                  </a:tcPr>
+                </a:tc>
+              </a:tr>
+            </a:tbl>
+          </a:graphicData>
+        </a:graphic>
+      </p:graphicFrame>
+      <p:graphicFrame>
+        <p:nvGraphicFramePr>
+          <p:cNvPr id="307" name="Table 8"/>
+          <p:cNvGraphicFramePr/>
           <p:nvPr/>
-        </p:nvPicPr>
-        <p:blipFill>
-          <a:blip r:embed="rId2"/>
-          <a:stretch/>
-        </p:blipFill>
-        <p:spPr>
-          <a:xfrm>
-            <a:off x="504360" y="4320360"/>
-            <a:ext cx="5470560" cy="2426400"/>
-          </a:xfrm>
-          <a:prstGeom prst="rect">
-            <a:avLst/>
-          </a:prstGeom>
-          <a:ln>
-            <a:noFill/>
-          </a:ln>
-        </p:spPr>
-      </p:pic>
+        </p:nvGraphicFramePr>
+        <p:xfrm>
+          <a:off x="6413400" y="4355280"/>
+          <a:ext cx="1753200" cy="2457360"/>
+        </p:xfrm>
+        <a:graphic>
+          <a:graphicData uri="http://schemas.openxmlformats.org/drawingml/2006/table">
+            <a:tbl>
+              <a:tblPr/>
+              <a:tblGrid>
+                <a:gridCol w="775440"/>
+                <a:gridCol w="977760"/>
+              </a:tblGrid>
+              <a:tr h="307080">
+                <a:tc>
+                  <a:txBody>
+                    <a:bodyPr lIns="90000" rIns="90000" tIns="46800" bIns="46800"/>
+                    <a:p>
+                      <a:pPr algn="ctr">
+                        <a:lnSpc>
+                          <a:spcPct val="100000"/>
+                        </a:lnSpc>
+                      </a:pPr>
+                      <a:r>
+                        <a:rPr b="0" lang="de-DE" sz="1400" spc="-1" strike="noStrike">
+                          <a:latin typeface="Arial"/>
+                        </a:rPr>
+                        <a:t>k</a:t>
+                      </a:r>
+                      <a:endParaRPr b="0" lang="de-DE" sz="1400" spc="-1" strike="noStrike">
+                        <a:latin typeface="Arial"/>
+                      </a:endParaRPr>
+                    </a:p>
+                  </a:txBody>
+                  <a:tcPr marL="90000" marR="90000">
+                    <a:lnL w="720">
+                      <a:solidFill>
+                        <a:srgbClr val="ffffff"/>
+                      </a:solidFill>
+                    </a:lnL>
+                    <a:lnR w="720">
+                      <a:solidFill>
+                        <a:srgbClr val="ffffff"/>
+                      </a:solidFill>
+                    </a:lnR>
+                    <a:lnT w="720">
+                      <a:solidFill>
+                        <a:srgbClr val="ffffff"/>
+                      </a:solidFill>
+                    </a:lnT>
+                    <a:lnB w="720">
+                      <a:solidFill>
+                        <a:srgbClr val="ffffff"/>
+                      </a:solidFill>
+                    </a:lnB>
+                    <a:solidFill>
+                      <a:srgbClr val="ff6633"/>
+                    </a:solidFill>
+                  </a:tcPr>
+                </a:tc>
+                <a:tc>
+                  <a:txBody>
+                    <a:bodyPr lIns="90000" rIns="90000" tIns="46800" bIns="46800"/>
+                    <a:p>
+                      <a:pPr algn="ctr">
+                        <a:lnSpc>
+                          <a:spcPct val="100000"/>
+                        </a:lnSpc>
+                      </a:pPr>
+                      <a:r>
+                        <a:rPr b="0" lang="de-DE" sz="1400" spc="-1" strike="noStrike">
+                          <a:latin typeface="Arial"/>
+                        </a:rPr>
+                        <a:t>AUC in %</a:t>
+                      </a:r>
+                      <a:endParaRPr b="0" lang="de-DE" sz="1400" spc="-1" strike="noStrike">
+                        <a:latin typeface="Arial"/>
+                      </a:endParaRPr>
+                    </a:p>
+                  </a:txBody>
+                  <a:tcPr marL="90000" marR="90000">
+                    <a:lnL w="720">
+                      <a:solidFill>
+                        <a:srgbClr val="ffffff"/>
+                      </a:solidFill>
+                    </a:lnL>
+                    <a:lnR w="720">
+                      <a:solidFill>
+                        <a:srgbClr val="ffffff"/>
+                      </a:solidFill>
+                    </a:lnR>
+                    <a:lnT w="720">
+                      <a:solidFill>
+                        <a:srgbClr val="ffffff"/>
+                      </a:solidFill>
+                    </a:lnT>
+                    <a:lnB w="720">
+                      <a:solidFill>
+                        <a:srgbClr val="ffffff"/>
+                      </a:solidFill>
+                    </a:lnB>
+                    <a:solidFill>
+                      <a:srgbClr val="ff6633"/>
+                    </a:solidFill>
+                  </a:tcPr>
+                </a:tc>
+              </a:tr>
+              <a:tr h="307080">
+                <a:tc>
+                  <a:txBody>
+                    <a:bodyPr lIns="90000" rIns="90000" tIns="46800" bIns="46800"/>
+                    <a:p>
+                      <a:pPr algn="r">
+                        <a:lnSpc>
+                          <a:spcPct val="100000"/>
+                        </a:lnSpc>
+                      </a:pPr>
+                      <a:r>
+                        <a:rPr b="0" lang="de-DE" sz="1400" spc="-1" strike="noStrike">
+                          <a:latin typeface="Arial"/>
+                        </a:rPr>
+                        <a:t>5</a:t>
+                      </a:r>
+                      <a:endParaRPr b="0" lang="de-DE" sz="1400" spc="-1" strike="noStrike">
+                        <a:latin typeface="Arial"/>
+                      </a:endParaRPr>
+                    </a:p>
+                  </a:txBody>
+                  <a:tcPr marL="90000" marR="90000">
+                    <a:lnL w="720">
+                      <a:solidFill>
+                        <a:srgbClr val="ffffff"/>
+                      </a:solidFill>
+                    </a:lnL>
+                    <a:lnR w="720">
+                      <a:solidFill>
+                        <a:srgbClr val="ffffff"/>
+                      </a:solidFill>
+                    </a:lnR>
+                    <a:lnT w="720">
+                      <a:solidFill>
+                        <a:srgbClr val="ffffff"/>
+                      </a:solidFill>
+                    </a:lnT>
+                    <a:lnB w="720">
+                      <a:solidFill>
+                        <a:srgbClr val="ffffff"/>
+                      </a:solidFill>
+                    </a:lnB>
+                    <a:solidFill>
+                      <a:srgbClr val="ff9966"/>
+                    </a:solidFill>
+                  </a:tcPr>
+                </a:tc>
+                <a:tc>
+                  <a:txBody>
+                    <a:bodyPr lIns="90000" rIns="90000" tIns="46800" bIns="46800"/>
+                    <a:p>
+                      <a:pPr algn="r"/>
+                      <a:r>
+                        <a:rPr b="0" lang="de-DE" sz="1400" spc="-1" strike="noStrike">
+                          <a:latin typeface="Arial"/>
+                        </a:rPr>
+                        <a:t>53.12</a:t>
+                      </a:r>
+                      <a:endParaRPr b="0" lang="de-DE" sz="1400" spc="-1" strike="noStrike">
+                        <a:latin typeface="Arial"/>
+                      </a:endParaRPr>
+                    </a:p>
+                  </a:txBody>
+                  <a:tcPr marL="90000" marR="90000">
+                    <a:lnL w="720">
+                      <a:solidFill>
+                        <a:srgbClr val="ffffff"/>
+                      </a:solidFill>
+                    </a:lnL>
+                    <a:lnR w="720">
+                      <a:solidFill>
+                        <a:srgbClr val="ffffff"/>
+                      </a:solidFill>
+                    </a:lnR>
+                    <a:lnT w="720">
+                      <a:solidFill>
+                        <a:srgbClr val="ffffff"/>
+                      </a:solidFill>
+                    </a:lnT>
+                    <a:lnB w="720">
+                      <a:solidFill>
+                        <a:srgbClr val="ffffff"/>
+                      </a:solidFill>
+                    </a:lnB>
+                    <a:solidFill>
+                      <a:srgbClr val="ff9966"/>
+                    </a:solidFill>
+                  </a:tcPr>
+                </a:tc>
+              </a:tr>
+              <a:tr h="307080">
+                <a:tc>
+                  <a:txBody>
+                    <a:bodyPr lIns="90000" rIns="90000" tIns="46800" bIns="46800"/>
+                    <a:p>
+                      <a:pPr algn="r">
+                        <a:lnSpc>
+                          <a:spcPct val="100000"/>
+                        </a:lnSpc>
+                      </a:pPr>
+                      <a:r>
+                        <a:rPr b="0" lang="de-DE" sz="1400" spc="-1" strike="noStrike">
+                          <a:latin typeface="Arial"/>
+                        </a:rPr>
+                        <a:t>10</a:t>
+                      </a:r>
+                      <a:endParaRPr b="0" lang="de-DE" sz="1400" spc="-1" strike="noStrike">
+                        <a:latin typeface="Arial"/>
+                      </a:endParaRPr>
+                    </a:p>
+                  </a:txBody>
+                  <a:tcPr marL="90000" marR="90000">
+                    <a:lnL w="720">
+                      <a:solidFill>
+                        <a:srgbClr val="ffffff"/>
+                      </a:solidFill>
+                    </a:lnL>
+                    <a:lnR w="720">
+                      <a:solidFill>
+                        <a:srgbClr val="ffffff"/>
+                      </a:solidFill>
+                    </a:lnR>
+                    <a:lnT w="720">
+                      <a:solidFill>
+                        <a:srgbClr val="ffffff"/>
+                      </a:solidFill>
+                    </a:lnT>
+                    <a:lnB w="720">
+                      <a:solidFill>
+                        <a:srgbClr val="ffffff"/>
+                      </a:solidFill>
+                    </a:lnB>
+                    <a:solidFill>
+                      <a:srgbClr val="ffcc99"/>
+                    </a:solidFill>
+                  </a:tcPr>
+                </a:tc>
+                <a:tc>
+                  <a:txBody>
+                    <a:bodyPr lIns="90000" rIns="90000" tIns="46800" bIns="46800"/>
+                    <a:p>
+                      <a:pPr algn="r"/>
+                      <a:r>
+                        <a:rPr b="0" lang="de-DE" sz="1400" spc="-1" strike="noStrike">
+                          <a:latin typeface="Arial"/>
+                        </a:rPr>
+                        <a:t>52.74</a:t>
+                      </a:r>
+                      <a:endParaRPr b="0" lang="de-DE" sz="1400" spc="-1" strike="noStrike">
+                        <a:latin typeface="Arial"/>
+                      </a:endParaRPr>
+                    </a:p>
+                  </a:txBody>
+                  <a:tcPr marL="90000" marR="90000">
+                    <a:lnL w="720">
+                      <a:solidFill>
+                        <a:srgbClr val="ffffff"/>
+                      </a:solidFill>
+                    </a:lnL>
+                    <a:lnR w="720">
+                      <a:solidFill>
+                        <a:srgbClr val="ffffff"/>
+                      </a:solidFill>
+                    </a:lnR>
+                    <a:lnT w="720">
+                      <a:solidFill>
+                        <a:srgbClr val="ffffff"/>
+                      </a:solidFill>
+                    </a:lnT>
+                    <a:lnB w="720">
+                      <a:solidFill>
+                        <a:srgbClr val="ffffff"/>
+                      </a:solidFill>
+                    </a:lnB>
+                    <a:solidFill>
+                      <a:srgbClr val="ffcc99"/>
+                    </a:solidFill>
+                  </a:tcPr>
+                </a:tc>
+              </a:tr>
+              <a:tr h="307080">
+                <a:tc>
+                  <a:txBody>
+                    <a:bodyPr lIns="90000" rIns="90000" tIns="46800" bIns="46800"/>
+                    <a:p>
+                      <a:pPr algn="r">
+                        <a:lnSpc>
+                          <a:spcPct val="100000"/>
+                        </a:lnSpc>
+                      </a:pPr>
+                      <a:r>
+                        <a:rPr b="0" lang="de-DE" sz="1400" spc="-1" strike="noStrike">
+                          <a:latin typeface="Arial"/>
+                        </a:rPr>
+                        <a:t>20</a:t>
+                      </a:r>
+                      <a:endParaRPr b="0" lang="de-DE" sz="1400" spc="-1" strike="noStrike">
+                        <a:latin typeface="Arial"/>
+                      </a:endParaRPr>
+                    </a:p>
+                  </a:txBody>
+                  <a:tcPr marL="90000" marR="90000">
+                    <a:lnL w="720">
+                      <a:solidFill>
+                        <a:srgbClr val="ffffff"/>
+                      </a:solidFill>
+                    </a:lnL>
+                    <a:lnR w="720">
+                      <a:solidFill>
+                        <a:srgbClr val="ffffff"/>
+                      </a:solidFill>
+                    </a:lnR>
+                    <a:lnT w="720">
+                      <a:solidFill>
+                        <a:srgbClr val="ffffff"/>
+                      </a:solidFill>
+                    </a:lnT>
+                    <a:lnB w="720">
+                      <a:solidFill>
+                        <a:srgbClr val="ffffff"/>
+                      </a:solidFill>
+                    </a:lnB>
+                    <a:solidFill>
+                      <a:srgbClr val="ff9966"/>
+                    </a:solidFill>
+                  </a:tcPr>
+                </a:tc>
+                <a:tc>
+                  <a:txBody>
+                    <a:bodyPr lIns="90000" rIns="90000" tIns="46800" bIns="46800"/>
+                    <a:p>
+                      <a:pPr algn="r"/>
+                      <a:r>
+                        <a:rPr b="0" lang="de-DE" sz="1400" spc="-1" strike="noStrike">
+                          <a:latin typeface="Arial"/>
+                        </a:rPr>
+                        <a:t>51.37</a:t>
+                      </a:r>
+                      <a:endParaRPr b="0" lang="de-DE" sz="1400" spc="-1" strike="noStrike">
+                        <a:latin typeface="Arial"/>
+                      </a:endParaRPr>
+                    </a:p>
+                  </a:txBody>
+                  <a:tcPr marL="90000" marR="90000">
+                    <a:lnL w="720">
+                      <a:solidFill>
+                        <a:srgbClr val="ffffff"/>
+                      </a:solidFill>
+                    </a:lnL>
+                    <a:lnR w="720">
+                      <a:solidFill>
+                        <a:srgbClr val="ffffff"/>
+                      </a:solidFill>
+                    </a:lnR>
+                    <a:lnT w="720">
+                      <a:solidFill>
+                        <a:srgbClr val="ffffff"/>
+                      </a:solidFill>
+                    </a:lnT>
+                    <a:lnB w="720">
+                      <a:solidFill>
+                        <a:srgbClr val="ffffff"/>
+                      </a:solidFill>
+                    </a:lnB>
+                    <a:solidFill>
+                      <a:srgbClr val="ff9966"/>
+                    </a:solidFill>
+                  </a:tcPr>
+                </a:tc>
+              </a:tr>
+              <a:tr h="307080">
+                <a:tc>
+                  <a:txBody>
+                    <a:bodyPr lIns="90000" rIns="90000" tIns="46800" bIns="46800"/>
+                    <a:p>
+                      <a:pPr algn="r">
+                        <a:lnSpc>
+                          <a:spcPct val="100000"/>
+                        </a:lnSpc>
+                      </a:pPr>
+                      <a:r>
+                        <a:rPr b="0" lang="de-DE" sz="1400" spc="-1" strike="noStrike">
+                          <a:latin typeface="Arial"/>
+                        </a:rPr>
+                        <a:t>50</a:t>
+                      </a:r>
+                      <a:endParaRPr b="0" lang="de-DE" sz="1400" spc="-1" strike="noStrike">
+                        <a:latin typeface="Arial"/>
+                      </a:endParaRPr>
+                    </a:p>
+                  </a:txBody>
+                  <a:tcPr marL="90000" marR="90000">
+                    <a:lnL w="720">
+                      <a:solidFill>
+                        <a:srgbClr val="ffffff"/>
+                      </a:solidFill>
+                    </a:lnL>
+                    <a:lnR w="720">
+                      <a:solidFill>
+                        <a:srgbClr val="ffffff"/>
+                      </a:solidFill>
+                    </a:lnR>
+                    <a:lnT w="720">
+                      <a:solidFill>
+                        <a:srgbClr val="ffffff"/>
+                      </a:solidFill>
+                    </a:lnT>
+                    <a:lnB w="720">
+                      <a:solidFill>
+                        <a:srgbClr val="ffffff"/>
+                      </a:solidFill>
+                    </a:lnB>
+                    <a:solidFill>
+                      <a:srgbClr val="ffcc99"/>
+                    </a:solidFill>
+                  </a:tcPr>
+                </a:tc>
+                <a:tc>
+                  <a:txBody>
+                    <a:bodyPr lIns="90000" rIns="90000" tIns="46800" bIns="46800"/>
+                    <a:p>
+                      <a:pPr algn="r"/>
+                      <a:r>
+                        <a:rPr b="0" lang="de-DE" sz="1400" spc="-1" strike="noStrike">
+                          <a:latin typeface="Arial"/>
+                        </a:rPr>
+                        <a:t>55.62</a:t>
+                      </a:r>
+                      <a:endParaRPr b="0" lang="de-DE" sz="1400" spc="-1" strike="noStrike">
+                        <a:latin typeface="Arial"/>
+                      </a:endParaRPr>
+                    </a:p>
+                  </a:txBody>
+                  <a:tcPr marL="90000" marR="90000">
+                    <a:lnL w="720">
+                      <a:solidFill>
+                        <a:srgbClr val="ffffff"/>
+                      </a:solidFill>
+                    </a:lnL>
+                    <a:lnR w="720">
+                      <a:solidFill>
+                        <a:srgbClr val="ffffff"/>
+                      </a:solidFill>
+                    </a:lnR>
+                    <a:lnT w="720">
+                      <a:solidFill>
+                        <a:srgbClr val="ffffff"/>
+                      </a:solidFill>
+                    </a:lnT>
+                    <a:lnB w="720">
+                      <a:solidFill>
+                        <a:srgbClr val="ffffff"/>
+                      </a:solidFill>
+                    </a:lnB>
+                    <a:solidFill>
+                      <a:srgbClr val="ffcc99"/>
+                    </a:solidFill>
+                  </a:tcPr>
+                </a:tc>
+              </a:tr>
+              <a:tr h="307080">
+                <a:tc>
+                  <a:txBody>
+                    <a:bodyPr lIns="90000" rIns="90000" tIns="46800" bIns="46800"/>
+                    <a:p>
+                      <a:pPr algn="r">
+                        <a:lnSpc>
+                          <a:spcPct val="100000"/>
+                        </a:lnSpc>
+                      </a:pPr>
+                      <a:r>
+                        <a:rPr b="0" lang="de-DE" sz="1400" spc="-1" strike="noStrike">
+                          <a:latin typeface="Arial"/>
+                        </a:rPr>
+                        <a:t>90</a:t>
+                      </a:r>
+                      <a:endParaRPr b="0" lang="de-DE" sz="1400" spc="-1" strike="noStrike">
+                        <a:latin typeface="Arial"/>
+                      </a:endParaRPr>
+                    </a:p>
+                  </a:txBody>
+                  <a:tcPr marL="90000" marR="90000">
+                    <a:lnL w="720">
+                      <a:solidFill>
+                        <a:srgbClr val="ffffff"/>
+                      </a:solidFill>
+                    </a:lnL>
+                    <a:lnR w="720">
+                      <a:solidFill>
+                        <a:srgbClr val="ffffff"/>
+                      </a:solidFill>
+                    </a:lnR>
+                    <a:lnT w="720">
+                      <a:solidFill>
+                        <a:srgbClr val="ffffff"/>
+                      </a:solidFill>
+                    </a:lnT>
+                    <a:lnB w="720">
+                      <a:solidFill>
+                        <a:srgbClr val="ffffff"/>
+                      </a:solidFill>
+                    </a:lnB>
+                    <a:solidFill>
+                      <a:srgbClr val="ff9966"/>
+                    </a:solidFill>
+                  </a:tcPr>
+                </a:tc>
+                <a:tc>
+                  <a:txBody>
+                    <a:bodyPr lIns="90000" rIns="90000" tIns="46800" bIns="46800"/>
+                    <a:p>
+                      <a:pPr algn="r"/>
+                      <a:r>
+                        <a:rPr b="0" lang="de-DE" sz="1400" spc="-1" strike="noStrike">
+                          <a:latin typeface="Arial"/>
+                        </a:rPr>
+                        <a:t>55.11</a:t>
+                      </a:r>
+                      <a:endParaRPr b="0" lang="de-DE" sz="1400" spc="-1" strike="noStrike">
+                        <a:latin typeface="Arial"/>
+                      </a:endParaRPr>
+                    </a:p>
+                  </a:txBody>
+                  <a:tcPr marL="90000" marR="90000">
+                    <a:lnL w="720">
+                      <a:solidFill>
+                        <a:srgbClr val="ffffff"/>
+                      </a:solidFill>
+                    </a:lnL>
+                    <a:lnR w="720">
+                      <a:solidFill>
+                        <a:srgbClr val="ffffff"/>
+                      </a:solidFill>
+                    </a:lnR>
+                    <a:lnT w="720">
+                      <a:solidFill>
+                        <a:srgbClr val="ffffff"/>
+                      </a:solidFill>
+                    </a:lnT>
+                    <a:lnB w="720">
+                      <a:solidFill>
+                        <a:srgbClr val="ffffff"/>
+                      </a:solidFill>
+                    </a:lnB>
+                    <a:solidFill>
+                      <a:srgbClr val="ff9966"/>
+                    </a:solidFill>
+                  </a:tcPr>
+                </a:tc>
+              </a:tr>
+              <a:tr h="307080">
+                <a:tc>
+                  <a:txBody>
+                    <a:bodyPr lIns="90000" rIns="90000" tIns="46800" bIns="46800"/>
+                    <a:p>
+                      <a:pPr algn="r">
+                        <a:lnSpc>
+                          <a:spcPct val="100000"/>
+                        </a:lnSpc>
+                      </a:pPr>
+                      <a:r>
+                        <a:rPr b="0" lang="de-DE" sz="1400" spc="-1" strike="noStrike">
+                          <a:latin typeface="Arial"/>
+                        </a:rPr>
+                        <a:t>200</a:t>
+                      </a:r>
+                      <a:endParaRPr b="0" lang="de-DE" sz="1400" spc="-1" strike="noStrike">
+                        <a:latin typeface="Arial"/>
+                      </a:endParaRPr>
+                    </a:p>
+                  </a:txBody>
+                  <a:tcPr marL="90000" marR="90000">
+                    <a:lnL w="720">
+                      <a:solidFill>
+                        <a:srgbClr val="ffffff"/>
+                      </a:solidFill>
+                    </a:lnL>
+                    <a:lnR w="720">
+                      <a:solidFill>
+                        <a:srgbClr val="ffffff"/>
+                      </a:solidFill>
+                    </a:lnR>
+                    <a:lnT w="720">
+                      <a:solidFill>
+                        <a:srgbClr val="ffffff"/>
+                      </a:solidFill>
+                    </a:lnT>
+                    <a:lnB w="720">
+                      <a:solidFill>
+                        <a:srgbClr val="ffffff"/>
+                      </a:solidFill>
+                    </a:lnB>
+                    <a:solidFill>
+                      <a:srgbClr val="ffcc99"/>
+                    </a:solidFill>
+                  </a:tcPr>
+                </a:tc>
+                <a:tc>
+                  <a:txBody>
+                    <a:bodyPr lIns="90000" rIns="90000" tIns="46800" bIns="46800"/>
+                    <a:p>
+                      <a:pPr algn="r"/>
+                      <a:r>
+                        <a:rPr b="1" lang="de-DE" sz="1400" spc="-1" strike="noStrike">
+                          <a:latin typeface="Arial"/>
+                        </a:rPr>
+                        <a:t>58.17</a:t>
+                      </a:r>
+                      <a:endParaRPr b="1" lang="de-DE" sz="1400" spc="-1" strike="noStrike">
+                        <a:latin typeface="Arial"/>
+                      </a:endParaRPr>
+                    </a:p>
+                  </a:txBody>
+                  <a:tcPr marL="90000" marR="90000">
+                    <a:lnL w="720">
+                      <a:solidFill>
+                        <a:srgbClr val="ffffff"/>
+                      </a:solidFill>
+                    </a:lnL>
+                    <a:lnR w="720">
+                      <a:solidFill>
+                        <a:srgbClr val="ffffff"/>
+                      </a:solidFill>
+                    </a:lnR>
+                    <a:lnT w="720">
+                      <a:solidFill>
+                        <a:srgbClr val="ffffff"/>
+                      </a:solidFill>
+                    </a:lnT>
+                    <a:lnB w="720">
+                      <a:solidFill>
+                        <a:srgbClr val="ffffff"/>
+                      </a:solidFill>
+                    </a:lnB>
+                    <a:solidFill>
+                      <a:srgbClr val="ffcc99"/>
+                    </a:solidFill>
+                  </a:tcPr>
+                </a:tc>
+              </a:tr>
+              <a:tr h="307800">
+                <a:tc>
+                  <a:txBody>
+                    <a:bodyPr lIns="90000" rIns="90000" tIns="46800" bIns="46800"/>
+                    <a:p>
+                      <a:pPr algn="r">
+                        <a:lnSpc>
+                          <a:spcPct val="100000"/>
+                        </a:lnSpc>
+                      </a:pPr>
+                      <a:r>
+                        <a:rPr b="0" lang="de-DE" sz="1400" spc="-1" strike="noStrike">
+                          <a:latin typeface="Arial"/>
+                        </a:rPr>
+                        <a:t>500</a:t>
+                      </a:r>
+                      <a:endParaRPr b="0" lang="de-DE" sz="1400" spc="-1" strike="noStrike">
+                        <a:latin typeface="Arial"/>
+                      </a:endParaRPr>
+                    </a:p>
+                  </a:txBody>
+                  <a:tcPr marL="90000" marR="90000">
+                    <a:lnL w="720">
+                      <a:solidFill>
+                        <a:srgbClr val="ffffff"/>
+                      </a:solidFill>
+                    </a:lnL>
+                    <a:lnR w="720">
+                      <a:solidFill>
+                        <a:srgbClr val="ffffff"/>
+                      </a:solidFill>
+                    </a:lnR>
+                    <a:lnT w="720">
+                      <a:solidFill>
+                        <a:srgbClr val="ffffff"/>
+                      </a:solidFill>
+                    </a:lnT>
+                    <a:lnB w="720">
+                      <a:solidFill>
+                        <a:srgbClr val="ffffff"/>
+                      </a:solidFill>
+                    </a:lnB>
+                    <a:solidFill>
+                      <a:srgbClr val="ff9966"/>
+                    </a:solidFill>
+                  </a:tcPr>
+                </a:tc>
+                <a:tc>
+                  <a:txBody>
+                    <a:bodyPr lIns="90000" rIns="90000" tIns="46800" bIns="46800"/>
+                    <a:p>
+                      <a:pPr algn="r"/>
+                      <a:r>
+                        <a:rPr b="0" lang="de-DE" sz="1400" spc="-1" strike="noStrike">
+                          <a:latin typeface="Arial"/>
+                        </a:rPr>
+                        <a:t>55.67</a:t>
+                      </a:r>
+                      <a:endParaRPr b="0" lang="de-DE" sz="1400" spc="-1" strike="noStrike">
+                        <a:latin typeface="Arial"/>
+                      </a:endParaRPr>
+                    </a:p>
+                  </a:txBody>
+                  <a:tcPr marL="90000" marR="90000">
+                    <a:lnL w="720">
+                      <a:solidFill>
+                        <a:srgbClr val="ffffff"/>
+                      </a:solidFill>
+                    </a:lnL>
+                    <a:lnR w="720">
+                      <a:solidFill>
+                        <a:srgbClr val="ffffff"/>
+                      </a:solidFill>
+                    </a:lnR>
+                    <a:lnT w="720">
+                      <a:solidFill>
+                        <a:srgbClr val="ffffff"/>
+                      </a:solidFill>
+                    </a:lnT>
+                    <a:lnB w="720">
+                      <a:solidFill>
+                        <a:srgbClr val="ffffff"/>
+                      </a:solidFill>
+                    </a:lnB>
+                    <a:solidFill>
+                      <a:srgbClr val="ff9966"/>
+                    </a:solidFill>
+                  </a:tcPr>
+                </a:tc>
+              </a:tr>
+            </a:tbl>
+          </a:graphicData>
+        </a:graphic>
+      </p:graphicFrame>
     </p:spTree>
   </p:cSld>
   <p:timing>
@@ -14324,14 +18888,14 @@
       </p:grpSpPr>
       <p:sp>
         <p:nvSpPr>
-          <p:cNvPr id="302" name="CustomShape 1"/>
+          <p:cNvPr id="308" name="CustomShape 1"/>
           <p:cNvSpPr/>
           <p:nvPr/>
         </p:nvSpPr>
         <p:spPr>
           <a:xfrm>
             <a:off x="8947080" y="7165800"/>
-            <a:ext cx="1222200" cy="226800"/>
+            <a:ext cx="1221480" cy="226080"/>
           </a:xfrm>
           <a:prstGeom prst="rect">
             <a:avLst/>
@@ -14365,7 +18929,7 @@
               </a:rPr>
               <a:t>Seite </a:t>
             </a:r>
-            <a:fld id="{C7FB5F6D-C311-4595-8E7D-F6E8C208E154}" type="slidenum">
+            <a:fld id="{217B45A3-CDE5-4491-B6C8-7313B6A44337}" type="slidenum">
               <a:rPr b="0" lang="de-DE" sz="1000" spc="-1" strike="noStrike">
                 <a:solidFill>
                   <a:srgbClr val="000000"/>
@@ -14383,14 +18947,14 @@
       </p:sp>
       <p:sp>
         <p:nvSpPr>
-          <p:cNvPr id="303" name="CustomShape 2"/>
+          <p:cNvPr id="309" name="CustomShape 2"/>
           <p:cNvSpPr/>
           <p:nvPr/>
         </p:nvSpPr>
         <p:spPr>
           <a:xfrm>
             <a:off x="522360" y="671400"/>
-            <a:ext cx="9646920" cy="947520"/>
+            <a:ext cx="9646200" cy="946800"/>
           </a:xfrm>
           <a:prstGeom prst="rect">
             <a:avLst/>
@@ -14443,14 +19007,14 @@
       </p:sp>
       <p:sp>
         <p:nvSpPr>
-          <p:cNvPr id="304" name="CustomShape 3"/>
+          <p:cNvPr id="310" name="CustomShape 3"/>
           <p:cNvSpPr/>
           <p:nvPr/>
         </p:nvSpPr>
         <p:spPr>
           <a:xfrm>
             <a:off x="522360" y="2138400"/>
-            <a:ext cx="8422920" cy="4520880"/>
+            <a:ext cx="8422200" cy="4520160"/>
           </a:xfrm>
           <a:prstGeom prst="rect">
             <a:avLst/>
@@ -14469,14 +19033,14 @@
       </p:sp>
       <p:sp>
         <p:nvSpPr>
-          <p:cNvPr id="305" name="CustomShape 4"/>
+          <p:cNvPr id="311" name="CustomShape 4"/>
           <p:cNvSpPr/>
           <p:nvPr/>
         </p:nvSpPr>
         <p:spPr>
           <a:xfrm>
             <a:off x="522360" y="2138400"/>
-            <a:ext cx="8422920" cy="4520880"/>
+            <a:ext cx="8422200" cy="4520160"/>
           </a:xfrm>
           <a:prstGeom prst="rect">
             <a:avLst/>
@@ -14495,7 +19059,7 @@
       </p:sp>
       <p:pic>
         <p:nvPicPr>
-          <p:cNvPr id="306" name="" descr=""/>
+          <p:cNvPr id="312" name="" descr=""/>
           <p:cNvPicPr/>
           <p:nvPr/>
         </p:nvPicPr>
@@ -14506,7 +19070,7 @@
         <p:spPr>
           <a:xfrm>
             <a:off x="3528000" y="1829880"/>
-            <a:ext cx="5081760" cy="2489400"/>
+            <a:ext cx="5081040" cy="2488680"/>
           </a:xfrm>
           <a:prstGeom prst="rect">
             <a:avLst/>
@@ -14518,7 +19082,7 @@
       </p:pic>
       <p:pic>
         <p:nvPicPr>
-          <p:cNvPr id="307" name="" descr=""/>
+          <p:cNvPr id="313" name="" descr=""/>
           <p:cNvPicPr/>
           <p:nvPr/>
         </p:nvPicPr>
@@ -14529,7 +19093,7 @@
         <p:spPr>
           <a:xfrm>
             <a:off x="3528000" y="4590360"/>
-            <a:ext cx="5096520" cy="2248920"/>
+            <a:ext cx="5095800" cy="2248200"/>
           </a:xfrm>
           <a:prstGeom prst="rect">
             <a:avLst/>
@@ -14590,14 +19154,14 @@
       </p:grpSpPr>
       <p:sp>
         <p:nvSpPr>
-          <p:cNvPr id="308" name="CustomShape 1"/>
+          <p:cNvPr id="314" name="CustomShape 1"/>
           <p:cNvSpPr/>
           <p:nvPr/>
         </p:nvSpPr>
         <p:spPr>
           <a:xfrm>
             <a:off x="8947080" y="7165800"/>
-            <a:ext cx="1222200" cy="226800"/>
+            <a:ext cx="1221480" cy="226080"/>
           </a:xfrm>
           <a:prstGeom prst="rect">
             <a:avLst/>
@@ -14631,7 +19195,7 @@
               </a:rPr>
               <a:t>Seite </a:t>
             </a:r>
-            <a:fld id="{47E4D8EB-68F8-48B5-8FF2-3C04033EB274}" type="slidenum">
+            <a:fld id="{28A18F62-7946-4541-AE69-FC82818D5468}" type="slidenum">
               <a:rPr b="0" lang="de-DE" sz="1000" spc="-1" strike="noStrike">
                 <a:solidFill>
                   <a:srgbClr val="000000"/>
@@ -14649,14 +19213,14 @@
       </p:sp>
       <p:sp>
         <p:nvSpPr>
-          <p:cNvPr id="309" name="CustomShape 2"/>
+          <p:cNvPr id="315" name="CustomShape 2"/>
           <p:cNvSpPr/>
           <p:nvPr/>
         </p:nvSpPr>
         <p:spPr>
           <a:xfrm>
             <a:off x="522360" y="671400"/>
-            <a:ext cx="9646920" cy="947520"/>
+            <a:ext cx="9646200" cy="946800"/>
           </a:xfrm>
           <a:prstGeom prst="rect">
             <a:avLst/>
@@ -14698,14 +19262,14 @@
       </p:sp>
       <p:sp>
         <p:nvSpPr>
-          <p:cNvPr id="310" name="CustomShape 3"/>
+          <p:cNvPr id="316" name="CustomShape 3"/>
           <p:cNvSpPr/>
           <p:nvPr/>
         </p:nvSpPr>
         <p:spPr>
           <a:xfrm>
             <a:off x="522360" y="2138400"/>
-            <a:ext cx="8422920" cy="4520880"/>
+            <a:ext cx="8422200" cy="4520160"/>
           </a:xfrm>
           <a:prstGeom prst="rect">
             <a:avLst/>
@@ -14724,14 +19288,14 @@
       </p:sp>
       <p:sp>
         <p:nvSpPr>
-          <p:cNvPr id="311" name="CustomShape 4"/>
+          <p:cNvPr id="317" name="CustomShape 4"/>
           <p:cNvSpPr/>
           <p:nvPr/>
         </p:nvSpPr>
         <p:spPr>
           <a:xfrm>
             <a:off x="522360" y="2138400"/>
-            <a:ext cx="8422920" cy="4520880"/>
+            <a:ext cx="8422200" cy="4520160"/>
           </a:xfrm>
           <a:prstGeom prst="rect">
             <a:avLst/>
@@ -14750,14 +19314,14 @@
       </p:sp>
       <p:sp>
         <p:nvSpPr>
-          <p:cNvPr id="312" name="CustomShape 5"/>
+          <p:cNvPr id="318" name="CustomShape 5"/>
           <p:cNvSpPr/>
           <p:nvPr/>
         </p:nvSpPr>
         <p:spPr>
           <a:xfrm>
             <a:off x="536040" y="1769400"/>
-            <a:ext cx="8608320" cy="4384440"/>
+            <a:ext cx="8607600" cy="4383720"/>
           </a:xfrm>
           <a:prstGeom prst="rect">
             <a:avLst/>
@@ -14778,7 +19342,7 @@
             <a:normAutofit/>
           </a:bodyPr>
           <a:p>
-            <a:pPr marL="432000" indent="-322920">
+            <a:pPr marL="432000" indent="-322200">
               <a:lnSpc>
                 <a:spcPct val="100000"/>
               </a:lnSpc>
@@ -14807,7 +19371,7 @@
             </a:endParaRPr>
           </a:p>
           <a:p>
-            <a:pPr lvl="1" marL="864000" indent="-322920">
+            <a:pPr lvl="1" marL="864000" indent="-322200">
               <a:lnSpc>
                 <a:spcPct val="100000"/>
               </a:lnSpc>
@@ -14836,7 +19400,7 @@
             </a:endParaRPr>
           </a:p>
           <a:p>
-            <a:pPr lvl="1" marL="864000" indent="-322920">
+            <a:pPr lvl="1" marL="864000" indent="-322200">
               <a:lnSpc>
                 <a:spcPct val="100000"/>
               </a:lnSpc>
@@ -14865,7 +19429,7 @@
             </a:endParaRPr>
           </a:p>
           <a:p>
-            <a:pPr marL="432000" indent="-322920">
+            <a:pPr marL="432000" indent="-322200">
               <a:lnSpc>
                 <a:spcPct val="100000"/>
               </a:lnSpc>
@@ -14946,14 +19510,14 @@
       </p:grpSpPr>
       <p:sp>
         <p:nvSpPr>
-          <p:cNvPr id="313" name="CustomShape 1"/>
+          <p:cNvPr id="319" name="CustomShape 1"/>
           <p:cNvSpPr/>
           <p:nvPr/>
         </p:nvSpPr>
         <p:spPr>
           <a:xfrm>
             <a:off x="8947080" y="7165800"/>
-            <a:ext cx="1222200" cy="226800"/>
+            <a:ext cx="1221480" cy="226080"/>
           </a:xfrm>
           <a:prstGeom prst="rect">
             <a:avLst/>
@@ -14987,7 +19551,7 @@
               </a:rPr>
               <a:t>Seite </a:t>
             </a:r>
-            <a:fld id="{311267E6-853F-41AD-8F41-617C5D2CB108}" type="slidenum">
+            <a:fld id="{FFCA7794-C2E5-43C6-9532-CE2B435A7C29}" type="slidenum">
               <a:rPr b="0" lang="de-DE" sz="1000" spc="-1" strike="noStrike">
                 <a:solidFill>
                   <a:srgbClr val="000000"/>
@@ -15005,14 +19569,14 @@
       </p:sp>
       <p:sp>
         <p:nvSpPr>
-          <p:cNvPr id="314" name="CustomShape 2"/>
+          <p:cNvPr id="320" name="CustomShape 2"/>
           <p:cNvSpPr/>
           <p:nvPr/>
         </p:nvSpPr>
         <p:spPr>
           <a:xfrm>
             <a:off x="522360" y="671400"/>
-            <a:ext cx="9646920" cy="947520"/>
+            <a:ext cx="9646200" cy="946800"/>
           </a:xfrm>
           <a:prstGeom prst="rect">
             <a:avLst/>
@@ -15074,14 +19638,14 @@
       </p:sp>
       <p:sp>
         <p:nvSpPr>
-          <p:cNvPr id="315" name="CustomShape 3"/>
+          <p:cNvPr id="321" name="CustomShape 3"/>
           <p:cNvSpPr/>
           <p:nvPr/>
         </p:nvSpPr>
         <p:spPr>
           <a:xfrm>
             <a:off x="522360" y="2138400"/>
-            <a:ext cx="8422920" cy="4520880"/>
+            <a:ext cx="8422200" cy="4520160"/>
           </a:xfrm>
           <a:prstGeom prst="rect">
             <a:avLst/>
@@ -15100,14 +19664,14 @@
       </p:sp>
       <p:sp>
         <p:nvSpPr>
-          <p:cNvPr id="316" name="CustomShape 4"/>
+          <p:cNvPr id="322" name="CustomShape 4"/>
           <p:cNvSpPr/>
           <p:nvPr/>
         </p:nvSpPr>
         <p:spPr>
           <a:xfrm>
             <a:off x="522360" y="2138400"/>
-            <a:ext cx="8422920" cy="4520880"/>
+            <a:ext cx="8422200" cy="4520160"/>
           </a:xfrm>
           <a:prstGeom prst="rect">
             <a:avLst/>
@@ -15126,14 +19690,14 @@
       </p:sp>
       <p:sp>
         <p:nvSpPr>
-          <p:cNvPr id="317" name="CustomShape 5"/>
+          <p:cNvPr id="323" name="CustomShape 5"/>
           <p:cNvSpPr/>
           <p:nvPr/>
         </p:nvSpPr>
         <p:spPr>
           <a:xfrm>
             <a:off x="536040" y="1769400"/>
-            <a:ext cx="8608320" cy="4384440"/>
+            <a:ext cx="8607600" cy="4383720"/>
           </a:xfrm>
           <a:prstGeom prst="rect">
             <a:avLst/>
@@ -15154,7 +19718,7 @@
             <a:normAutofit/>
           </a:bodyPr>
           <a:p>
-            <a:pPr marL="432000" indent="-322920">
+            <a:pPr marL="432000" indent="-322200">
               <a:lnSpc>
                 <a:spcPct val="100000"/>
               </a:lnSpc>
@@ -15183,7 +19747,7 @@
             </a:endParaRPr>
           </a:p>
           <a:p>
-            <a:pPr marL="432000" indent="-322920">
+            <a:pPr marL="432000" indent="-322200">
               <a:lnSpc>
                 <a:spcPct val="100000"/>
               </a:lnSpc>
@@ -15212,7 +19776,7 @@
             </a:endParaRPr>
           </a:p>
           <a:p>
-            <a:pPr marL="432000" indent="-322920">
+            <a:pPr marL="432000" indent="-322200">
               <a:lnSpc>
                 <a:spcPct val="100000"/>
               </a:lnSpc>
@@ -15241,7 +19805,7 @@
             </a:endParaRPr>
           </a:p>
           <a:p>
-            <a:pPr marL="432000" indent="-322920">
+            <a:pPr marL="432000" indent="-322200">
               <a:lnSpc>
                 <a:spcPct val="100000"/>
               </a:lnSpc>
@@ -15270,7 +19834,7 @@
             </a:endParaRPr>
           </a:p>
           <a:p>
-            <a:pPr lvl="1" marL="864000" indent="-322920">
+            <a:pPr lvl="1" marL="864000" indent="-322200">
               <a:lnSpc>
                 <a:spcPct val="100000"/>
               </a:lnSpc>
@@ -15299,7 +19863,7 @@
             </a:endParaRPr>
           </a:p>
           <a:p>
-            <a:pPr lvl="1" marL="864000" indent="-322920">
+            <a:pPr lvl="1" marL="864000" indent="-322200">
               <a:lnSpc>
                 <a:spcPct val="100000"/>
               </a:lnSpc>
@@ -15380,14 +19944,14 @@
       </p:grpSpPr>
       <p:sp>
         <p:nvSpPr>
-          <p:cNvPr id="318" name="CustomShape 1"/>
+          <p:cNvPr id="324" name="CustomShape 1"/>
           <p:cNvSpPr/>
           <p:nvPr/>
         </p:nvSpPr>
         <p:spPr>
           <a:xfrm>
             <a:off x="8947080" y="7165800"/>
-            <a:ext cx="1222200" cy="226800"/>
+            <a:ext cx="1221480" cy="226080"/>
           </a:xfrm>
           <a:prstGeom prst="rect">
             <a:avLst/>
@@ -15421,7 +19985,7 @@
               </a:rPr>
               <a:t>Seite </a:t>
             </a:r>
-            <a:fld id="{D6E59CEA-64AB-495C-AE6D-C540D0D40161}" type="slidenum">
+            <a:fld id="{14C62E10-631F-428B-B5B8-3E4FB0264251}" type="slidenum">
               <a:rPr b="0" lang="de-DE" sz="1000" spc="-1" strike="noStrike">
                 <a:solidFill>
                   <a:srgbClr val="000000"/>
@@ -15439,14 +20003,14 @@
       </p:sp>
       <p:sp>
         <p:nvSpPr>
-          <p:cNvPr id="319" name="CustomShape 2"/>
+          <p:cNvPr id="325" name="CustomShape 2"/>
           <p:cNvSpPr/>
           <p:nvPr/>
         </p:nvSpPr>
         <p:spPr>
           <a:xfrm>
             <a:off x="522360" y="671400"/>
-            <a:ext cx="9646920" cy="947520"/>
+            <a:ext cx="9646200" cy="946800"/>
           </a:xfrm>
           <a:prstGeom prst="rect">
             <a:avLst/>
@@ -15488,14 +20052,14 @@
       </p:sp>
       <p:sp>
         <p:nvSpPr>
-          <p:cNvPr id="320" name="CustomShape 3"/>
+          <p:cNvPr id="326" name="CustomShape 3"/>
           <p:cNvSpPr/>
           <p:nvPr/>
         </p:nvSpPr>
         <p:spPr>
           <a:xfrm>
             <a:off x="522360" y="2138400"/>
-            <a:ext cx="8422920" cy="4520880"/>
+            <a:ext cx="8422200" cy="4520160"/>
           </a:xfrm>
           <a:prstGeom prst="rect">
             <a:avLst/>
@@ -15514,14 +20078,14 @@
       </p:sp>
       <p:sp>
         <p:nvSpPr>
-          <p:cNvPr id="321" name="CustomShape 4"/>
+          <p:cNvPr id="327" name="CustomShape 4"/>
           <p:cNvSpPr/>
           <p:nvPr/>
         </p:nvSpPr>
         <p:spPr>
           <a:xfrm>
             <a:off x="522360" y="2138400"/>
-            <a:ext cx="8422920" cy="4520880"/>
+            <a:ext cx="8422200" cy="4520160"/>
           </a:xfrm>
           <a:prstGeom prst="rect">
             <a:avLst/>
@@ -15540,14 +20104,14 @@
       </p:sp>
       <p:sp>
         <p:nvSpPr>
-          <p:cNvPr id="322" name="CustomShape 5"/>
+          <p:cNvPr id="328" name="CustomShape 5"/>
           <p:cNvSpPr/>
           <p:nvPr/>
         </p:nvSpPr>
         <p:spPr>
           <a:xfrm>
             <a:off x="536040" y="1769400"/>
-            <a:ext cx="8608320" cy="4384440"/>
+            <a:ext cx="8607600" cy="4383720"/>
           </a:xfrm>
           <a:prstGeom prst="rect">
             <a:avLst/>
@@ -15568,7 +20132,7 @@
             <a:normAutofit/>
           </a:bodyPr>
           <a:p>
-            <a:pPr marL="432000" indent="-322920">
+            <a:pPr marL="432000" indent="-322200">
               <a:lnSpc>
                 <a:spcPct val="100000"/>
               </a:lnSpc>
@@ -15597,7 +20161,7 @@
             </a:endParaRPr>
           </a:p>
           <a:p>
-            <a:pPr lvl="1" marL="864000" indent="-322920">
+            <a:pPr lvl="1" marL="864000" indent="-322200">
               <a:lnSpc>
                 <a:spcPct val="100000"/>
               </a:lnSpc>
@@ -15626,7 +20190,7 @@
             </a:endParaRPr>
           </a:p>
           <a:p>
-            <a:pPr lvl="1" marL="864000" indent="-322920">
+            <a:pPr lvl="1" marL="864000" indent="-322200">
               <a:lnSpc>
                 <a:spcPct val="100000"/>
               </a:lnSpc>
@@ -15655,7 +20219,7 @@
             </a:endParaRPr>
           </a:p>
           <a:p>
-            <a:pPr marL="432000" indent="-322920">
+            <a:pPr marL="432000" indent="-322200">
               <a:lnSpc>
                 <a:spcPct val="100000"/>
               </a:lnSpc>
@@ -15684,7 +20248,7 @@
             </a:endParaRPr>
           </a:p>
           <a:p>
-            <a:pPr lvl="1" marL="864000" indent="-322920">
+            <a:pPr lvl="1" marL="864000" indent="-322200">
               <a:lnSpc>
                 <a:spcPct val="100000"/>
               </a:lnSpc>
@@ -15713,7 +20277,7 @@
             </a:endParaRPr>
           </a:p>
           <a:p>
-            <a:pPr lvl="1" marL="864000" indent="-322920">
+            <a:pPr lvl="1" marL="864000" indent="-322200">
               <a:lnSpc>
                 <a:spcPct val="100000"/>
               </a:lnSpc>
@@ -15794,14 +20358,14 @@
       </p:grpSpPr>
       <p:sp>
         <p:nvSpPr>
-          <p:cNvPr id="323" name="CustomShape 1"/>
+          <p:cNvPr id="329" name="CustomShape 1"/>
           <p:cNvSpPr/>
           <p:nvPr/>
         </p:nvSpPr>
         <p:spPr>
           <a:xfrm>
             <a:off x="8947080" y="7165800"/>
-            <a:ext cx="1222200" cy="226800"/>
+            <a:ext cx="1221480" cy="226080"/>
           </a:xfrm>
           <a:prstGeom prst="rect">
             <a:avLst/>
@@ -15835,7 +20399,7 @@
               </a:rPr>
               <a:t>Seite </a:t>
             </a:r>
-            <a:fld id="{43659E8D-B287-4F27-8014-94999EC12276}" type="slidenum">
+            <a:fld id="{C9C69778-C26F-4474-AB80-9934ECCD86D7}" type="slidenum">
               <a:rPr b="0" lang="de-DE" sz="1000" spc="-1" strike="noStrike">
                 <a:solidFill>
                   <a:srgbClr val="000000"/>
@@ -15853,14 +20417,14 @@
       </p:sp>
       <p:sp>
         <p:nvSpPr>
-          <p:cNvPr id="324" name="CustomShape 2"/>
+          <p:cNvPr id="330" name="CustomShape 2"/>
           <p:cNvSpPr/>
           <p:nvPr/>
         </p:nvSpPr>
         <p:spPr>
           <a:xfrm>
             <a:off x="522360" y="671400"/>
-            <a:ext cx="9646920" cy="947520"/>
+            <a:ext cx="9646200" cy="946800"/>
           </a:xfrm>
           <a:prstGeom prst="rect">
             <a:avLst/>
@@ -15902,14 +20466,14 @@
       </p:sp>
       <p:sp>
         <p:nvSpPr>
-          <p:cNvPr id="325" name="CustomShape 3"/>
+          <p:cNvPr id="331" name="CustomShape 3"/>
           <p:cNvSpPr/>
           <p:nvPr/>
         </p:nvSpPr>
         <p:spPr>
           <a:xfrm>
             <a:off x="522360" y="2138400"/>
-            <a:ext cx="8422920" cy="4520880"/>
+            <a:ext cx="8422200" cy="4520160"/>
           </a:xfrm>
           <a:prstGeom prst="rect">
             <a:avLst/>
@@ -15928,14 +20492,14 @@
       </p:sp>
       <p:sp>
         <p:nvSpPr>
-          <p:cNvPr id="326" name="CustomShape 4"/>
+          <p:cNvPr id="332" name="CustomShape 4"/>
           <p:cNvSpPr/>
           <p:nvPr/>
         </p:nvSpPr>
         <p:spPr>
           <a:xfrm>
             <a:off x="522360" y="2138400"/>
-            <a:ext cx="8422920" cy="4520880"/>
+            <a:ext cx="8422200" cy="4520160"/>
           </a:xfrm>
           <a:prstGeom prst="rect">
             <a:avLst/>
@@ -15954,14 +20518,14 @@
       </p:sp>
       <p:sp>
         <p:nvSpPr>
-          <p:cNvPr id="327" name="CustomShape 5"/>
+          <p:cNvPr id="333" name="CustomShape 5"/>
           <p:cNvSpPr/>
           <p:nvPr/>
         </p:nvSpPr>
         <p:spPr>
           <a:xfrm>
             <a:off x="535680" y="1769400"/>
-            <a:ext cx="8608320" cy="4384440"/>
+            <a:ext cx="8607600" cy="4383720"/>
           </a:xfrm>
           <a:prstGeom prst="rect">
             <a:avLst/>
@@ -15982,7 +20546,7 @@
             <a:normAutofit/>
           </a:bodyPr>
           <a:p>
-            <a:pPr marL="216000" indent="-215640">
+            <a:pPr marL="216000" indent="-214920">
               <a:lnSpc>
                 <a:spcPct val="100000"/>
               </a:lnSpc>
@@ -16028,7 +20592,7 @@
             </a:endParaRPr>
           </a:p>
           <a:p>
-            <a:pPr marL="216000" indent="-215640">
+            <a:pPr marL="216000" indent="-214920">
               <a:lnSpc>
                 <a:spcPct val="100000"/>
               </a:lnSpc>
@@ -16074,7 +20638,7 @@
             </a:endParaRPr>
           </a:p>
           <a:p>
-            <a:pPr marL="216000" indent="-215640">
+            <a:pPr marL="216000" indent="-214920">
               <a:lnSpc>
                 <a:spcPct val="100000"/>
               </a:lnSpc>
@@ -16120,7 +20684,7 @@
             </a:endParaRPr>
           </a:p>
           <a:p>
-            <a:pPr marL="216000" indent="-215640">
+            <a:pPr marL="216000" indent="-214920">
               <a:lnSpc>
                 <a:spcPct val="100000"/>
               </a:lnSpc>
@@ -16248,14 +20812,14 @@
       </p:grpSpPr>
       <p:sp>
         <p:nvSpPr>
-          <p:cNvPr id="328" name="CustomShape 1"/>
+          <p:cNvPr id="334" name="CustomShape 1"/>
           <p:cNvSpPr/>
           <p:nvPr/>
         </p:nvSpPr>
         <p:spPr>
           <a:xfrm>
             <a:off x="8947080" y="7165800"/>
-            <a:ext cx="1222200" cy="226800"/>
+            <a:ext cx="1221480" cy="226080"/>
           </a:xfrm>
           <a:prstGeom prst="rect">
             <a:avLst/>
@@ -16289,7 +20853,7 @@
               </a:rPr>
               <a:t>Seite </a:t>
             </a:r>
-            <a:fld id="{A82C6E77-9CEB-4A34-8634-2A8D1B2DA05A}" type="slidenum">
+            <a:fld id="{A9FC4E5F-ACC6-451D-89D3-E6F32026FEE8}" type="slidenum">
               <a:rPr b="0" lang="de-DE" sz="1000" spc="-1" strike="noStrike">
                 <a:solidFill>
                   <a:srgbClr val="000000"/>
@@ -16307,14 +20871,14 @@
       </p:sp>
       <p:sp>
         <p:nvSpPr>
-          <p:cNvPr id="329" name="CustomShape 2"/>
+          <p:cNvPr id="335" name="CustomShape 2"/>
           <p:cNvSpPr/>
           <p:nvPr/>
         </p:nvSpPr>
         <p:spPr>
           <a:xfrm>
             <a:off x="522360" y="671400"/>
-            <a:ext cx="9646920" cy="947520"/>
+            <a:ext cx="9646200" cy="946800"/>
           </a:xfrm>
           <a:prstGeom prst="rect">
             <a:avLst/>
@@ -16356,14 +20920,14 @@
       </p:sp>
       <p:sp>
         <p:nvSpPr>
-          <p:cNvPr id="330" name="CustomShape 3"/>
+          <p:cNvPr id="336" name="CustomShape 3"/>
           <p:cNvSpPr/>
           <p:nvPr/>
         </p:nvSpPr>
         <p:spPr>
           <a:xfrm>
             <a:off x="522360" y="2138400"/>
-            <a:ext cx="8422920" cy="4520880"/>
+            <a:ext cx="8422200" cy="4520160"/>
           </a:xfrm>
           <a:prstGeom prst="rect">
             <a:avLst/>
@@ -16382,14 +20946,14 @@
       </p:sp>
       <p:sp>
         <p:nvSpPr>
-          <p:cNvPr id="331" name="CustomShape 4"/>
+          <p:cNvPr id="337" name="CustomShape 4"/>
           <p:cNvSpPr/>
           <p:nvPr/>
         </p:nvSpPr>
         <p:spPr>
           <a:xfrm>
             <a:off x="522360" y="2138400"/>
-            <a:ext cx="8422920" cy="4520880"/>
+            <a:ext cx="8422200" cy="4520160"/>
           </a:xfrm>
           <a:prstGeom prst="rect">
             <a:avLst/>
@@ -16408,14 +20972,14 @@
       </p:sp>
       <p:sp>
         <p:nvSpPr>
-          <p:cNvPr id="332" name="CustomShape 5"/>
+          <p:cNvPr id="338" name="CustomShape 5"/>
           <p:cNvSpPr/>
           <p:nvPr/>
         </p:nvSpPr>
         <p:spPr>
           <a:xfrm>
             <a:off x="535680" y="1769400"/>
-            <a:ext cx="8608320" cy="4384440"/>
+            <a:ext cx="8607600" cy="4383720"/>
           </a:xfrm>
           <a:prstGeom prst="rect">
             <a:avLst/>
@@ -16436,7 +21000,7 @@
             <a:normAutofit/>
           </a:bodyPr>
           <a:p>
-            <a:pPr marL="216000" indent="-215640">
+            <a:pPr marL="216000" indent="-214920">
               <a:lnSpc>
                 <a:spcPct val="100000"/>
               </a:lnSpc>
@@ -16462,7 +21026,7 @@
             </a:endParaRPr>
           </a:p>
           <a:p>
-            <a:pPr marL="216000" indent="-215640">
+            <a:pPr marL="216000" indent="-214920">
               <a:lnSpc>
                 <a:spcPct val="100000"/>
               </a:lnSpc>
@@ -16488,7 +21052,7 @@
             </a:endParaRPr>
           </a:p>
           <a:p>
-            <a:pPr marL="216000" indent="-215640">
+            <a:pPr marL="216000" indent="-214920">
               <a:lnSpc>
                 <a:spcPct val="100000"/>
               </a:lnSpc>
@@ -16534,7 +21098,7 @@
             </a:endParaRPr>
           </a:p>
           <a:p>
-            <a:pPr marL="216000" indent="-215640">
+            <a:pPr marL="216000" indent="-214920">
               <a:lnSpc>
                 <a:spcPct val="100000"/>
               </a:lnSpc>
@@ -16639,7 +21203,7 @@
         <p:spPr>
           <a:xfrm>
             <a:off x="8947080" y="7165800"/>
-            <a:ext cx="1222200" cy="226800"/>
+            <a:ext cx="1221480" cy="226080"/>
           </a:xfrm>
           <a:prstGeom prst="rect">
             <a:avLst/>
@@ -16673,7 +21237,7 @@
               </a:rPr>
               <a:t>Seite </a:t>
             </a:r>
-            <a:fld id="{A84E328B-BF6E-4E68-9A7D-7C88F928D600}" type="slidenum">
+            <a:fld id="{B9C28890-5B7F-4D5C-AF23-95E7A8E9490D}" type="slidenum">
               <a:rPr b="0" lang="de-DE" sz="1000" spc="-1" strike="noStrike">
                 <a:solidFill>
                   <a:srgbClr val="000000"/>
@@ -16698,7 +21262,7 @@
         <p:spPr>
           <a:xfrm>
             <a:off x="522360" y="671400"/>
-            <a:ext cx="9646920" cy="947520"/>
+            <a:ext cx="9646200" cy="946800"/>
           </a:xfrm>
           <a:prstGeom prst="rect">
             <a:avLst/>
@@ -16748,7 +21312,7 @@
         <p:spPr>
           <a:xfrm>
             <a:off x="522360" y="2138400"/>
-            <a:ext cx="8422920" cy="4520880"/>
+            <a:ext cx="8422200" cy="4520160"/>
           </a:xfrm>
           <a:prstGeom prst="rect">
             <a:avLst/>
@@ -16774,7 +21338,7 @@
         <p:spPr>
           <a:xfrm>
             <a:off x="522360" y="2138400"/>
-            <a:ext cx="8422920" cy="4520880"/>
+            <a:ext cx="8422200" cy="4520160"/>
           </a:xfrm>
           <a:prstGeom prst="rect">
             <a:avLst/>
@@ -16800,7 +21364,7 @@
         <p:spPr>
           <a:xfrm>
             <a:off x="534600" y="1769400"/>
-            <a:ext cx="8608320" cy="4384440"/>
+            <a:ext cx="8607600" cy="4383720"/>
           </a:xfrm>
           <a:prstGeom prst="rect">
             <a:avLst/>
@@ -16821,7 +21385,7 @@
             <a:normAutofit/>
           </a:bodyPr>
           <a:p>
-            <a:pPr marL="432000" indent="-322920">
+            <a:pPr marL="432000" indent="-322200">
               <a:lnSpc>
                 <a:spcPct val="100000"/>
               </a:lnSpc>
@@ -16850,7 +21414,7 @@
             </a:endParaRPr>
           </a:p>
           <a:p>
-            <a:pPr lvl="1" marL="864000" indent="-322920">
+            <a:pPr lvl="1" marL="864000" indent="-322200">
               <a:lnSpc>
                 <a:spcPct val="100000"/>
               </a:lnSpc>
@@ -16879,7 +21443,7 @@
             </a:endParaRPr>
           </a:p>
           <a:p>
-            <a:pPr lvl="1" marL="864000" indent="-322920">
+            <a:pPr lvl="1" marL="864000" indent="-322200">
               <a:lnSpc>
                 <a:spcPct val="100000"/>
               </a:lnSpc>
@@ -16908,7 +21472,7 @@
             </a:endParaRPr>
           </a:p>
           <a:p>
-            <a:pPr marL="432000" indent="-322920">
+            <a:pPr marL="432000" indent="-322200">
               <a:lnSpc>
                 <a:spcPct val="100000"/>
               </a:lnSpc>
@@ -16937,7 +21501,7 @@
             </a:endParaRPr>
           </a:p>
           <a:p>
-            <a:pPr lvl="1" marL="864000" indent="-322920">
+            <a:pPr lvl="1" marL="864000" indent="-322200">
               <a:lnSpc>
                 <a:spcPct val="100000"/>
               </a:lnSpc>
@@ -16966,7 +21530,7 @@
             </a:endParaRPr>
           </a:p>
           <a:p>
-            <a:pPr marL="432000" indent="-322920">
+            <a:pPr marL="432000" indent="-322200">
               <a:lnSpc>
                 <a:spcPct val="100000"/>
               </a:lnSpc>
@@ -17047,14 +21611,14 @@
       </p:grpSpPr>
       <p:sp>
         <p:nvSpPr>
-          <p:cNvPr id="333" name="CustomShape 1"/>
+          <p:cNvPr id="339" name="CustomShape 1"/>
           <p:cNvSpPr/>
           <p:nvPr/>
         </p:nvSpPr>
         <p:spPr>
           <a:xfrm>
             <a:off x="8947080" y="7165800"/>
-            <a:ext cx="1222200" cy="226800"/>
+            <a:ext cx="1221480" cy="226080"/>
           </a:xfrm>
           <a:prstGeom prst="rect">
             <a:avLst/>
@@ -17088,7 +21652,7 @@
               </a:rPr>
               <a:t>Seite </a:t>
             </a:r>
-            <a:fld id="{3BAB8B44-5CD3-4AE2-8B49-F406C943892A}" type="slidenum">
+            <a:fld id="{E8771C4C-BA2F-495D-8F05-D18C4D1EF938}" type="slidenum">
               <a:rPr b="0" lang="de-DE" sz="1000" spc="-1" strike="noStrike">
                 <a:solidFill>
                   <a:srgbClr val="000000"/>
@@ -17106,14 +21670,14 @@
       </p:sp>
       <p:sp>
         <p:nvSpPr>
-          <p:cNvPr id="334" name="CustomShape 2"/>
+          <p:cNvPr id="340" name="CustomShape 2"/>
           <p:cNvSpPr/>
           <p:nvPr/>
         </p:nvSpPr>
         <p:spPr>
           <a:xfrm>
             <a:off x="522360" y="2111400"/>
-            <a:ext cx="9646920" cy="947520"/>
+            <a:ext cx="9646200" cy="946800"/>
           </a:xfrm>
           <a:prstGeom prst="rect">
             <a:avLst/>
@@ -17211,7 +21775,7 @@
         <p:spPr>
           <a:xfrm>
             <a:off x="8947080" y="7165800"/>
-            <a:ext cx="1222200" cy="226800"/>
+            <a:ext cx="1221480" cy="226080"/>
           </a:xfrm>
           <a:prstGeom prst="rect">
             <a:avLst/>
@@ -17245,7 +21809,7 @@
               </a:rPr>
               <a:t>Seite </a:t>
             </a:r>
-            <a:fld id="{E063FD31-78CA-46DB-81BD-21DA8F12302A}" type="slidenum">
+            <a:fld id="{23DCD2C0-AAFB-48EF-8B23-C11A08187A3B}" type="slidenum">
               <a:rPr b="0" lang="de-DE" sz="1000" spc="-1" strike="noStrike">
                 <a:solidFill>
                   <a:srgbClr val="000000"/>
@@ -17270,7 +21834,7 @@
         <p:spPr>
           <a:xfrm>
             <a:off x="522360" y="671400"/>
-            <a:ext cx="9646920" cy="947520"/>
+            <a:ext cx="9646200" cy="946800"/>
           </a:xfrm>
           <a:prstGeom prst="rect">
             <a:avLst/>
@@ -17340,7 +21904,7 @@
         <p:spPr>
           <a:xfrm>
             <a:off x="522360" y="2138400"/>
-            <a:ext cx="8422920" cy="4520880"/>
+            <a:ext cx="8422200" cy="4520160"/>
           </a:xfrm>
           <a:prstGeom prst="rect">
             <a:avLst/>
@@ -17366,7 +21930,7 @@
         <p:spPr>
           <a:xfrm>
             <a:off x="522360" y="2138400"/>
-            <a:ext cx="8422920" cy="1388520"/>
+            <a:ext cx="8422200" cy="1387800"/>
           </a:xfrm>
           <a:prstGeom prst="rect">
             <a:avLst/>
@@ -17392,7 +21956,7 @@
         <p:spPr>
           <a:xfrm>
             <a:off x="534960" y="1769400"/>
-            <a:ext cx="8608320" cy="4384440"/>
+            <a:ext cx="8607600" cy="4383720"/>
           </a:xfrm>
           <a:prstGeom prst="rect">
             <a:avLst/>
@@ -17413,7 +21977,7 @@
             <a:normAutofit/>
           </a:bodyPr>
           <a:p>
-            <a:pPr marL="432000" indent="-322920">
+            <a:pPr marL="432000" indent="-322200">
               <a:lnSpc>
                 <a:spcPct val="100000"/>
               </a:lnSpc>
@@ -17472,7 +22036,7 @@
             </a:endParaRPr>
           </a:p>
           <a:p>
-            <a:pPr lvl="1" marL="864000" indent="-322920">
+            <a:pPr lvl="1" marL="864000" indent="-322200">
               <a:lnSpc>
                 <a:spcPct val="100000"/>
               </a:lnSpc>
@@ -17521,7 +22085,7 @@
             </a:endParaRPr>
           </a:p>
           <a:p>
-            <a:pPr lvl="1" marL="864000" indent="-322920">
+            <a:pPr lvl="1" marL="864000" indent="-322200">
               <a:lnSpc>
                 <a:spcPct val="100000"/>
               </a:lnSpc>
@@ -17607,7 +22171,7 @@
         <p:spPr>
           <a:xfrm>
             <a:off x="1420560" y="3816360"/>
-            <a:ext cx="6714360" cy="2446560"/>
+            <a:ext cx="6713640" cy="2445840"/>
           </a:xfrm>
           <a:prstGeom prst="rect">
             <a:avLst/>
@@ -17675,7 +22239,7 @@
         <p:spPr>
           <a:xfrm>
             <a:off x="8947080" y="7165800"/>
-            <a:ext cx="1222200" cy="226800"/>
+            <a:ext cx="1221480" cy="226080"/>
           </a:xfrm>
           <a:prstGeom prst="rect">
             <a:avLst/>
@@ -17709,7 +22273,7 @@
               </a:rPr>
               <a:t>Seite </a:t>
             </a:r>
-            <a:fld id="{BDB4CE59-4950-4703-8310-70224EB7E7B6}" type="slidenum">
+            <a:fld id="{557960AA-04F8-4E77-AAFC-0020D30994A6}" type="slidenum">
               <a:rPr b="0" lang="de-DE" sz="1000" spc="-1" strike="noStrike">
                 <a:solidFill>
                   <a:srgbClr val="000000"/>
@@ -17734,7 +22298,7 @@
         <p:spPr>
           <a:xfrm>
             <a:off x="522360" y="671400"/>
-            <a:ext cx="9646920" cy="947520"/>
+            <a:ext cx="9646200" cy="946800"/>
           </a:xfrm>
           <a:prstGeom prst="rect">
             <a:avLst/>
@@ -17804,7 +22368,7 @@
         <p:spPr>
           <a:xfrm>
             <a:off x="522360" y="2138400"/>
-            <a:ext cx="8422920" cy="4520880"/>
+            <a:ext cx="8422200" cy="4520160"/>
           </a:xfrm>
           <a:prstGeom prst="rect">
             <a:avLst/>
@@ -17830,7 +22394,7 @@
         <p:spPr>
           <a:xfrm>
             <a:off x="522360" y="2138400"/>
-            <a:ext cx="8422920" cy="4520880"/>
+            <a:ext cx="8422200" cy="4520160"/>
           </a:xfrm>
           <a:prstGeom prst="rect">
             <a:avLst/>
@@ -17856,7 +22420,7 @@
         <p:spPr>
           <a:xfrm>
             <a:off x="534960" y="1769400"/>
-            <a:ext cx="8608320" cy="4384440"/>
+            <a:ext cx="8607600" cy="4383720"/>
           </a:xfrm>
           <a:prstGeom prst="rect">
             <a:avLst/>
@@ -17877,7 +22441,7 @@
             <a:normAutofit/>
           </a:bodyPr>
           <a:p>
-            <a:pPr marL="432000" indent="-322920">
+            <a:pPr marL="432000" indent="-322200">
               <a:lnSpc>
                 <a:spcPct val="100000"/>
               </a:lnSpc>
@@ -17906,7 +22470,7 @@
             </a:endParaRPr>
           </a:p>
           <a:p>
-            <a:pPr lvl="1" marL="864000" indent="-322920">
+            <a:pPr lvl="1" marL="864000" indent="-322200">
               <a:lnSpc>
                 <a:spcPct val="100000"/>
               </a:lnSpc>
@@ -17935,7 +22499,7 @@
             </a:endParaRPr>
           </a:p>
           <a:p>
-            <a:pPr lvl="1" marL="864000" indent="-322920">
+            <a:pPr lvl="1" marL="864000" indent="-322200">
               <a:lnSpc>
                 <a:spcPct val="100000"/>
               </a:lnSpc>
@@ -17964,7 +22528,7 @@
             </a:endParaRPr>
           </a:p>
           <a:p>
-            <a:pPr lvl="1" marL="864000" indent="-322920">
+            <a:pPr lvl="1" marL="864000" indent="-322200">
               <a:lnSpc>
                 <a:spcPct val="100000"/>
               </a:lnSpc>
@@ -18052,7 +22616,7 @@
         <p:spPr>
           <a:xfrm>
             <a:off x="8947080" y="7165800"/>
-            <a:ext cx="1222200" cy="226800"/>
+            <a:ext cx="1221480" cy="226080"/>
           </a:xfrm>
           <a:prstGeom prst="rect">
             <a:avLst/>
@@ -18086,7 +22650,7 @@
               </a:rPr>
               <a:t>Seite </a:t>
             </a:r>
-            <a:fld id="{33A3A6A4-73AA-4572-BED3-1D8C83488992}" type="slidenum">
+            <a:fld id="{E5877437-3258-463A-BBDD-D606D4E5303F}" type="slidenum">
               <a:rPr b="0" lang="de-DE" sz="1000" spc="-1" strike="noStrike">
                 <a:solidFill>
                   <a:srgbClr val="000000"/>
@@ -18111,7 +22675,7 @@
         <p:spPr>
           <a:xfrm>
             <a:off x="522360" y="671400"/>
-            <a:ext cx="9646920" cy="947520"/>
+            <a:ext cx="9646200" cy="946800"/>
           </a:xfrm>
           <a:prstGeom prst="rect">
             <a:avLst/>
@@ -18171,7 +22735,7 @@
         <p:spPr>
           <a:xfrm>
             <a:off x="522360" y="2138400"/>
-            <a:ext cx="8422920" cy="4520880"/>
+            <a:ext cx="8422200" cy="4520160"/>
           </a:xfrm>
           <a:prstGeom prst="rect">
             <a:avLst/>
@@ -18197,7 +22761,7 @@
         <p:spPr>
           <a:xfrm>
             <a:off x="522360" y="2138400"/>
-            <a:ext cx="8422920" cy="4520880"/>
+            <a:ext cx="8422200" cy="4520160"/>
           </a:xfrm>
           <a:prstGeom prst="rect">
             <a:avLst/>
@@ -18223,7 +22787,7 @@
         <p:spPr>
           <a:xfrm>
             <a:off x="534960" y="1769400"/>
-            <a:ext cx="8608320" cy="4384440"/>
+            <a:ext cx="8607600" cy="4383720"/>
           </a:xfrm>
           <a:prstGeom prst="rect">
             <a:avLst/>
@@ -18244,7 +22808,7 @@
             <a:normAutofit/>
           </a:bodyPr>
           <a:p>
-            <a:pPr marL="432000" indent="-322920">
+            <a:pPr marL="432000" indent="-322200">
               <a:lnSpc>
                 <a:spcPct val="100000"/>
               </a:lnSpc>
@@ -18273,7 +22837,7 @@
             </a:endParaRPr>
           </a:p>
           <a:p>
-            <a:pPr marL="432000" indent="-322920">
+            <a:pPr marL="432000" indent="-322200">
               <a:lnSpc>
                 <a:spcPct val="100000"/>
               </a:lnSpc>
@@ -18302,7 +22866,7 @@
             </a:endParaRPr>
           </a:p>
           <a:p>
-            <a:pPr lvl="1" marL="864000" indent="-322920">
+            <a:pPr lvl="1" marL="864000" indent="-322200">
               <a:lnSpc>
                 <a:spcPct val="100000"/>
               </a:lnSpc>
@@ -18331,7 +22895,7 @@
             </a:endParaRPr>
           </a:p>
           <a:p>
-            <a:pPr lvl="1" marL="864000" indent="-322920">
+            <a:pPr lvl="1" marL="864000" indent="-322200">
               <a:lnSpc>
                 <a:spcPct val="100000"/>
               </a:lnSpc>
@@ -18360,7 +22924,7 @@
             </a:endParaRPr>
           </a:p>
           <a:p>
-            <a:pPr marL="432000" indent="-322920">
+            <a:pPr marL="432000" indent="-322200">
               <a:lnSpc>
                 <a:spcPct val="100000"/>
               </a:lnSpc>
@@ -18389,7 +22953,7 @@
             </a:endParaRPr>
           </a:p>
           <a:p>
-            <a:pPr lvl="1" marL="864000" indent="-322920">
+            <a:pPr lvl="1" marL="864000" indent="-322200">
               <a:lnSpc>
                 <a:spcPct val="100000"/>
               </a:lnSpc>
@@ -18445,7 +23009,7 @@
         <p:spPr>
           <a:xfrm>
             <a:off x="6477840" y="538920"/>
-            <a:ext cx="3745440" cy="2340360"/>
+            <a:ext cx="3744720" cy="2339640"/>
           </a:xfrm>
           <a:prstGeom prst="rect">
             <a:avLst/>
@@ -18464,7 +23028,7 @@
         <p:spPr>
           <a:xfrm>
             <a:off x="648000" y="6480000"/>
-            <a:ext cx="8639640" cy="597600"/>
+            <a:ext cx="8638920" cy="596880"/>
           </a:xfrm>
           <a:prstGeom prst="rect">
             <a:avLst/>
@@ -18485,7 +23049,11 @@
           <a:p>
             <a:r>
               <a:rPr b="0" lang="de-DE" sz="1400" spc="-1" strike="noStrike">
-                <a:latin typeface="Arial"/>
+                <a:solidFill>
+                  <a:srgbClr val="000000"/>
+                </a:solidFill>
+                <a:latin typeface="Arial"/>
+                <a:ea typeface="DejaVu Sans"/>
               </a:rPr>
               <a:t>Links: https://www.pexels.com/photo/new-york-statue-of-liberty-usa-monument-64271</a:t>
             </a:r>
@@ -18496,7 +23064,11 @@
           <a:p>
             <a:r>
               <a:rPr b="0" lang="de-DE" sz="1400" spc="-1" strike="noStrike">
-                <a:latin typeface="Arial"/>
+                <a:solidFill>
+                  <a:srgbClr val="000000"/>
+                </a:solidFill>
+                <a:latin typeface="Arial"/>
+                <a:ea typeface="DejaVu Sans"/>
               </a:rPr>
               <a:t>Rechts: http://www.publicdomainpictures.net/view-image.php?image=198474&amp; picture=statue-of-liberty</a:t>
             </a:r>
@@ -18515,7 +23087,7 @@
         <p:spPr>
           <a:xfrm>
             <a:off x="6408000" y="2877840"/>
-            <a:ext cx="3167640" cy="289800"/>
+            <a:ext cx="3166920" cy="289080"/>
           </a:xfrm>
           <a:prstGeom prst="rect">
             <a:avLst/>
@@ -18536,7 +23108,11 @@
           <a:p>
             <a:r>
               <a:rPr b="0" lang="de-DE" sz="1400" spc="-1" strike="noStrike">
-                <a:latin typeface="Arial"/>
+                <a:solidFill>
+                  <a:srgbClr val="000000"/>
+                </a:solidFill>
+                <a:latin typeface="Arial"/>
+                <a:ea typeface="DejaVu Sans"/>
               </a:rPr>
               <a:t>Quelle: Siehe unten</a:t>
             </a:r>
@@ -18604,7 +23180,7 @@
         <p:spPr>
           <a:xfrm>
             <a:off x="8947080" y="7165800"/>
-            <a:ext cx="1222200" cy="226800"/>
+            <a:ext cx="1221480" cy="226080"/>
           </a:xfrm>
           <a:prstGeom prst="rect">
             <a:avLst/>
@@ -18638,7 +23214,7 @@
               </a:rPr>
               <a:t>Seite </a:t>
             </a:r>
-            <a:fld id="{F160F4B9-D536-4597-9172-F085C9DAD233}" type="slidenum">
+            <a:fld id="{50D8F640-3EA4-415B-926F-7C47D64A9A08}" type="slidenum">
               <a:rPr b="0" lang="de-DE" sz="1000" spc="-1" strike="noStrike">
                 <a:solidFill>
                   <a:srgbClr val="000000"/>
@@ -18663,7 +23239,7 @@
         <p:spPr>
           <a:xfrm>
             <a:off x="522360" y="671400"/>
-            <a:ext cx="9646920" cy="947520"/>
+            <a:ext cx="9646200" cy="946800"/>
           </a:xfrm>
           <a:prstGeom prst="rect">
             <a:avLst/>
@@ -18723,7 +23299,7 @@
         <p:spPr>
           <a:xfrm>
             <a:off x="522360" y="2138400"/>
-            <a:ext cx="8422920" cy="4520880"/>
+            <a:ext cx="8422200" cy="4520160"/>
           </a:xfrm>
           <a:prstGeom prst="rect">
             <a:avLst/>
@@ -18749,7 +23325,7 @@
         <p:spPr>
           <a:xfrm>
             <a:off x="522360" y="2138400"/>
-            <a:ext cx="8422920" cy="4520880"/>
+            <a:ext cx="8422200" cy="4520160"/>
           </a:xfrm>
           <a:prstGeom prst="rect">
             <a:avLst/>
@@ -18775,7 +23351,7 @@
         <p:spPr>
           <a:xfrm>
             <a:off x="534600" y="1769400"/>
-            <a:ext cx="8608320" cy="4384440"/>
+            <a:ext cx="8607600" cy="4383720"/>
           </a:xfrm>
           <a:prstGeom prst="rect">
             <a:avLst/>
@@ -18796,7 +23372,7 @@
             <a:normAutofit/>
           </a:bodyPr>
           <a:p>
-            <a:pPr marL="432000" indent="-322920">
+            <a:pPr marL="432000" indent="-322200">
               <a:lnSpc>
                 <a:spcPct val="100000"/>
               </a:lnSpc>
@@ -18825,7 +23401,7 @@
             </a:endParaRPr>
           </a:p>
           <a:p>
-            <a:pPr lvl="1" marL="864000" indent="-322920">
+            <a:pPr lvl="1" marL="864000" indent="-322200">
               <a:lnSpc>
                 <a:spcPct val="100000"/>
               </a:lnSpc>
@@ -18854,7 +23430,7 @@
             </a:endParaRPr>
           </a:p>
           <a:p>
-            <a:pPr lvl="1" marL="864000" indent="-322920">
+            <a:pPr lvl="1" marL="864000" indent="-322200">
               <a:lnSpc>
                 <a:spcPct val="100000"/>
               </a:lnSpc>
@@ -18883,7 +23459,7 @@
             </a:endParaRPr>
           </a:p>
           <a:p>
-            <a:pPr marL="432000" indent="-322920">
+            <a:pPr marL="432000" indent="-322200">
               <a:lnSpc>
                 <a:spcPct val="100000"/>
               </a:lnSpc>
@@ -18912,7 +23488,7 @@
             </a:endParaRPr>
           </a:p>
           <a:p>
-            <a:pPr lvl="1" marL="864000" indent="-322920">
+            <a:pPr lvl="1" marL="864000" indent="-322200">
               <a:lnSpc>
                 <a:spcPct val="100000"/>
               </a:lnSpc>
@@ -19000,7 +23576,7 @@
         <p:spPr>
           <a:xfrm>
             <a:off x="8947080" y="7165800"/>
-            <a:ext cx="1222200" cy="226800"/>
+            <a:ext cx="1221480" cy="226080"/>
           </a:xfrm>
           <a:prstGeom prst="rect">
             <a:avLst/>
@@ -19034,7 +23610,7 @@
               </a:rPr>
               <a:t>Seite </a:t>
             </a:r>
-            <a:fld id="{0FEC71CE-A4AC-42A2-84E0-0134F45B87D1}" type="slidenum">
+            <a:fld id="{C67BFA6A-E898-4FDE-AD7D-5DBEB98DD990}" type="slidenum">
               <a:rPr b="0" lang="de-DE" sz="1000" spc="-1" strike="noStrike">
                 <a:solidFill>
                   <a:srgbClr val="000000"/>
@@ -19059,7 +23635,7 @@
         <p:spPr>
           <a:xfrm>
             <a:off x="522360" y="671400"/>
-            <a:ext cx="9646920" cy="947520"/>
+            <a:ext cx="9646200" cy="946800"/>
           </a:xfrm>
           <a:prstGeom prst="rect">
             <a:avLst/>
@@ -19119,7 +23695,7 @@
         <p:spPr>
           <a:xfrm>
             <a:off x="522360" y="2138400"/>
-            <a:ext cx="8422920" cy="4520880"/>
+            <a:ext cx="8422200" cy="4520160"/>
           </a:xfrm>
           <a:prstGeom prst="rect">
             <a:avLst/>
@@ -19145,7 +23721,7 @@
         <p:spPr>
           <a:xfrm>
             <a:off x="522360" y="2138400"/>
-            <a:ext cx="8422920" cy="4520880"/>
+            <a:ext cx="8422200" cy="4520160"/>
           </a:xfrm>
           <a:prstGeom prst="rect">
             <a:avLst/>
@@ -19171,7 +23747,7 @@
         <p:spPr>
           <a:xfrm>
             <a:off x="534600" y="1769400"/>
-            <a:ext cx="8608320" cy="4384440"/>
+            <a:ext cx="8607600" cy="4383720"/>
           </a:xfrm>
           <a:prstGeom prst="rect">
             <a:avLst/>
@@ -19192,7 +23768,7 @@
             <a:normAutofit/>
           </a:bodyPr>
           <a:p>
-            <a:pPr marL="432000" indent="-322920">
+            <a:pPr marL="432000" indent="-322200">
               <a:lnSpc>
                 <a:spcPct val="100000"/>
               </a:lnSpc>
@@ -19215,6 +23791,35 @@
                 <a:ea typeface="DejaVu Sans"/>
               </a:rPr>
               <a:t>Feature-Detektor und Deskriptor von Lowe</a:t>
+            </a:r>
+            <a:endParaRPr b="0" lang="de-DE" sz="3200" spc="-1" strike="noStrike">
+              <a:latin typeface="Arial"/>
+            </a:endParaRPr>
+          </a:p>
+          <a:p>
+            <a:pPr marL="432000" indent="-322200">
+              <a:lnSpc>
+                <a:spcPct val="100000"/>
+              </a:lnSpc>
+              <a:spcBef>
+                <a:spcPts val="1134"/>
+              </a:spcBef>
+              <a:buClr>
+                <a:srgbClr val="000000"/>
+              </a:buClr>
+              <a:buSzPct val="45000"/>
+              <a:buFont typeface="Wingdings" charset="2"/>
+              <a:buChar char=""/>
+            </a:pPr>
+            <a:r>
+              <a:rPr b="0" lang="de-DE" sz="3200" spc="-1" strike="noStrike">
+                <a:solidFill>
+                  <a:srgbClr val="000000"/>
+                </a:solidFill>
+                <a:latin typeface="Arial"/>
+                <a:ea typeface="DejaVu Sans"/>
+              </a:rPr>
+              <a:t>Beschreibt ein Feature als Vektor mit 128 Komponenten</a:t>
             </a:r>
             <a:endParaRPr b="0" lang="de-DE" sz="3200" spc="-1" strike="noStrike">
               <a:latin typeface="Arial"/>
@@ -19280,7 +23885,7 @@
         <p:spPr>
           <a:xfrm>
             <a:off x="8947080" y="7165800"/>
-            <a:ext cx="1222200" cy="226800"/>
+            <a:ext cx="1221480" cy="226080"/>
           </a:xfrm>
           <a:prstGeom prst="rect">
             <a:avLst/>
@@ -19314,7 +23919,7 @@
               </a:rPr>
               <a:t>Seite </a:t>
             </a:r>
-            <a:fld id="{0F44206D-6D8C-432C-A15C-81D82D74427C}" type="slidenum">
+            <a:fld id="{405A49B8-9980-436A-88B6-49904E1D1190}" type="slidenum">
               <a:rPr b="0" lang="de-DE" sz="1000" spc="-1" strike="noStrike">
                 <a:solidFill>
                   <a:srgbClr val="000000"/>
@@ -19339,7 +23944,7 @@
         <p:spPr>
           <a:xfrm>
             <a:off x="522360" y="671400"/>
-            <a:ext cx="9646920" cy="947520"/>
+            <a:ext cx="9646200" cy="946800"/>
           </a:xfrm>
           <a:prstGeom prst="rect">
             <a:avLst/>
@@ -19399,7 +24004,7 @@
         <p:spPr>
           <a:xfrm>
             <a:off x="522360" y="2138400"/>
-            <a:ext cx="8422920" cy="4520880"/>
+            <a:ext cx="8422200" cy="4520160"/>
           </a:xfrm>
           <a:prstGeom prst="rect">
             <a:avLst/>
@@ -19425,7 +24030,7 @@
         <p:spPr>
           <a:xfrm>
             <a:off x="522360" y="2138400"/>
-            <a:ext cx="8422920" cy="4520880"/>
+            <a:ext cx="8422200" cy="4520160"/>
           </a:xfrm>
           <a:prstGeom prst="rect">
             <a:avLst/>
@@ -19451,7 +24056,7 @@
         <p:spPr>
           <a:xfrm>
             <a:off x="535320" y="1769400"/>
-            <a:ext cx="8608320" cy="4384440"/>
+            <a:ext cx="8607600" cy="4383720"/>
           </a:xfrm>
           <a:prstGeom prst="rect">
             <a:avLst/>
@@ -19472,7 +24077,7 @@
             <a:normAutofit/>
           </a:bodyPr>
           <a:p>
-            <a:pPr marL="432000" indent="-322920">
+            <a:pPr marL="432000" indent="-322200">
               <a:lnSpc>
                 <a:spcPct val="100000"/>
               </a:lnSpc>
@@ -19501,7 +24106,7 @@
             </a:endParaRPr>
           </a:p>
           <a:p>
-            <a:pPr marL="432000" indent="-322920">
+            <a:pPr marL="432000" indent="-322200">
               <a:lnSpc>
                 <a:spcPct val="100000"/>
               </a:lnSpc>
@@ -19530,7 +24135,7 @@
             </a:endParaRPr>
           </a:p>
           <a:p>
-            <a:pPr lvl="1" marL="864000" indent="-322920">
+            <a:pPr lvl="1" marL="864000" indent="-322200">
               <a:lnSpc>
                 <a:spcPct val="100000"/>
               </a:lnSpc>
@@ -19559,7 +24164,7 @@
             </a:endParaRPr>
           </a:p>
           <a:p>
-            <a:pPr lvl="1" marL="864000" indent="-322920">
+            <a:pPr lvl="1" marL="864000" indent="-322200">
               <a:lnSpc>
                 <a:spcPct val="100000"/>
               </a:lnSpc>
@@ -19588,7 +24193,7 @@
             </a:endParaRPr>
           </a:p>
           <a:p>
-            <a:pPr marL="432000" indent="-322920">
+            <a:pPr marL="432000" indent="-322200">
               <a:lnSpc>
                 <a:spcPct val="100000"/>
               </a:lnSpc>
@@ -19617,7 +24222,7 @@
             </a:endParaRPr>
           </a:p>
           <a:p>
-            <a:pPr lvl="1" marL="864000" indent="-322920">
+            <a:pPr lvl="1" marL="864000" indent="-322200">
               <a:lnSpc>
                 <a:spcPct val="100000"/>
               </a:lnSpc>
@@ -19646,7 +24251,7 @@
             </a:endParaRPr>
           </a:p>
           <a:p>
-            <a:pPr lvl="1" marL="864000" indent="-322920">
+            <a:pPr lvl="1" marL="864000" indent="-322200">
               <a:lnSpc>
                 <a:spcPct val="100000"/>
               </a:lnSpc>

--- a/kolloquim.pptx
+++ b/kolloquim.pptx
@@ -7,41 +7,411 @@
     <p:sldMasterId id="2147483674" r:id="rId4"/>
     <p:sldMasterId id="2147483687" r:id="rId5"/>
   </p:sldMasterIdLst>
+  <p:notesMasterIdLst>
+    <p:notesMasterId r:id="rId6"/>
+  </p:notesMasterIdLst>
   <p:sldIdLst>
-    <p:sldId id="256" r:id="rId6"/>
-    <p:sldId id="257" r:id="rId7"/>
-    <p:sldId id="258" r:id="rId8"/>
-    <p:sldId id="259" r:id="rId9"/>
-    <p:sldId id="260" r:id="rId10"/>
-    <p:sldId id="261" r:id="rId11"/>
-    <p:sldId id="262" r:id="rId12"/>
-    <p:sldId id="263" r:id="rId13"/>
-    <p:sldId id="264" r:id="rId14"/>
-    <p:sldId id="265" r:id="rId15"/>
-    <p:sldId id="266" r:id="rId16"/>
-    <p:sldId id="267" r:id="rId17"/>
-    <p:sldId id="268" r:id="rId18"/>
-    <p:sldId id="269" r:id="rId19"/>
-    <p:sldId id="270" r:id="rId20"/>
-    <p:sldId id="271" r:id="rId21"/>
-    <p:sldId id="272" r:id="rId22"/>
-    <p:sldId id="273" r:id="rId23"/>
-    <p:sldId id="274" r:id="rId24"/>
-    <p:sldId id="275" r:id="rId25"/>
-    <p:sldId id="276" r:id="rId26"/>
-    <p:sldId id="277" r:id="rId27"/>
-    <p:sldId id="278" r:id="rId28"/>
-    <p:sldId id="279" r:id="rId29"/>
-    <p:sldId id="280" r:id="rId30"/>
-    <p:sldId id="281" r:id="rId31"/>
-    <p:sldId id="282" r:id="rId32"/>
-    <p:sldId id="283" r:id="rId33"/>
-    <p:sldId id="284" r:id="rId34"/>
-    <p:sldId id="285" r:id="rId35"/>
+    <p:sldId id="256" r:id="rId7"/>
+    <p:sldId id="257" r:id="rId8"/>
+    <p:sldId id="258" r:id="rId9"/>
+    <p:sldId id="259" r:id="rId10"/>
+    <p:sldId id="260" r:id="rId11"/>
+    <p:sldId id="261" r:id="rId12"/>
+    <p:sldId id="262" r:id="rId13"/>
+    <p:sldId id="263" r:id="rId14"/>
+    <p:sldId id="264" r:id="rId15"/>
+    <p:sldId id="265" r:id="rId16"/>
+    <p:sldId id="266" r:id="rId17"/>
+    <p:sldId id="267" r:id="rId18"/>
+    <p:sldId id="268" r:id="rId19"/>
+    <p:sldId id="269" r:id="rId20"/>
+    <p:sldId id="270" r:id="rId21"/>
+    <p:sldId id="271" r:id="rId22"/>
+    <p:sldId id="272" r:id="rId23"/>
+    <p:sldId id="273" r:id="rId24"/>
+    <p:sldId id="274" r:id="rId25"/>
+    <p:sldId id="275" r:id="rId26"/>
+    <p:sldId id="276" r:id="rId27"/>
+    <p:sldId id="277" r:id="rId28"/>
+    <p:sldId id="278" r:id="rId29"/>
+    <p:sldId id="279" r:id="rId30"/>
+    <p:sldId id="280" r:id="rId31"/>
+    <p:sldId id="281" r:id="rId32"/>
+    <p:sldId id="282" r:id="rId33"/>
+    <p:sldId id="283" r:id="rId34"/>
+    <p:sldId id="284" r:id="rId35"/>
+    <p:sldId id="285" r:id="rId36"/>
   </p:sldIdLst>
   <p:sldSz cx="10693400" cy="7562850"/>
   <p:notesSz cx="7559675" cy="10691812"/>
 </p:presentation>
+</file>
+
+<file path=ppt/notesMasters/notesMaster1.xml><?xml version="1.0" encoding="utf-8"?>
+<p:notesMaster xmlns:a="http://schemas.openxmlformats.org/drawingml/2006/main" xmlns:p="http://schemas.openxmlformats.org/presentationml/2006/main" xmlns:r="http://schemas.openxmlformats.org/officeDocument/2006/relationships" xmlns:p14="http://schemas.microsoft.com/office/powerpoint/2010/main" xmlns:p15="http://schemas.microsoft.com/office/powerpoint/2012/main" xmlns:mc="http://schemas.openxmlformats.org/markup-compatibility/2006">
+  <p:cSld>
+    <p:spTree>
+      <p:nvGrpSpPr>
+        <p:cNvPr id="1" name=""/>
+        <p:cNvGrpSpPr/>
+        <p:nvPr/>
+      </p:nvGrpSpPr>
+      <p:grpSpPr>
+        <a:xfrm>
+          <a:off x="0" y="0"/>
+          <a:ext cx="0" cy="0"/>
+          <a:chOff x="0" y="0"/>
+          <a:chExt cx="0" cy="0"/>
+        </a:xfrm>
+      </p:grpSpPr>
+      <p:sp>
+        <p:nvSpPr>
+          <p:cNvPr id="166" name="PlaceHolder 1"/>
+          <p:cNvSpPr>
+            <a:spLocks noGrp="1"/>
+          </p:cNvSpPr>
+          <p:nvPr>
+            <p:ph type="body"/>
+          </p:nvPr>
+        </p:nvSpPr>
+        <p:spPr>
+          <a:xfrm>
+            <a:off x="756000" y="5078520"/>
+            <a:ext cx="6047640" cy="4811040"/>
+          </a:xfrm>
+          <a:prstGeom prst="rect">
+            <a:avLst/>
+          </a:prstGeom>
+        </p:spPr>
+        <p:txBody>
+          <a:bodyPr lIns="0" rIns="0" tIns="0" bIns="0"/>
+          <a:p>
+            <a:r>
+              <a:rPr b="0" lang="de-DE" sz="2000" spc="-1" strike="noStrike">
+                <a:latin typeface="Arial"/>
+              </a:rPr>
+              <a:t>Format der Notizen mittels Klicken bearbeiten</a:t>
+            </a:r>
+            <a:endParaRPr b="0" lang="de-DE" sz="2000" spc="-1" strike="noStrike">
+              <a:latin typeface="Arial"/>
+            </a:endParaRPr>
+          </a:p>
+        </p:txBody>
+      </p:sp>
+      <p:sp>
+        <p:nvSpPr>
+          <p:cNvPr id="167" name="PlaceHolder 2"/>
+          <p:cNvSpPr>
+            <a:spLocks noGrp="1"/>
+          </p:cNvSpPr>
+          <p:nvPr>
+            <p:ph type="hdr"/>
+          </p:nvPr>
+        </p:nvSpPr>
+        <p:spPr>
+          <a:xfrm>
+            <a:off x="0" y="0"/>
+            <a:ext cx="3280680" cy="534240"/>
+          </a:xfrm>
+          <a:prstGeom prst="rect">
+            <a:avLst/>
+          </a:prstGeom>
+        </p:spPr>
+        <p:txBody>
+          <a:bodyPr lIns="0" rIns="0" tIns="0" bIns="0"/>
+          <a:p>
+            <a:r>
+              <a:rPr b="0" lang="de-DE" sz="1400" spc="-1" strike="noStrike">
+                <a:latin typeface="Times New Roman"/>
+              </a:rPr>
+              <a:t> </a:t>
+            </a:r>
+            <a:endParaRPr b="0" lang="de-DE" sz="1400" spc="-1" strike="noStrike">
+              <a:latin typeface="Times New Roman"/>
+            </a:endParaRPr>
+          </a:p>
+        </p:txBody>
+      </p:sp>
+      <p:sp>
+        <p:nvSpPr>
+          <p:cNvPr id="168" name="PlaceHolder 3"/>
+          <p:cNvSpPr>
+            <a:spLocks noGrp="1"/>
+          </p:cNvSpPr>
+          <p:nvPr>
+            <p:ph type="dt"/>
+          </p:nvPr>
+        </p:nvSpPr>
+        <p:spPr>
+          <a:xfrm>
+            <a:off x="4278960" y="0"/>
+            <a:ext cx="3280680" cy="534240"/>
+          </a:xfrm>
+          <a:prstGeom prst="rect">
+            <a:avLst/>
+          </a:prstGeom>
+        </p:spPr>
+        <p:txBody>
+          <a:bodyPr lIns="0" rIns="0" tIns="0" bIns="0"/>
+          <a:p>
+            <a:pPr algn="r"/>
+            <a:r>
+              <a:rPr b="0" lang="de-DE" sz="1400" spc="-1" strike="noStrike">
+                <a:latin typeface="Times New Roman"/>
+              </a:rPr>
+              <a:t> </a:t>
+            </a:r>
+            <a:endParaRPr b="0" lang="de-DE" sz="1400" spc="-1" strike="noStrike">
+              <a:latin typeface="Times New Roman"/>
+            </a:endParaRPr>
+          </a:p>
+        </p:txBody>
+      </p:sp>
+      <p:sp>
+        <p:nvSpPr>
+          <p:cNvPr id="169" name="PlaceHolder 4"/>
+          <p:cNvSpPr>
+            <a:spLocks noGrp="1"/>
+          </p:cNvSpPr>
+          <p:nvPr>
+            <p:ph type="ftr"/>
+          </p:nvPr>
+        </p:nvSpPr>
+        <p:spPr>
+          <a:xfrm>
+            <a:off x="0" y="10157400"/>
+            <a:ext cx="3280680" cy="534240"/>
+          </a:xfrm>
+          <a:prstGeom prst="rect">
+            <a:avLst/>
+          </a:prstGeom>
+        </p:spPr>
+        <p:txBody>
+          <a:bodyPr lIns="0" rIns="0" tIns="0" bIns="0" anchor="b"/>
+          <a:p>
+            <a:r>
+              <a:rPr b="0" lang="de-DE" sz="1400" spc="-1" strike="noStrike">
+                <a:latin typeface="Times New Roman"/>
+              </a:rPr>
+              <a:t> </a:t>
+            </a:r>
+            <a:endParaRPr b="0" lang="de-DE" sz="1400" spc="-1" strike="noStrike">
+              <a:latin typeface="Times New Roman"/>
+            </a:endParaRPr>
+          </a:p>
+        </p:txBody>
+      </p:sp>
+      <p:sp>
+        <p:nvSpPr>
+          <p:cNvPr id="170" name="PlaceHolder 5"/>
+          <p:cNvSpPr>
+            <a:spLocks noGrp="1"/>
+          </p:cNvSpPr>
+          <p:nvPr>
+            <p:ph type="sldNum"/>
+          </p:nvPr>
+        </p:nvSpPr>
+        <p:spPr>
+          <a:xfrm>
+            <a:off x="4278960" y="10157400"/>
+            <a:ext cx="3280680" cy="534240"/>
+          </a:xfrm>
+          <a:prstGeom prst="rect">
+            <a:avLst/>
+          </a:prstGeom>
+        </p:spPr>
+        <p:txBody>
+          <a:bodyPr lIns="0" rIns="0" tIns="0" bIns="0" anchor="b"/>
+          <a:p>
+            <a:pPr algn="r"/>
+            <a:fld id="{5338C306-CE13-4761-8DF0-666432BE0B5E}" type="slidenum">
+              <a:rPr b="0" lang="de-DE" sz="1400" spc="-1" strike="noStrike">
+                <a:latin typeface="Times New Roman"/>
+              </a:rPr>
+              <a:t>1</a:t>
+            </a:fld>
+            <a:endParaRPr b="0" lang="de-DE" sz="1400" spc="-1" strike="noStrike">
+              <a:latin typeface="Times New Roman"/>
+            </a:endParaRPr>
+          </a:p>
+        </p:txBody>
+      </p:sp>
+    </p:spTree>
+  </p:cSld>
+  <p:clrMap bg1="lt1" bg2="lt2" tx1="dk1" tx2="dk2" accent1="accent1" accent2="accent2" accent3="accent3" accent4="accent4" accent5="accent5" accent6="accent6" hlink="hlink" folHlink="folHlink"/>
+</p:notesMaster>
+</file>
+
+<file path=ppt/notesSlides/notesSlide6.xml><?xml version="1.0" encoding="utf-8"?>
+<p:notes xmlns:a="http://schemas.openxmlformats.org/drawingml/2006/main" xmlns:p="http://schemas.openxmlformats.org/presentationml/2006/main" xmlns:r="http://schemas.openxmlformats.org/officeDocument/2006/relationships" xmlns:p14="http://schemas.microsoft.com/office/powerpoint/2010/main" xmlns:p15="http://schemas.microsoft.com/office/powerpoint/2012/main" xmlns:mc="http://schemas.openxmlformats.org/markup-compatibility/2006">
+  <p:cSld>
+    <p:spTree>
+      <p:nvGrpSpPr>
+        <p:cNvPr id="1" name=""/>
+        <p:cNvGrpSpPr/>
+        <p:nvPr/>
+      </p:nvGrpSpPr>
+      <p:grpSpPr>
+        <a:xfrm>
+          <a:off x="0" y="0"/>
+          <a:ext cx="0" cy="0"/>
+          <a:chOff x="0" y="0"/>
+          <a:chExt cx="0" cy="0"/>
+        </a:xfrm>
+      </p:grpSpPr>
+      <p:sp>
+        <p:nvSpPr>
+          <p:cNvPr id="345" name="PlaceHolder 1"/>
+          <p:cNvSpPr>
+            <a:spLocks noGrp="1"/>
+          </p:cNvSpPr>
+          <p:nvPr>
+            <p:ph type="body"/>
+          </p:nvPr>
+        </p:nvSpPr>
+        <p:spPr>
+          <a:xfrm>
+            <a:off x="756000" y="5078520"/>
+            <a:ext cx="6047640" cy="4811040"/>
+          </a:xfrm>
+          <a:prstGeom prst="rect">
+            <a:avLst/>
+          </a:prstGeom>
+        </p:spPr>
+        <p:txBody>
+          <a:bodyPr lIns="0" rIns="0" tIns="0" bIns="0"/>
+          <a:p>
+            <a:r>
+              <a:rPr b="0" lang="de-DE" sz="2000" spc="-1" strike="noStrike">
+                <a:latin typeface="Arial"/>
+              </a:rPr>
+              <a:t>Wiederholbarkeit → Ändernde Bedingungen</a:t>
+            </a:r>
+            <a:endParaRPr b="0" lang="de-DE" sz="2000" spc="-1" strike="noStrike">
+              <a:latin typeface="Arial"/>
+            </a:endParaRPr>
+          </a:p>
+          <a:p>
+            <a:r>
+              <a:rPr b="0" lang="de-DE" sz="2000" spc="-1" strike="noStrike">
+                <a:latin typeface="Arial"/>
+              </a:rPr>
+              <a:t>Genauigkit → Matching, Pixelposition</a:t>
+            </a:r>
+            <a:endParaRPr b="0" lang="de-DE" sz="2000" spc="-1" strike="noStrike">
+              <a:latin typeface="Arial"/>
+            </a:endParaRPr>
+          </a:p>
+          <a:p>
+            <a:r>
+              <a:rPr b="0" lang="de-DE" sz="2000" spc="-1" strike="noStrike">
+                <a:latin typeface="Arial"/>
+              </a:rPr>
+              <a:t>Allgemeinheit</a:t>
+            </a:r>
+            <a:endParaRPr b="0" lang="de-DE" sz="2000" spc="-1" strike="noStrike">
+              <a:latin typeface="Arial"/>
+            </a:endParaRPr>
+          </a:p>
+          <a:p>
+            <a:r>
+              <a:rPr b="0" lang="de-DE" sz="2000" spc="-1" strike="noStrike">
+                <a:latin typeface="Arial"/>
+              </a:rPr>
+              <a:t>Effizienz → Echtzeit</a:t>
+            </a:r>
+            <a:endParaRPr b="0" lang="de-DE" sz="2000" spc="-1" strike="noStrike">
+              <a:latin typeface="Arial"/>
+            </a:endParaRPr>
+          </a:p>
+          <a:p>
+            <a:r>
+              <a:rPr b="0" lang="de-DE" sz="2000" spc="-1" strike="noStrike">
+                <a:latin typeface="Arial"/>
+              </a:rPr>
+              <a:t>Quantität → (fast) alle Features finden</a:t>
+            </a:r>
+            <a:endParaRPr b="0" lang="de-DE" sz="2000" spc="-1" strike="noStrike">
+              <a:latin typeface="Arial"/>
+            </a:endParaRPr>
+          </a:p>
+        </p:txBody>
+      </p:sp>
+    </p:spTree>
+  </p:cSld>
+</p:notes>
+</file>
+
+<file path=ppt/notesSlides/notesSlide8.xml><?xml version="1.0" encoding="utf-8"?>
+<p:notes xmlns:a="http://schemas.openxmlformats.org/drawingml/2006/main" xmlns:p="http://schemas.openxmlformats.org/presentationml/2006/main" xmlns:r="http://schemas.openxmlformats.org/officeDocument/2006/relationships" xmlns:p14="http://schemas.microsoft.com/office/powerpoint/2010/main" xmlns:p15="http://schemas.microsoft.com/office/powerpoint/2012/main" xmlns:mc="http://schemas.openxmlformats.org/markup-compatibility/2006">
+  <p:cSld>
+    <p:spTree>
+      <p:nvGrpSpPr>
+        <p:cNvPr id="1" name=""/>
+        <p:cNvGrpSpPr/>
+        <p:nvPr/>
+      </p:nvGrpSpPr>
+      <p:grpSpPr>
+        <a:xfrm>
+          <a:off x="0" y="0"/>
+          <a:ext cx="0" cy="0"/>
+          <a:chOff x="0" y="0"/>
+          <a:chExt cx="0" cy="0"/>
+        </a:xfrm>
+      </p:grpSpPr>
+      <p:sp>
+        <p:nvSpPr>
+          <p:cNvPr id="346" name="PlaceHolder 1"/>
+          <p:cNvSpPr>
+            <a:spLocks noGrp="1"/>
+          </p:cNvSpPr>
+          <p:nvPr>
+            <p:ph type="body"/>
+          </p:nvPr>
+        </p:nvSpPr>
+        <p:spPr>
+          <a:xfrm>
+            <a:off x="756000" y="5078520"/>
+            <a:ext cx="6047640" cy="4811040"/>
+          </a:xfrm>
+          <a:prstGeom prst="rect">
+            <a:avLst/>
+          </a:prstGeom>
+        </p:spPr>
+        <p:txBody>
+          <a:bodyPr lIns="0" rIns="0" tIns="0" bIns="0"/>
+          <a:p>
+            <a:r>
+              <a:rPr b="0" lang="de-DE" sz="2000" spc="-1" strike="noStrike">
+                <a:latin typeface="Arial"/>
+              </a:rPr>
+              <a:t>Keypoints: DoG Extrema</a:t>
+            </a:r>
+            <a:endParaRPr b="0" lang="de-DE" sz="2000" spc="-1" strike="noStrike">
+              <a:latin typeface="Arial"/>
+            </a:endParaRPr>
+          </a:p>
+          <a:p>
+            <a:r>
+              <a:rPr b="0" lang="de-DE" sz="2000" spc="-1" strike="noStrike">
+                <a:latin typeface="Arial"/>
+              </a:rPr>
+              <a:t>Berechnung der Orientierung → Invarianz Rotation</a:t>
+            </a:r>
+            <a:endParaRPr b="0" lang="de-DE" sz="2000" spc="-1" strike="noStrike">
+              <a:latin typeface="Arial"/>
+            </a:endParaRPr>
+          </a:p>
+          <a:p>
+            <a:endParaRPr b="0" lang="de-DE" sz="2000" spc="-1" strike="noStrike">
+              <a:latin typeface="Arial"/>
+            </a:endParaRPr>
+          </a:p>
+        </p:txBody>
+      </p:sp>
+    </p:spTree>
+  </p:cSld>
+</p:notes>
 </file>
 
 <file path=ppt/slideLayouts/slideLayout1.xml><?xml version="1.0" encoding="utf-8"?>
@@ -96,7 +466,7 @@
         <p:spPr>
           <a:xfrm>
             <a:off x="522360" y="671400"/>
-            <a:ext cx="9646200" cy="946800"/>
+            <a:ext cx="9645840" cy="946440"/>
           </a:xfrm>
           <a:prstGeom prst="rect">
             <a:avLst/>
@@ -207,7 +577,7 @@
         <p:spPr>
           <a:xfrm>
             <a:off x="522360" y="671400"/>
-            <a:ext cx="9646200" cy="946800"/>
+            <a:ext cx="9645840" cy="946440"/>
           </a:xfrm>
           <a:prstGeom prst="rect">
             <a:avLst/>
@@ -378,7 +748,7 @@
         <p:spPr>
           <a:xfrm>
             <a:off x="522360" y="671400"/>
-            <a:ext cx="9646200" cy="946800"/>
+            <a:ext cx="9645840" cy="946440"/>
           </a:xfrm>
           <a:prstGeom prst="rect">
             <a:avLst/>
@@ -631,7 +1001,7 @@
         <p:spPr>
           <a:xfrm>
             <a:off x="522360" y="671400"/>
-            <a:ext cx="9646200" cy="946800"/>
+            <a:ext cx="9645840" cy="946440"/>
           </a:xfrm>
           <a:prstGeom prst="rect">
             <a:avLst/>
@@ -711,7 +1081,7 @@
         <p:spPr>
           <a:xfrm>
             <a:off x="522360" y="671400"/>
-            <a:ext cx="9646200" cy="946800"/>
+            <a:ext cx="9645840" cy="946440"/>
           </a:xfrm>
           <a:prstGeom prst="rect">
             <a:avLst/>
@@ -792,7 +1162,7 @@
         <p:spPr>
           <a:xfrm>
             <a:off x="522360" y="671400"/>
-            <a:ext cx="9646200" cy="946800"/>
+            <a:ext cx="9645840" cy="946440"/>
           </a:xfrm>
           <a:prstGeom prst="rect">
             <a:avLst/>
@@ -903,7 +1273,7 @@
         <p:spPr>
           <a:xfrm>
             <a:off x="522360" y="671400"/>
-            <a:ext cx="9646200" cy="946800"/>
+            <a:ext cx="9645840" cy="946440"/>
           </a:xfrm>
           <a:prstGeom prst="rect">
             <a:avLst/>
@@ -954,7 +1324,7 @@
         <p:spPr>
           <a:xfrm>
             <a:off x="522360" y="671400"/>
-            <a:ext cx="9646200" cy="4390200"/>
+            <a:ext cx="9645840" cy="4388400"/>
           </a:xfrm>
           <a:prstGeom prst="rect">
             <a:avLst/>
@@ -1005,7 +1375,7 @@
         <p:spPr>
           <a:xfrm>
             <a:off x="522360" y="671400"/>
-            <a:ext cx="9646200" cy="946800"/>
+            <a:ext cx="9645840" cy="946440"/>
           </a:xfrm>
           <a:prstGeom prst="rect">
             <a:avLst/>
@@ -1146,7 +1516,7 @@
         <p:spPr>
           <a:xfrm>
             <a:off x="522360" y="671400"/>
-            <a:ext cx="9646200" cy="946800"/>
+            <a:ext cx="9645840" cy="946440"/>
           </a:xfrm>
           <a:prstGeom prst="rect">
             <a:avLst/>
@@ -1226,7 +1596,7 @@
         <p:spPr>
           <a:xfrm>
             <a:off x="522360" y="671400"/>
-            <a:ext cx="9646200" cy="946800"/>
+            <a:ext cx="9645840" cy="946440"/>
           </a:xfrm>
           <a:prstGeom prst="rect">
             <a:avLst/>
@@ -1367,7 +1737,7 @@
         <p:spPr>
           <a:xfrm>
             <a:off x="522360" y="671400"/>
-            <a:ext cx="9646200" cy="946800"/>
+            <a:ext cx="9645840" cy="946440"/>
           </a:xfrm>
           <a:prstGeom prst="rect">
             <a:avLst/>
@@ -1508,7 +1878,7 @@
         <p:spPr>
           <a:xfrm>
             <a:off x="522360" y="671400"/>
-            <a:ext cx="9646200" cy="946800"/>
+            <a:ext cx="9645840" cy="946440"/>
           </a:xfrm>
           <a:prstGeom prst="rect">
             <a:avLst/>
@@ -1619,7 +1989,7 @@
         <p:spPr>
           <a:xfrm>
             <a:off x="522360" y="671400"/>
-            <a:ext cx="9646200" cy="946800"/>
+            <a:ext cx="9645840" cy="946440"/>
           </a:xfrm>
           <a:prstGeom prst="rect">
             <a:avLst/>
@@ -1790,7 +2160,7 @@
         <p:spPr>
           <a:xfrm>
             <a:off x="522360" y="671400"/>
-            <a:ext cx="9646200" cy="946800"/>
+            <a:ext cx="9645840" cy="946440"/>
           </a:xfrm>
           <a:prstGeom prst="rect">
             <a:avLst/>
@@ -2043,7 +2413,7 @@
         <p:spPr>
           <a:xfrm>
             <a:off x="522360" y="671400"/>
-            <a:ext cx="9646200" cy="946800"/>
+            <a:ext cx="9645840" cy="946440"/>
           </a:xfrm>
           <a:prstGeom prst="rect">
             <a:avLst/>
@@ -2123,7 +2493,7 @@
         <p:spPr>
           <a:xfrm>
             <a:off x="522360" y="671400"/>
-            <a:ext cx="9646200" cy="946800"/>
+            <a:ext cx="9645840" cy="946440"/>
           </a:xfrm>
           <a:prstGeom prst="rect">
             <a:avLst/>
@@ -2204,7 +2574,7 @@
         <p:spPr>
           <a:xfrm>
             <a:off x="522360" y="671400"/>
-            <a:ext cx="9646200" cy="946800"/>
+            <a:ext cx="9645840" cy="946440"/>
           </a:xfrm>
           <a:prstGeom prst="rect">
             <a:avLst/>
@@ -2315,7 +2685,7 @@
         <p:spPr>
           <a:xfrm>
             <a:off x="522360" y="671400"/>
-            <a:ext cx="9646200" cy="946800"/>
+            <a:ext cx="9645840" cy="946440"/>
           </a:xfrm>
           <a:prstGeom prst="rect">
             <a:avLst/>
@@ -2366,7 +2736,7 @@
         <p:spPr>
           <a:xfrm>
             <a:off x="522360" y="671400"/>
-            <a:ext cx="9646200" cy="946800"/>
+            <a:ext cx="9645840" cy="946440"/>
           </a:xfrm>
           <a:prstGeom prst="rect">
             <a:avLst/>
@@ -2447,7 +2817,7 @@
         <p:spPr>
           <a:xfrm>
             <a:off x="522360" y="671400"/>
-            <a:ext cx="9646200" cy="4390200"/>
+            <a:ext cx="9645840" cy="4388400"/>
           </a:xfrm>
           <a:prstGeom prst="rect">
             <a:avLst/>
@@ -2498,7 +2868,7 @@
         <p:spPr>
           <a:xfrm>
             <a:off x="522360" y="671400"/>
-            <a:ext cx="9646200" cy="946800"/>
+            <a:ext cx="9645840" cy="946440"/>
           </a:xfrm>
           <a:prstGeom prst="rect">
             <a:avLst/>
@@ -2639,7 +3009,7 @@
         <p:spPr>
           <a:xfrm>
             <a:off x="522360" y="671400"/>
-            <a:ext cx="9646200" cy="946800"/>
+            <a:ext cx="9645840" cy="946440"/>
           </a:xfrm>
           <a:prstGeom prst="rect">
             <a:avLst/>
@@ -2780,7 +3150,7 @@
         <p:spPr>
           <a:xfrm>
             <a:off x="522360" y="671400"/>
-            <a:ext cx="9646200" cy="946800"/>
+            <a:ext cx="9645840" cy="946440"/>
           </a:xfrm>
           <a:prstGeom prst="rect">
             <a:avLst/>
@@ -2921,7 +3291,7 @@
         <p:spPr>
           <a:xfrm>
             <a:off x="522360" y="671400"/>
-            <a:ext cx="9646200" cy="946800"/>
+            <a:ext cx="9645840" cy="946440"/>
           </a:xfrm>
           <a:prstGeom prst="rect">
             <a:avLst/>
@@ -3032,7 +3402,7 @@
         <p:spPr>
           <a:xfrm>
             <a:off x="522360" y="671400"/>
-            <a:ext cx="9646200" cy="946800"/>
+            <a:ext cx="9645840" cy="946440"/>
           </a:xfrm>
           <a:prstGeom prst="rect">
             <a:avLst/>
@@ -3203,7 +3573,7 @@
         <p:spPr>
           <a:xfrm>
             <a:off x="522360" y="671400"/>
-            <a:ext cx="9646200" cy="946800"/>
+            <a:ext cx="9645840" cy="946440"/>
           </a:xfrm>
           <a:prstGeom prst="rect">
             <a:avLst/>
@@ -3456,7 +3826,7 @@
         <p:spPr>
           <a:xfrm>
             <a:off x="522360" y="671400"/>
-            <a:ext cx="9646200" cy="946800"/>
+            <a:ext cx="9645840" cy="946440"/>
           </a:xfrm>
           <a:prstGeom prst="rect">
             <a:avLst/>
@@ -3536,7 +3906,7 @@
         <p:spPr>
           <a:xfrm>
             <a:off x="522360" y="671400"/>
-            <a:ext cx="9646200" cy="946800"/>
+            <a:ext cx="9645840" cy="946440"/>
           </a:xfrm>
           <a:prstGeom prst="rect">
             <a:avLst/>
@@ -3617,7 +3987,7 @@
         <p:spPr>
           <a:xfrm>
             <a:off x="522360" y="671400"/>
-            <a:ext cx="9646200" cy="946800"/>
+            <a:ext cx="9645840" cy="946440"/>
           </a:xfrm>
           <a:prstGeom prst="rect">
             <a:avLst/>
@@ -3728,7 +4098,7 @@
         <p:spPr>
           <a:xfrm>
             <a:off x="522360" y="671400"/>
-            <a:ext cx="9646200" cy="946800"/>
+            <a:ext cx="9645840" cy="946440"/>
           </a:xfrm>
           <a:prstGeom prst="rect">
             <a:avLst/>
@@ -3839,7 +4209,7 @@
         <p:spPr>
           <a:xfrm>
             <a:off x="522360" y="671400"/>
-            <a:ext cx="9646200" cy="946800"/>
+            <a:ext cx="9645840" cy="946440"/>
           </a:xfrm>
           <a:prstGeom prst="rect">
             <a:avLst/>
@@ -3890,7 +4260,7 @@
         <p:spPr>
           <a:xfrm>
             <a:off x="522360" y="671400"/>
-            <a:ext cx="9646200" cy="4390200"/>
+            <a:ext cx="9645840" cy="4388400"/>
           </a:xfrm>
           <a:prstGeom prst="rect">
             <a:avLst/>
@@ -3941,7 +4311,7 @@
         <p:spPr>
           <a:xfrm>
             <a:off x="522360" y="671400"/>
-            <a:ext cx="9646200" cy="946800"/>
+            <a:ext cx="9645840" cy="946440"/>
           </a:xfrm>
           <a:prstGeom prst="rect">
             <a:avLst/>
@@ -4082,7 +4452,7 @@
         <p:spPr>
           <a:xfrm>
             <a:off x="522360" y="671400"/>
-            <a:ext cx="9646200" cy="946800"/>
+            <a:ext cx="9645840" cy="946440"/>
           </a:xfrm>
           <a:prstGeom prst="rect">
             <a:avLst/>
@@ -4223,7 +4593,7 @@
         <p:spPr>
           <a:xfrm>
             <a:off x="522360" y="671400"/>
-            <a:ext cx="9646200" cy="946800"/>
+            <a:ext cx="9645840" cy="946440"/>
           </a:xfrm>
           <a:prstGeom prst="rect">
             <a:avLst/>
@@ -4364,7 +4734,7 @@
         <p:spPr>
           <a:xfrm>
             <a:off x="522360" y="671400"/>
-            <a:ext cx="9646200" cy="946800"/>
+            <a:ext cx="9645840" cy="946440"/>
           </a:xfrm>
           <a:prstGeom prst="rect">
             <a:avLst/>
@@ -4475,7 +4845,7 @@
         <p:spPr>
           <a:xfrm>
             <a:off x="522360" y="671400"/>
-            <a:ext cx="9646200" cy="946800"/>
+            <a:ext cx="9645840" cy="946440"/>
           </a:xfrm>
           <a:prstGeom prst="rect">
             <a:avLst/>
@@ -4646,7 +5016,7 @@
         <p:spPr>
           <a:xfrm>
             <a:off x="522360" y="671400"/>
-            <a:ext cx="9646200" cy="946800"/>
+            <a:ext cx="9645840" cy="946440"/>
           </a:xfrm>
           <a:prstGeom prst="rect">
             <a:avLst/>
@@ -4877,7 +5247,7 @@
         <p:spPr>
           <a:xfrm>
             <a:off x="522360" y="671400"/>
-            <a:ext cx="9646200" cy="946800"/>
+            <a:ext cx="9645840" cy="946440"/>
           </a:xfrm>
           <a:prstGeom prst="rect">
             <a:avLst/>
@@ -4928,7 +5298,7 @@
         <p:spPr>
           <a:xfrm>
             <a:off x="522360" y="671400"/>
-            <a:ext cx="9646200" cy="4390200"/>
+            <a:ext cx="9645840" cy="4388400"/>
           </a:xfrm>
           <a:prstGeom prst="rect">
             <a:avLst/>
@@ -4979,7 +5349,7 @@
         <p:spPr>
           <a:xfrm>
             <a:off x="522360" y="671400"/>
-            <a:ext cx="9646200" cy="946800"/>
+            <a:ext cx="9645840" cy="946440"/>
           </a:xfrm>
           <a:prstGeom prst="rect">
             <a:avLst/>
@@ -5120,7 +5490,7 @@
         <p:spPr>
           <a:xfrm>
             <a:off x="522360" y="671400"/>
-            <a:ext cx="9646200" cy="946800"/>
+            <a:ext cx="9645840" cy="946440"/>
           </a:xfrm>
           <a:prstGeom prst="rect">
             <a:avLst/>
@@ -5261,7 +5631,7 @@
         <p:spPr>
           <a:xfrm>
             <a:off x="522360" y="671400"/>
-            <a:ext cx="9646200" cy="946800"/>
+            <a:ext cx="9645840" cy="946440"/>
           </a:xfrm>
           <a:prstGeom prst="rect">
             <a:avLst/>
@@ -5405,7 +5775,7 @@
         <p:spPr>
           <a:xfrm>
             <a:off x="512640" y="7165800"/>
-            <a:ext cx="7711200" cy="213480"/>
+            <a:ext cx="7710840" cy="213120"/>
           </a:xfrm>
           <a:prstGeom prst="rect">
             <a:avLst/>
@@ -5516,7 +5886,7 @@
         <p:spPr>
           <a:xfrm>
             <a:off x="556920" y="685080"/>
-            <a:ext cx="1371960" cy="1869840"/>
+            <a:ext cx="1371600" cy="1869480"/>
           </a:xfrm>
           <a:prstGeom prst="rect">
             <a:avLst/>
@@ -5539,7 +5909,7 @@
         <p:spPr>
           <a:xfrm>
             <a:off x="7707600" y="2088000"/>
-            <a:ext cx="2448720" cy="4894200"/>
+            <a:ext cx="2448360" cy="4893840"/>
           </a:xfrm>
           <a:prstGeom prst="rect">
             <a:avLst/>
@@ -5820,7 +6190,7 @@
         <p:spPr>
           <a:xfrm>
             <a:off x="9451440" y="5365800"/>
-            <a:ext cx="717480" cy="1437840"/>
+            <a:ext cx="717120" cy="1437480"/>
           </a:xfrm>
           <a:prstGeom prst="rect">
             <a:avLst/>
@@ -5839,7 +6209,7 @@
         <p:spPr>
           <a:xfrm>
             <a:off x="512640" y="7165800"/>
-            <a:ext cx="7711200" cy="213480"/>
+            <a:ext cx="7710840" cy="213120"/>
           </a:xfrm>
           <a:prstGeom prst="rect">
             <a:avLst/>
@@ -6208,7 +6578,7 @@
         <p:spPr>
           <a:xfrm>
             <a:off x="9451440" y="5365800"/>
-            <a:ext cx="717480" cy="1437840"/>
+            <a:ext cx="717120" cy="1437480"/>
           </a:xfrm>
           <a:prstGeom prst="rect">
             <a:avLst/>
@@ -6227,7 +6597,7 @@
         <p:spPr>
           <a:xfrm>
             <a:off x="512640" y="7165800"/>
-            <a:ext cx="7711200" cy="213480"/>
+            <a:ext cx="7710840" cy="213120"/>
           </a:xfrm>
           <a:prstGeom prst="rect">
             <a:avLst/>
@@ -6338,7 +6708,7 @@
         <p:spPr>
           <a:xfrm>
             <a:off x="522360" y="671400"/>
-            <a:ext cx="9646200" cy="946800"/>
+            <a:ext cx="9645840" cy="946440"/>
           </a:xfrm>
           <a:prstGeom prst="rect">
             <a:avLst/>
@@ -6774,7 +7144,7 @@
         <p:spPr>
           <a:xfrm>
             <a:off x="9451440" y="5365800"/>
-            <a:ext cx="717480" cy="1437840"/>
+            <a:ext cx="717120" cy="1437480"/>
           </a:xfrm>
           <a:prstGeom prst="rect">
             <a:avLst/>
@@ -6793,7 +7163,7 @@
         <p:spPr>
           <a:xfrm>
             <a:off x="512640" y="7165800"/>
-            <a:ext cx="7711200" cy="213480"/>
+            <a:ext cx="7710840" cy="213120"/>
           </a:xfrm>
           <a:prstGeom prst="rect">
             <a:avLst/>
@@ -6904,7 +7274,7 @@
         <p:spPr>
           <a:xfrm>
             <a:off x="522360" y="671400"/>
-            <a:ext cx="9646200" cy="946800"/>
+            <a:ext cx="9645840" cy="946440"/>
           </a:xfrm>
           <a:prstGeom prst="rect">
             <a:avLst/>
@@ -7143,14 +7513,14 @@
       </p:grpSpPr>
       <p:sp>
         <p:nvSpPr>
-          <p:cNvPr id="166" name="CustomShape 1"/>
+          <p:cNvPr id="171" name="CustomShape 1"/>
           <p:cNvSpPr/>
           <p:nvPr/>
         </p:nvSpPr>
         <p:spPr>
           <a:xfrm>
             <a:off x="522360" y="4718160"/>
-            <a:ext cx="6982560" cy="716760"/>
+            <a:ext cx="6982200" cy="716400"/>
           </a:xfrm>
           <a:prstGeom prst="rect">
             <a:avLst/>
@@ -7192,14 +7562,14 @@
       </p:sp>
       <p:sp>
         <p:nvSpPr>
-          <p:cNvPr id="167" name="CustomShape 2"/>
+          <p:cNvPr id="172" name="CustomShape 2"/>
           <p:cNvSpPr/>
           <p:nvPr/>
         </p:nvSpPr>
         <p:spPr>
           <a:xfrm>
             <a:off x="503280" y="5472360"/>
-            <a:ext cx="6982560" cy="1005480"/>
+            <a:ext cx="6982200" cy="1005120"/>
           </a:xfrm>
           <a:prstGeom prst="rect">
             <a:avLst/>
@@ -7226,7 +7596,7 @@
                 <a:latin typeface="Arial"/>
                 <a:ea typeface="DejaVu Sans"/>
               </a:rPr>
-              <a:t>Master Thesis im Studiengang „angewandte Informatik“</a:t>
+              <a:t>Masterarbeit im Studiengang Angewandte Informatik</a:t>
             </a:r>
             <a:endParaRPr b="0" lang="de-DE" sz="3200" spc="-1" strike="noStrike">
               <a:latin typeface="Arial"/>
@@ -7236,14 +7606,14 @@
       </p:sp>
       <p:sp>
         <p:nvSpPr>
-          <p:cNvPr id="168" name="CustomShape 3"/>
+          <p:cNvPr id="173" name="CustomShape 3"/>
           <p:cNvSpPr/>
           <p:nvPr/>
         </p:nvSpPr>
         <p:spPr>
           <a:xfrm>
-            <a:off x="522360" y="6878520"/>
-            <a:ext cx="6631560" cy="213480"/>
+            <a:off x="576000" y="6768000"/>
+            <a:ext cx="6631200" cy="213120"/>
           </a:xfrm>
           <a:prstGeom prst="rect">
             <a:avLst/>
@@ -7334,14 +7704,14 @@
       </p:grpSpPr>
       <p:sp>
         <p:nvSpPr>
-          <p:cNvPr id="211" name="CustomShape 1"/>
+          <p:cNvPr id="216" name="CustomShape 1"/>
           <p:cNvSpPr/>
           <p:nvPr/>
         </p:nvSpPr>
         <p:spPr>
           <a:xfrm>
             <a:off x="8947080" y="7165800"/>
-            <a:ext cx="1221480" cy="226080"/>
+            <a:ext cx="1221120" cy="225720"/>
           </a:xfrm>
           <a:prstGeom prst="rect">
             <a:avLst/>
@@ -7375,7 +7745,7 @@
               </a:rPr>
               <a:t>Seite </a:t>
             </a:r>
-            <a:fld id="{D7B208A5-B0F3-4909-BDD2-803F9C609B1D}" type="slidenum">
+            <a:fld id="{4E456451-9220-4A4E-B987-0A4544E3AE07}" type="slidenum">
               <a:rPr b="0" lang="de-DE" sz="1000" spc="-1" strike="noStrike">
                 <a:solidFill>
                   <a:srgbClr val="000000"/>
@@ -7383,7 +7753,7 @@
                 <a:latin typeface="Arial"/>
                 <a:ea typeface="DejaVu Sans"/>
               </a:rPr>
-              <a:t>1</a:t>
+              <a:t>&lt;Foliennummer&gt;</a:t>
             </a:fld>
             <a:endParaRPr b="0" lang="de-DE" sz="1000" spc="-1" strike="noStrike">
               <a:latin typeface="Arial"/>
@@ -7393,14 +7763,14 @@
       </p:sp>
       <p:sp>
         <p:nvSpPr>
-          <p:cNvPr id="212" name="CustomShape 2"/>
+          <p:cNvPr id="217" name="CustomShape 2"/>
           <p:cNvSpPr/>
           <p:nvPr/>
         </p:nvSpPr>
         <p:spPr>
           <a:xfrm>
             <a:off x="522360" y="671400"/>
-            <a:ext cx="9646200" cy="946800"/>
+            <a:ext cx="9645840" cy="946440"/>
           </a:xfrm>
           <a:prstGeom prst="rect">
             <a:avLst/>
@@ -7453,14 +7823,14 @@
       </p:sp>
       <p:sp>
         <p:nvSpPr>
-          <p:cNvPr id="213" name="CustomShape 3"/>
+          <p:cNvPr id="218" name="CustomShape 3"/>
           <p:cNvSpPr/>
           <p:nvPr/>
         </p:nvSpPr>
         <p:spPr>
           <a:xfrm>
             <a:off x="522360" y="2138400"/>
-            <a:ext cx="8422200" cy="4520160"/>
+            <a:ext cx="8421840" cy="4519800"/>
           </a:xfrm>
           <a:prstGeom prst="rect">
             <a:avLst/>
@@ -7479,14 +7849,14 @@
       </p:sp>
       <p:sp>
         <p:nvSpPr>
-          <p:cNvPr id="214" name="CustomShape 4"/>
+          <p:cNvPr id="219" name="CustomShape 4"/>
           <p:cNvSpPr/>
           <p:nvPr/>
         </p:nvSpPr>
         <p:spPr>
           <a:xfrm>
             <a:off x="522360" y="2138400"/>
-            <a:ext cx="8422200" cy="4520160"/>
+            <a:ext cx="8421840" cy="4519800"/>
           </a:xfrm>
           <a:prstGeom prst="rect">
             <a:avLst/>
@@ -7505,14 +7875,14 @@
       </p:sp>
       <p:sp>
         <p:nvSpPr>
-          <p:cNvPr id="215" name="CustomShape 5"/>
+          <p:cNvPr id="220" name="CustomShape 5"/>
           <p:cNvSpPr/>
           <p:nvPr/>
         </p:nvSpPr>
         <p:spPr>
           <a:xfrm>
             <a:off x="535320" y="1769400"/>
-            <a:ext cx="8607600" cy="4383720"/>
+            <a:ext cx="8607240" cy="4383360"/>
           </a:xfrm>
           <a:prstGeom prst="rect">
             <a:avLst/>
@@ -7533,7 +7903,7 @@
             <a:normAutofit/>
           </a:bodyPr>
           <a:p>
-            <a:pPr marL="432000" indent="-322200">
+            <a:pPr marL="432000" indent="-321840">
               <a:lnSpc>
                 <a:spcPct val="100000"/>
               </a:lnSpc>
@@ -7562,7 +7932,7 @@
             </a:endParaRPr>
           </a:p>
           <a:p>
-            <a:pPr lvl="1" marL="864000" indent="-322200">
+            <a:pPr lvl="1" marL="864000" indent="-321840">
               <a:lnSpc>
                 <a:spcPct val="100000"/>
               </a:lnSpc>
@@ -7611,7 +7981,7 @@
             </a:endParaRPr>
           </a:p>
           <a:p>
-            <a:pPr lvl="1" marL="864000" indent="-322200">
+            <a:pPr lvl="1" marL="864000" indent="-321840">
               <a:lnSpc>
                 <a:spcPct val="100000"/>
               </a:lnSpc>
@@ -7640,7 +8010,7 @@
             </a:endParaRPr>
           </a:p>
           <a:p>
-            <a:pPr marL="432000" indent="-322200">
+            <a:pPr marL="432000" indent="-321840">
               <a:lnSpc>
                 <a:spcPct val="100000"/>
               </a:lnSpc>
@@ -7669,7 +8039,7 @@
             </a:endParaRPr>
           </a:p>
           <a:p>
-            <a:pPr lvl="1" marL="864000" indent="-322200">
+            <a:pPr lvl="1" marL="864000" indent="-321840">
               <a:lnSpc>
                 <a:spcPct val="100000"/>
               </a:lnSpc>
@@ -7698,7 +8068,7 @@
             </a:endParaRPr>
           </a:p>
           <a:p>
-            <a:pPr lvl="1" marL="864000" indent="-322200">
+            <a:pPr lvl="1" marL="864000" indent="-321840">
               <a:lnSpc>
                 <a:spcPct val="100000"/>
               </a:lnSpc>
@@ -7779,14 +8149,14 @@
       </p:grpSpPr>
       <p:sp>
         <p:nvSpPr>
-          <p:cNvPr id="216" name="CustomShape 1"/>
+          <p:cNvPr id="221" name="CustomShape 1"/>
           <p:cNvSpPr/>
           <p:nvPr/>
         </p:nvSpPr>
         <p:spPr>
           <a:xfrm>
             <a:off x="8947080" y="7165800"/>
-            <a:ext cx="1221480" cy="226080"/>
+            <a:ext cx="1221120" cy="225720"/>
           </a:xfrm>
           <a:prstGeom prst="rect">
             <a:avLst/>
@@ -7820,7 +8190,7 @@
               </a:rPr>
               <a:t>Seite </a:t>
             </a:r>
-            <a:fld id="{58E03FE0-7FEA-45EB-BB3F-2633AE1DB9CB}" type="slidenum">
+            <a:fld id="{AE7D7C9D-E921-4F3C-87CF-7040059F8855}" type="slidenum">
               <a:rPr b="0" lang="de-DE" sz="1000" spc="-1" strike="noStrike">
                 <a:solidFill>
                   <a:srgbClr val="000000"/>
@@ -7828,7 +8198,7 @@
                 <a:latin typeface="Arial"/>
                 <a:ea typeface="DejaVu Sans"/>
               </a:rPr>
-              <a:t>1</a:t>
+              <a:t>&lt;Foliennummer&gt;</a:t>
             </a:fld>
             <a:endParaRPr b="0" lang="de-DE" sz="1000" spc="-1" strike="noStrike">
               <a:latin typeface="Arial"/>
@@ -7838,14 +8208,14 @@
       </p:sp>
       <p:sp>
         <p:nvSpPr>
-          <p:cNvPr id="217" name="CustomShape 2"/>
+          <p:cNvPr id="222" name="CustomShape 2"/>
           <p:cNvSpPr/>
           <p:nvPr/>
         </p:nvSpPr>
         <p:spPr>
           <a:xfrm>
             <a:off x="522360" y="671400"/>
-            <a:ext cx="9646200" cy="946800"/>
+            <a:ext cx="9645840" cy="946440"/>
           </a:xfrm>
           <a:prstGeom prst="rect">
             <a:avLst/>
@@ -7898,14 +8268,14 @@
       </p:sp>
       <p:sp>
         <p:nvSpPr>
-          <p:cNvPr id="218" name="CustomShape 3"/>
+          <p:cNvPr id="223" name="CustomShape 3"/>
           <p:cNvSpPr/>
           <p:nvPr/>
         </p:nvSpPr>
         <p:spPr>
           <a:xfrm>
             <a:off x="522360" y="2138400"/>
-            <a:ext cx="8422200" cy="4520160"/>
+            <a:ext cx="8421840" cy="4519800"/>
           </a:xfrm>
           <a:prstGeom prst="rect">
             <a:avLst/>
@@ -7924,14 +8294,14 @@
       </p:sp>
       <p:sp>
         <p:nvSpPr>
-          <p:cNvPr id="219" name="CustomShape 4"/>
+          <p:cNvPr id="224" name="CustomShape 4"/>
           <p:cNvSpPr/>
           <p:nvPr/>
         </p:nvSpPr>
         <p:spPr>
           <a:xfrm>
             <a:off x="522360" y="2138400"/>
-            <a:ext cx="8422200" cy="4520160"/>
+            <a:ext cx="8421840" cy="4519800"/>
           </a:xfrm>
           <a:prstGeom prst="rect">
             <a:avLst/>
@@ -7950,7 +8320,7 @@
       </p:sp>
       <p:pic>
         <p:nvPicPr>
-          <p:cNvPr id="220" name="" descr=""/>
+          <p:cNvPr id="225" name="" descr=""/>
           <p:cNvPicPr/>
           <p:nvPr/>
         </p:nvPicPr>
@@ -7961,7 +8331,7 @@
         <p:spPr>
           <a:xfrm>
             <a:off x="5408640" y="2520000"/>
-            <a:ext cx="4093920" cy="2518560"/>
+            <a:ext cx="4093560" cy="2518200"/>
           </a:xfrm>
           <a:prstGeom prst="rect">
             <a:avLst/>
@@ -7973,14 +8343,14 @@
       </p:pic>
       <p:sp>
         <p:nvSpPr>
-          <p:cNvPr id="221" name="CustomShape 5"/>
+          <p:cNvPr id="226" name="CustomShape 5"/>
           <p:cNvSpPr/>
           <p:nvPr/>
         </p:nvSpPr>
         <p:spPr>
           <a:xfrm>
             <a:off x="535320" y="1769400"/>
-            <a:ext cx="8607600" cy="4383720"/>
+            <a:ext cx="8607240" cy="4383360"/>
           </a:xfrm>
           <a:prstGeom prst="rect">
             <a:avLst/>
@@ -8001,7 +8371,7 @@
             <a:normAutofit/>
           </a:bodyPr>
           <a:p>
-            <a:pPr marL="432000" indent="-322200">
+            <a:pPr marL="432000" indent="-321840">
               <a:lnSpc>
                 <a:spcPct val="100000"/>
               </a:lnSpc>
@@ -8030,7 +8400,7 @@
             </a:endParaRPr>
           </a:p>
           <a:p>
-            <a:pPr lvl="1" marL="864000" indent="-322200">
+            <a:pPr lvl="1" marL="864000" indent="-321840">
               <a:lnSpc>
                 <a:spcPct val="100000"/>
               </a:lnSpc>
@@ -8059,7 +8429,7 @@
             </a:endParaRPr>
           </a:p>
           <a:p>
-            <a:pPr lvl="1" marL="864000" indent="-322200">
+            <a:pPr lvl="1" marL="864000" indent="-321840">
               <a:lnSpc>
                 <a:spcPct val="100000"/>
               </a:lnSpc>
@@ -8088,7 +8458,7 @@
             </a:endParaRPr>
           </a:p>
           <a:p>
-            <a:pPr lvl="1" marL="864000" indent="-322200">
+            <a:pPr lvl="1" marL="864000" indent="-321840">
               <a:lnSpc>
                 <a:spcPct val="100000"/>
               </a:lnSpc>
@@ -8156,7 +8526,7 @@
             </a:endParaRPr>
           </a:p>
           <a:p>
-            <a:pPr marL="432000" indent="-322200">
+            <a:pPr marL="432000" indent="-321840">
               <a:lnSpc>
                 <a:spcPct val="100000"/>
               </a:lnSpc>
@@ -8237,14 +8607,14 @@
       </p:grpSpPr>
       <p:sp>
         <p:nvSpPr>
-          <p:cNvPr id="222" name="CustomShape 1"/>
+          <p:cNvPr id="227" name="CustomShape 1"/>
           <p:cNvSpPr/>
           <p:nvPr/>
         </p:nvSpPr>
         <p:spPr>
           <a:xfrm>
             <a:off x="8947080" y="7165800"/>
-            <a:ext cx="1221480" cy="226080"/>
+            <a:ext cx="1221120" cy="225720"/>
           </a:xfrm>
           <a:prstGeom prst="rect">
             <a:avLst/>
@@ -8278,7 +8648,7 @@
               </a:rPr>
               <a:t>Seite </a:t>
             </a:r>
-            <a:fld id="{9A692926-7041-4999-A796-D0A4F3136E18}" type="slidenum">
+            <a:fld id="{1C6F8B31-5723-4CCC-9BAF-1DAC3BCDACC6}" type="slidenum">
               <a:rPr b="0" lang="de-DE" sz="1000" spc="-1" strike="noStrike">
                 <a:solidFill>
                   <a:srgbClr val="000000"/>
@@ -8286,7 +8656,7 @@
                 <a:latin typeface="Arial"/>
                 <a:ea typeface="DejaVu Sans"/>
               </a:rPr>
-              <a:t>1</a:t>
+              <a:t>&lt;Foliennummer&gt;</a:t>
             </a:fld>
             <a:endParaRPr b="0" lang="de-DE" sz="1000" spc="-1" strike="noStrike">
               <a:latin typeface="Arial"/>
@@ -8296,14 +8666,14 @@
       </p:sp>
       <p:sp>
         <p:nvSpPr>
-          <p:cNvPr id="223" name="CustomShape 2"/>
+          <p:cNvPr id="228" name="CustomShape 2"/>
           <p:cNvSpPr/>
           <p:nvPr/>
         </p:nvSpPr>
         <p:spPr>
           <a:xfrm>
             <a:off x="522360" y="671400"/>
-            <a:ext cx="9646200" cy="946800"/>
+            <a:ext cx="9645840" cy="946440"/>
           </a:xfrm>
           <a:prstGeom prst="rect">
             <a:avLst/>
@@ -8356,14 +8726,14 @@
       </p:sp>
       <p:sp>
         <p:nvSpPr>
-          <p:cNvPr id="224" name="CustomShape 3"/>
+          <p:cNvPr id="229" name="CustomShape 3"/>
           <p:cNvSpPr/>
           <p:nvPr/>
         </p:nvSpPr>
         <p:spPr>
           <a:xfrm>
             <a:off x="522360" y="2138400"/>
-            <a:ext cx="8422200" cy="4520160"/>
+            <a:ext cx="8421840" cy="4519800"/>
           </a:xfrm>
           <a:prstGeom prst="rect">
             <a:avLst/>
@@ -8382,14 +8752,14 @@
       </p:sp>
       <p:sp>
         <p:nvSpPr>
-          <p:cNvPr id="225" name="CustomShape 4"/>
+          <p:cNvPr id="230" name="CustomShape 4"/>
           <p:cNvSpPr/>
           <p:nvPr/>
         </p:nvSpPr>
         <p:spPr>
           <a:xfrm>
             <a:off x="522360" y="2138400"/>
-            <a:ext cx="8422200" cy="4520160"/>
+            <a:ext cx="8421840" cy="4519800"/>
           </a:xfrm>
           <a:prstGeom prst="rect">
             <a:avLst/>
@@ -8408,14 +8778,14 @@
       </p:sp>
       <p:sp>
         <p:nvSpPr>
-          <p:cNvPr id="226" name="CustomShape 5"/>
+          <p:cNvPr id="231" name="CustomShape 5"/>
           <p:cNvSpPr/>
           <p:nvPr/>
         </p:nvSpPr>
         <p:spPr>
           <a:xfrm>
             <a:off x="535680" y="1769400"/>
-            <a:ext cx="8607600" cy="1468800"/>
+            <a:ext cx="8607240" cy="1468440"/>
           </a:xfrm>
           <a:prstGeom prst="rect">
             <a:avLst/>
@@ -8436,7 +8806,7 @@
             <a:normAutofit/>
           </a:bodyPr>
           <a:p>
-            <a:pPr marL="432000" indent="-322200">
+            <a:pPr marL="432000" indent="-321840">
               <a:lnSpc>
                 <a:spcPct val="100000"/>
               </a:lnSpc>
@@ -8465,7 +8835,7 @@
             </a:endParaRPr>
           </a:p>
           <a:p>
-            <a:pPr marL="432000" indent="-322200">
+            <a:pPr marL="432000" indent="-321840">
               <a:lnSpc>
                 <a:spcPct val="100000"/>
               </a:lnSpc>
@@ -8497,7 +8867,7 @@
       </p:sp>
       <p:pic>
         <p:nvPicPr>
-          <p:cNvPr id="227" name="" descr=""/>
+          <p:cNvPr id="232" name="" descr=""/>
           <p:cNvPicPr/>
           <p:nvPr/>
         </p:nvPicPr>
@@ -8508,7 +8878,7 @@
         <p:spPr>
           <a:xfrm>
             <a:off x="648000" y="3641400"/>
-            <a:ext cx="8400600" cy="3197160"/>
+            <a:ext cx="8400240" cy="3196800"/>
           </a:xfrm>
           <a:prstGeom prst="rect">
             <a:avLst/>
@@ -8569,14 +8939,14 @@
       </p:grpSpPr>
       <p:sp>
         <p:nvSpPr>
-          <p:cNvPr id="228" name="CustomShape 1"/>
+          <p:cNvPr id="233" name="CustomShape 1"/>
           <p:cNvSpPr/>
           <p:nvPr/>
         </p:nvSpPr>
         <p:spPr>
           <a:xfrm>
             <a:off x="8947080" y="7165800"/>
-            <a:ext cx="1221480" cy="226080"/>
+            <a:ext cx="1221120" cy="225720"/>
           </a:xfrm>
           <a:prstGeom prst="rect">
             <a:avLst/>
@@ -8610,7 +8980,7 @@
               </a:rPr>
               <a:t>Seite </a:t>
             </a:r>
-            <a:fld id="{0319E3E0-DBF9-488E-9B94-9BAEEA4EB870}" type="slidenum">
+            <a:fld id="{7EA13336-59A6-42E7-AE00-F6B23237F470}" type="slidenum">
               <a:rPr b="0" lang="de-DE" sz="1000" spc="-1" strike="noStrike">
                 <a:solidFill>
                   <a:srgbClr val="000000"/>
@@ -8618,7 +8988,7 @@
                 <a:latin typeface="Arial"/>
                 <a:ea typeface="DejaVu Sans"/>
               </a:rPr>
-              <a:t>1</a:t>
+              <a:t>&lt;Foliennummer&gt;</a:t>
             </a:fld>
             <a:endParaRPr b="0" lang="de-DE" sz="1000" spc="-1" strike="noStrike">
               <a:latin typeface="Arial"/>
@@ -8628,14 +8998,14 @@
       </p:sp>
       <p:sp>
         <p:nvSpPr>
-          <p:cNvPr id="229" name="CustomShape 2"/>
+          <p:cNvPr id="234" name="CustomShape 2"/>
           <p:cNvSpPr/>
           <p:nvPr/>
         </p:nvSpPr>
         <p:spPr>
           <a:xfrm>
             <a:off x="522360" y="671400"/>
-            <a:ext cx="9646200" cy="946800"/>
+            <a:ext cx="9645840" cy="946440"/>
           </a:xfrm>
           <a:prstGeom prst="rect">
             <a:avLst/>
@@ -8688,14 +9058,14 @@
       </p:sp>
       <p:sp>
         <p:nvSpPr>
-          <p:cNvPr id="230" name="CustomShape 3"/>
+          <p:cNvPr id="235" name="CustomShape 3"/>
           <p:cNvSpPr/>
           <p:nvPr/>
         </p:nvSpPr>
         <p:spPr>
           <a:xfrm>
             <a:off x="522360" y="2138400"/>
-            <a:ext cx="8422200" cy="4520160"/>
+            <a:ext cx="8421840" cy="4519800"/>
           </a:xfrm>
           <a:prstGeom prst="rect">
             <a:avLst/>
@@ -8714,14 +9084,14 @@
       </p:sp>
       <p:sp>
         <p:nvSpPr>
-          <p:cNvPr id="231" name="CustomShape 4"/>
+          <p:cNvPr id="236" name="CustomShape 4"/>
           <p:cNvSpPr/>
           <p:nvPr/>
         </p:nvSpPr>
         <p:spPr>
           <a:xfrm>
             <a:off x="522360" y="2138400"/>
-            <a:ext cx="8422200" cy="4520160"/>
+            <a:ext cx="8421840" cy="4519800"/>
           </a:xfrm>
           <a:prstGeom prst="rect">
             <a:avLst/>
@@ -8740,14 +9110,14 @@
       </p:sp>
       <p:sp>
         <p:nvSpPr>
-          <p:cNvPr id="232" name="CustomShape 5"/>
+          <p:cNvPr id="237" name="CustomShape 5"/>
           <p:cNvSpPr/>
           <p:nvPr/>
         </p:nvSpPr>
         <p:spPr>
           <a:xfrm>
             <a:off x="536040" y="1769760"/>
-            <a:ext cx="4934160" cy="2692440"/>
+            <a:ext cx="4933800" cy="2692080"/>
           </a:xfrm>
           <a:prstGeom prst="rect">
             <a:avLst/>
@@ -8766,14 +9136,14 @@
       </p:sp>
       <p:sp>
         <p:nvSpPr>
-          <p:cNvPr id="233" name="CustomShape 6"/>
+          <p:cNvPr id="238" name="CustomShape 6"/>
           <p:cNvSpPr/>
           <p:nvPr/>
         </p:nvSpPr>
         <p:spPr>
           <a:xfrm>
             <a:off x="576000" y="5184000"/>
-            <a:ext cx="4934160" cy="1684440"/>
+            <a:ext cx="4933800" cy="1684080"/>
           </a:xfrm>
           <a:prstGeom prst="rect">
             <a:avLst/>
@@ -8792,7 +9162,7 @@
       </p:sp>
       <p:pic>
         <p:nvPicPr>
-          <p:cNvPr id="234" name="" descr=""/>
+          <p:cNvPr id="239" name="" descr=""/>
           <p:cNvPicPr/>
           <p:nvPr/>
         </p:nvPicPr>
@@ -8803,7 +9173,7 @@
         <p:spPr>
           <a:xfrm>
             <a:off x="6120000" y="792000"/>
-            <a:ext cx="4361760" cy="2269440"/>
+            <a:ext cx="4361400" cy="2269080"/>
           </a:xfrm>
           <a:prstGeom prst="rect">
             <a:avLst/>
@@ -8815,14 +9185,14 @@
       </p:pic>
       <p:sp>
         <p:nvSpPr>
-          <p:cNvPr id="235" name="CustomShape 7"/>
+          <p:cNvPr id="240" name="CustomShape 7"/>
           <p:cNvSpPr/>
           <p:nvPr/>
         </p:nvSpPr>
         <p:spPr>
           <a:xfrm>
             <a:off x="535320" y="1769400"/>
-            <a:ext cx="7095960" cy="4383720"/>
+            <a:ext cx="7095600" cy="4383360"/>
           </a:xfrm>
           <a:prstGeom prst="rect">
             <a:avLst/>
@@ -8843,7 +9213,7 @@
             <a:normAutofit/>
           </a:bodyPr>
           <a:p>
-            <a:pPr marL="432000" indent="-322200">
+            <a:pPr marL="432000" indent="-321840">
               <a:lnSpc>
                 <a:spcPct val="100000"/>
               </a:lnSpc>
@@ -8872,7 +9242,7 @@
             </a:endParaRPr>
           </a:p>
           <a:p>
-            <a:pPr lvl="1" marL="864000" indent="-322200">
+            <a:pPr lvl="1" marL="864000" indent="-321840">
               <a:lnSpc>
                 <a:spcPct val="100000"/>
               </a:lnSpc>
@@ -8901,7 +9271,7 @@
             </a:endParaRPr>
           </a:p>
           <a:p>
-            <a:pPr lvl="1" marL="864000" indent="-322200">
+            <a:pPr lvl="1" marL="864000" indent="-321840">
               <a:lnSpc>
                 <a:spcPct val="100000"/>
               </a:lnSpc>
@@ -8930,7 +9300,7 @@
             </a:endParaRPr>
           </a:p>
           <a:p>
-            <a:pPr marL="432000" indent="-322200">
+            <a:pPr marL="432000" indent="-321840">
               <a:lnSpc>
                 <a:spcPct val="100000"/>
               </a:lnSpc>
@@ -8959,7 +9329,7 @@
             </a:endParaRPr>
           </a:p>
           <a:p>
-            <a:pPr lvl="1" marL="864000" indent="-322200">
+            <a:pPr lvl="1" marL="864000" indent="-321840">
               <a:lnSpc>
                 <a:spcPct val="100000"/>
               </a:lnSpc>
@@ -8988,7 +9358,7 @@
             </a:endParaRPr>
           </a:p>
           <a:p>
-            <a:pPr marL="432000" indent="-322200">
+            <a:pPr marL="432000" indent="-321840">
               <a:lnSpc>
                 <a:spcPct val="100000"/>
               </a:lnSpc>
@@ -9003,7 +9373,7 @@
               <a:buChar char=""/>
             </a:pPr>
             <a:r>
-              <a:rPr b="0" lang="de-DE" sz="2800" spc="-1" strike="noStrike">
+              <a:rPr b="0" lang="de-DE" sz="2910" spc="-1" strike="noStrike">
                 <a:solidFill>
                   <a:srgbClr val="000000"/>
                 </a:solidFill>
@@ -9013,7 +9383,7 @@
               <a:t>Training durch </a:t>
             </a:r>
             <a:r>
-              <a:rPr b="0" i="1" lang="de-DE" sz="2800" spc="-1" strike="noStrike">
+              <a:rPr b="0" i="1" lang="de-DE" sz="2910" spc="-1" strike="noStrike">
                 <a:solidFill>
                   <a:srgbClr val="000000"/>
                 </a:solidFill>
@@ -9022,7 +9392,7 @@
               </a:rPr>
               <a:t>Backpropagation</a:t>
             </a:r>
-            <a:endParaRPr b="0" lang="de-DE" sz="2800" spc="-1" strike="noStrike">
+            <a:endParaRPr b="0" lang="de-DE" sz="2910" spc="-1" strike="noStrike">
               <a:latin typeface="Arial"/>
             </a:endParaRPr>
           </a:p>
@@ -9079,14 +9449,14 @@
       </p:grpSpPr>
       <p:sp>
         <p:nvSpPr>
-          <p:cNvPr id="236" name="CustomShape 1"/>
+          <p:cNvPr id="241" name="CustomShape 1"/>
           <p:cNvSpPr/>
           <p:nvPr/>
         </p:nvSpPr>
         <p:spPr>
           <a:xfrm>
             <a:off x="8947080" y="7165800"/>
-            <a:ext cx="1221480" cy="226080"/>
+            <a:ext cx="1221120" cy="225720"/>
           </a:xfrm>
           <a:prstGeom prst="rect">
             <a:avLst/>
@@ -9120,7 +9490,7 @@
               </a:rPr>
               <a:t>Seite </a:t>
             </a:r>
-            <a:fld id="{CB3C3EDB-6A72-4BE5-8219-E8D6FBC2F545}" type="slidenum">
+            <a:fld id="{656DF3C4-1900-4892-BC86-2CBAE1BAC8A7}" type="slidenum">
               <a:rPr b="0" lang="de-DE" sz="1000" spc="-1" strike="noStrike">
                 <a:solidFill>
                   <a:srgbClr val="000000"/>
@@ -9128,7 +9498,7 @@
                 <a:latin typeface="Arial"/>
                 <a:ea typeface="DejaVu Sans"/>
               </a:rPr>
-              <a:t>1</a:t>
+              <a:t>&lt;Foliennummer&gt;</a:t>
             </a:fld>
             <a:endParaRPr b="0" lang="de-DE" sz="1000" spc="-1" strike="noStrike">
               <a:latin typeface="Arial"/>
@@ -9138,14 +9508,14 @@
       </p:sp>
       <p:sp>
         <p:nvSpPr>
-          <p:cNvPr id="237" name="CustomShape 2"/>
+          <p:cNvPr id="242" name="CustomShape 2"/>
           <p:cNvSpPr/>
           <p:nvPr/>
         </p:nvSpPr>
         <p:spPr>
           <a:xfrm>
             <a:off x="522360" y="671400"/>
-            <a:ext cx="9646200" cy="946800"/>
+            <a:ext cx="9645840" cy="946440"/>
           </a:xfrm>
           <a:prstGeom prst="rect">
             <a:avLst/>
@@ -9198,14 +9568,14 @@
       </p:sp>
       <p:sp>
         <p:nvSpPr>
-          <p:cNvPr id="238" name="CustomShape 3"/>
+          <p:cNvPr id="243" name="CustomShape 3"/>
           <p:cNvSpPr/>
           <p:nvPr/>
         </p:nvSpPr>
         <p:spPr>
           <a:xfrm>
             <a:off x="522360" y="2138400"/>
-            <a:ext cx="8422200" cy="4520160"/>
+            <a:ext cx="8421840" cy="4519800"/>
           </a:xfrm>
           <a:prstGeom prst="rect">
             <a:avLst/>
@@ -9224,14 +9594,14 @@
       </p:sp>
       <p:sp>
         <p:nvSpPr>
-          <p:cNvPr id="239" name="CustomShape 4"/>
+          <p:cNvPr id="244" name="CustomShape 4"/>
           <p:cNvSpPr/>
           <p:nvPr/>
         </p:nvSpPr>
         <p:spPr>
           <a:xfrm>
             <a:off x="522360" y="2138400"/>
-            <a:ext cx="8422200" cy="4520160"/>
+            <a:ext cx="8421840" cy="4519800"/>
           </a:xfrm>
           <a:prstGeom prst="rect">
             <a:avLst/>
@@ -9250,14 +9620,14 @@
       </p:sp>
       <p:sp>
         <p:nvSpPr>
-          <p:cNvPr id="240" name="CustomShape 5"/>
+          <p:cNvPr id="245" name="CustomShape 5"/>
           <p:cNvSpPr/>
           <p:nvPr/>
         </p:nvSpPr>
         <p:spPr>
           <a:xfrm>
             <a:off x="535320" y="1769400"/>
-            <a:ext cx="8751240" cy="2439360"/>
+            <a:ext cx="8750880" cy="2439000"/>
           </a:xfrm>
           <a:prstGeom prst="rect">
             <a:avLst/>
@@ -9278,7 +9648,7 @@
             <a:normAutofit/>
           </a:bodyPr>
           <a:p>
-            <a:pPr marL="432000" indent="-322200">
+            <a:pPr marL="432000" indent="-321840">
               <a:lnSpc>
                 <a:spcPct val="100000"/>
               </a:lnSpc>
@@ -9307,7 +9677,7 @@
             </a:endParaRPr>
           </a:p>
           <a:p>
-            <a:pPr lvl="1" marL="864000" indent="-322200">
+            <a:pPr lvl="1" marL="864000" indent="-321840">
               <a:lnSpc>
                 <a:spcPct val="100000"/>
               </a:lnSpc>
@@ -9336,7 +9706,7 @@
             </a:endParaRPr>
           </a:p>
           <a:p>
-            <a:pPr marL="432000" indent="-322200">
+            <a:pPr marL="432000" indent="-321840">
               <a:lnSpc>
                 <a:spcPct val="100000"/>
               </a:lnSpc>
@@ -9365,7 +9735,7 @@
             </a:endParaRPr>
           </a:p>
           <a:p>
-            <a:pPr lvl="1" marL="864000" indent="-322200">
+            <a:pPr lvl="1" marL="864000" indent="-321840">
               <a:lnSpc>
                 <a:spcPct val="100000"/>
               </a:lnSpc>
@@ -9397,7 +9767,7 @@
       </p:sp>
       <p:pic>
         <p:nvPicPr>
-          <p:cNvPr id="241" name="" descr=""/>
+          <p:cNvPr id="246" name="" descr=""/>
           <p:cNvPicPr/>
           <p:nvPr/>
         </p:nvPicPr>
@@ -9408,7 +9778,7 @@
         <p:spPr>
           <a:xfrm>
             <a:off x="2520000" y="4248000"/>
-            <a:ext cx="5039280" cy="2452680"/>
+            <a:ext cx="5038920" cy="2452320"/>
           </a:xfrm>
           <a:prstGeom prst="rect">
             <a:avLst/>
@@ -9469,14 +9839,14 @@
       </p:grpSpPr>
       <p:sp>
         <p:nvSpPr>
-          <p:cNvPr id="242" name="CustomShape 1"/>
+          <p:cNvPr id="247" name="CustomShape 1"/>
           <p:cNvSpPr/>
           <p:nvPr/>
         </p:nvSpPr>
         <p:spPr>
           <a:xfrm>
             <a:off x="8947080" y="7165800"/>
-            <a:ext cx="1221480" cy="226080"/>
+            <a:ext cx="1221120" cy="225720"/>
           </a:xfrm>
           <a:prstGeom prst="rect">
             <a:avLst/>
@@ -9510,7 +9880,7 @@
               </a:rPr>
               <a:t>Seite </a:t>
             </a:r>
-            <a:fld id="{E07DE5EA-A0F3-4109-BA18-02F9EBE4A09C}" type="slidenum">
+            <a:fld id="{E0833CDE-3FE1-40A0-8B63-F2BDC0C6EAB8}" type="slidenum">
               <a:rPr b="0" lang="de-DE" sz="1000" spc="-1" strike="noStrike">
                 <a:solidFill>
                   <a:srgbClr val="000000"/>
@@ -9518,7 +9888,7 @@
                 <a:latin typeface="Arial"/>
                 <a:ea typeface="DejaVu Sans"/>
               </a:rPr>
-              <a:t>1</a:t>
+              <a:t>&lt;Foliennummer&gt;</a:t>
             </a:fld>
             <a:endParaRPr b="0" lang="de-DE" sz="1000" spc="-1" strike="noStrike">
               <a:latin typeface="Arial"/>
@@ -9528,14 +9898,14 @@
       </p:sp>
       <p:sp>
         <p:nvSpPr>
-          <p:cNvPr id="243" name="CustomShape 2"/>
+          <p:cNvPr id="248" name="CustomShape 2"/>
           <p:cNvSpPr/>
           <p:nvPr/>
         </p:nvSpPr>
         <p:spPr>
           <a:xfrm>
             <a:off x="522360" y="671400"/>
-            <a:ext cx="9646200" cy="946800"/>
+            <a:ext cx="9645840" cy="946440"/>
           </a:xfrm>
           <a:prstGeom prst="rect">
             <a:avLst/>
@@ -9588,14 +9958,14 @@
       </p:sp>
       <p:sp>
         <p:nvSpPr>
-          <p:cNvPr id="244" name="CustomShape 3"/>
+          <p:cNvPr id="249" name="CustomShape 3"/>
           <p:cNvSpPr/>
           <p:nvPr/>
         </p:nvSpPr>
         <p:spPr>
           <a:xfrm>
             <a:off x="522360" y="2138400"/>
-            <a:ext cx="8422200" cy="4520160"/>
+            <a:ext cx="8421840" cy="4519800"/>
           </a:xfrm>
           <a:prstGeom prst="rect">
             <a:avLst/>
@@ -9614,14 +9984,14 @@
       </p:sp>
       <p:sp>
         <p:nvSpPr>
-          <p:cNvPr id="245" name="CustomShape 4"/>
+          <p:cNvPr id="250" name="CustomShape 4"/>
           <p:cNvSpPr/>
           <p:nvPr/>
         </p:nvSpPr>
         <p:spPr>
           <a:xfrm>
             <a:off x="576000" y="1769400"/>
-            <a:ext cx="5974560" cy="4997160"/>
+            <a:ext cx="5974200" cy="4996800"/>
           </a:xfrm>
           <a:prstGeom prst="rect">
             <a:avLst/>
@@ -9642,7 +10012,7 @@
             <a:normAutofit/>
           </a:bodyPr>
           <a:p>
-            <a:pPr marL="432000" indent="-322200">
+            <a:pPr marL="432000" indent="-321840">
               <a:lnSpc>
                 <a:spcPct val="100000"/>
               </a:lnSpc>
@@ -9671,7 +10041,7 @@
             </a:endParaRPr>
           </a:p>
           <a:p>
-            <a:pPr marL="432000" indent="-322200">
+            <a:pPr marL="432000" indent="-321840">
               <a:lnSpc>
                 <a:spcPct val="100000"/>
               </a:lnSpc>
@@ -9693,14 +10063,14 @@
                 <a:latin typeface="Arial"/>
                 <a:ea typeface="DejaVu Sans"/>
               </a:rPr>
-              <a:t>Nimmt 3042-elementigen Vektor als Eingabe</a:t>
+              <a:t>3042-elementigen Vektor als Eingabe</a:t>
             </a:r>
             <a:endParaRPr b="0" lang="de-DE" sz="3200" spc="-1" strike="noStrike">
               <a:latin typeface="Arial"/>
             </a:endParaRPr>
           </a:p>
           <a:p>
-            <a:pPr lvl="1" marL="864000" indent="-322200">
+            <a:pPr lvl="1" marL="864000" indent="-321840">
               <a:lnSpc>
                 <a:spcPct val="100000"/>
               </a:lnSpc>
@@ -9729,7 +10099,7 @@
             </a:endParaRPr>
           </a:p>
           <a:p>
-            <a:pPr lvl="1" marL="864000" indent="-322200">
+            <a:pPr lvl="1" marL="864000" indent="-321840">
               <a:lnSpc>
                 <a:spcPct val="100000"/>
               </a:lnSpc>
@@ -9758,7 +10128,7 @@
             </a:endParaRPr>
           </a:p>
           <a:p>
-            <a:pPr marL="432000" indent="-322200">
+            <a:pPr marL="432000" indent="-321840">
               <a:lnSpc>
                 <a:spcPct val="100000"/>
               </a:lnSpc>
@@ -9790,14 +10160,14 @@
       </p:sp>
       <p:sp>
         <p:nvSpPr>
-          <p:cNvPr id="246" name="CustomShape 5"/>
+          <p:cNvPr id="251" name="CustomShape 5"/>
           <p:cNvSpPr/>
           <p:nvPr/>
         </p:nvSpPr>
         <p:spPr>
           <a:xfrm>
             <a:off x="1209240" y="1936440"/>
-            <a:ext cx="179280" cy="345240"/>
+            <a:ext cx="178920" cy="344880"/>
           </a:xfrm>
           <a:prstGeom prst="rect">
             <a:avLst/>
@@ -9816,7 +10186,7 @@
       </p:sp>
       <p:pic>
         <p:nvPicPr>
-          <p:cNvPr id="247" name="" descr=""/>
+          <p:cNvPr id="252" name="" descr=""/>
           <p:cNvPicPr/>
           <p:nvPr/>
         </p:nvPicPr>
@@ -9827,7 +10197,7 @@
         <p:spPr>
           <a:xfrm>
             <a:off x="6624360" y="671400"/>
-            <a:ext cx="3382560" cy="3905640"/>
+            <a:ext cx="3382200" cy="3905280"/>
           </a:xfrm>
           <a:prstGeom prst="rect">
             <a:avLst/>
@@ -9839,14 +10209,14 @@
       </p:pic>
       <p:sp>
         <p:nvSpPr>
-          <p:cNvPr id="248" name="CustomShape 6"/>
+          <p:cNvPr id="253" name="CustomShape 6"/>
           <p:cNvSpPr/>
           <p:nvPr/>
         </p:nvSpPr>
         <p:spPr>
           <a:xfrm>
             <a:off x="522360" y="6693840"/>
-            <a:ext cx="6982920" cy="289080"/>
+            <a:ext cx="6982560" cy="288720"/>
           </a:xfrm>
           <a:prstGeom prst="rect">
             <a:avLst/>
@@ -9932,14 +10302,14 @@
       </p:grpSpPr>
       <p:sp>
         <p:nvSpPr>
-          <p:cNvPr id="249" name="CustomShape 1"/>
+          <p:cNvPr id="254" name="CustomShape 1"/>
           <p:cNvSpPr/>
           <p:nvPr/>
         </p:nvSpPr>
         <p:spPr>
           <a:xfrm>
             <a:off x="8947080" y="7165800"/>
-            <a:ext cx="1221480" cy="226080"/>
+            <a:ext cx="1221120" cy="225720"/>
           </a:xfrm>
           <a:prstGeom prst="rect">
             <a:avLst/>
@@ -9973,7 +10343,7 @@
               </a:rPr>
               <a:t>Seite </a:t>
             </a:r>
-            <a:fld id="{EC74CA9B-23C1-4E23-874C-A969B05D8176}" type="slidenum">
+            <a:fld id="{8ABEB9BE-7118-4EFB-A715-22100DAD5D8E}" type="slidenum">
               <a:rPr b="0" lang="de-DE" sz="1000" spc="-1" strike="noStrike">
                 <a:solidFill>
                   <a:srgbClr val="000000"/>
@@ -9981,7 +10351,7 @@
                 <a:latin typeface="Arial"/>
                 <a:ea typeface="DejaVu Sans"/>
               </a:rPr>
-              <a:t>1</a:t>
+              <a:t>&lt;Foliennummer&gt;</a:t>
             </a:fld>
             <a:endParaRPr b="0" lang="de-DE" sz="1000" spc="-1" strike="noStrike">
               <a:latin typeface="Arial"/>
@@ -9991,14 +10361,14 @@
       </p:sp>
       <p:sp>
         <p:nvSpPr>
-          <p:cNvPr id="250" name="CustomShape 2"/>
+          <p:cNvPr id="255" name="CustomShape 2"/>
           <p:cNvSpPr/>
           <p:nvPr/>
         </p:nvSpPr>
         <p:spPr>
           <a:xfrm>
             <a:off x="522360" y="671400"/>
-            <a:ext cx="9646200" cy="946800"/>
+            <a:ext cx="9645840" cy="946440"/>
           </a:xfrm>
           <a:prstGeom prst="rect">
             <a:avLst/>
@@ -10051,14 +10421,14 @@
       </p:sp>
       <p:sp>
         <p:nvSpPr>
-          <p:cNvPr id="251" name="CustomShape 3"/>
+          <p:cNvPr id="256" name="CustomShape 3"/>
           <p:cNvSpPr/>
           <p:nvPr/>
         </p:nvSpPr>
         <p:spPr>
           <a:xfrm>
             <a:off x="522360" y="2138400"/>
-            <a:ext cx="8422200" cy="4520160"/>
+            <a:ext cx="8421840" cy="4519800"/>
           </a:xfrm>
           <a:prstGeom prst="rect">
             <a:avLst/>
@@ -10077,14 +10447,14 @@
       </p:sp>
       <p:sp>
         <p:nvSpPr>
-          <p:cNvPr id="252" name="CustomShape 4"/>
+          <p:cNvPr id="257" name="CustomShape 4"/>
           <p:cNvSpPr/>
           <p:nvPr/>
         </p:nvSpPr>
         <p:spPr>
           <a:xfrm>
             <a:off x="522360" y="2138400"/>
-            <a:ext cx="8422200" cy="4520160"/>
+            <a:ext cx="8421840" cy="4519800"/>
           </a:xfrm>
           <a:prstGeom prst="rect">
             <a:avLst/>
@@ -10103,7 +10473,7 @@
       </p:sp>
       <p:pic>
         <p:nvPicPr>
-          <p:cNvPr id="253" name="" descr=""/>
+          <p:cNvPr id="258" name="" descr=""/>
           <p:cNvPicPr/>
           <p:nvPr/>
         </p:nvPicPr>
@@ -10114,7 +10484,7 @@
         <p:spPr>
           <a:xfrm>
             <a:off x="1225080" y="4896000"/>
-            <a:ext cx="7198200" cy="1709280"/>
+            <a:ext cx="7197840" cy="1708920"/>
           </a:xfrm>
           <a:prstGeom prst="rect">
             <a:avLst/>
@@ -10126,14 +10496,14 @@
       </p:pic>
       <p:sp>
         <p:nvSpPr>
-          <p:cNvPr id="254" name="CustomShape 5"/>
+          <p:cNvPr id="259" name="CustomShape 5"/>
           <p:cNvSpPr/>
           <p:nvPr/>
         </p:nvSpPr>
         <p:spPr>
           <a:xfrm>
             <a:off x="576000" y="1769400"/>
-            <a:ext cx="9575280" cy="3125880"/>
+            <a:ext cx="9574920" cy="3125520"/>
           </a:xfrm>
           <a:prstGeom prst="rect">
             <a:avLst/>
@@ -10154,7 +10524,7 @@
             <a:normAutofit/>
           </a:bodyPr>
           <a:p>
-            <a:pPr marL="432000" indent="-322200">
+            <a:pPr marL="432000" indent="-321840">
               <a:lnSpc>
                 <a:spcPct val="100000"/>
               </a:lnSpc>
@@ -10183,7 +10553,7 @@
             </a:endParaRPr>
           </a:p>
           <a:p>
-            <a:pPr marL="432000" indent="-322200">
+            <a:pPr marL="432000" indent="-321840">
               <a:lnSpc>
                 <a:spcPct val="100000"/>
               </a:lnSpc>
@@ -10222,7 +10592,7 @@
             </a:endParaRPr>
           </a:p>
           <a:p>
-            <a:pPr marL="432000" indent="-322200">
+            <a:pPr marL="432000" indent="-321840">
               <a:lnSpc>
                 <a:spcPct val="100000"/>
               </a:lnSpc>
@@ -10261,7 +10631,7 @@
             </a:endParaRPr>
           </a:p>
           <a:p>
-            <a:pPr marL="432000" indent="-322200">
+            <a:pPr marL="432000" indent="-321840">
               <a:lnSpc>
                 <a:spcPct val="100000"/>
               </a:lnSpc>
@@ -10362,14 +10732,14 @@
       </p:grpSpPr>
       <p:sp>
         <p:nvSpPr>
-          <p:cNvPr id="255" name="CustomShape 1"/>
+          <p:cNvPr id="260" name="CustomShape 1"/>
           <p:cNvSpPr/>
           <p:nvPr/>
         </p:nvSpPr>
         <p:spPr>
           <a:xfrm>
             <a:off x="8947080" y="7165800"/>
-            <a:ext cx="1221480" cy="226080"/>
+            <a:ext cx="1221120" cy="225720"/>
           </a:xfrm>
           <a:prstGeom prst="rect">
             <a:avLst/>
@@ -10403,7 +10773,7 @@
               </a:rPr>
               <a:t>Seite </a:t>
             </a:r>
-            <a:fld id="{6B684E64-99A7-4660-9A65-9EC79EEAA08C}" type="slidenum">
+            <a:fld id="{E49CB188-88FC-4BE6-8A40-F98E2D7BC5F7}" type="slidenum">
               <a:rPr b="0" lang="de-DE" sz="1000" spc="-1" strike="noStrike">
                 <a:solidFill>
                   <a:srgbClr val="000000"/>
@@ -10411,7 +10781,7 @@
                 <a:latin typeface="Arial"/>
                 <a:ea typeface="DejaVu Sans"/>
               </a:rPr>
-              <a:t>1</a:t>
+              <a:t>&lt;Foliennummer&gt;</a:t>
             </a:fld>
             <a:endParaRPr b="0" lang="de-DE" sz="1000" spc="-1" strike="noStrike">
               <a:latin typeface="Arial"/>
@@ -10421,14 +10791,14 @@
       </p:sp>
       <p:sp>
         <p:nvSpPr>
-          <p:cNvPr id="256" name="CustomShape 2"/>
+          <p:cNvPr id="261" name="CustomShape 2"/>
           <p:cNvSpPr/>
           <p:nvPr/>
         </p:nvSpPr>
         <p:spPr>
           <a:xfrm>
             <a:off x="522360" y="671400"/>
-            <a:ext cx="9646200" cy="946800"/>
+            <a:ext cx="9645840" cy="946440"/>
           </a:xfrm>
           <a:prstGeom prst="rect">
             <a:avLst/>
@@ -10481,14 +10851,14 @@
       </p:sp>
       <p:sp>
         <p:nvSpPr>
-          <p:cNvPr id="257" name="CustomShape 3"/>
+          <p:cNvPr id="262" name="CustomShape 3"/>
           <p:cNvSpPr/>
           <p:nvPr/>
         </p:nvSpPr>
         <p:spPr>
           <a:xfrm>
             <a:off x="522360" y="2138400"/>
-            <a:ext cx="8422200" cy="4520160"/>
+            <a:ext cx="8421840" cy="4519800"/>
           </a:xfrm>
           <a:prstGeom prst="rect">
             <a:avLst/>
@@ -10507,14 +10877,14 @@
       </p:sp>
       <p:sp>
         <p:nvSpPr>
-          <p:cNvPr id="258" name="CustomShape 4"/>
+          <p:cNvPr id="263" name="CustomShape 4"/>
           <p:cNvSpPr/>
           <p:nvPr/>
         </p:nvSpPr>
         <p:spPr>
           <a:xfrm>
             <a:off x="522360" y="2138400"/>
-            <a:ext cx="8422200" cy="4520160"/>
+            <a:ext cx="8421840" cy="4519800"/>
           </a:xfrm>
           <a:prstGeom prst="rect">
             <a:avLst/>
@@ -10533,14 +10903,14 @@
       </p:sp>
       <p:sp>
         <p:nvSpPr>
-          <p:cNvPr id="259" name="CustomShape 5"/>
+          <p:cNvPr id="264" name="CustomShape 5"/>
           <p:cNvSpPr/>
           <p:nvPr/>
         </p:nvSpPr>
         <p:spPr>
           <a:xfrm>
             <a:off x="535680" y="1769400"/>
-            <a:ext cx="8607600" cy="4383720"/>
+            <a:ext cx="8607240" cy="4383360"/>
           </a:xfrm>
           <a:prstGeom prst="rect">
             <a:avLst/>
@@ -10561,7 +10931,7 @@
             <a:normAutofit/>
           </a:bodyPr>
           <a:p>
-            <a:pPr marL="432000" indent="-322200">
+            <a:pPr marL="432000" indent="-321840">
               <a:lnSpc>
                 <a:spcPct val="100000"/>
               </a:lnSpc>
@@ -10590,7 +10960,7 @@
             </a:endParaRPr>
           </a:p>
           <a:p>
-            <a:pPr lvl="1" marL="864000" indent="-322200">
+            <a:pPr lvl="1" marL="864000" indent="-321840">
               <a:lnSpc>
                 <a:spcPct val="100000"/>
               </a:lnSpc>
@@ -10619,7 +10989,7 @@
             </a:endParaRPr>
           </a:p>
           <a:p>
-            <a:pPr lvl="1" marL="864000" indent="-322200">
+            <a:pPr lvl="1" marL="864000" indent="-321840">
               <a:lnSpc>
                 <a:spcPct val="100000"/>
               </a:lnSpc>
@@ -10648,7 +11018,7 @@
             </a:endParaRPr>
           </a:p>
           <a:p>
-            <a:pPr marL="432000" indent="-322200">
+            <a:pPr marL="432000" indent="-321840">
               <a:lnSpc>
                 <a:spcPct val="100000"/>
               </a:lnSpc>
@@ -10677,7 +11047,7 @@
             </a:endParaRPr>
           </a:p>
           <a:p>
-            <a:pPr lvl="1" marL="864000" indent="-322200">
+            <a:pPr lvl="1" marL="864000" indent="-321840">
               <a:lnSpc>
                 <a:spcPct val="100000"/>
               </a:lnSpc>
@@ -10706,7 +11076,7 @@
             </a:endParaRPr>
           </a:p>
           <a:p>
-            <a:pPr lvl="1" marL="864000" indent="-322200">
+            <a:pPr lvl="1" marL="864000" indent="-321840">
               <a:lnSpc>
                 <a:spcPct val="100000"/>
               </a:lnSpc>
@@ -10738,14 +11108,14 @@
       </p:sp>
       <p:sp>
         <p:nvSpPr>
-          <p:cNvPr id="260" name="CustomShape 6"/>
+          <p:cNvPr id="265" name="CustomShape 6"/>
           <p:cNvSpPr/>
           <p:nvPr/>
         </p:nvSpPr>
         <p:spPr>
           <a:xfrm>
             <a:off x="522360" y="6637680"/>
-            <a:ext cx="6118920" cy="345240"/>
+            <a:ext cx="6118560" cy="344880"/>
           </a:xfrm>
           <a:prstGeom prst="rect">
             <a:avLst/>
@@ -10831,14 +11201,14 @@
       </p:grpSpPr>
       <p:sp>
         <p:nvSpPr>
-          <p:cNvPr id="261" name="CustomShape 1"/>
+          <p:cNvPr id="266" name="CustomShape 1"/>
           <p:cNvSpPr/>
           <p:nvPr/>
         </p:nvSpPr>
         <p:spPr>
           <a:xfrm>
             <a:off x="8947080" y="7165800"/>
-            <a:ext cx="1221480" cy="226080"/>
+            <a:ext cx="1221120" cy="225720"/>
           </a:xfrm>
           <a:prstGeom prst="rect">
             <a:avLst/>
@@ -10872,7 +11242,7 @@
               </a:rPr>
               <a:t>Seite </a:t>
             </a:r>
-            <a:fld id="{E54D5BFD-32A8-4DA0-98F9-DB864A3FC142}" type="slidenum">
+            <a:fld id="{C382197D-BE8F-41C5-A994-61C312D9ECA0}" type="slidenum">
               <a:rPr b="0" lang="de-DE" sz="1000" spc="-1" strike="noStrike">
                 <a:solidFill>
                   <a:srgbClr val="000000"/>
@@ -10880,7 +11250,7 @@
                 <a:latin typeface="Arial"/>
                 <a:ea typeface="DejaVu Sans"/>
               </a:rPr>
-              <a:t>1</a:t>
+              <a:t>&lt;Foliennummer&gt;</a:t>
             </a:fld>
             <a:endParaRPr b="0" lang="de-DE" sz="1000" spc="-1" strike="noStrike">
               <a:latin typeface="Arial"/>
@@ -10890,14 +11260,14 @@
       </p:sp>
       <p:sp>
         <p:nvSpPr>
-          <p:cNvPr id="262" name="CustomShape 2"/>
+          <p:cNvPr id="267" name="CustomShape 2"/>
           <p:cNvSpPr/>
           <p:nvPr/>
         </p:nvSpPr>
         <p:spPr>
           <a:xfrm>
             <a:off x="522360" y="671400"/>
-            <a:ext cx="9646200" cy="946800"/>
+            <a:ext cx="9645840" cy="946440"/>
           </a:xfrm>
           <a:prstGeom prst="rect">
             <a:avLst/>
@@ -10940,14 +11310,14 @@
       </p:sp>
       <p:sp>
         <p:nvSpPr>
-          <p:cNvPr id="263" name="CustomShape 3"/>
+          <p:cNvPr id="268" name="CustomShape 3"/>
           <p:cNvSpPr/>
           <p:nvPr/>
         </p:nvSpPr>
         <p:spPr>
           <a:xfrm>
             <a:off x="522360" y="2138400"/>
-            <a:ext cx="8422200" cy="4520160"/>
+            <a:ext cx="8421840" cy="4519800"/>
           </a:xfrm>
           <a:prstGeom prst="rect">
             <a:avLst/>
@@ -10964,35 +11334,9 @@
           <a:fontRef idx="minor"/>
         </p:style>
       </p:sp>
-      <p:sp>
-        <p:nvSpPr>
-          <p:cNvPr id="264" name="CustomShape 4"/>
-          <p:cNvSpPr/>
-          <p:nvPr/>
-        </p:nvSpPr>
-        <p:spPr>
-          <a:xfrm>
-            <a:off x="522360" y="2138400"/>
-            <a:ext cx="8422200" cy="4520160"/>
-          </a:xfrm>
-          <a:prstGeom prst="rect">
-            <a:avLst/>
-          </a:prstGeom>
-          <a:noFill/>
-          <a:ln>
-            <a:noFill/>
-          </a:ln>
-        </p:spPr>
-        <p:style>
-          <a:lnRef idx="0"/>
-          <a:fillRef idx="0"/>
-          <a:effectRef idx="0"/>
-          <a:fontRef idx="minor"/>
-        </p:style>
-      </p:sp>
       <p:pic>
         <p:nvPicPr>
-          <p:cNvPr id="265" name="" descr=""/>
+          <p:cNvPr id="269" name="" descr=""/>
           <p:cNvPicPr/>
           <p:nvPr/>
         </p:nvPicPr>
@@ -11002,8 +11346,8 @@
         </p:blipFill>
         <p:spPr>
           <a:xfrm>
-            <a:off x="1080000" y="1618200"/>
-            <a:ext cx="6484320" cy="3945600"/>
+            <a:off x="1724040" y="1728000"/>
+            <a:ext cx="6483960" cy="3945240"/>
           </a:xfrm>
           <a:prstGeom prst="rect">
             <a:avLst/>
@@ -11064,14 +11408,14 @@
       </p:grpSpPr>
       <p:sp>
         <p:nvSpPr>
-          <p:cNvPr id="266" name="CustomShape 1"/>
+          <p:cNvPr id="270" name="CustomShape 1"/>
           <p:cNvSpPr/>
           <p:nvPr/>
         </p:nvSpPr>
         <p:spPr>
           <a:xfrm>
             <a:off x="8947080" y="7165800"/>
-            <a:ext cx="1221480" cy="226080"/>
+            <a:ext cx="1221120" cy="225720"/>
           </a:xfrm>
           <a:prstGeom prst="rect">
             <a:avLst/>
@@ -11105,7 +11449,7 @@
               </a:rPr>
               <a:t>Seite </a:t>
             </a:r>
-            <a:fld id="{7019970C-E604-4172-B6D5-672D56D7E06A}" type="slidenum">
+            <a:fld id="{C32A4E14-9C5B-4CEA-9B8D-E344AB44F279}" type="slidenum">
               <a:rPr b="0" lang="de-DE" sz="1000" spc="-1" strike="noStrike">
                 <a:solidFill>
                   <a:srgbClr val="000000"/>
@@ -11113,7 +11457,7 @@
                 <a:latin typeface="Arial"/>
                 <a:ea typeface="DejaVu Sans"/>
               </a:rPr>
-              <a:t>1</a:t>
+              <a:t>&lt;Foliennummer&gt;</a:t>
             </a:fld>
             <a:endParaRPr b="0" lang="de-DE" sz="1000" spc="-1" strike="noStrike">
               <a:latin typeface="Arial"/>
@@ -11123,14 +11467,14 @@
       </p:sp>
       <p:sp>
         <p:nvSpPr>
-          <p:cNvPr id="267" name="CustomShape 2"/>
+          <p:cNvPr id="271" name="CustomShape 2"/>
           <p:cNvSpPr/>
           <p:nvPr/>
         </p:nvSpPr>
         <p:spPr>
           <a:xfrm>
             <a:off x="522360" y="671400"/>
-            <a:ext cx="9646200" cy="946800"/>
+            <a:ext cx="9645840" cy="946440"/>
           </a:xfrm>
           <a:prstGeom prst="rect">
             <a:avLst/>
@@ -11183,14 +11527,14 @@
       </p:sp>
       <p:sp>
         <p:nvSpPr>
-          <p:cNvPr id="268" name="CustomShape 3"/>
+          <p:cNvPr id="272" name="CustomShape 3"/>
           <p:cNvSpPr/>
           <p:nvPr/>
         </p:nvSpPr>
         <p:spPr>
           <a:xfrm>
             <a:off x="522360" y="2138400"/>
-            <a:ext cx="8422200" cy="4520160"/>
+            <a:ext cx="8421840" cy="4519800"/>
           </a:xfrm>
           <a:prstGeom prst="rect">
             <a:avLst/>
@@ -11209,14 +11553,14 @@
       </p:sp>
       <p:sp>
         <p:nvSpPr>
-          <p:cNvPr id="269" name="CustomShape 4"/>
+          <p:cNvPr id="273" name="CustomShape 4"/>
           <p:cNvSpPr/>
           <p:nvPr/>
         </p:nvSpPr>
         <p:spPr>
           <a:xfrm>
             <a:off x="522360" y="2138400"/>
-            <a:ext cx="8422200" cy="4520160"/>
+            <a:ext cx="8421840" cy="4519800"/>
           </a:xfrm>
           <a:prstGeom prst="rect">
             <a:avLst/>
@@ -11235,14 +11579,14 @@
       </p:sp>
       <p:sp>
         <p:nvSpPr>
-          <p:cNvPr id="270" name="CustomShape 5"/>
+          <p:cNvPr id="274" name="CustomShape 5"/>
           <p:cNvSpPr/>
           <p:nvPr/>
         </p:nvSpPr>
         <p:spPr>
           <a:xfrm>
             <a:off x="536040" y="1769400"/>
-            <a:ext cx="8607600" cy="4383720"/>
+            <a:ext cx="8607240" cy="4383360"/>
           </a:xfrm>
           <a:prstGeom prst="rect">
             <a:avLst/>
@@ -11263,7 +11607,7 @@
             <a:normAutofit/>
           </a:bodyPr>
           <a:p>
-            <a:pPr marL="432000" indent="-322200">
+            <a:pPr marL="432000" indent="-321840">
               <a:lnSpc>
                 <a:spcPct val="100000"/>
               </a:lnSpc>
@@ -11292,7 +11636,7 @@
             </a:endParaRPr>
           </a:p>
           <a:p>
-            <a:pPr lvl="1" marL="864000" indent="-322200">
+            <a:pPr lvl="1" marL="864000" indent="-321840">
               <a:lnSpc>
                 <a:spcPct val="100000"/>
               </a:lnSpc>
@@ -11321,7 +11665,7 @@
             </a:endParaRPr>
           </a:p>
           <a:p>
-            <a:pPr lvl="1" marL="864000" indent="-322200">
+            <a:pPr lvl="1" marL="864000" indent="-321840">
               <a:lnSpc>
                 <a:spcPct val="100000"/>
               </a:lnSpc>
@@ -11350,7 +11694,7 @@
             </a:endParaRPr>
           </a:p>
           <a:p>
-            <a:pPr marL="432000" indent="-322200">
+            <a:pPr marL="432000" indent="-321840">
               <a:lnSpc>
                 <a:spcPct val="100000"/>
               </a:lnSpc>
@@ -11402,7 +11746,7 @@
       </p:sp>
       <p:pic>
         <p:nvPicPr>
-          <p:cNvPr id="271" name="" descr=""/>
+          <p:cNvPr id="275" name="" descr=""/>
           <p:cNvPicPr/>
           <p:nvPr/>
         </p:nvPicPr>
@@ -11413,7 +11757,7 @@
         <p:spPr>
           <a:xfrm>
             <a:off x="2304000" y="4619880"/>
-            <a:ext cx="5398920" cy="2074320"/>
+            <a:ext cx="5398560" cy="2073960"/>
           </a:xfrm>
           <a:prstGeom prst="rect">
             <a:avLst/>
@@ -11474,14 +11818,14 @@
       </p:grpSpPr>
       <p:sp>
         <p:nvSpPr>
-          <p:cNvPr id="169" name="CustomShape 1"/>
+          <p:cNvPr id="174" name="CustomShape 1"/>
           <p:cNvSpPr/>
           <p:nvPr/>
         </p:nvSpPr>
         <p:spPr>
           <a:xfrm>
             <a:off x="8947080" y="7165800"/>
-            <a:ext cx="1221480" cy="226080"/>
+            <a:ext cx="1221120" cy="225720"/>
           </a:xfrm>
           <a:prstGeom prst="rect">
             <a:avLst/>
@@ -11515,7 +11859,7 @@
               </a:rPr>
               <a:t>Seite </a:t>
             </a:r>
-            <a:fld id="{D1C061EB-B239-46C8-AEB9-7F93653CE6B6}" type="slidenum">
+            <a:fld id="{83A33889-00FC-4B18-9F2C-CC61E16C7A12}" type="slidenum">
               <a:rPr b="0" lang="de-DE" sz="1000" spc="-1" strike="noStrike">
                 <a:solidFill>
                   <a:srgbClr val="000000"/>
@@ -11523,7 +11867,7 @@
                 <a:latin typeface="Arial"/>
                 <a:ea typeface="DejaVu Sans"/>
               </a:rPr>
-              <a:t>1</a:t>
+              <a:t>&lt;Foliennummer&gt;</a:t>
             </a:fld>
             <a:endParaRPr b="0" lang="de-DE" sz="1000" spc="-1" strike="noStrike">
               <a:latin typeface="Arial"/>
@@ -11533,14 +11877,14 @@
       </p:sp>
       <p:sp>
         <p:nvSpPr>
-          <p:cNvPr id="170" name="CustomShape 2"/>
+          <p:cNvPr id="175" name="CustomShape 2"/>
           <p:cNvSpPr/>
           <p:nvPr/>
         </p:nvSpPr>
         <p:spPr>
           <a:xfrm>
             <a:off x="522360" y="671400"/>
-            <a:ext cx="9646200" cy="946800"/>
+            <a:ext cx="9645840" cy="946440"/>
           </a:xfrm>
           <a:prstGeom prst="rect">
             <a:avLst/>
@@ -11582,7 +11926,7 @@
       </p:sp>
       <p:graphicFrame>
         <p:nvGraphicFramePr>
-          <p:cNvPr id="171" name="Table 3"/>
+          <p:cNvPr id="176" name="Table 3"/>
           <p:cNvGraphicFramePr/>
           <p:nvPr/>
         </p:nvGraphicFramePr>
@@ -12159,14 +12503,14 @@
       </p:grpSpPr>
       <p:sp>
         <p:nvSpPr>
-          <p:cNvPr id="272" name="CustomShape 1"/>
+          <p:cNvPr id="276" name="CustomShape 1"/>
           <p:cNvSpPr/>
           <p:nvPr/>
         </p:nvSpPr>
         <p:spPr>
           <a:xfrm>
             <a:off x="8947080" y="7165800"/>
-            <a:ext cx="1221480" cy="226080"/>
+            <a:ext cx="1221120" cy="225720"/>
           </a:xfrm>
           <a:prstGeom prst="rect">
             <a:avLst/>
@@ -12200,7 +12544,7 @@
               </a:rPr>
               <a:t>Seite </a:t>
             </a:r>
-            <a:fld id="{3DC5B97D-BF4F-4510-8F65-CA7F996E8161}" type="slidenum">
+            <a:fld id="{3AE634AE-95F0-4F41-A126-89475467A28D}" type="slidenum">
               <a:rPr b="0" lang="de-DE" sz="1000" spc="-1" strike="noStrike">
                 <a:solidFill>
                   <a:srgbClr val="000000"/>
@@ -12208,7 +12552,7 @@
                 <a:latin typeface="Arial"/>
                 <a:ea typeface="DejaVu Sans"/>
               </a:rPr>
-              <a:t>1</a:t>
+              <a:t>&lt;Foliennummer&gt;</a:t>
             </a:fld>
             <a:endParaRPr b="0" lang="de-DE" sz="1000" spc="-1" strike="noStrike">
               <a:latin typeface="Arial"/>
@@ -12218,14 +12562,14 @@
       </p:sp>
       <p:sp>
         <p:nvSpPr>
-          <p:cNvPr id="273" name="CustomShape 2"/>
+          <p:cNvPr id="277" name="CustomShape 2"/>
           <p:cNvSpPr/>
           <p:nvPr/>
         </p:nvSpPr>
         <p:spPr>
           <a:xfrm>
             <a:off x="522360" y="671400"/>
-            <a:ext cx="9646200" cy="946800"/>
+            <a:ext cx="9645840" cy="946440"/>
           </a:xfrm>
           <a:prstGeom prst="rect">
             <a:avLst/>
@@ -12278,14 +12622,14 @@
       </p:sp>
       <p:sp>
         <p:nvSpPr>
-          <p:cNvPr id="274" name="CustomShape 3"/>
+          <p:cNvPr id="278" name="CustomShape 3"/>
           <p:cNvSpPr/>
           <p:nvPr/>
         </p:nvSpPr>
         <p:spPr>
           <a:xfrm>
             <a:off x="522360" y="2138400"/>
-            <a:ext cx="8422200" cy="4520160"/>
+            <a:ext cx="8421840" cy="4519800"/>
           </a:xfrm>
           <a:prstGeom prst="rect">
             <a:avLst/>
@@ -12304,14 +12648,14 @@
       </p:sp>
       <p:sp>
         <p:nvSpPr>
-          <p:cNvPr id="275" name="CustomShape 4"/>
+          <p:cNvPr id="279" name="CustomShape 4"/>
           <p:cNvSpPr/>
           <p:nvPr/>
         </p:nvSpPr>
         <p:spPr>
           <a:xfrm>
             <a:off x="522360" y="2138400"/>
-            <a:ext cx="8422200" cy="4520160"/>
+            <a:ext cx="8421840" cy="4519800"/>
           </a:xfrm>
           <a:prstGeom prst="rect">
             <a:avLst/>
@@ -12330,13 +12674,13 @@
       </p:sp>
       <p:graphicFrame>
         <p:nvGraphicFramePr>
-          <p:cNvPr id="276" name="Table 5"/>
+          <p:cNvPr id="280" name="Table 5"/>
           <p:cNvGraphicFramePr/>
           <p:nvPr/>
         </p:nvGraphicFramePr>
         <p:xfrm>
           <a:off x="495720" y="2871000"/>
-          <a:ext cx="8360280" cy="3615480"/>
+          <a:ext cx="8359920" cy="3615480"/>
         </p:xfrm>
         <a:graphic>
           <a:graphicData uri="http://schemas.openxmlformats.org/drawingml/2006/table">
@@ -12520,7 +12864,11 @@
                   <a:txBody>
                     <a:bodyPr lIns="90000" rIns="90000" anchor="ctr"/>
                     <a:p>
-                      <a:pPr algn="ctr"/>
+                      <a:pPr algn="ctr">
+                        <a:lnSpc>
+                          <a:spcPct val="100000"/>
+                        </a:lnSpc>
+                      </a:pPr>
                       <a:r>
                         <a:rPr b="0" lang="de-DE" sz="1800" spc="-1" strike="noStrike">
                           <a:latin typeface="Arial"/>
@@ -12718,7 +13066,11 @@
                   <a:txBody>
                     <a:bodyPr lIns="90000" rIns="90000" anchor="ctr"/>
                     <a:p>
-                      <a:pPr algn="ctr"/>
+                      <a:pPr algn="ctr">
+                        <a:lnSpc>
+                          <a:spcPct val="100000"/>
+                        </a:lnSpc>
+                      </a:pPr>
                       <a:r>
                         <a:rPr b="0" lang="de-DE" sz="1800" spc="-1" strike="noStrike">
                           <a:latin typeface="Arial"/>
@@ -12916,7 +13268,11 @@
                   <a:txBody>
                     <a:bodyPr lIns="90000" rIns="90000" anchor="ctr"/>
                     <a:p>
-                      <a:pPr algn="ctr"/>
+                      <a:pPr algn="ctr">
+                        <a:lnSpc>
+                          <a:spcPct val="100000"/>
+                        </a:lnSpc>
+                      </a:pPr>
                       <a:r>
                         <a:rPr b="0" lang="de-DE" sz="1800" spc="-1" strike="noStrike">
                           <a:latin typeface="Arial"/>
@@ -13131,14 +13487,14 @@
       </p:graphicFrame>
       <p:sp>
         <p:nvSpPr>
-          <p:cNvPr id="277" name="CustomShape 6"/>
+          <p:cNvPr id="281" name="CustomShape 6"/>
           <p:cNvSpPr/>
           <p:nvPr/>
         </p:nvSpPr>
         <p:spPr>
           <a:xfrm>
             <a:off x="535680" y="1769400"/>
-            <a:ext cx="8607600" cy="966600"/>
+            <a:ext cx="8607240" cy="966240"/>
           </a:xfrm>
           <a:prstGeom prst="rect">
             <a:avLst/>
@@ -13159,7 +13515,7 @@
             <a:normAutofit/>
           </a:bodyPr>
           <a:p>
-            <a:pPr marL="432000" indent="-322200">
+            <a:pPr marL="432000" indent="-321840">
               <a:lnSpc>
                 <a:spcPct val="100000"/>
               </a:lnSpc>
@@ -13250,14 +13606,14 @@
       </p:grpSpPr>
       <p:sp>
         <p:nvSpPr>
-          <p:cNvPr id="278" name="CustomShape 1"/>
+          <p:cNvPr id="282" name="CustomShape 1"/>
           <p:cNvSpPr/>
           <p:nvPr/>
         </p:nvSpPr>
         <p:spPr>
           <a:xfrm>
             <a:off x="8947080" y="7165800"/>
-            <a:ext cx="1221480" cy="226080"/>
+            <a:ext cx="1221120" cy="225720"/>
           </a:xfrm>
           <a:prstGeom prst="rect">
             <a:avLst/>
@@ -13291,7 +13647,7 @@
               </a:rPr>
               <a:t>Seite </a:t>
             </a:r>
-            <a:fld id="{D62D9ECA-BF0B-4F6E-8095-3A762EA94961}" type="slidenum">
+            <a:fld id="{1CE5795C-D2E9-47B7-96E9-5EFE4E23E093}" type="slidenum">
               <a:rPr b="0" lang="de-DE" sz="1000" spc="-1" strike="noStrike">
                 <a:solidFill>
                   <a:srgbClr val="000000"/>
@@ -13299,7 +13655,7 @@
                 <a:latin typeface="Arial"/>
                 <a:ea typeface="DejaVu Sans"/>
               </a:rPr>
-              <a:t>1</a:t>
+              <a:t>&lt;Foliennummer&gt;</a:t>
             </a:fld>
             <a:endParaRPr b="0" lang="de-DE" sz="1000" spc="-1" strike="noStrike">
               <a:latin typeface="Arial"/>
@@ -13309,14 +13665,14 @@
       </p:sp>
       <p:sp>
         <p:nvSpPr>
-          <p:cNvPr id="279" name="CustomShape 2"/>
+          <p:cNvPr id="283" name="CustomShape 2"/>
           <p:cNvSpPr/>
           <p:nvPr/>
         </p:nvSpPr>
         <p:spPr>
           <a:xfrm>
             <a:off x="522360" y="671400"/>
-            <a:ext cx="9646200" cy="946800"/>
+            <a:ext cx="9645840" cy="946440"/>
           </a:xfrm>
           <a:prstGeom prst="rect">
             <a:avLst/>
@@ -13369,14 +13725,14 @@
       </p:sp>
       <p:sp>
         <p:nvSpPr>
-          <p:cNvPr id="280" name="CustomShape 3"/>
+          <p:cNvPr id="284" name="CustomShape 3"/>
           <p:cNvSpPr/>
           <p:nvPr/>
         </p:nvSpPr>
         <p:spPr>
           <a:xfrm>
             <a:off x="522360" y="2138400"/>
-            <a:ext cx="8422200" cy="4520160"/>
+            <a:ext cx="8421840" cy="4519800"/>
           </a:xfrm>
           <a:prstGeom prst="rect">
             <a:avLst/>
@@ -13395,14 +13751,14 @@
       </p:sp>
       <p:sp>
         <p:nvSpPr>
-          <p:cNvPr id="281" name="CustomShape 4"/>
+          <p:cNvPr id="285" name="CustomShape 4"/>
           <p:cNvSpPr/>
           <p:nvPr/>
         </p:nvSpPr>
         <p:spPr>
           <a:xfrm>
             <a:off x="522360" y="2138400"/>
-            <a:ext cx="8422200" cy="4520160"/>
+            <a:ext cx="8421840" cy="4519800"/>
           </a:xfrm>
           <a:prstGeom prst="rect">
             <a:avLst/>
@@ -13421,7 +13777,7 @@
       </p:sp>
       <p:pic>
         <p:nvPicPr>
-          <p:cNvPr id="282" name="" descr=""/>
+          <p:cNvPr id="286" name="" descr=""/>
           <p:cNvPicPr/>
           <p:nvPr/>
         </p:nvPicPr>
@@ -13432,7 +13788,7 @@
         <p:spPr>
           <a:xfrm>
             <a:off x="504000" y="1728000"/>
-            <a:ext cx="5470200" cy="2425320"/>
+            <a:ext cx="5469840" cy="2424960"/>
           </a:xfrm>
           <a:prstGeom prst="rect">
             <a:avLst/>
@@ -13444,7 +13800,7 @@
       </p:pic>
       <p:pic>
         <p:nvPicPr>
-          <p:cNvPr id="283" name="" descr=""/>
+          <p:cNvPr id="287" name="" descr=""/>
           <p:cNvPicPr/>
           <p:nvPr/>
         </p:nvPicPr>
@@ -13455,7 +13811,7 @@
         <p:spPr>
           <a:xfrm>
             <a:off x="504000" y="4320000"/>
-            <a:ext cx="5470200" cy="2426040"/>
+            <a:ext cx="5469840" cy="2425680"/>
           </a:xfrm>
           <a:prstGeom prst="rect">
             <a:avLst/>
@@ -13467,14 +13823,14 @@
       </p:pic>
       <p:sp>
         <p:nvSpPr>
-          <p:cNvPr id="284" name="CustomShape 5"/>
+          <p:cNvPr id="288" name="CustomShape 5"/>
           <p:cNvSpPr/>
           <p:nvPr/>
         </p:nvSpPr>
         <p:spPr>
           <a:xfrm>
             <a:off x="792000" y="1863360"/>
-            <a:ext cx="791640" cy="368280"/>
+            <a:ext cx="791280" cy="367920"/>
           </a:xfrm>
           <a:prstGeom prst="rect">
             <a:avLst/>
@@ -13534,14 +13890,14 @@
       </p:sp>
       <p:sp>
         <p:nvSpPr>
-          <p:cNvPr id="285" name="CustomShape 6"/>
+          <p:cNvPr id="289" name="CustomShape 6"/>
           <p:cNvSpPr/>
           <p:nvPr/>
         </p:nvSpPr>
         <p:spPr>
           <a:xfrm>
             <a:off x="792000" y="4392000"/>
-            <a:ext cx="1943640" cy="431640"/>
+            <a:ext cx="1943280" cy="431280"/>
           </a:xfrm>
           <a:prstGeom prst="rect">
             <a:avLst/>
@@ -13588,13 +13944,13 @@
       </p:sp>
       <p:graphicFrame>
         <p:nvGraphicFramePr>
-          <p:cNvPr id="286" name="Table 7"/>
+          <p:cNvPr id="290" name="Table 7"/>
           <p:cNvGraphicFramePr/>
           <p:nvPr/>
         </p:nvGraphicFramePr>
         <p:xfrm>
           <a:off x="6413040" y="4354920"/>
-          <a:ext cx="1752120" cy="1953360"/>
+          <a:ext cx="1752120" cy="2332440"/>
         </p:xfrm>
         <a:graphic>
           <a:graphicData uri="http://schemas.openxmlformats.org/drawingml/2006/table">
@@ -13607,7 +13963,7 @@
               <a:tr h="291600">
                 <a:tc>
                   <a:txBody>
-                    <a:bodyPr lIns="90000" rIns="90000" tIns="46800" bIns="46800"/>
+                    <a:bodyPr lIns="90000" rIns="90000"/>
                     <a:p>
                       <a:pPr algn="ctr">
                         <a:lnSpc>
@@ -13653,7 +14009,7 @@
                 </a:tc>
                 <a:tc>
                   <a:txBody>
-                    <a:bodyPr lIns="90000" rIns="90000" tIns="46800" bIns="46800"/>
+                    <a:bodyPr lIns="90000" rIns="90000"/>
                     <a:p>
                       <a:pPr algn="ctr">
                         <a:lnSpc>
@@ -13701,7 +14057,7 @@
               <a:tr h="291600">
                 <a:tc>
                   <a:txBody>
-                    <a:bodyPr lIns="90000" rIns="90000" tIns="46800" bIns="46800"/>
+                    <a:bodyPr lIns="90000" rIns="90000"/>
                     <a:p>
                       <a:pPr algn="r">
                         <a:lnSpc>
@@ -13747,9 +14103,13 @@
                 </a:tc>
                 <a:tc>
                   <a:txBody>
-                    <a:bodyPr lIns="90000" rIns="90000" tIns="46800" bIns="46800"/>
+                    <a:bodyPr lIns="90000" rIns="90000"/>
                     <a:p>
-                      <a:pPr algn="r"/>
+                      <a:pPr algn="r">
+                        <a:lnSpc>
+                          <a:spcPct val="100000"/>
+                        </a:lnSpc>
+                      </a:pPr>
                       <a:r>
                         <a:rPr b="0" lang="de-DE" sz="1400" spc="-1" strike="noStrike">
                           <a:latin typeface="Arial"/>
@@ -13791,7 +14151,7 @@
               <a:tr h="291600">
                 <a:tc>
                   <a:txBody>
-                    <a:bodyPr lIns="90000" rIns="90000" tIns="46800" bIns="46800"/>
+                    <a:bodyPr lIns="90000" rIns="90000"/>
                     <a:p>
                       <a:pPr algn="r">
                         <a:lnSpc>
@@ -13837,9 +14197,13 @@
                 </a:tc>
                 <a:tc>
                   <a:txBody>
-                    <a:bodyPr lIns="90000" rIns="90000" tIns="46800" bIns="46800"/>
+                    <a:bodyPr lIns="90000" rIns="90000"/>
                     <a:p>
-                      <a:pPr algn="r"/>
+                      <a:pPr algn="r">
+                        <a:lnSpc>
+                          <a:spcPct val="100000"/>
+                        </a:lnSpc>
+                      </a:pPr>
                       <a:r>
                         <a:rPr b="0" lang="de-DE" sz="1400" spc="-1" strike="noStrike">
                           <a:latin typeface="Arial"/>
@@ -13881,7 +14245,7 @@
               <a:tr h="291600">
                 <a:tc>
                   <a:txBody>
-                    <a:bodyPr lIns="90000" rIns="90000" tIns="46800" bIns="46800"/>
+                    <a:bodyPr lIns="90000" rIns="90000"/>
                     <a:p>
                       <a:pPr algn="r">
                         <a:lnSpc>
@@ -13927,9 +14291,13 @@
                 </a:tc>
                 <a:tc>
                   <a:txBody>
-                    <a:bodyPr lIns="90000" rIns="90000" tIns="46800" bIns="46800"/>
+                    <a:bodyPr lIns="90000" rIns="90000"/>
                     <a:p>
-                      <a:pPr algn="r"/>
+                      <a:pPr algn="r">
+                        <a:lnSpc>
+                          <a:spcPct val="100000"/>
+                        </a:lnSpc>
+                      </a:pPr>
                       <a:r>
                         <a:rPr b="0" lang="de-DE" sz="1400" spc="-1" strike="noStrike">
                           <a:latin typeface="Arial"/>
@@ -13971,7 +14339,7 @@
               <a:tr h="291600">
                 <a:tc>
                   <a:txBody>
-                    <a:bodyPr lIns="90000" rIns="90000" tIns="46800" bIns="46800"/>
+                    <a:bodyPr lIns="90000" rIns="90000"/>
                     <a:p>
                       <a:pPr algn="r">
                         <a:lnSpc>
@@ -14017,9 +14385,13 @@
                 </a:tc>
                 <a:tc>
                   <a:txBody>
-                    <a:bodyPr lIns="90000" rIns="90000" tIns="46800" bIns="46800"/>
+                    <a:bodyPr lIns="90000" rIns="90000"/>
                     <a:p>
-                      <a:pPr algn="r"/>
+                      <a:pPr algn="r">
+                        <a:lnSpc>
+                          <a:spcPct val="100000"/>
+                        </a:lnSpc>
+                      </a:pPr>
                       <a:r>
                         <a:rPr b="0" lang="de-DE" sz="1400" spc="-1" strike="noStrike">
                           <a:latin typeface="Arial"/>
@@ -14061,7 +14433,7 @@
               <a:tr h="291600">
                 <a:tc>
                   <a:txBody>
-                    <a:bodyPr lIns="90000" rIns="90000" tIns="46800" bIns="46800"/>
+                    <a:bodyPr lIns="90000" rIns="90000"/>
                     <a:p>
                       <a:pPr algn="r">
                         <a:lnSpc>
@@ -14107,9 +14479,13 @@
                 </a:tc>
                 <a:tc>
                   <a:txBody>
-                    <a:bodyPr lIns="90000" rIns="90000" tIns="46800" bIns="46800"/>
+                    <a:bodyPr lIns="90000" rIns="90000"/>
                     <a:p>
-                      <a:pPr algn="r"/>
+                      <a:pPr algn="r">
+                        <a:lnSpc>
+                          <a:spcPct val="100000"/>
+                        </a:lnSpc>
+                      </a:pPr>
                       <a:r>
                         <a:rPr b="0" lang="de-DE" sz="1400" spc="-1" strike="noStrike">
                           <a:latin typeface="Arial"/>
@@ -14151,7 +14527,7 @@
               <a:tr h="291600">
                 <a:tc>
                   <a:txBody>
-                    <a:bodyPr lIns="90000" rIns="90000" tIns="46800" bIns="46800"/>
+                    <a:bodyPr lIns="90000" rIns="90000"/>
                     <a:p>
                       <a:pPr algn="r">
                         <a:lnSpc>
@@ -14197,16 +14573,20 @@
                 </a:tc>
                 <a:tc>
                   <a:txBody>
-                    <a:bodyPr lIns="90000" rIns="90000" tIns="46800" bIns="46800"/>
+                    <a:bodyPr lIns="90000" rIns="90000"/>
                     <a:p>
-                      <a:pPr algn="r"/>
+                      <a:pPr algn="r">
+                        <a:lnSpc>
+                          <a:spcPct val="100000"/>
+                        </a:lnSpc>
+                      </a:pPr>
                       <a:r>
                         <a:rPr b="1" lang="de-DE" sz="1400" spc="-1" strike="noStrike">
                           <a:latin typeface="Arial"/>
                         </a:rPr>
                         <a:t>60.49</a:t>
                       </a:r>
-                      <a:endParaRPr b="1" lang="de-DE" sz="1400" spc="-1" strike="noStrike">
+                      <a:endParaRPr b="0" lang="de-DE" sz="1400" spc="-1" strike="noStrike">
                         <a:latin typeface="Arial"/>
                       </a:endParaRPr>
                     </a:p>
@@ -14238,10 +14618,10 @@
                   </a:tcPr>
                 </a:tc>
               </a:tr>
-              <a:tr h="291600">
+              <a:tr h="290160">
                 <a:tc>
                   <a:txBody>
-                    <a:bodyPr lIns="90000" rIns="90000" tIns="46800" bIns="46800"/>
+                    <a:bodyPr lIns="90000" rIns="90000"/>
                     <a:p>
                       <a:pPr algn="r">
                         <a:lnSpc>
@@ -14287,9 +14667,13 @@
                 </a:tc>
                 <a:tc>
                   <a:txBody>
-                    <a:bodyPr lIns="90000" rIns="90000" tIns="46800" bIns="46800"/>
+                    <a:bodyPr lIns="90000" rIns="90000"/>
                     <a:p>
-                      <a:pPr algn="r"/>
+                      <a:pPr algn="r">
+                        <a:lnSpc>
+                          <a:spcPct val="100000"/>
+                        </a:lnSpc>
+                      </a:pPr>
                       <a:r>
                         <a:rPr b="0" lang="de-DE" sz="1400" spc="-1" strike="noStrike">
                           <a:latin typeface="Arial"/>
@@ -14334,13 +14718,13 @@
       </p:graphicFrame>
       <p:graphicFrame>
         <p:nvGraphicFramePr>
-          <p:cNvPr id="287" name="Table 8"/>
+          <p:cNvPr id="291" name="Table 8"/>
           <p:cNvGraphicFramePr/>
           <p:nvPr/>
         </p:nvGraphicFramePr>
         <p:xfrm>
           <a:off x="6401520" y="1775880"/>
-          <a:ext cx="1752840" cy="2162520"/>
+          <a:ext cx="1752840" cy="2332440"/>
         </p:xfrm>
         <a:graphic>
           <a:graphicData uri="http://schemas.openxmlformats.org/drawingml/2006/table">
@@ -14495,7 +14879,11 @@
                   <a:txBody>
                     <a:bodyPr lIns="90000" rIns="90000"/>
                     <a:p>
-                      <a:pPr algn="r"/>
+                      <a:pPr algn="r">
+                        <a:lnSpc>
+                          <a:spcPct val="100000"/>
+                        </a:lnSpc>
+                      </a:pPr>
                       <a:r>
                         <a:rPr b="0" lang="de-DE" sz="1400" spc="-1" strike="noStrike">
                           <a:latin typeface="Arial"/>
@@ -14586,7 +14974,11 @@
                   <a:txBody>
                     <a:bodyPr lIns="90000" rIns="90000"/>
                     <a:p>
-                      <a:pPr algn="r"/>
+                      <a:pPr algn="r">
+                        <a:lnSpc>
+                          <a:spcPct val="100000"/>
+                        </a:lnSpc>
+                      </a:pPr>
                       <a:r>
                         <a:rPr b="0" lang="de-DE" sz="1400" spc="-1" strike="noStrike">
                           <a:latin typeface="Arial"/>
@@ -14676,7 +15068,11 @@
                   <a:txBody>
                     <a:bodyPr lIns="90000" rIns="90000"/>
                     <a:p>
-                      <a:pPr algn="r"/>
+                      <a:pPr algn="r">
+                        <a:lnSpc>
+                          <a:spcPct val="100000"/>
+                        </a:lnSpc>
+                      </a:pPr>
                       <a:r>
                         <a:rPr b="0" lang="de-DE" sz="1400" spc="-1" strike="noStrike">
                           <a:latin typeface="Arial"/>
@@ -14766,14 +15162,18 @@
                   <a:txBody>
                     <a:bodyPr lIns="90000" rIns="90000"/>
                     <a:p>
-                      <a:pPr algn="r"/>
+                      <a:pPr algn="r">
+                        <a:lnSpc>
+                          <a:spcPct val="100000"/>
+                        </a:lnSpc>
+                      </a:pPr>
                       <a:r>
                         <a:rPr b="1" lang="de-DE" sz="1400" spc="-1" strike="noStrike">
                           <a:latin typeface="Arial"/>
                         </a:rPr>
                         <a:t>67.70</a:t>
                       </a:r>
-                      <a:endParaRPr b="1" lang="de-DE" sz="1400" spc="-1" strike="noStrike">
+                      <a:endParaRPr b="0" lang="de-DE" sz="1400" spc="-1" strike="noStrike">
                         <a:latin typeface="Arial"/>
                       </a:endParaRPr>
                     </a:p>
@@ -14856,7 +15256,11 @@
                   <a:txBody>
                     <a:bodyPr lIns="90000" rIns="90000"/>
                     <a:p>
-                      <a:pPr algn="r"/>
+                      <a:pPr algn="r">
+                        <a:lnSpc>
+                          <a:spcPct val="100000"/>
+                        </a:lnSpc>
+                      </a:pPr>
                       <a:r>
                         <a:rPr b="0" lang="de-DE" sz="1400" spc="-1" strike="noStrike">
                           <a:latin typeface="Arial"/>
@@ -14946,7 +15350,11 @@
                   <a:txBody>
                     <a:bodyPr lIns="90000" rIns="90000"/>
                     <a:p>
-                      <a:pPr algn="r"/>
+                      <a:pPr algn="r">
+                        <a:lnSpc>
+                          <a:spcPct val="100000"/>
+                        </a:lnSpc>
+                      </a:pPr>
                       <a:r>
                         <a:rPr b="0" lang="de-DE" sz="1400" spc="-1" strike="noStrike">
                           <a:latin typeface="Arial"/>
@@ -15036,7 +15444,11 @@
                   <a:txBody>
                     <a:bodyPr lIns="90000" rIns="90000"/>
                     <a:p>
-                      <a:pPr algn="r"/>
+                      <a:pPr algn="r">
+                        <a:lnSpc>
+                          <a:spcPct val="100000"/>
+                        </a:lnSpc>
+                      </a:pPr>
                       <a:r>
                         <a:rPr b="0" lang="de-DE" sz="1400" spc="-1" strike="noStrike">
                           <a:latin typeface="Arial"/>
@@ -15130,14 +15542,14 @@
       </p:grpSpPr>
       <p:sp>
         <p:nvSpPr>
-          <p:cNvPr id="288" name="CustomShape 1"/>
+          <p:cNvPr id="292" name="CustomShape 1"/>
           <p:cNvSpPr/>
           <p:nvPr/>
         </p:nvSpPr>
         <p:spPr>
           <a:xfrm>
             <a:off x="8947080" y="7165800"/>
-            <a:ext cx="1221480" cy="226080"/>
+            <a:ext cx="1221120" cy="225720"/>
           </a:xfrm>
           <a:prstGeom prst="rect">
             <a:avLst/>
@@ -15171,7 +15583,7 @@
               </a:rPr>
               <a:t>Seite </a:t>
             </a:r>
-            <a:fld id="{E0AD0200-709E-4321-B7DC-1B4936631A46}" type="slidenum">
+            <a:fld id="{2EFE2D33-31DF-4290-B61C-3A670054697D}" type="slidenum">
               <a:rPr b="0" lang="de-DE" sz="1000" spc="-1" strike="noStrike">
                 <a:solidFill>
                   <a:srgbClr val="000000"/>
@@ -15179,7 +15591,7 @@
                 <a:latin typeface="Arial"/>
                 <a:ea typeface="DejaVu Sans"/>
               </a:rPr>
-              <a:t>1</a:t>
+              <a:t>&lt;Foliennummer&gt;</a:t>
             </a:fld>
             <a:endParaRPr b="0" lang="de-DE" sz="1000" spc="-1" strike="noStrike">
               <a:latin typeface="Arial"/>
@@ -15189,14 +15601,14 @@
       </p:sp>
       <p:sp>
         <p:nvSpPr>
-          <p:cNvPr id="289" name="CustomShape 2"/>
+          <p:cNvPr id="293" name="CustomShape 2"/>
           <p:cNvSpPr/>
           <p:nvPr/>
         </p:nvSpPr>
         <p:spPr>
           <a:xfrm>
             <a:off x="522360" y="671400"/>
-            <a:ext cx="9646200" cy="946800"/>
+            <a:ext cx="9645840" cy="946440"/>
           </a:xfrm>
           <a:prstGeom prst="rect">
             <a:avLst/>
@@ -15249,14 +15661,14 @@
       </p:sp>
       <p:sp>
         <p:nvSpPr>
-          <p:cNvPr id="290" name="CustomShape 3"/>
+          <p:cNvPr id="294" name="CustomShape 3"/>
           <p:cNvSpPr/>
           <p:nvPr/>
         </p:nvSpPr>
         <p:spPr>
           <a:xfrm>
             <a:off x="522360" y="2138400"/>
-            <a:ext cx="8422200" cy="4520160"/>
+            <a:ext cx="8421840" cy="4519800"/>
           </a:xfrm>
           <a:prstGeom prst="rect">
             <a:avLst/>
@@ -15275,14 +15687,14 @@
       </p:sp>
       <p:sp>
         <p:nvSpPr>
-          <p:cNvPr id="291" name="CustomShape 4"/>
+          <p:cNvPr id="295" name="CustomShape 4"/>
           <p:cNvSpPr/>
           <p:nvPr/>
         </p:nvSpPr>
         <p:spPr>
           <a:xfrm>
             <a:off x="522360" y="2138400"/>
-            <a:ext cx="8422200" cy="4520160"/>
+            <a:ext cx="8421840" cy="4519800"/>
           </a:xfrm>
           <a:prstGeom prst="rect">
             <a:avLst/>
@@ -15301,7 +15713,7 @@
       </p:sp>
       <p:pic>
         <p:nvPicPr>
-          <p:cNvPr id="292" name="" descr=""/>
+          <p:cNvPr id="296" name="" descr=""/>
           <p:cNvPicPr/>
           <p:nvPr/>
         </p:nvPicPr>
@@ -15312,7 +15724,7 @@
         <p:spPr>
           <a:xfrm>
             <a:off x="504720" y="4320720"/>
-            <a:ext cx="5469480" cy="2425320"/>
+            <a:ext cx="5469120" cy="2424960"/>
           </a:xfrm>
           <a:prstGeom prst="rect">
             <a:avLst/>
@@ -15324,7 +15736,7 @@
       </p:pic>
       <p:pic>
         <p:nvPicPr>
-          <p:cNvPr id="293" name="" descr=""/>
+          <p:cNvPr id="297" name="" descr=""/>
           <p:cNvPicPr/>
           <p:nvPr/>
         </p:nvPicPr>
@@ -15335,7 +15747,7 @@
         <p:spPr>
           <a:xfrm>
             <a:off x="504720" y="1728720"/>
-            <a:ext cx="5469480" cy="2424600"/>
+            <a:ext cx="5469120" cy="2424240"/>
           </a:xfrm>
           <a:prstGeom prst="rect">
             <a:avLst/>
@@ -15347,14 +15759,14 @@
       </p:pic>
       <p:sp>
         <p:nvSpPr>
-          <p:cNvPr id="294" name="CustomShape 5"/>
+          <p:cNvPr id="298" name="CustomShape 5"/>
           <p:cNvSpPr/>
           <p:nvPr/>
         </p:nvSpPr>
         <p:spPr>
           <a:xfrm>
             <a:off x="792000" y="1863360"/>
-            <a:ext cx="791640" cy="368280"/>
+            <a:ext cx="791280" cy="367920"/>
           </a:xfrm>
           <a:prstGeom prst="rect">
             <a:avLst/>
@@ -15414,14 +15826,14 @@
       </p:sp>
       <p:sp>
         <p:nvSpPr>
-          <p:cNvPr id="295" name="CustomShape 6"/>
+          <p:cNvPr id="299" name="CustomShape 6"/>
           <p:cNvSpPr/>
           <p:nvPr/>
         </p:nvSpPr>
         <p:spPr>
           <a:xfrm>
             <a:off x="792000" y="4392000"/>
-            <a:ext cx="1943640" cy="431640"/>
+            <a:ext cx="1943280" cy="431280"/>
           </a:xfrm>
           <a:prstGeom prst="rect">
             <a:avLst/>
@@ -15468,13 +15880,13 @@
       </p:sp>
       <p:graphicFrame>
         <p:nvGraphicFramePr>
-          <p:cNvPr id="296" name="Table 7"/>
+          <p:cNvPr id="300" name="Table 7"/>
           <p:cNvGraphicFramePr/>
           <p:nvPr/>
         </p:nvGraphicFramePr>
         <p:xfrm>
           <a:off x="6401880" y="1776240"/>
-          <a:ext cx="1753920" cy="2333520"/>
+          <a:ext cx="1753560" cy="2333160"/>
         </p:xfrm>
         <a:graphic>
           <a:graphicData uri="http://schemas.openxmlformats.org/drawingml/2006/table">
@@ -15629,7 +16041,11 @@
                   <a:txBody>
                     <a:bodyPr lIns="90000" rIns="90000"/>
                     <a:p>
-                      <a:pPr algn="r"/>
+                      <a:pPr algn="r">
+                        <a:lnSpc>
+                          <a:spcPct val="100000"/>
+                        </a:lnSpc>
+                      </a:pPr>
                       <a:r>
                         <a:rPr b="0" lang="de-DE" sz="1400" spc="-1" strike="noStrike">
                           <a:latin typeface="Arial"/>
@@ -15719,7 +16135,11 @@
                   <a:txBody>
                     <a:bodyPr lIns="90000" rIns="90000"/>
                     <a:p>
-                      <a:pPr algn="r"/>
+                      <a:pPr algn="r">
+                        <a:lnSpc>
+                          <a:spcPct val="100000"/>
+                        </a:lnSpc>
+                      </a:pPr>
                       <a:r>
                         <a:rPr b="0" lang="de-DE" sz="1400" spc="-1" strike="noStrike">
                           <a:latin typeface="Arial"/>
@@ -15809,7 +16229,11 @@
                   <a:txBody>
                     <a:bodyPr lIns="90000" rIns="90000"/>
                     <a:p>
-                      <a:pPr algn="r"/>
+                      <a:pPr algn="r">
+                        <a:lnSpc>
+                          <a:spcPct val="100000"/>
+                        </a:lnSpc>
+                      </a:pPr>
                       <a:r>
                         <a:rPr b="0" lang="de-DE" sz="1400" spc="-1" strike="noStrike">
                           <a:latin typeface="Arial"/>
@@ -15899,14 +16323,18 @@
                   <a:txBody>
                     <a:bodyPr lIns="90000" rIns="90000"/>
                     <a:p>
-                      <a:pPr algn="r"/>
+                      <a:pPr algn="r">
+                        <a:lnSpc>
+                          <a:spcPct val="100000"/>
+                        </a:lnSpc>
+                      </a:pPr>
                       <a:r>
                         <a:rPr b="1" lang="de-DE" sz="1400" spc="-1" strike="noStrike">
                           <a:latin typeface="Arial"/>
                         </a:rPr>
                         <a:t>68.31</a:t>
                       </a:r>
-                      <a:endParaRPr b="1" lang="de-DE" sz="1400" spc="-1" strike="noStrike">
+                      <a:endParaRPr b="0" lang="de-DE" sz="1400" spc="-1" strike="noStrike">
                         <a:latin typeface="Arial"/>
                       </a:endParaRPr>
                     </a:p>
@@ -15989,7 +16417,11 @@
                   <a:txBody>
                     <a:bodyPr lIns="90000" rIns="90000"/>
                     <a:p>
-                      <a:pPr algn="r"/>
+                      <a:pPr algn="r">
+                        <a:lnSpc>
+                          <a:spcPct val="100000"/>
+                        </a:lnSpc>
+                      </a:pPr>
                       <a:r>
                         <a:rPr b="0" lang="de-DE" sz="1400" spc="-1" strike="noStrike">
                           <a:latin typeface="Arial"/>
@@ -16079,7 +16511,11 @@
                   <a:txBody>
                     <a:bodyPr lIns="90000" rIns="90000"/>
                     <a:p>
-                      <a:pPr algn="r"/>
+                      <a:pPr algn="r">
+                        <a:lnSpc>
+                          <a:spcPct val="100000"/>
+                        </a:lnSpc>
+                      </a:pPr>
                       <a:r>
                         <a:rPr b="0" lang="de-DE" sz="1400" spc="-1" strike="noStrike">
                           <a:latin typeface="Arial"/>
@@ -16118,7 +16554,7 @@
                   </a:tcPr>
                 </a:tc>
               </a:tr>
-              <a:tr h="292320">
+              <a:tr h="291960">
                 <a:tc>
                   <a:txBody>
                     <a:bodyPr lIns="90000" rIns="90000"/>
@@ -16169,7 +16605,11 @@
                   <a:txBody>
                     <a:bodyPr lIns="90000" rIns="90000"/>
                     <a:p>
-                      <a:pPr algn="r"/>
+                      <a:pPr algn="r">
+                        <a:lnSpc>
+                          <a:spcPct val="100000"/>
+                        </a:lnSpc>
+                      </a:pPr>
                       <a:r>
                         <a:rPr b="0" lang="de-DE" sz="1400" spc="-1" strike="noStrike">
                           <a:latin typeface="Arial"/>
@@ -16214,13 +16654,13 @@
       </p:graphicFrame>
       <p:graphicFrame>
         <p:nvGraphicFramePr>
-          <p:cNvPr id="297" name="Table 8"/>
+          <p:cNvPr id="301" name="Table 8"/>
           <p:cNvGraphicFramePr/>
           <p:nvPr/>
         </p:nvGraphicFramePr>
         <p:xfrm>
           <a:off x="6413400" y="4355280"/>
-          <a:ext cx="1753200" cy="2457360"/>
+          <a:ext cx="1752840" cy="2457000"/>
         </p:xfrm>
         <a:graphic>
           <a:graphicData uri="http://schemas.openxmlformats.org/drawingml/2006/table">
@@ -16233,7 +16673,7 @@
               <a:tr h="307080">
                 <a:tc>
                   <a:txBody>
-                    <a:bodyPr lIns="90000" rIns="90000" tIns="46800" bIns="46800"/>
+                    <a:bodyPr lIns="90000" rIns="90000"/>
                     <a:p>
                       <a:pPr algn="ctr">
                         <a:lnSpc>
@@ -16279,7 +16719,7 @@
                 </a:tc>
                 <a:tc>
                   <a:txBody>
-                    <a:bodyPr lIns="90000" rIns="90000" tIns="46800" bIns="46800"/>
+                    <a:bodyPr lIns="90000" rIns="90000"/>
                     <a:p>
                       <a:pPr algn="ctr">
                         <a:lnSpc>
@@ -16327,7 +16767,7 @@
               <a:tr h="307080">
                 <a:tc>
                   <a:txBody>
-                    <a:bodyPr lIns="90000" rIns="90000" tIns="46800" bIns="46800"/>
+                    <a:bodyPr lIns="90000" rIns="90000"/>
                     <a:p>
                       <a:pPr algn="r">
                         <a:lnSpc>
@@ -16373,9 +16813,13 @@
                 </a:tc>
                 <a:tc>
                   <a:txBody>
-                    <a:bodyPr lIns="90000" rIns="90000" tIns="46800" bIns="46800"/>
+                    <a:bodyPr lIns="90000" rIns="90000"/>
                     <a:p>
-                      <a:pPr algn="r"/>
+                      <a:pPr algn="r">
+                        <a:lnSpc>
+                          <a:spcPct val="100000"/>
+                        </a:lnSpc>
+                      </a:pPr>
                       <a:r>
                         <a:rPr b="0" lang="de-DE" sz="1400" spc="-1" strike="noStrike">
                           <a:latin typeface="Arial"/>
@@ -16417,7 +16861,7 @@
               <a:tr h="307080">
                 <a:tc>
                   <a:txBody>
-                    <a:bodyPr lIns="90000" rIns="90000" tIns="46800" bIns="46800"/>
+                    <a:bodyPr lIns="90000" rIns="90000"/>
                     <a:p>
                       <a:pPr algn="r">
                         <a:lnSpc>
@@ -16463,9 +16907,13 @@
                 </a:tc>
                 <a:tc>
                   <a:txBody>
-                    <a:bodyPr lIns="90000" rIns="90000" tIns="46800" bIns="46800"/>
+                    <a:bodyPr lIns="90000" rIns="90000"/>
                     <a:p>
-                      <a:pPr algn="r"/>
+                      <a:pPr algn="r">
+                        <a:lnSpc>
+                          <a:spcPct val="100000"/>
+                        </a:lnSpc>
+                      </a:pPr>
                       <a:r>
                         <a:rPr b="0" lang="de-DE" sz="1400" spc="-1" strike="noStrike">
                           <a:latin typeface="Arial"/>
@@ -16507,7 +16955,7 @@
               <a:tr h="307080">
                 <a:tc>
                   <a:txBody>
-                    <a:bodyPr lIns="90000" rIns="90000" tIns="46800" bIns="46800"/>
+                    <a:bodyPr lIns="90000" rIns="90000"/>
                     <a:p>
                       <a:pPr algn="r">
                         <a:lnSpc>
@@ -16553,9 +17001,13 @@
                 </a:tc>
                 <a:tc>
                   <a:txBody>
-                    <a:bodyPr lIns="90000" rIns="90000" tIns="46800" bIns="46800"/>
+                    <a:bodyPr lIns="90000" rIns="90000"/>
                     <a:p>
-                      <a:pPr algn="r"/>
+                      <a:pPr algn="r">
+                        <a:lnSpc>
+                          <a:spcPct val="100000"/>
+                        </a:lnSpc>
+                      </a:pPr>
                       <a:r>
                         <a:rPr b="0" lang="de-DE" sz="1400" spc="-1" strike="noStrike">
                           <a:latin typeface="Arial"/>
@@ -16597,7 +17049,7 @@
               <a:tr h="307080">
                 <a:tc>
                   <a:txBody>
-                    <a:bodyPr lIns="90000" rIns="90000" tIns="46800" bIns="46800"/>
+                    <a:bodyPr lIns="90000" rIns="90000"/>
                     <a:p>
                       <a:pPr algn="r">
                         <a:lnSpc>
@@ -16643,9 +17095,13 @@
                 </a:tc>
                 <a:tc>
                   <a:txBody>
-                    <a:bodyPr lIns="90000" rIns="90000" tIns="46800" bIns="46800"/>
+                    <a:bodyPr lIns="90000" rIns="90000"/>
                     <a:p>
-                      <a:pPr algn="r"/>
+                      <a:pPr algn="r">
+                        <a:lnSpc>
+                          <a:spcPct val="100000"/>
+                        </a:lnSpc>
+                      </a:pPr>
                       <a:r>
                         <a:rPr b="0" lang="de-DE" sz="1400" spc="-1" strike="noStrike">
                           <a:latin typeface="Arial"/>
@@ -16687,7 +17143,7 @@
               <a:tr h="307080">
                 <a:tc>
                   <a:txBody>
-                    <a:bodyPr lIns="90000" rIns="90000" tIns="46800" bIns="46800"/>
+                    <a:bodyPr lIns="90000" rIns="90000"/>
                     <a:p>
                       <a:pPr algn="r">
                         <a:lnSpc>
@@ -16733,9 +17189,13 @@
                 </a:tc>
                 <a:tc>
                   <a:txBody>
-                    <a:bodyPr lIns="90000" rIns="90000" tIns="46800" bIns="46800"/>
+                    <a:bodyPr lIns="90000" rIns="90000"/>
                     <a:p>
-                      <a:pPr algn="r"/>
+                      <a:pPr algn="r">
+                        <a:lnSpc>
+                          <a:spcPct val="100000"/>
+                        </a:lnSpc>
+                      </a:pPr>
                       <a:r>
                         <a:rPr b="0" lang="de-DE" sz="1400" spc="-1" strike="noStrike">
                           <a:latin typeface="Arial"/>
@@ -16777,7 +17237,7 @@
               <a:tr h="307080">
                 <a:tc>
                   <a:txBody>
-                    <a:bodyPr lIns="90000" rIns="90000" tIns="46800" bIns="46800"/>
+                    <a:bodyPr lIns="90000" rIns="90000"/>
                     <a:p>
                       <a:pPr algn="r">
                         <a:lnSpc>
@@ -16823,16 +17283,20 @@
                 </a:tc>
                 <a:tc>
                   <a:txBody>
-                    <a:bodyPr lIns="90000" rIns="90000" tIns="46800" bIns="46800"/>
+                    <a:bodyPr lIns="90000" rIns="90000"/>
                     <a:p>
-                      <a:pPr algn="r"/>
+                      <a:pPr algn="r">
+                        <a:lnSpc>
+                          <a:spcPct val="100000"/>
+                        </a:lnSpc>
+                      </a:pPr>
                       <a:r>
                         <a:rPr b="1" lang="de-DE" sz="1400" spc="-1" strike="noStrike">
                           <a:latin typeface="Arial"/>
                         </a:rPr>
                         <a:t>63.24</a:t>
                       </a:r>
-                      <a:endParaRPr b="1" lang="de-DE" sz="1400" spc="-1" strike="noStrike">
+                      <a:endParaRPr b="0" lang="de-DE" sz="1400" spc="-1" strike="noStrike">
                         <a:latin typeface="Arial"/>
                       </a:endParaRPr>
                     </a:p>
@@ -16864,10 +17328,10 @@
                   </a:tcPr>
                 </a:tc>
               </a:tr>
-              <a:tr h="307800">
+              <a:tr h="307440">
                 <a:tc>
                   <a:txBody>
-                    <a:bodyPr lIns="90000" rIns="90000" tIns="46800" bIns="46800"/>
+                    <a:bodyPr lIns="90000" rIns="90000"/>
                     <a:p>
                       <a:pPr algn="r">
                         <a:lnSpc>
@@ -16913,9 +17377,13 @@
                 </a:tc>
                 <a:tc>
                   <a:txBody>
-                    <a:bodyPr lIns="90000" rIns="90000" tIns="46800" bIns="46800"/>
+                    <a:bodyPr lIns="90000" rIns="90000"/>
                     <a:p>
-                      <a:pPr algn="r"/>
+                      <a:pPr algn="r">
+                        <a:lnSpc>
+                          <a:spcPct val="100000"/>
+                        </a:lnSpc>
+                      </a:pPr>
                       <a:r>
                         <a:rPr b="0" lang="de-DE" sz="1400" spc="-1" strike="noStrike">
                           <a:latin typeface="Arial"/>
@@ -17009,14 +17477,14 @@
       </p:grpSpPr>
       <p:sp>
         <p:nvSpPr>
-          <p:cNvPr id="298" name="CustomShape 1"/>
+          <p:cNvPr id="302" name="CustomShape 1"/>
           <p:cNvSpPr/>
           <p:nvPr/>
         </p:nvSpPr>
         <p:spPr>
           <a:xfrm>
             <a:off x="8947080" y="7165800"/>
-            <a:ext cx="1221480" cy="226080"/>
+            <a:ext cx="1221120" cy="225720"/>
           </a:xfrm>
           <a:prstGeom prst="rect">
             <a:avLst/>
@@ -17050,7 +17518,7 @@
               </a:rPr>
               <a:t>Seite </a:t>
             </a:r>
-            <a:fld id="{0E6EC162-1B46-4067-A2F7-69A622036735}" type="slidenum">
+            <a:fld id="{8AFE58D1-A98A-4564-B61B-EB2CF1AD9931}" type="slidenum">
               <a:rPr b="0" lang="de-DE" sz="1000" spc="-1" strike="noStrike">
                 <a:solidFill>
                   <a:srgbClr val="000000"/>
@@ -17058,7 +17526,7 @@
                 <a:latin typeface="Arial"/>
                 <a:ea typeface="DejaVu Sans"/>
               </a:rPr>
-              <a:t>1</a:t>
+              <a:t>&lt;Foliennummer&gt;</a:t>
             </a:fld>
             <a:endParaRPr b="0" lang="de-DE" sz="1000" spc="-1" strike="noStrike">
               <a:latin typeface="Arial"/>
@@ -17068,14 +17536,14 @@
       </p:sp>
       <p:sp>
         <p:nvSpPr>
-          <p:cNvPr id="299" name="CustomShape 2"/>
+          <p:cNvPr id="303" name="CustomShape 2"/>
           <p:cNvSpPr/>
           <p:nvPr/>
         </p:nvSpPr>
         <p:spPr>
           <a:xfrm>
             <a:off x="522360" y="671400"/>
-            <a:ext cx="9646200" cy="946800"/>
+            <a:ext cx="9645840" cy="946440"/>
           </a:xfrm>
           <a:prstGeom prst="rect">
             <a:avLst/>
@@ -17128,14 +17596,14 @@
       </p:sp>
       <p:sp>
         <p:nvSpPr>
-          <p:cNvPr id="300" name="CustomShape 3"/>
+          <p:cNvPr id="304" name="CustomShape 3"/>
           <p:cNvSpPr/>
           <p:nvPr/>
         </p:nvSpPr>
         <p:spPr>
           <a:xfrm>
             <a:off x="522360" y="2138400"/>
-            <a:ext cx="8422200" cy="4520160"/>
+            <a:ext cx="8421840" cy="4519800"/>
           </a:xfrm>
           <a:prstGeom prst="rect">
             <a:avLst/>
@@ -17154,14 +17622,14 @@
       </p:sp>
       <p:sp>
         <p:nvSpPr>
-          <p:cNvPr id="301" name="CustomShape 4"/>
+          <p:cNvPr id="305" name="CustomShape 4"/>
           <p:cNvSpPr/>
           <p:nvPr/>
         </p:nvSpPr>
         <p:spPr>
           <a:xfrm>
             <a:off x="522360" y="2138400"/>
-            <a:ext cx="8422200" cy="4520160"/>
+            <a:ext cx="8421840" cy="4519800"/>
           </a:xfrm>
           <a:prstGeom prst="rect">
             <a:avLst/>
@@ -17180,7 +17648,7 @@
       </p:sp>
       <p:pic>
         <p:nvPicPr>
-          <p:cNvPr id="302" name="" descr=""/>
+          <p:cNvPr id="306" name="" descr=""/>
           <p:cNvPicPr/>
           <p:nvPr/>
         </p:nvPicPr>
@@ -17191,7 +17659,7 @@
         <p:spPr>
           <a:xfrm>
             <a:off x="504360" y="1728360"/>
-            <a:ext cx="5469840" cy="2424960"/>
+            <a:ext cx="5469480" cy="2424600"/>
           </a:xfrm>
           <a:prstGeom prst="rect">
             <a:avLst/>
@@ -17203,7 +17671,7 @@
       </p:pic>
       <p:pic>
         <p:nvPicPr>
-          <p:cNvPr id="303" name="" descr=""/>
+          <p:cNvPr id="307" name="" descr=""/>
           <p:cNvPicPr/>
           <p:nvPr/>
         </p:nvPicPr>
@@ -17214,7 +17682,7 @@
         <p:spPr>
           <a:xfrm>
             <a:off x="504360" y="4320360"/>
-            <a:ext cx="5469840" cy="2425680"/>
+            <a:ext cx="5469480" cy="2425320"/>
           </a:xfrm>
           <a:prstGeom prst="rect">
             <a:avLst/>
@@ -17226,14 +17694,14 @@
       </p:pic>
       <p:sp>
         <p:nvSpPr>
-          <p:cNvPr id="304" name="CustomShape 5"/>
+          <p:cNvPr id="308" name="CustomShape 5"/>
           <p:cNvSpPr/>
           <p:nvPr/>
         </p:nvSpPr>
         <p:spPr>
           <a:xfrm>
             <a:off x="792000" y="1863360"/>
-            <a:ext cx="791640" cy="368280"/>
+            <a:ext cx="791280" cy="367920"/>
           </a:xfrm>
           <a:prstGeom prst="rect">
             <a:avLst/>
@@ -17293,14 +17761,14 @@
       </p:sp>
       <p:sp>
         <p:nvSpPr>
-          <p:cNvPr id="305" name="CustomShape 6"/>
+          <p:cNvPr id="309" name="CustomShape 6"/>
           <p:cNvSpPr/>
           <p:nvPr/>
         </p:nvSpPr>
         <p:spPr>
           <a:xfrm>
             <a:off x="792000" y="4392000"/>
-            <a:ext cx="1943640" cy="431640"/>
+            <a:ext cx="1943280" cy="431280"/>
           </a:xfrm>
           <a:prstGeom prst="rect">
             <a:avLst/>
@@ -17347,13 +17815,13 @@
       </p:sp>
       <p:graphicFrame>
         <p:nvGraphicFramePr>
-          <p:cNvPr id="306" name="Table 7"/>
+          <p:cNvPr id="310" name="Table 7"/>
           <p:cNvGraphicFramePr/>
           <p:nvPr/>
         </p:nvGraphicFramePr>
         <p:xfrm>
           <a:off x="6401880" y="1776240"/>
-          <a:ext cx="1753920" cy="2333520"/>
+          <a:ext cx="1753560" cy="2333160"/>
         </p:xfrm>
         <a:graphic>
           <a:graphicData uri="http://schemas.openxmlformats.org/drawingml/2006/table">
@@ -17508,14 +17976,18 @@
                   <a:txBody>
                     <a:bodyPr lIns="90000" rIns="90000"/>
                     <a:p>
-                      <a:pPr algn="r"/>
+                      <a:pPr algn="r">
+                        <a:lnSpc>
+                          <a:spcPct val="100000"/>
+                        </a:lnSpc>
+                      </a:pPr>
                       <a:r>
                         <a:rPr b="1" lang="de-DE" sz="1400" spc="-1" strike="noStrike">
                           <a:latin typeface="Arial"/>
                         </a:rPr>
                         <a:t>69.65</a:t>
                       </a:r>
-                      <a:endParaRPr b="1" lang="de-DE" sz="1400" spc="-1" strike="noStrike">
+                      <a:endParaRPr b="0" lang="de-DE" sz="1400" spc="-1" strike="noStrike">
                         <a:latin typeface="Arial"/>
                       </a:endParaRPr>
                     </a:p>
@@ -17598,7 +18070,11 @@
                   <a:txBody>
                     <a:bodyPr lIns="90000" rIns="90000"/>
                     <a:p>
-                      <a:pPr algn="r"/>
+                      <a:pPr algn="r">
+                        <a:lnSpc>
+                          <a:spcPct val="100000"/>
+                        </a:lnSpc>
+                      </a:pPr>
                       <a:r>
                         <a:rPr b="0" lang="de-DE" sz="1400" spc="-1" strike="noStrike">
                           <a:latin typeface="Arial"/>
@@ -17688,7 +18164,11 @@
                   <a:txBody>
                     <a:bodyPr lIns="90000" rIns="90000"/>
                     <a:p>
-                      <a:pPr algn="r"/>
+                      <a:pPr algn="r">
+                        <a:lnSpc>
+                          <a:spcPct val="100000"/>
+                        </a:lnSpc>
+                      </a:pPr>
                       <a:r>
                         <a:rPr b="0" lang="de-DE" sz="1400" spc="-1" strike="noStrike">
                           <a:latin typeface="Arial"/>
@@ -17778,7 +18258,11 @@
                   <a:txBody>
                     <a:bodyPr lIns="90000" rIns="90000"/>
                     <a:p>
-                      <a:pPr algn="r"/>
+                      <a:pPr algn="r">
+                        <a:lnSpc>
+                          <a:spcPct val="100000"/>
+                        </a:lnSpc>
+                      </a:pPr>
                       <a:r>
                         <a:rPr b="0" lang="de-DE" sz="1400" spc="-1" strike="noStrike">
                           <a:latin typeface="Arial"/>
@@ -17868,7 +18352,11 @@
                   <a:txBody>
                     <a:bodyPr lIns="90000" rIns="90000"/>
                     <a:p>
-                      <a:pPr algn="r"/>
+                      <a:pPr algn="r">
+                        <a:lnSpc>
+                          <a:spcPct val="100000"/>
+                        </a:lnSpc>
+                      </a:pPr>
                       <a:r>
                         <a:rPr b="0" lang="de-DE" sz="1400" spc="-1" strike="noStrike">
                           <a:latin typeface="Arial"/>
@@ -17958,7 +18446,11 @@
                   <a:txBody>
                     <a:bodyPr lIns="90000" rIns="90000"/>
                     <a:p>
-                      <a:pPr algn="r"/>
+                      <a:pPr algn="r">
+                        <a:lnSpc>
+                          <a:spcPct val="100000"/>
+                        </a:lnSpc>
+                      </a:pPr>
                       <a:r>
                         <a:rPr b="0" lang="de-DE" sz="1400" spc="-1" strike="noStrike">
                           <a:latin typeface="Arial"/>
@@ -17997,7 +18489,7 @@
                   </a:tcPr>
                 </a:tc>
               </a:tr>
-              <a:tr h="292320">
+              <a:tr h="291960">
                 <a:tc>
                   <a:txBody>
                     <a:bodyPr lIns="90000" rIns="90000"/>
@@ -18048,7 +18540,11 @@
                   <a:txBody>
                     <a:bodyPr lIns="90000" rIns="90000"/>
                     <a:p>
-                      <a:pPr algn="r"/>
+                      <a:pPr algn="r">
+                        <a:lnSpc>
+                          <a:spcPct val="100000"/>
+                        </a:lnSpc>
+                      </a:pPr>
                       <a:r>
                         <a:rPr b="0" lang="de-DE" sz="1400" spc="-1" strike="noStrike">
                           <a:latin typeface="Arial"/>
@@ -18093,13 +18589,13 @@
       </p:graphicFrame>
       <p:graphicFrame>
         <p:nvGraphicFramePr>
-          <p:cNvPr id="307" name="Table 8"/>
+          <p:cNvPr id="311" name="Table 8"/>
           <p:cNvGraphicFramePr/>
           <p:nvPr/>
         </p:nvGraphicFramePr>
         <p:xfrm>
           <a:off x="6413400" y="4355280"/>
-          <a:ext cx="1753200" cy="2457360"/>
+          <a:ext cx="1752840" cy="2457000"/>
         </p:xfrm>
         <a:graphic>
           <a:graphicData uri="http://schemas.openxmlformats.org/drawingml/2006/table">
@@ -18112,7 +18608,7 @@
               <a:tr h="307080">
                 <a:tc>
                   <a:txBody>
-                    <a:bodyPr lIns="90000" rIns="90000" tIns="46800" bIns="46800"/>
+                    <a:bodyPr lIns="90000" rIns="90000"/>
                     <a:p>
                       <a:pPr algn="ctr">
                         <a:lnSpc>
@@ -18158,7 +18654,7 @@
                 </a:tc>
                 <a:tc>
                   <a:txBody>
-                    <a:bodyPr lIns="90000" rIns="90000" tIns="46800" bIns="46800"/>
+                    <a:bodyPr lIns="90000" rIns="90000"/>
                     <a:p>
                       <a:pPr algn="ctr">
                         <a:lnSpc>
@@ -18206,7 +18702,7 @@
               <a:tr h="307080">
                 <a:tc>
                   <a:txBody>
-                    <a:bodyPr lIns="90000" rIns="90000" tIns="46800" bIns="46800"/>
+                    <a:bodyPr lIns="90000" rIns="90000"/>
                     <a:p>
                       <a:pPr algn="r">
                         <a:lnSpc>
@@ -18252,9 +18748,13 @@
                 </a:tc>
                 <a:tc>
                   <a:txBody>
-                    <a:bodyPr lIns="90000" rIns="90000" tIns="46800" bIns="46800"/>
+                    <a:bodyPr lIns="90000" rIns="90000"/>
                     <a:p>
-                      <a:pPr algn="r"/>
+                      <a:pPr algn="r">
+                        <a:lnSpc>
+                          <a:spcPct val="100000"/>
+                        </a:lnSpc>
+                      </a:pPr>
                       <a:r>
                         <a:rPr b="0" lang="de-DE" sz="1400" spc="-1" strike="noStrike">
                           <a:latin typeface="Arial"/>
@@ -18296,7 +18796,7 @@
               <a:tr h="307080">
                 <a:tc>
                   <a:txBody>
-                    <a:bodyPr lIns="90000" rIns="90000" tIns="46800" bIns="46800"/>
+                    <a:bodyPr lIns="90000" rIns="90000"/>
                     <a:p>
                       <a:pPr algn="r">
                         <a:lnSpc>
@@ -18342,9 +18842,13 @@
                 </a:tc>
                 <a:tc>
                   <a:txBody>
-                    <a:bodyPr lIns="90000" rIns="90000" tIns="46800" bIns="46800"/>
+                    <a:bodyPr lIns="90000" rIns="90000"/>
                     <a:p>
-                      <a:pPr algn="r"/>
+                      <a:pPr algn="r">
+                        <a:lnSpc>
+                          <a:spcPct val="100000"/>
+                        </a:lnSpc>
+                      </a:pPr>
                       <a:r>
                         <a:rPr b="0" lang="de-DE" sz="1400" spc="-1" strike="noStrike">
                           <a:latin typeface="Arial"/>
@@ -18386,7 +18890,7 @@
               <a:tr h="307080">
                 <a:tc>
                   <a:txBody>
-                    <a:bodyPr lIns="90000" rIns="90000" tIns="46800" bIns="46800"/>
+                    <a:bodyPr lIns="90000" rIns="90000"/>
                     <a:p>
                       <a:pPr algn="r">
                         <a:lnSpc>
@@ -18432,9 +18936,13 @@
                 </a:tc>
                 <a:tc>
                   <a:txBody>
-                    <a:bodyPr lIns="90000" rIns="90000" tIns="46800" bIns="46800"/>
+                    <a:bodyPr lIns="90000" rIns="90000"/>
                     <a:p>
-                      <a:pPr algn="r"/>
+                      <a:pPr algn="r">
+                        <a:lnSpc>
+                          <a:spcPct val="100000"/>
+                        </a:lnSpc>
+                      </a:pPr>
                       <a:r>
                         <a:rPr b="0" lang="de-DE" sz="1400" spc="-1" strike="noStrike">
                           <a:latin typeface="Arial"/>
@@ -18476,7 +18984,7 @@
               <a:tr h="307080">
                 <a:tc>
                   <a:txBody>
-                    <a:bodyPr lIns="90000" rIns="90000" tIns="46800" bIns="46800"/>
+                    <a:bodyPr lIns="90000" rIns="90000"/>
                     <a:p>
                       <a:pPr algn="r">
                         <a:lnSpc>
@@ -18522,9 +19030,13 @@
                 </a:tc>
                 <a:tc>
                   <a:txBody>
-                    <a:bodyPr lIns="90000" rIns="90000" tIns="46800" bIns="46800"/>
+                    <a:bodyPr lIns="90000" rIns="90000"/>
                     <a:p>
-                      <a:pPr algn="r"/>
+                      <a:pPr algn="r">
+                        <a:lnSpc>
+                          <a:spcPct val="100000"/>
+                        </a:lnSpc>
+                      </a:pPr>
                       <a:r>
                         <a:rPr b="0" lang="de-DE" sz="1400" spc="-1" strike="noStrike">
                           <a:latin typeface="Arial"/>
@@ -18566,7 +19078,7 @@
               <a:tr h="307080">
                 <a:tc>
                   <a:txBody>
-                    <a:bodyPr lIns="90000" rIns="90000" tIns="46800" bIns="46800"/>
+                    <a:bodyPr lIns="90000" rIns="90000"/>
                     <a:p>
                       <a:pPr algn="r">
                         <a:lnSpc>
@@ -18612,9 +19124,13 @@
                 </a:tc>
                 <a:tc>
                   <a:txBody>
-                    <a:bodyPr lIns="90000" rIns="90000" tIns="46800" bIns="46800"/>
+                    <a:bodyPr lIns="90000" rIns="90000"/>
                     <a:p>
-                      <a:pPr algn="r"/>
+                      <a:pPr algn="r">
+                        <a:lnSpc>
+                          <a:spcPct val="100000"/>
+                        </a:lnSpc>
+                      </a:pPr>
                       <a:r>
                         <a:rPr b="0" lang="de-DE" sz="1400" spc="-1" strike="noStrike">
                           <a:latin typeface="Arial"/>
@@ -18656,7 +19172,7 @@
               <a:tr h="307080">
                 <a:tc>
                   <a:txBody>
-                    <a:bodyPr lIns="90000" rIns="90000" tIns="46800" bIns="46800"/>
+                    <a:bodyPr lIns="90000" rIns="90000"/>
                     <a:p>
                       <a:pPr algn="r">
                         <a:lnSpc>
@@ -18702,16 +19218,20 @@
                 </a:tc>
                 <a:tc>
                   <a:txBody>
-                    <a:bodyPr lIns="90000" rIns="90000" tIns="46800" bIns="46800"/>
+                    <a:bodyPr lIns="90000" rIns="90000"/>
                     <a:p>
-                      <a:pPr algn="r"/>
+                      <a:pPr algn="r">
+                        <a:lnSpc>
+                          <a:spcPct val="100000"/>
+                        </a:lnSpc>
+                      </a:pPr>
                       <a:r>
                         <a:rPr b="1" lang="de-DE" sz="1400" spc="-1" strike="noStrike">
                           <a:latin typeface="Arial"/>
                         </a:rPr>
                         <a:t>58.17</a:t>
                       </a:r>
-                      <a:endParaRPr b="1" lang="de-DE" sz="1400" spc="-1" strike="noStrike">
+                      <a:endParaRPr b="0" lang="de-DE" sz="1400" spc="-1" strike="noStrike">
                         <a:latin typeface="Arial"/>
                       </a:endParaRPr>
                     </a:p>
@@ -18743,10 +19263,10 @@
                   </a:tcPr>
                 </a:tc>
               </a:tr>
-              <a:tr h="307800">
+              <a:tr h="307440">
                 <a:tc>
                   <a:txBody>
-                    <a:bodyPr lIns="90000" rIns="90000" tIns="46800" bIns="46800"/>
+                    <a:bodyPr lIns="90000" rIns="90000"/>
                     <a:p>
                       <a:pPr algn="r">
                         <a:lnSpc>
@@ -18792,9 +19312,13 @@
                 </a:tc>
                 <a:tc>
                   <a:txBody>
-                    <a:bodyPr lIns="90000" rIns="90000" tIns="46800" bIns="46800"/>
+                    <a:bodyPr lIns="90000" rIns="90000"/>
                     <a:p>
-                      <a:pPr algn="r"/>
+                      <a:pPr algn="r">
+                        <a:lnSpc>
+                          <a:spcPct val="100000"/>
+                        </a:lnSpc>
+                      </a:pPr>
                       <a:r>
                         <a:rPr b="0" lang="de-DE" sz="1400" spc="-1" strike="noStrike">
                           <a:latin typeface="Arial"/>
@@ -18888,14 +19412,14 @@
       </p:grpSpPr>
       <p:sp>
         <p:nvSpPr>
-          <p:cNvPr id="308" name="CustomShape 1"/>
+          <p:cNvPr id="312" name="CustomShape 1"/>
           <p:cNvSpPr/>
           <p:nvPr/>
         </p:nvSpPr>
         <p:spPr>
           <a:xfrm>
             <a:off x="8947080" y="7165800"/>
-            <a:ext cx="1221480" cy="226080"/>
+            <a:ext cx="1221120" cy="225720"/>
           </a:xfrm>
           <a:prstGeom prst="rect">
             <a:avLst/>
@@ -18929,7 +19453,7 @@
               </a:rPr>
               <a:t>Seite </a:t>
             </a:r>
-            <a:fld id="{217B45A3-CDE5-4491-B6C8-7313B6A44337}" type="slidenum">
+            <a:fld id="{E8ADF8E8-6E7A-46CB-9867-7A84D6554B01}" type="slidenum">
               <a:rPr b="0" lang="de-DE" sz="1000" spc="-1" strike="noStrike">
                 <a:solidFill>
                   <a:srgbClr val="000000"/>
@@ -18947,14 +19471,14 @@
       </p:sp>
       <p:sp>
         <p:nvSpPr>
-          <p:cNvPr id="309" name="CustomShape 2"/>
+          <p:cNvPr id="313" name="CustomShape 2"/>
           <p:cNvSpPr/>
           <p:nvPr/>
         </p:nvSpPr>
         <p:spPr>
           <a:xfrm>
             <a:off x="522360" y="671400"/>
-            <a:ext cx="9646200" cy="946800"/>
+            <a:ext cx="9645840" cy="946440"/>
           </a:xfrm>
           <a:prstGeom prst="rect">
             <a:avLst/>
@@ -19007,14 +19531,14 @@
       </p:sp>
       <p:sp>
         <p:nvSpPr>
-          <p:cNvPr id="310" name="CustomShape 3"/>
+          <p:cNvPr id="314" name="CustomShape 3"/>
           <p:cNvSpPr/>
           <p:nvPr/>
         </p:nvSpPr>
         <p:spPr>
           <a:xfrm>
             <a:off x="522360" y="2138400"/>
-            <a:ext cx="8422200" cy="4520160"/>
+            <a:ext cx="8421840" cy="4519800"/>
           </a:xfrm>
           <a:prstGeom prst="rect">
             <a:avLst/>
@@ -19033,14 +19557,14 @@
       </p:sp>
       <p:sp>
         <p:nvSpPr>
-          <p:cNvPr id="311" name="CustomShape 4"/>
+          <p:cNvPr id="315" name="CustomShape 4"/>
           <p:cNvSpPr/>
           <p:nvPr/>
         </p:nvSpPr>
         <p:spPr>
           <a:xfrm>
             <a:off x="522360" y="2138400"/>
-            <a:ext cx="8422200" cy="4520160"/>
+            <a:ext cx="8421840" cy="4519800"/>
           </a:xfrm>
           <a:prstGeom prst="rect">
             <a:avLst/>
@@ -19059,7 +19583,7 @@
       </p:sp>
       <p:pic>
         <p:nvPicPr>
-          <p:cNvPr id="312" name="" descr=""/>
+          <p:cNvPr id="316" name="" descr=""/>
           <p:cNvPicPr/>
           <p:nvPr/>
         </p:nvPicPr>
@@ -19070,7 +19594,7 @@
         <p:spPr>
           <a:xfrm>
             <a:off x="3528000" y="1829880"/>
-            <a:ext cx="5081040" cy="2488680"/>
+            <a:ext cx="5080680" cy="2488320"/>
           </a:xfrm>
           <a:prstGeom prst="rect">
             <a:avLst/>
@@ -19082,7 +19606,7 @@
       </p:pic>
       <p:pic>
         <p:nvPicPr>
-          <p:cNvPr id="313" name="" descr=""/>
+          <p:cNvPr id="317" name="" descr=""/>
           <p:cNvPicPr/>
           <p:nvPr/>
         </p:nvPicPr>
@@ -19093,7 +19617,7 @@
         <p:spPr>
           <a:xfrm>
             <a:off x="3528000" y="4590360"/>
-            <a:ext cx="5095800" cy="2248200"/>
+            <a:ext cx="5095440" cy="2247840"/>
           </a:xfrm>
           <a:prstGeom prst="rect">
             <a:avLst/>
@@ -19154,14 +19678,14 @@
       </p:grpSpPr>
       <p:sp>
         <p:nvSpPr>
-          <p:cNvPr id="314" name="CustomShape 1"/>
+          <p:cNvPr id="318" name="CustomShape 1"/>
           <p:cNvSpPr/>
           <p:nvPr/>
         </p:nvSpPr>
         <p:spPr>
           <a:xfrm>
             <a:off x="8947080" y="7165800"/>
-            <a:ext cx="1221480" cy="226080"/>
+            <a:ext cx="1221120" cy="225720"/>
           </a:xfrm>
           <a:prstGeom prst="rect">
             <a:avLst/>
@@ -19195,7 +19719,7 @@
               </a:rPr>
               <a:t>Seite </a:t>
             </a:r>
-            <a:fld id="{28A18F62-7946-4541-AE69-FC82818D5468}" type="slidenum">
+            <a:fld id="{08FE4104-2C84-40F4-B7B4-5FE155E985E9}" type="slidenum">
               <a:rPr b="0" lang="de-DE" sz="1000" spc="-1" strike="noStrike">
                 <a:solidFill>
                   <a:srgbClr val="000000"/>
@@ -19213,14 +19737,14 @@
       </p:sp>
       <p:sp>
         <p:nvSpPr>
-          <p:cNvPr id="315" name="CustomShape 2"/>
+          <p:cNvPr id="319" name="CustomShape 2"/>
           <p:cNvSpPr/>
           <p:nvPr/>
         </p:nvSpPr>
         <p:spPr>
           <a:xfrm>
             <a:off x="522360" y="671400"/>
-            <a:ext cx="9646200" cy="946800"/>
+            <a:ext cx="9645840" cy="946440"/>
           </a:xfrm>
           <a:prstGeom prst="rect">
             <a:avLst/>
@@ -19262,14 +19786,14 @@
       </p:sp>
       <p:sp>
         <p:nvSpPr>
-          <p:cNvPr id="316" name="CustomShape 3"/>
+          <p:cNvPr id="320" name="CustomShape 3"/>
           <p:cNvSpPr/>
           <p:nvPr/>
         </p:nvSpPr>
         <p:spPr>
           <a:xfrm>
             <a:off x="522360" y="2138400"/>
-            <a:ext cx="8422200" cy="4520160"/>
+            <a:ext cx="8421840" cy="4519800"/>
           </a:xfrm>
           <a:prstGeom prst="rect">
             <a:avLst/>
@@ -19288,14 +19812,14 @@
       </p:sp>
       <p:sp>
         <p:nvSpPr>
-          <p:cNvPr id="317" name="CustomShape 4"/>
+          <p:cNvPr id="321" name="CustomShape 4"/>
           <p:cNvSpPr/>
           <p:nvPr/>
         </p:nvSpPr>
         <p:spPr>
           <a:xfrm>
             <a:off x="522360" y="2138400"/>
-            <a:ext cx="8422200" cy="4520160"/>
+            <a:ext cx="8421840" cy="4519800"/>
           </a:xfrm>
           <a:prstGeom prst="rect">
             <a:avLst/>
@@ -19314,14 +19838,14 @@
       </p:sp>
       <p:sp>
         <p:nvSpPr>
-          <p:cNvPr id="318" name="CustomShape 5"/>
+          <p:cNvPr id="322" name="CustomShape 5"/>
           <p:cNvSpPr/>
           <p:nvPr/>
         </p:nvSpPr>
         <p:spPr>
           <a:xfrm>
             <a:off x="536040" y="1769400"/>
-            <a:ext cx="8607600" cy="4383720"/>
+            <a:ext cx="8607240" cy="4383360"/>
           </a:xfrm>
           <a:prstGeom prst="rect">
             <a:avLst/>
@@ -19342,7 +19866,7 @@
             <a:normAutofit/>
           </a:bodyPr>
           <a:p>
-            <a:pPr marL="432000" indent="-322200">
+            <a:pPr marL="432000" indent="-321840">
               <a:lnSpc>
                 <a:spcPct val="100000"/>
               </a:lnSpc>
@@ -19371,7 +19895,7 @@
             </a:endParaRPr>
           </a:p>
           <a:p>
-            <a:pPr lvl="1" marL="864000" indent="-322200">
+            <a:pPr lvl="1" marL="864000" indent="-321840">
               <a:lnSpc>
                 <a:spcPct val="100000"/>
               </a:lnSpc>
@@ -19400,7 +19924,7 @@
             </a:endParaRPr>
           </a:p>
           <a:p>
-            <a:pPr lvl="1" marL="864000" indent="-322200">
+            <a:pPr lvl="1" marL="864000" indent="-321840">
               <a:lnSpc>
                 <a:spcPct val="100000"/>
               </a:lnSpc>
@@ -19429,7 +19953,7 @@
             </a:endParaRPr>
           </a:p>
           <a:p>
-            <a:pPr marL="432000" indent="-322200">
+            <a:pPr marL="432000" indent="-321840">
               <a:lnSpc>
                 <a:spcPct val="100000"/>
               </a:lnSpc>
@@ -19510,14 +20034,14 @@
       </p:grpSpPr>
       <p:sp>
         <p:nvSpPr>
-          <p:cNvPr id="319" name="CustomShape 1"/>
+          <p:cNvPr id="323" name="CustomShape 1"/>
           <p:cNvSpPr/>
           <p:nvPr/>
         </p:nvSpPr>
         <p:spPr>
           <a:xfrm>
             <a:off x="8947080" y="7165800"/>
-            <a:ext cx="1221480" cy="226080"/>
+            <a:ext cx="1221120" cy="225720"/>
           </a:xfrm>
           <a:prstGeom prst="rect">
             <a:avLst/>
@@ -19551,7 +20075,7 @@
               </a:rPr>
               <a:t>Seite </a:t>
             </a:r>
-            <a:fld id="{FFCA7794-C2E5-43C6-9532-CE2B435A7C29}" type="slidenum">
+            <a:fld id="{827E394A-1385-4E70-94E5-F40349BDC935}" type="slidenum">
               <a:rPr b="0" lang="de-DE" sz="1000" spc="-1" strike="noStrike">
                 <a:solidFill>
                   <a:srgbClr val="000000"/>
@@ -19569,14 +20093,14 @@
       </p:sp>
       <p:sp>
         <p:nvSpPr>
-          <p:cNvPr id="320" name="CustomShape 2"/>
+          <p:cNvPr id="324" name="CustomShape 2"/>
           <p:cNvSpPr/>
           <p:nvPr/>
         </p:nvSpPr>
         <p:spPr>
           <a:xfrm>
             <a:off x="522360" y="671400"/>
-            <a:ext cx="9646200" cy="946800"/>
+            <a:ext cx="9645840" cy="946440"/>
           </a:xfrm>
           <a:prstGeom prst="rect">
             <a:avLst/>
@@ -19638,14 +20162,14 @@
       </p:sp>
       <p:sp>
         <p:nvSpPr>
-          <p:cNvPr id="321" name="CustomShape 3"/>
+          <p:cNvPr id="325" name="CustomShape 3"/>
           <p:cNvSpPr/>
           <p:nvPr/>
         </p:nvSpPr>
         <p:spPr>
           <a:xfrm>
             <a:off x="522360" y="2138400"/>
-            <a:ext cx="8422200" cy="4520160"/>
+            <a:ext cx="8421840" cy="4519800"/>
           </a:xfrm>
           <a:prstGeom prst="rect">
             <a:avLst/>
@@ -19664,14 +20188,14 @@
       </p:sp>
       <p:sp>
         <p:nvSpPr>
-          <p:cNvPr id="322" name="CustomShape 4"/>
+          <p:cNvPr id="326" name="CustomShape 4"/>
           <p:cNvSpPr/>
           <p:nvPr/>
         </p:nvSpPr>
         <p:spPr>
           <a:xfrm>
             <a:off x="522360" y="2138400"/>
-            <a:ext cx="8422200" cy="4520160"/>
+            <a:ext cx="8421840" cy="4519800"/>
           </a:xfrm>
           <a:prstGeom prst="rect">
             <a:avLst/>
@@ -19690,14 +20214,14 @@
       </p:sp>
       <p:sp>
         <p:nvSpPr>
-          <p:cNvPr id="323" name="CustomShape 5"/>
+          <p:cNvPr id="327" name="CustomShape 5"/>
           <p:cNvSpPr/>
           <p:nvPr/>
         </p:nvSpPr>
         <p:spPr>
           <a:xfrm>
             <a:off x="536040" y="1769400"/>
-            <a:ext cx="8607600" cy="4383720"/>
+            <a:ext cx="8607240" cy="4383360"/>
           </a:xfrm>
           <a:prstGeom prst="rect">
             <a:avLst/>
@@ -19718,7 +20242,7 @@
             <a:normAutofit/>
           </a:bodyPr>
           <a:p>
-            <a:pPr marL="432000" indent="-322200">
+            <a:pPr marL="432000" indent="-321840">
               <a:lnSpc>
                 <a:spcPct val="100000"/>
               </a:lnSpc>
@@ -19747,7 +20271,7 @@
             </a:endParaRPr>
           </a:p>
           <a:p>
-            <a:pPr marL="432000" indent="-322200">
+            <a:pPr marL="432000" indent="-321840">
               <a:lnSpc>
                 <a:spcPct val="100000"/>
               </a:lnSpc>
@@ -19776,7 +20300,7 @@
             </a:endParaRPr>
           </a:p>
           <a:p>
-            <a:pPr marL="432000" indent="-322200">
+            <a:pPr marL="432000" indent="-321840">
               <a:lnSpc>
                 <a:spcPct val="100000"/>
               </a:lnSpc>
@@ -19805,7 +20329,7 @@
             </a:endParaRPr>
           </a:p>
           <a:p>
-            <a:pPr marL="432000" indent="-322200">
+            <a:pPr marL="432000" indent="-321840">
               <a:lnSpc>
                 <a:spcPct val="100000"/>
               </a:lnSpc>
@@ -19834,7 +20358,7 @@
             </a:endParaRPr>
           </a:p>
           <a:p>
-            <a:pPr lvl="1" marL="864000" indent="-322200">
+            <a:pPr lvl="1" marL="864000" indent="-321840">
               <a:lnSpc>
                 <a:spcPct val="100000"/>
               </a:lnSpc>
@@ -19863,7 +20387,7 @@
             </a:endParaRPr>
           </a:p>
           <a:p>
-            <a:pPr lvl="1" marL="864000" indent="-322200">
+            <a:pPr lvl="1" marL="864000" indent="-321840">
               <a:lnSpc>
                 <a:spcPct val="100000"/>
               </a:lnSpc>
@@ -19944,14 +20468,14 @@
       </p:grpSpPr>
       <p:sp>
         <p:nvSpPr>
-          <p:cNvPr id="324" name="CustomShape 1"/>
+          <p:cNvPr id="328" name="CustomShape 1"/>
           <p:cNvSpPr/>
           <p:nvPr/>
         </p:nvSpPr>
         <p:spPr>
           <a:xfrm>
             <a:off x="8947080" y="7165800"/>
-            <a:ext cx="1221480" cy="226080"/>
+            <a:ext cx="1221120" cy="225720"/>
           </a:xfrm>
           <a:prstGeom prst="rect">
             <a:avLst/>
@@ -19985,7 +20509,7 @@
               </a:rPr>
               <a:t>Seite </a:t>
             </a:r>
-            <a:fld id="{14C62E10-631F-428B-B5B8-3E4FB0264251}" type="slidenum">
+            <a:fld id="{54398D31-48B5-478A-A149-949C77EA2863}" type="slidenum">
               <a:rPr b="0" lang="de-DE" sz="1000" spc="-1" strike="noStrike">
                 <a:solidFill>
                   <a:srgbClr val="000000"/>
@@ -20003,14 +20527,14 @@
       </p:sp>
       <p:sp>
         <p:nvSpPr>
-          <p:cNvPr id="325" name="CustomShape 2"/>
+          <p:cNvPr id="329" name="CustomShape 2"/>
           <p:cNvSpPr/>
           <p:nvPr/>
         </p:nvSpPr>
         <p:spPr>
           <a:xfrm>
             <a:off x="522360" y="671400"/>
-            <a:ext cx="9646200" cy="946800"/>
+            <a:ext cx="9645840" cy="946440"/>
           </a:xfrm>
           <a:prstGeom prst="rect">
             <a:avLst/>
@@ -20052,14 +20576,14 @@
       </p:sp>
       <p:sp>
         <p:nvSpPr>
-          <p:cNvPr id="326" name="CustomShape 3"/>
+          <p:cNvPr id="330" name="CustomShape 3"/>
           <p:cNvSpPr/>
           <p:nvPr/>
         </p:nvSpPr>
         <p:spPr>
           <a:xfrm>
             <a:off x="522360" y="2138400"/>
-            <a:ext cx="8422200" cy="4520160"/>
+            <a:ext cx="8421840" cy="4519800"/>
           </a:xfrm>
           <a:prstGeom prst="rect">
             <a:avLst/>
@@ -20078,14 +20602,14 @@
       </p:sp>
       <p:sp>
         <p:nvSpPr>
-          <p:cNvPr id="327" name="CustomShape 4"/>
+          <p:cNvPr id="331" name="CustomShape 4"/>
           <p:cNvSpPr/>
           <p:nvPr/>
         </p:nvSpPr>
         <p:spPr>
           <a:xfrm>
             <a:off x="522360" y="2138400"/>
-            <a:ext cx="8422200" cy="4520160"/>
+            <a:ext cx="8421840" cy="4519800"/>
           </a:xfrm>
           <a:prstGeom prst="rect">
             <a:avLst/>
@@ -20104,14 +20628,14 @@
       </p:sp>
       <p:sp>
         <p:nvSpPr>
-          <p:cNvPr id="328" name="CustomShape 5"/>
+          <p:cNvPr id="332" name="CustomShape 5"/>
           <p:cNvSpPr/>
           <p:nvPr/>
         </p:nvSpPr>
         <p:spPr>
           <a:xfrm>
             <a:off x="536040" y="1769400"/>
-            <a:ext cx="8607600" cy="4383720"/>
+            <a:ext cx="8607240" cy="4383360"/>
           </a:xfrm>
           <a:prstGeom prst="rect">
             <a:avLst/>
@@ -20132,7 +20656,7 @@
             <a:normAutofit/>
           </a:bodyPr>
           <a:p>
-            <a:pPr marL="432000" indent="-322200">
+            <a:pPr marL="432000" indent="-321840">
               <a:lnSpc>
                 <a:spcPct val="100000"/>
               </a:lnSpc>
@@ -20161,7 +20685,7 @@
             </a:endParaRPr>
           </a:p>
           <a:p>
-            <a:pPr lvl="1" marL="864000" indent="-322200">
+            <a:pPr lvl="1" marL="864000" indent="-321840">
               <a:lnSpc>
                 <a:spcPct val="100000"/>
               </a:lnSpc>
@@ -20190,7 +20714,7 @@
             </a:endParaRPr>
           </a:p>
           <a:p>
-            <a:pPr lvl="1" marL="864000" indent="-322200">
+            <a:pPr lvl="1" marL="864000" indent="-321840">
               <a:lnSpc>
                 <a:spcPct val="100000"/>
               </a:lnSpc>
@@ -20219,7 +20743,7 @@
             </a:endParaRPr>
           </a:p>
           <a:p>
-            <a:pPr marL="432000" indent="-322200">
+            <a:pPr marL="432000" indent="-321840">
               <a:lnSpc>
                 <a:spcPct val="100000"/>
               </a:lnSpc>
@@ -20248,7 +20772,7 @@
             </a:endParaRPr>
           </a:p>
           <a:p>
-            <a:pPr lvl="1" marL="864000" indent="-322200">
+            <a:pPr lvl="1" marL="864000" indent="-321840">
               <a:lnSpc>
                 <a:spcPct val="100000"/>
               </a:lnSpc>
@@ -20270,14 +20794,14 @@
                 <a:latin typeface="Arial"/>
                 <a:ea typeface="DejaVu Sans"/>
               </a:rPr>
-              <a:t>Alternative Implementierung?</a:t>
+              <a:t>Messung der Laufzeit verschiedener Programmteile</a:t>
             </a:r>
             <a:endParaRPr b="0" lang="de-DE" sz="2800" spc="-1" strike="noStrike">
               <a:latin typeface="Arial"/>
             </a:endParaRPr>
           </a:p>
           <a:p>
-            <a:pPr lvl="1" marL="864000" indent="-322200">
+            <a:pPr lvl="1" marL="864000" indent="-321840">
               <a:lnSpc>
                 <a:spcPct val="100000"/>
               </a:lnSpc>
@@ -20291,6 +20815,59 @@
               <a:buFont typeface="Symbol"/>
               <a:buChar char=""/>
             </a:pPr>
+            <a:r>
+              <a:rPr b="0" lang="de-DE" sz="2800" spc="-1" strike="noStrike">
+                <a:solidFill>
+                  <a:srgbClr val="000000"/>
+                </a:solidFill>
+                <a:latin typeface="Arial"/>
+                <a:ea typeface="DejaVu Sans"/>
+              </a:rPr>
+              <a:t>Vorteile erst bei größerer Datenmenge?</a:t>
+            </a:r>
+            <a:endParaRPr b="0" lang="de-DE" sz="2800" spc="-1" strike="noStrike">
+              <a:latin typeface="Arial"/>
+            </a:endParaRPr>
+          </a:p>
+          <a:p>
+            <a:pPr>
+              <a:lnSpc>
+                <a:spcPct val="100000"/>
+              </a:lnSpc>
+              <a:spcBef>
+                <a:spcPts val="1134"/>
+              </a:spcBef>
+            </a:pPr>
+            <a:r>
+              <a:rPr b="0" lang="de-DE" sz="2800" spc="-1" strike="noStrike">
+                <a:solidFill>
+                  <a:srgbClr val="000000"/>
+                </a:solidFill>
+                <a:latin typeface="Arial"/>
+                <a:ea typeface="DejaVu Sans"/>
+              </a:rPr>
+              <a:t>	</a:t>
+            </a:r>
+            <a:r>
+              <a:rPr b="0" lang="de-DE" sz="2800" spc="-1" strike="noStrike">
+                <a:solidFill>
+                  <a:srgbClr val="000000"/>
+                </a:solidFill>
+                <a:latin typeface="Arial"/>
+                <a:ea typeface="DejaVu Sans"/>
+              </a:rPr>
+              <a:t>	</a:t>
+            </a:r>
+            <a:r>
+              <a:rPr b="0" lang="de-DE" sz="2800" spc="-1" strike="noStrike">
+                <a:solidFill>
+                  <a:srgbClr val="000000"/>
+                </a:solidFill>
+                <a:latin typeface="Arial"/>
+                <a:ea typeface="DejaVu Sans"/>
+              </a:rPr>
+              <a:t>→ </a:t>
+            </a:r>
             <a:r>
               <a:rPr b="0" lang="de-DE" sz="2800" spc="-1" strike="noStrike">
                 <a:solidFill>
@@ -20358,14 +20935,14 @@
       </p:grpSpPr>
       <p:sp>
         <p:nvSpPr>
-          <p:cNvPr id="329" name="CustomShape 1"/>
+          <p:cNvPr id="333" name="CustomShape 1"/>
           <p:cNvSpPr/>
           <p:nvPr/>
         </p:nvSpPr>
         <p:spPr>
           <a:xfrm>
             <a:off x="8947080" y="7165800"/>
-            <a:ext cx="1221480" cy="226080"/>
+            <a:ext cx="1221120" cy="225720"/>
           </a:xfrm>
           <a:prstGeom prst="rect">
             <a:avLst/>
@@ -20399,7 +20976,7 @@
               </a:rPr>
               <a:t>Seite </a:t>
             </a:r>
-            <a:fld id="{C9C69778-C26F-4474-AB80-9934ECCD86D7}" type="slidenum">
+            <a:fld id="{BB424979-39B8-45D9-AA37-3A71AB359F2F}" type="slidenum">
               <a:rPr b="0" lang="de-DE" sz="1000" spc="-1" strike="noStrike">
                 <a:solidFill>
                   <a:srgbClr val="000000"/>
@@ -20417,14 +20994,14 @@
       </p:sp>
       <p:sp>
         <p:nvSpPr>
-          <p:cNvPr id="330" name="CustomShape 2"/>
+          <p:cNvPr id="334" name="CustomShape 2"/>
           <p:cNvSpPr/>
           <p:nvPr/>
         </p:nvSpPr>
         <p:spPr>
           <a:xfrm>
             <a:off x="522360" y="671400"/>
-            <a:ext cx="9646200" cy="946800"/>
+            <a:ext cx="9645840" cy="946440"/>
           </a:xfrm>
           <a:prstGeom prst="rect">
             <a:avLst/>
@@ -20466,14 +21043,14 @@
       </p:sp>
       <p:sp>
         <p:nvSpPr>
-          <p:cNvPr id="331" name="CustomShape 3"/>
+          <p:cNvPr id="335" name="CustomShape 3"/>
           <p:cNvSpPr/>
           <p:nvPr/>
         </p:nvSpPr>
         <p:spPr>
           <a:xfrm>
             <a:off x="522360" y="2138400"/>
-            <a:ext cx="8422200" cy="4520160"/>
+            <a:ext cx="8421840" cy="4519800"/>
           </a:xfrm>
           <a:prstGeom prst="rect">
             <a:avLst/>
@@ -20492,14 +21069,14 @@
       </p:sp>
       <p:sp>
         <p:nvSpPr>
-          <p:cNvPr id="332" name="CustomShape 4"/>
+          <p:cNvPr id="336" name="CustomShape 4"/>
           <p:cNvSpPr/>
           <p:nvPr/>
         </p:nvSpPr>
         <p:spPr>
           <a:xfrm>
             <a:off x="522360" y="2138400"/>
-            <a:ext cx="8422200" cy="4520160"/>
+            <a:ext cx="8421840" cy="4519800"/>
           </a:xfrm>
           <a:prstGeom prst="rect">
             <a:avLst/>
@@ -20518,14 +21095,14 @@
       </p:sp>
       <p:sp>
         <p:nvSpPr>
-          <p:cNvPr id="333" name="CustomShape 5"/>
+          <p:cNvPr id="337" name="CustomShape 5"/>
           <p:cNvSpPr/>
           <p:nvPr/>
         </p:nvSpPr>
         <p:spPr>
           <a:xfrm>
             <a:off x="535680" y="1769400"/>
-            <a:ext cx="8607600" cy="4383720"/>
+            <a:ext cx="8607240" cy="4383360"/>
           </a:xfrm>
           <a:prstGeom prst="rect">
             <a:avLst/>
@@ -20546,7 +21123,7 @@
             <a:normAutofit/>
           </a:bodyPr>
           <a:p>
-            <a:pPr marL="216000" indent="-214920">
+            <a:pPr marL="216000" indent="-214560">
               <a:lnSpc>
                 <a:spcPct val="100000"/>
               </a:lnSpc>
@@ -20592,7 +21169,7 @@
             </a:endParaRPr>
           </a:p>
           <a:p>
-            <a:pPr marL="216000" indent="-214920">
+            <a:pPr marL="216000" indent="-214560">
               <a:lnSpc>
                 <a:spcPct val="100000"/>
               </a:lnSpc>
@@ -20638,7 +21215,7 @@
             </a:endParaRPr>
           </a:p>
           <a:p>
-            <a:pPr marL="216000" indent="-214920">
+            <a:pPr marL="216000" indent="-214560">
               <a:lnSpc>
                 <a:spcPct val="100000"/>
               </a:lnSpc>
@@ -20684,7 +21261,7 @@
             </a:endParaRPr>
           </a:p>
           <a:p>
-            <a:pPr marL="216000" indent="-214920">
+            <a:pPr marL="216000" indent="-214560">
               <a:lnSpc>
                 <a:spcPct val="100000"/>
               </a:lnSpc>
@@ -20812,14 +21389,14 @@
       </p:grpSpPr>
       <p:sp>
         <p:nvSpPr>
-          <p:cNvPr id="334" name="CustomShape 1"/>
+          <p:cNvPr id="338" name="CustomShape 1"/>
           <p:cNvSpPr/>
           <p:nvPr/>
         </p:nvSpPr>
         <p:spPr>
           <a:xfrm>
             <a:off x="8947080" y="7165800"/>
-            <a:ext cx="1221480" cy="226080"/>
+            <a:ext cx="1221120" cy="225720"/>
           </a:xfrm>
           <a:prstGeom prst="rect">
             <a:avLst/>
@@ -20853,7 +21430,7 @@
               </a:rPr>
               <a:t>Seite </a:t>
             </a:r>
-            <a:fld id="{A9FC4E5F-ACC6-451D-89D3-E6F32026FEE8}" type="slidenum">
+            <a:fld id="{6D6F2B57-E332-43CE-8885-6360D74BDCED}" type="slidenum">
               <a:rPr b="0" lang="de-DE" sz="1000" spc="-1" strike="noStrike">
                 <a:solidFill>
                   <a:srgbClr val="000000"/>
@@ -20871,14 +21448,14 @@
       </p:sp>
       <p:sp>
         <p:nvSpPr>
-          <p:cNvPr id="335" name="CustomShape 2"/>
+          <p:cNvPr id="339" name="CustomShape 2"/>
           <p:cNvSpPr/>
           <p:nvPr/>
         </p:nvSpPr>
         <p:spPr>
           <a:xfrm>
             <a:off x="522360" y="671400"/>
-            <a:ext cx="9646200" cy="946800"/>
+            <a:ext cx="9645840" cy="946440"/>
           </a:xfrm>
           <a:prstGeom prst="rect">
             <a:avLst/>
@@ -20920,14 +21497,14 @@
       </p:sp>
       <p:sp>
         <p:nvSpPr>
-          <p:cNvPr id="336" name="CustomShape 3"/>
+          <p:cNvPr id="340" name="CustomShape 3"/>
           <p:cNvSpPr/>
           <p:nvPr/>
         </p:nvSpPr>
         <p:spPr>
           <a:xfrm>
             <a:off x="522360" y="2138400"/>
-            <a:ext cx="8422200" cy="4520160"/>
+            <a:ext cx="8421840" cy="4519800"/>
           </a:xfrm>
           <a:prstGeom prst="rect">
             <a:avLst/>
@@ -20946,14 +21523,14 @@
       </p:sp>
       <p:sp>
         <p:nvSpPr>
-          <p:cNvPr id="337" name="CustomShape 4"/>
+          <p:cNvPr id="341" name="CustomShape 4"/>
           <p:cNvSpPr/>
           <p:nvPr/>
         </p:nvSpPr>
         <p:spPr>
           <a:xfrm>
             <a:off x="522360" y="2138400"/>
-            <a:ext cx="8422200" cy="4520160"/>
+            <a:ext cx="8421840" cy="4519800"/>
           </a:xfrm>
           <a:prstGeom prst="rect">
             <a:avLst/>
@@ -20972,14 +21549,14 @@
       </p:sp>
       <p:sp>
         <p:nvSpPr>
-          <p:cNvPr id="338" name="CustomShape 5"/>
+          <p:cNvPr id="342" name="CustomShape 5"/>
           <p:cNvSpPr/>
           <p:nvPr/>
         </p:nvSpPr>
         <p:spPr>
           <a:xfrm>
             <a:off x="535680" y="1769400"/>
-            <a:ext cx="8607600" cy="4383720"/>
+            <a:ext cx="8607240" cy="4383360"/>
           </a:xfrm>
           <a:prstGeom prst="rect">
             <a:avLst/>
@@ -21000,7 +21577,7 @@
             <a:normAutofit/>
           </a:bodyPr>
           <a:p>
-            <a:pPr marL="216000" indent="-214920">
+            <a:pPr marL="216000" indent="-214560">
               <a:lnSpc>
                 <a:spcPct val="100000"/>
               </a:lnSpc>
@@ -21026,7 +21603,7 @@
             </a:endParaRPr>
           </a:p>
           <a:p>
-            <a:pPr marL="216000" indent="-214920">
+            <a:pPr marL="216000" indent="-214560">
               <a:lnSpc>
                 <a:spcPct val="100000"/>
               </a:lnSpc>
@@ -21052,7 +21629,7 @@
             </a:endParaRPr>
           </a:p>
           <a:p>
-            <a:pPr marL="216000" indent="-214920">
+            <a:pPr marL="216000" indent="-214560">
               <a:lnSpc>
                 <a:spcPct val="100000"/>
               </a:lnSpc>
@@ -21098,7 +21675,7 @@
             </a:endParaRPr>
           </a:p>
           <a:p>
-            <a:pPr marL="216000" indent="-214920">
+            <a:pPr marL="216000" indent="-214560">
               <a:lnSpc>
                 <a:spcPct val="100000"/>
               </a:lnSpc>
@@ -21196,14 +21773,14 @@
       </p:grpSpPr>
       <p:sp>
         <p:nvSpPr>
-          <p:cNvPr id="172" name="CustomShape 1"/>
+          <p:cNvPr id="177" name="CustomShape 1"/>
           <p:cNvSpPr/>
           <p:nvPr/>
         </p:nvSpPr>
         <p:spPr>
           <a:xfrm>
             <a:off x="8947080" y="7165800"/>
-            <a:ext cx="1221480" cy="226080"/>
+            <a:ext cx="1221120" cy="225720"/>
           </a:xfrm>
           <a:prstGeom prst="rect">
             <a:avLst/>
@@ -21237,7 +21814,7 @@
               </a:rPr>
               <a:t>Seite </a:t>
             </a:r>
-            <a:fld id="{B9C28890-5B7F-4D5C-AF23-95E7A8E9490D}" type="slidenum">
+            <a:fld id="{8545ECC1-3A46-48E6-A592-F3C90C627809}" type="slidenum">
               <a:rPr b="0" lang="de-DE" sz="1000" spc="-1" strike="noStrike">
                 <a:solidFill>
                   <a:srgbClr val="000000"/>
@@ -21245,7 +21822,7 @@
                 <a:latin typeface="Arial"/>
                 <a:ea typeface="DejaVu Sans"/>
               </a:rPr>
-              <a:t>1</a:t>
+              <a:t>&lt;Foliennummer&gt;</a:t>
             </a:fld>
             <a:endParaRPr b="0" lang="de-DE" sz="1000" spc="-1" strike="noStrike">
               <a:latin typeface="Arial"/>
@@ -21255,14 +21832,14 @@
       </p:sp>
       <p:sp>
         <p:nvSpPr>
-          <p:cNvPr id="173" name="CustomShape 2"/>
+          <p:cNvPr id="178" name="CustomShape 2"/>
           <p:cNvSpPr/>
           <p:nvPr/>
         </p:nvSpPr>
         <p:spPr>
           <a:xfrm>
             <a:off x="522360" y="671400"/>
-            <a:ext cx="9646200" cy="946800"/>
+            <a:ext cx="9645840" cy="946440"/>
           </a:xfrm>
           <a:prstGeom prst="rect">
             <a:avLst/>
@@ -21305,14 +21882,14 @@
       </p:sp>
       <p:sp>
         <p:nvSpPr>
-          <p:cNvPr id="174" name="CustomShape 3"/>
+          <p:cNvPr id="179" name="CustomShape 3"/>
           <p:cNvSpPr/>
           <p:nvPr/>
         </p:nvSpPr>
         <p:spPr>
           <a:xfrm>
             <a:off x="522360" y="2138400"/>
-            <a:ext cx="8422200" cy="4520160"/>
+            <a:ext cx="8421840" cy="4519800"/>
           </a:xfrm>
           <a:prstGeom prst="rect">
             <a:avLst/>
@@ -21331,14 +21908,14 @@
       </p:sp>
       <p:sp>
         <p:nvSpPr>
-          <p:cNvPr id="175" name="CustomShape 4"/>
+          <p:cNvPr id="180" name="CustomShape 4"/>
           <p:cNvSpPr/>
           <p:nvPr/>
         </p:nvSpPr>
         <p:spPr>
           <a:xfrm>
             <a:off x="522360" y="2138400"/>
-            <a:ext cx="8422200" cy="4520160"/>
+            <a:ext cx="8421840" cy="4519800"/>
           </a:xfrm>
           <a:prstGeom prst="rect">
             <a:avLst/>
@@ -21357,14 +21934,14 @@
       </p:sp>
       <p:sp>
         <p:nvSpPr>
-          <p:cNvPr id="176" name="CustomShape 5"/>
+          <p:cNvPr id="181" name="CustomShape 5"/>
           <p:cNvSpPr/>
           <p:nvPr/>
         </p:nvSpPr>
         <p:spPr>
           <a:xfrm>
             <a:off x="534600" y="1769400"/>
-            <a:ext cx="8607600" cy="4383720"/>
+            <a:ext cx="8607240" cy="4383360"/>
           </a:xfrm>
           <a:prstGeom prst="rect">
             <a:avLst/>
@@ -21385,7 +21962,7 @@
             <a:normAutofit/>
           </a:bodyPr>
           <a:p>
-            <a:pPr marL="432000" indent="-322200">
+            <a:pPr marL="432000" indent="-321840">
               <a:lnSpc>
                 <a:spcPct val="100000"/>
               </a:lnSpc>
@@ -21414,7 +21991,7 @@
             </a:endParaRPr>
           </a:p>
           <a:p>
-            <a:pPr lvl="1" marL="864000" indent="-322200">
+            <a:pPr lvl="1" marL="864000" indent="-321840">
               <a:lnSpc>
                 <a:spcPct val="100000"/>
               </a:lnSpc>
@@ -21443,7 +22020,7 @@
             </a:endParaRPr>
           </a:p>
           <a:p>
-            <a:pPr lvl="1" marL="864000" indent="-322200">
+            <a:pPr lvl="1" marL="864000" indent="-321840">
               <a:lnSpc>
                 <a:spcPct val="100000"/>
               </a:lnSpc>
@@ -21472,7 +22049,7 @@
             </a:endParaRPr>
           </a:p>
           <a:p>
-            <a:pPr marL="432000" indent="-322200">
+            <a:pPr marL="432000" indent="-321840">
               <a:lnSpc>
                 <a:spcPct val="100000"/>
               </a:lnSpc>
@@ -21501,7 +22078,7 @@
             </a:endParaRPr>
           </a:p>
           <a:p>
-            <a:pPr lvl="1" marL="864000" indent="-322200">
+            <a:pPr lvl="1" marL="864000" indent="-321840">
               <a:lnSpc>
                 <a:spcPct val="100000"/>
               </a:lnSpc>
@@ -21530,7 +22107,7 @@
             </a:endParaRPr>
           </a:p>
           <a:p>
-            <a:pPr marL="432000" indent="-322200">
+            <a:pPr marL="432000" indent="-321840">
               <a:lnSpc>
                 <a:spcPct val="100000"/>
               </a:lnSpc>
@@ -21555,6 +22132,35 @@
               <a:t>Parallele Verarbeitung der Daten</a:t>
             </a:r>
             <a:endParaRPr b="0" lang="de-DE" sz="3200" spc="-1" strike="noStrike">
+              <a:latin typeface="Arial"/>
+            </a:endParaRPr>
+          </a:p>
+          <a:p>
+            <a:pPr lvl="1" marL="864000" indent="-321840">
+              <a:lnSpc>
+                <a:spcPct val="100000"/>
+              </a:lnSpc>
+              <a:spcBef>
+                <a:spcPts val="1417"/>
+              </a:spcBef>
+              <a:buClr>
+                <a:srgbClr val="000000"/>
+              </a:buClr>
+              <a:buSzPct val="75000"/>
+              <a:buFont typeface="Symbol"/>
+              <a:buChar char=""/>
+            </a:pPr>
+            <a:r>
+              <a:rPr b="0" lang="de-DE" sz="2800" spc="-1" strike="noStrike">
+                <a:solidFill>
+                  <a:srgbClr val="000000"/>
+                </a:solidFill>
+                <a:latin typeface="Arial"/>
+                <a:ea typeface="DejaVu Sans"/>
+              </a:rPr>
+              <a:t>Nvidia CUDA</a:t>
+            </a:r>
+            <a:endParaRPr b="0" lang="de-DE" sz="2800" spc="-1" strike="noStrike">
               <a:latin typeface="Arial"/>
             </a:endParaRPr>
           </a:p>
@@ -21611,14 +22217,14 @@
       </p:grpSpPr>
       <p:sp>
         <p:nvSpPr>
-          <p:cNvPr id="339" name="CustomShape 1"/>
+          <p:cNvPr id="343" name="CustomShape 1"/>
           <p:cNvSpPr/>
           <p:nvPr/>
         </p:nvSpPr>
         <p:spPr>
           <a:xfrm>
             <a:off x="8947080" y="7165800"/>
-            <a:ext cx="1221480" cy="226080"/>
+            <a:ext cx="1221120" cy="225720"/>
           </a:xfrm>
           <a:prstGeom prst="rect">
             <a:avLst/>
@@ -21652,7 +22258,7 @@
               </a:rPr>
               <a:t>Seite </a:t>
             </a:r>
-            <a:fld id="{E8771C4C-BA2F-495D-8F05-D18C4D1EF938}" type="slidenum">
+            <a:fld id="{5B811435-656A-4D2B-B077-BB74B9AEC379}" type="slidenum">
               <a:rPr b="0" lang="de-DE" sz="1000" spc="-1" strike="noStrike">
                 <a:solidFill>
                   <a:srgbClr val="000000"/>
@@ -21670,14 +22276,14 @@
       </p:sp>
       <p:sp>
         <p:nvSpPr>
-          <p:cNvPr id="340" name="CustomShape 2"/>
+          <p:cNvPr id="344" name="CustomShape 2"/>
           <p:cNvSpPr/>
           <p:nvPr/>
         </p:nvSpPr>
         <p:spPr>
           <a:xfrm>
             <a:off x="522360" y="2111400"/>
-            <a:ext cx="9646200" cy="946800"/>
+            <a:ext cx="9645840" cy="946440"/>
           </a:xfrm>
           <a:prstGeom prst="rect">
             <a:avLst/>
@@ -21768,14 +22374,14 @@
       </p:grpSpPr>
       <p:sp>
         <p:nvSpPr>
-          <p:cNvPr id="177" name="CustomShape 1"/>
+          <p:cNvPr id="182" name="CustomShape 1"/>
           <p:cNvSpPr/>
           <p:nvPr/>
         </p:nvSpPr>
         <p:spPr>
           <a:xfrm>
             <a:off x="8947080" y="7165800"/>
-            <a:ext cx="1221480" cy="226080"/>
+            <a:ext cx="1221120" cy="225720"/>
           </a:xfrm>
           <a:prstGeom prst="rect">
             <a:avLst/>
@@ -21809,7 +22415,7 @@
               </a:rPr>
               <a:t>Seite </a:t>
             </a:r>
-            <a:fld id="{23DCD2C0-AAFB-48EF-8B23-C11A08187A3B}" type="slidenum">
+            <a:fld id="{D2476198-400D-4567-B947-286B6D9D4EBA}" type="slidenum">
               <a:rPr b="0" lang="de-DE" sz="1000" spc="-1" strike="noStrike">
                 <a:solidFill>
                   <a:srgbClr val="000000"/>
@@ -21817,7 +22423,7 @@
                 <a:latin typeface="Arial"/>
                 <a:ea typeface="DejaVu Sans"/>
               </a:rPr>
-              <a:t>1</a:t>
+              <a:t>&lt;Foliennummer&gt;</a:t>
             </a:fld>
             <a:endParaRPr b="0" lang="de-DE" sz="1000" spc="-1" strike="noStrike">
               <a:latin typeface="Arial"/>
@@ -21827,14 +22433,14 @@
       </p:sp>
       <p:sp>
         <p:nvSpPr>
-          <p:cNvPr id="178" name="CustomShape 2"/>
+          <p:cNvPr id="183" name="CustomShape 2"/>
           <p:cNvSpPr/>
           <p:nvPr/>
         </p:nvSpPr>
         <p:spPr>
           <a:xfrm>
             <a:off x="522360" y="671400"/>
-            <a:ext cx="9646200" cy="946800"/>
+            <a:ext cx="9645840" cy="946440"/>
           </a:xfrm>
           <a:prstGeom prst="rect">
             <a:avLst/>
@@ -21897,14 +22503,14 @@
       </p:sp>
       <p:sp>
         <p:nvSpPr>
-          <p:cNvPr id="179" name="CustomShape 3"/>
+          <p:cNvPr id="184" name="CustomShape 3"/>
           <p:cNvSpPr/>
           <p:nvPr/>
         </p:nvSpPr>
         <p:spPr>
           <a:xfrm>
             <a:off x="522360" y="2138400"/>
-            <a:ext cx="8422200" cy="4520160"/>
+            <a:ext cx="8421840" cy="4519800"/>
           </a:xfrm>
           <a:prstGeom prst="rect">
             <a:avLst/>
@@ -21923,14 +22529,14 @@
       </p:sp>
       <p:sp>
         <p:nvSpPr>
-          <p:cNvPr id="180" name="CustomShape 4"/>
+          <p:cNvPr id="185" name="CustomShape 4"/>
           <p:cNvSpPr/>
           <p:nvPr/>
         </p:nvSpPr>
         <p:spPr>
           <a:xfrm>
             <a:off x="522360" y="2138400"/>
-            <a:ext cx="8422200" cy="1387800"/>
+            <a:ext cx="8421840" cy="1387440"/>
           </a:xfrm>
           <a:prstGeom prst="rect">
             <a:avLst/>
@@ -21949,14 +22555,14 @@
       </p:sp>
       <p:sp>
         <p:nvSpPr>
-          <p:cNvPr id="181" name="CustomShape 5"/>
+          <p:cNvPr id="186" name="CustomShape 5"/>
           <p:cNvSpPr/>
           <p:nvPr/>
         </p:nvSpPr>
         <p:spPr>
           <a:xfrm>
             <a:off x="534960" y="1769400"/>
-            <a:ext cx="8607600" cy="4383720"/>
+            <a:ext cx="8607240" cy="4383360"/>
           </a:xfrm>
           <a:prstGeom prst="rect">
             <a:avLst/>
@@ -21977,7 +22583,7 @@
             <a:normAutofit/>
           </a:bodyPr>
           <a:p>
-            <a:pPr marL="432000" indent="-322200">
+            <a:pPr marL="432000" indent="-321840">
               <a:lnSpc>
                 <a:spcPct val="100000"/>
               </a:lnSpc>
@@ -22036,7 +22642,7 @@
             </a:endParaRPr>
           </a:p>
           <a:p>
-            <a:pPr lvl="1" marL="864000" indent="-322200">
+            <a:pPr lvl="1" marL="864000" indent="-321840">
               <a:lnSpc>
                 <a:spcPct val="100000"/>
               </a:lnSpc>
@@ -22085,7 +22691,7 @@
             </a:endParaRPr>
           </a:p>
           <a:p>
-            <a:pPr lvl="1" marL="864000" indent="-322200">
+            <a:pPr lvl="1" marL="864000" indent="-321840">
               <a:lnSpc>
                 <a:spcPct val="100000"/>
               </a:lnSpc>
@@ -22160,7 +22766,7 @@
       </p:sp>
       <p:pic>
         <p:nvPicPr>
-          <p:cNvPr id="182" name="" descr=""/>
+          <p:cNvPr id="187" name="" descr=""/>
           <p:cNvPicPr/>
           <p:nvPr/>
         </p:nvPicPr>
@@ -22171,7 +22777,7 @@
         <p:spPr>
           <a:xfrm>
             <a:off x="1420560" y="3816360"/>
-            <a:ext cx="6713640" cy="2445840"/>
+            <a:ext cx="6713280" cy="2445480"/>
           </a:xfrm>
           <a:prstGeom prst="rect">
             <a:avLst/>
@@ -22232,14 +22838,14 @@
       </p:grpSpPr>
       <p:sp>
         <p:nvSpPr>
-          <p:cNvPr id="183" name="CustomShape 1"/>
+          <p:cNvPr id="188" name="CustomShape 1"/>
           <p:cNvSpPr/>
           <p:nvPr/>
         </p:nvSpPr>
         <p:spPr>
           <a:xfrm>
             <a:off x="8947080" y="7165800"/>
-            <a:ext cx="1221480" cy="226080"/>
+            <a:ext cx="1221120" cy="225720"/>
           </a:xfrm>
           <a:prstGeom prst="rect">
             <a:avLst/>
@@ -22273,7 +22879,7 @@
               </a:rPr>
               <a:t>Seite </a:t>
             </a:r>
-            <a:fld id="{557960AA-04F8-4E77-AAFC-0020D30994A6}" type="slidenum">
+            <a:fld id="{E39AAB63-0C6B-4B29-9877-5673389A5932}" type="slidenum">
               <a:rPr b="0" lang="de-DE" sz="1000" spc="-1" strike="noStrike">
                 <a:solidFill>
                   <a:srgbClr val="000000"/>
@@ -22281,7 +22887,7 @@
                 <a:latin typeface="Arial"/>
                 <a:ea typeface="DejaVu Sans"/>
               </a:rPr>
-              <a:t>1</a:t>
+              <a:t>&lt;Foliennummer&gt;</a:t>
             </a:fld>
             <a:endParaRPr b="0" lang="de-DE" sz="1000" spc="-1" strike="noStrike">
               <a:latin typeface="Arial"/>
@@ -22291,14 +22897,14 @@
       </p:sp>
       <p:sp>
         <p:nvSpPr>
-          <p:cNvPr id="184" name="CustomShape 2"/>
+          <p:cNvPr id="189" name="CustomShape 2"/>
           <p:cNvSpPr/>
           <p:nvPr/>
         </p:nvSpPr>
         <p:spPr>
           <a:xfrm>
             <a:off x="522360" y="671400"/>
-            <a:ext cx="9646200" cy="946800"/>
+            <a:ext cx="9645840" cy="946440"/>
           </a:xfrm>
           <a:prstGeom prst="rect">
             <a:avLst/>
@@ -22361,14 +22967,14 @@
       </p:sp>
       <p:sp>
         <p:nvSpPr>
-          <p:cNvPr id="185" name="CustomShape 3"/>
+          <p:cNvPr id="190" name="CustomShape 3"/>
           <p:cNvSpPr/>
           <p:nvPr/>
         </p:nvSpPr>
         <p:spPr>
           <a:xfrm>
             <a:off x="522360" y="2138400"/>
-            <a:ext cx="8422200" cy="4520160"/>
+            <a:ext cx="8421840" cy="4519800"/>
           </a:xfrm>
           <a:prstGeom prst="rect">
             <a:avLst/>
@@ -22387,14 +22993,14 @@
       </p:sp>
       <p:sp>
         <p:nvSpPr>
-          <p:cNvPr id="186" name="CustomShape 4"/>
+          <p:cNvPr id="191" name="CustomShape 4"/>
           <p:cNvSpPr/>
           <p:nvPr/>
         </p:nvSpPr>
         <p:spPr>
           <a:xfrm>
             <a:off x="522360" y="2138400"/>
-            <a:ext cx="8422200" cy="4520160"/>
+            <a:ext cx="8421840" cy="4519800"/>
           </a:xfrm>
           <a:prstGeom prst="rect">
             <a:avLst/>
@@ -22413,14 +23019,14 @@
       </p:sp>
       <p:sp>
         <p:nvSpPr>
-          <p:cNvPr id="187" name="CustomShape 5"/>
+          <p:cNvPr id="192" name="CustomShape 5"/>
           <p:cNvSpPr/>
           <p:nvPr/>
         </p:nvSpPr>
         <p:spPr>
           <a:xfrm>
             <a:off x="534960" y="1769400"/>
-            <a:ext cx="8607600" cy="4383720"/>
+            <a:ext cx="8607240" cy="4383360"/>
           </a:xfrm>
           <a:prstGeom prst="rect">
             <a:avLst/>
@@ -22441,7 +23047,7 @@
             <a:normAutofit/>
           </a:bodyPr>
           <a:p>
-            <a:pPr marL="432000" indent="-322200">
+            <a:pPr marL="432000" indent="-321840">
               <a:lnSpc>
                 <a:spcPct val="100000"/>
               </a:lnSpc>
@@ -22463,14 +23069,14 @@
                 <a:latin typeface="Arial"/>
                 <a:ea typeface="DejaVu Sans"/>
               </a:rPr>
-              <a:t>Feature: Chrakateristisches Merkmal</a:t>
+              <a:t>Feature: Charakteristisches Merkmal</a:t>
             </a:r>
             <a:endParaRPr b="0" lang="de-DE" sz="3200" spc="-1" strike="noStrike">
               <a:latin typeface="Arial"/>
             </a:endParaRPr>
           </a:p>
           <a:p>
-            <a:pPr lvl="1" marL="864000" indent="-322200">
+            <a:pPr lvl="1" marL="864000" indent="-321840">
               <a:lnSpc>
                 <a:spcPct val="100000"/>
               </a:lnSpc>
@@ -22492,14 +23098,14 @@
                 <a:latin typeface="Arial"/>
                 <a:ea typeface="DejaVu Sans"/>
               </a:rPr>
-              <a:t>z.B.: Ecken, Kanten aber auch Farbe und Textur</a:t>
+              <a:t>Ecken, Kanten aber auch Farbe und Textur</a:t>
             </a:r>
             <a:endParaRPr b="0" lang="de-DE" sz="2800" spc="-1" strike="noStrike">
               <a:latin typeface="Arial"/>
             </a:endParaRPr>
           </a:p>
           <a:p>
-            <a:pPr lvl="1" marL="864000" indent="-322200">
+            <a:pPr lvl="1" marL="864000" indent="-321840">
               <a:lnSpc>
                 <a:spcPct val="100000"/>
               </a:lnSpc>
@@ -22528,7 +23134,7 @@
             </a:endParaRPr>
           </a:p>
           <a:p>
-            <a:pPr lvl="1" marL="864000" indent="-322200">
+            <a:pPr lvl="1" marL="864000" indent="-321840">
               <a:lnSpc>
                 <a:spcPct val="100000"/>
               </a:lnSpc>
@@ -22553,6 +23159,103 @@
               <a:t>Kodieren von Features: Feature-Deskription</a:t>
             </a:r>
             <a:endParaRPr b="0" lang="de-DE" sz="2800" spc="-1" strike="noStrike">
+              <a:latin typeface="Arial"/>
+            </a:endParaRPr>
+          </a:p>
+          <a:p>
+            <a:pPr marL="432000" indent="-321840">
+              <a:lnSpc>
+                <a:spcPct val="100000"/>
+              </a:lnSpc>
+              <a:spcBef>
+                <a:spcPts val="1134"/>
+              </a:spcBef>
+              <a:buClr>
+                <a:srgbClr val="000000"/>
+              </a:buClr>
+              <a:buSzPct val="45000"/>
+              <a:buFont typeface="Wingdings" charset="2"/>
+              <a:buChar char=""/>
+            </a:pPr>
+            <a:r>
+              <a:rPr b="0" lang="de-DE" sz="3200" spc="-1" strike="noStrike">
+                <a:solidFill>
+                  <a:srgbClr val="000000"/>
+                </a:solidFill>
+                <a:latin typeface="Arial"/>
+                <a:ea typeface="DejaVu Sans"/>
+              </a:rPr>
+              <a:t>Lokale vs. Global Features</a:t>
+            </a:r>
+            <a:endParaRPr b="0" lang="de-DE" sz="3200" spc="-1" strike="noStrike">
+              <a:latin typeface="Arial"/>
+            </a:endParaRPr>
+          </a:p>
+          <a:p>
+            <a:pPr marL="432000" indent="-321840">
+              <a:lnSpc>
+                <a:spcPct val="100000"/>
+              </a:lnSpc>
+              <a:spcBef>
+                <a:spcPts val="1134"/>
+              </a:spcBef>
+              <a:buClr>
+                <a:srgbClr val="000000"/>
+              </a:buClr>
+              <a:buSzPct val="45000"/>
+              <a:buFont typeface="Wingdings" charset="2"/>
+              <a:buChar char=""/>
+            </a:pPr>
+            <a:r>
+              <a:rPr b="0" lang="de-DE" sz="3200" spc="-1" strike="noStrike">
+                <a:solidFill>
+                  <a:srgbClr val="000000"/>
+                </a:solidFill>
+                <a:latin typeface="Arial"/>
+                <a:ea typeface="DejaVu Sans"/>
+              </a:rPr>
+              <a:t>Fokus hier: Objekterkennung  </a:t>
+            </a:r>
+            <a:endParaRPr b="0" lang="de-DE" sz="3200" spc="-1" strike="noStrike">
+              <a:latin typeface="Arial"/>
+            </a:endParaRPr>
+          </a:p>
+          <a:p>
+            <a:pPr lvl="1" marL="864000" indent="-321840">
+              <a:lnSpc>
+                <a:spcPct val="100000"/>
+              </a:lnSpc>
+              <a:spcBef>
+                <a:spcPts val="1134"/>
+              </a:spcBef>
+              <a:buClr>
+                <a:srgbClr val="000000"/>
+              </a:buClr>
+              <a:buSzPct val="75000"/>
+              <a:buFont typeface="Symbol"/>
+              <a:buChar char=""/>
+            </a:pPr>
+            <a:r>
+              <a:rPr b="0" lang="de-DE" sz="3200" spc="-1" strike="noStrike">
+                <a:solidFill>
+                  <a:srgbClr val="000000"/>
+                </a:solidFill>
+                <a:latin typeface="Arial"/>
+                <a:ea typeface="DejaVu Sans"/>
+              </a:rPr>
+              <a:t>→ </a:t>
+            </a:r>
+            <a:r>
+              <a:rPr b="0" lang="de-DE" sz="3200" spc="-1" strike="noStrike">
+                <a:solidFill>
+                  <a:srgbClr val="000000"/>
+                </a:solidFill>
+                <a:latin typeface="Arial"/>
+                <a:ea typeface="DejaVu Sans"/>
+              </a:rPr>
+              <a:t>Lokale Features</a:t>
+            </a:r>
+            <a:endParaRPr b="0" lang="de-DE" sz="3200" spc="-1" strike="noStrike">
               <a:latin typeface="Arial"/>
             </a:endParaRPr>
           </a:p>
@@ -22609,14 +23312,14 @@
       </p:grpSpPr>
       <p:sp>
         <p:nvSpPr>
-          <p:cNvPr id="188" name="CustomShape 1"/>
+          <p:cNvPr id="193" name="CustomShape 1"/>
           <p:cNvSpPr/>
           <p:nvPr/>
         </p:nvSpPr>
         <p:spPr>
           <a:xfrm>
             <a:off x="8947080" y="7165800"/>
-            <a:ext cx="1221480" cy="226080"/>
+            <a:ext cx="1221120" cy="225720"/>
           </a:xfrm>
           <a:prstGeom prst="rect">
             <a:avLst/>
@@ -22650,7 +23353,7 @@
               </a:rPr>
               <a:t>Seite </a:t>
             </a:r>
-            <a:fld id="{E5877437-3258-463A-BBDD-D606D4E5303F}" type="slidenum">
+            <a:fld id="{A2ADEE19-7841-42C1-8F8B-12EE7E7F81AE}" type="slidenum">
               <a:rPr b="0" lang="de-DE" sz="1000" spc="-1" strike="noStrike">
                 <a:solidFill>
                   <a:srgbClr val="000000"/>
@@ -22658,7 +23361,7 @@
                 <a:latin typeface="Arial"/>
                 <a:ea typeface="DejaVu Sans"/>
               </a:rPr>
-              <a:t>1</a:t>
+              <a:t>&lt;Foliennummer&gt;</a:t>
             </a:fld>
             <a:endParaRPr b="0" lang="de-DE" sz="1000" spc="-1" strike="noStrike">
               <a:latin typeface="Arial"/>
@@ -22668,14 +23371,14 @@
       </p:sp>
       <p:sp>
         <p:nvSpPr>
-          <p:cNvPr id="189" name="CustomShape 2"/>
+          <p:cNvPr id="194" name="CustomShape 2"/>
           <p:cNvSpPr/>
           <p:nvPr/>
         </p:nvSpPr>
         <p:spPr>
           <a:xfrm>
             <a:off x="522360" y="671400"/>
-            <a:ext cx="9646200" cy="946800"/>
+            <a:ext cx="9645840" cy="946440"/>
           </a:xfrm>
           <a:prstGeom prst="rect">
             <a:avLst/>
@@ -22728,14 +23431,14 @@
       </p:sp>
       <p:sp>
         <p:nvSpPr>
-          <p:cNvPr id="190" name="CustomShape 3"/>
+          <p:cNvPr id="195" name="CustomShape 3"/>
           <p:cNvSpPr/>
           <p:nvPr/>
         </p:nvSpPr>
         <p:spPr>
           <a:xfrm>
             <a:off x="522360" y="2138400"/>
-            <a:ext cx="8422200" cy="4520160"/>
+            <a:ext cx="8421840" cy="4519800"/>
           </a:xfrm>
           <a:prstGeom prst="rect">
             <a:avLst/>
@@ -22754,14 +23457,14 @@
       </p:sp>
       <p:sp>
         <p:nvSpPr>
-          <p:cNvPr id="191" name="CustomShape 4"/>
+          <p:cNvPr id="196" name="CustomShape 4"/>
           <p:cNvSpPr/>
           <p:nvPr/>
         </p:nvSpPr>
         <p:spPr>
           <a:xfrm>
             <a:off x="522360" y="2138400"/>
-            <a:ext cx="8422200" cy="4520160"/>
+            <a:ext cx="8421840" cy="4519800"/>
           </a:xfrm>
           <a:prstGeom prst="rect">
             <a:avLst/>
@@ -22780,14 +23483,14 @@
       </p:sp>
       <p:sp>
         <p:nvSpPr>
-          <p:cNvPr id="192" name="CustomShape 5"/>
+          <p:cNvPr id="197" name="CustomShape 5"/>
           <p:cNvSpPr/>
           <p:nvPr/>
         </p:nvSpPr>
         <p:spPr>
           <a:xfrm>
             <a:off x="534960" y="1769400"/>
-            <a:ext cx="8607600" cy="4383720"/>
+            <a:ext cx="8607240" cy="4383360"/>
           </a:xfrm>
           <a:prstGeom prst="rect">
             <a:avLst/>
@@ -22808,7 +23511,7 @@
             <a:normAutofit/>
           </a:bodyPr>
           <a:p>
-            <a:pPr marL="432000" indent="-322200">
+            <a:pPr marL="432000" indent="-321840">
               <a:lnSpc>
                 <a:spcPct val="100000"/>
               </a:lnSpc>
@@ -22830,14 +23533,72 @@
                 <a:latin typeface="Arial"/>
                 <a:ea typeface="DejaVu Sans"/>
               </a:rPr>
-              <a:t>Globale vs. Lokale Features</a:t>
+              <a:t>Lokale Detektion</a:t>
             </a:r>
             <a:endParaRPr b="0" lang="de-DE" sz="3200" spc="-1" strike="noStrike">
               <a:latin typeface="Arial"/>
             </a:endParaRPr>
           </a:p>
           <a:p>
-            <a:pPr marL="432000" indent="-322200">
+            <a:pPr lvl="1" marL="864000" indent="-321840">
+              <a:lnSpc>
+                <a:spcPct val="100000"/>
+              </a:lnSpc>
+              <a:spcBef>
+                <a:spcPts val="1134"/>
+              </a:spcBef>
+              <a:buClr>
+                <a:srgbClr val="000000"/>
+              </a:buClr>
+              <a:buSzPct val="75000"/>
+              <a:buFont typeface="Symbol"/>
+              <a:buChar char=""/>
+            </a:pPr>
+            <a:r>
+              <a:rPr b="0" lang="de-DE" sz="3200" spc="-1" strike="noStrike">
+                <a:solidFill>
+                  <a:srgbClr val="000000"/>
+                </a:solidFill>
+                <a:latin typeface="Arial"/>
+                <a:ea typeface="DejaVu Sans"/>
+              </a:rPr>
+              <a:t>Auffinden von Regionen</a:t>
+            </a:r>
+            <a:endParaRPr b="0" lang="de-DE" sz="3200" spc="-1" strike="noStrike">
+              <a:latin typeface="Arial"/>
+            </a:endParaRPr>
+          </a:p>
+          <a:p>
+            <a:pPr lvl="1" marL="864000" indent="-321840">
+              <a:lnSpc>
+                <a:spcPct val="100000"/>
+              </a:lnSpc>
+              <a:spcBef>
+                <a:spcPts val="1134"/>
+              </a:spcBef>
+              <a:buClr>
+                <a:srgbClr val="000000"/>
+              </a:buClr>
+              <a:buSzPct val="75000"/>
+              <a:buFont typeface="Symbol"/>
+              <a:buChar char=""/>
+            </a:pPr>
+            <a:r>
+              <a:rPr b="0" lang="de-DE" sz="3200" spc="-1" strike="noStrike">
+                <a:solidFill>
+                  <a:srgbClr val="000000"/>
+                </a:solidFill>
+                <a:latin typeface="Arial"/>
+                <a:ea typeface="DejaVu Sans"/>
+              </a:rPr>
+              <a:t>Auswahl eines keypoints</a:t>
+            </a:r>
+            <a:endParaRPr b="0" lang="de-DE" sz="3200" spc="-1" strike="noStrike">
+              <a:latin typeface="Arial"/>
+            </a:endParaRPr>
+          </a:p>
+          <a:p>
+            <a:pPr marL="432000" indent="-321840">
               <a:lnSpc>
                 <a:spcPct val="100000"/>
               </a:lnSpc>
@@ -22859,14 +23620,14 @@
                 <a:latin typeface="Arial"/>
                 <a:ea typeface="DejaVu Sans"/>
               </a:rPr>
-              <a:t>Lokale Detektion</a:t>
+              <a:t>Berücksichtigung von:</a:t>
             </a:r>
             <a:endParaRPr b="0" lang="de-DE" sz="3200" spc="-1" strike="noStrike">
               <a:latin typeface="Arial"/>
             </a:endParaRPr>
           </a:p>
           <a:p>
-            <a:pPr lvl="1" marL="864000" indent="-322200">
+            <a:pPr lvl="1" marL="864000" indent="-321840">
               <a:lnSpc>
                 <a:spcPct val="100000"/>
               </a:lnSpc>
@@ -22888,43 +23649,14 @@
                 <a:latin typeface="Arial"/>
                 <a:ea typeface="DejaVu Sans"/>
               </a:rPr>
-              <a:t>Auffinden von keypoints</a:t>
+              <a:t>Helligkeit, Perspektive, Rauschen</a:t>
             </a:r>
             <a:endParaRPr b="0" lang="de-DE" sz="3200" spc="-1" strike="noStrike">
               <a:latin typeface="Arial"/>
             </a:endParaRPr>
           </a:p>
           <a:p>
-            <a:pPr lvl="1" marL="864000" indent="-322200">
-              <a:lnSpc>
-                <a:spcPct val="100000"/>
-              </a:lnSpc>
-              <a:spcBef>
-                <a:spcPts val="1134"/>
-              </a:spcBef>
-              <a:buClr>
-                <a:srgbClr val="000000"/>
-              </a:buClr>
-              <a:buSzPct val="75000"/>
-              <a:buFont typeface="Symbol"/>
-              <a:buChar char=""/>
-            </a:pPr>
-            <a:r>
-              <a:rPr b="0" lang="de-DE" sz="3200" spc="-1" strike="noStrike">
-                <a:solidFill>
-                  <a:srgbClr val="000000"/>
-                </a:solidFill>
-                <a:latin typeface="Arial"/>
-                <a:ea typeface="DejaVu Sans"/>
-              </a:rPr>
-              <a:t>Beschreiben des keypoints / seiner Umgebung</a:t>
-            </a:r>
-            <a:endParaRPr b="0" lang="de-DE" sz="3200" spc="-1" strike="noStrike">
-              <a:latin typeface="Arial"/>
-            </a:endParaRPr>
-          </a:p>
-          <a:p>
-            <a:pPr marL="432000" indent="-322200">
+            <a:pPr marL="432000" indent="-321840">
               <a:lnSpc>
                 <a:spcPct val="100000"/>
               </a:lnSpc>
@@ -22946,36 +23678,7 @@
                 <a:latin typeface="Arial"/>
                 <a:ea typeface="DejaVu Sans"/>
               </a:rPr>
-              <a:t>Robustheit </a:t>
-            </a:r>
-            <a:endParaRPr b="0" lang="de-DE" sz="3200" spc="-1" strike="noStrike">
-              <a:latin typeface="Arial"/>
-            </a:endParaRPr>
-          </a:p>
-          <a:p>
-            <a:pPr lvl="1" marL="864000" indent="-322200">
-              <a:lnSpc>
-                <a:spcPct val="100000"/>
-              </a:lnSpc>
-              <a:spcBef>
-                <a:spcPts val="1134"/>
-              </a:spcBef>
-              <a:buClr>
-                <a:srgbClr val="000000"/>
-              </a:buClr>
-              <a:buSzPct val="75000"/>
-              <a:buFont typeface="Symbol"/>
-              <a:buChar char=""/>
-            </a:pPr>
-            <a:r>
-              <a:rPr b="0" lang="de-DE" sz="3200" spc="-1" strike="noStrike">
-                <a:solidFill>
-                  <a:srgbClr val="000000"/>
-                </a:solidFill>
-                <a:latin typeface="Arial"/>
-                <a:ea typeface="DejaVu Sans"/>
-              </a:rPr>
-              <a:t>Dasselbe Feature muss in einem Bild wiederholt erkannt werden</a:t>
+              <a:t>Dasselbe Feature muss in einem Bild wiederholt erkannt werden (Robustheit)</a:t>
             </a:r>
             <a:endParaRPr b="0" lang="de-DE" sz="3200" spc="-1" strike="noStrike">
               <a:latin typeface="Arial"/>
@@ -22998,7 +23701,7 @@
       </p:sp>
       <p:pic>
         <p:nvPicPr>
-          <p:cNvPr id="193" name="" descr=""/>
+          <p:cNvPr id="198" name="" descr=""/>
           <p:cNvPicPr/>
           <p:nvPr/>
         </p:nvPicPr>
@@ -23009,7 +23712,7 @@
         <p:spPr>
           <a:xfrm>
             <a:off x="6477840" y="538920"/>
-            <a:ext cx="3744720" cy="2339640"/>
+            <a:ext cx="3744360" cy="2339280"/>
           </a:xfrm>
           <a:prstGeom prst="rect">
             <a:avLst/>
@@ -23021,14 +23724,14 @@
       </p:pic>
       <p:sp>
         <p:nvSpPr>
-          <p:cNvPr id="194" name="CustomShape 6"/>
+          <p:cNvPr id="199" name="CustomShape 6"/>
           <p:cNvSpPr/>
           <p:nvPr/>
         </p:nvSpPr>
         <p:spPr>
           <a:xfrm>
             <a:off x="648000" y="6480000"/>
-            <a:ext cx="8638920" cy="596880"/>
+            <a:ext cx="8638560" cy="596520"/>
           </a:xfrm>
           <a:prstGeom prst="rect">
             <a:avLst/>
@@ -23080,14 +23783,14 @@
       </p:sp>
       <p:sp>
         <p:nvSpPr>
-          <p:cNvPr id="195" name="CustomShape 7"/>
+          <p:cNvPr id="200" name="CustomShape 7"/>
           <p:cNvSpPr/>
           <p:nvPr/>
         </p:nvSpPr>
         <p:spPr>
           <a:xfrm>
             <a:off x="6408000" y="2877840"/>
-            <a:ext cx="3166920" cy="289080"/>
+            <a:ext cx="3166560" cy="288720"/>
           </a:xfrm>
           <a:prstGeom prst="rect">
             <a:avLst/>
@@ -23173,14 +23876,14 @@
       </p:grpSpPr>
       <p:sp>
         <p:nvSpPr>
-          <p:cNvPr id="196" name="CustomShape 1"/>
+          <p:cNvPr id="201" name="CustomShape 1"/>
           <p:cNvSpPr/>
           <p:nvPr/>
         </p:nvSpPr>
         <p:spPr>
           <a:xfrm>
             <a:off x="8947080" y="7165800"/>
-            <a:ext cx="1221480" cy="226080"/>
+            <a:ext cx="1221120" cy="225720"/>
           </a:xfrm>
           <a:prstGeom prst="rect">
             <a:avLst/>
@@ -23214,7 +23917,7 @@
               </a:rPr>
               <a:t>Seite </a:t>
             </a:r>
-            <a:fld id="{50D8F640-3EA4-415B-926F-7C47D64A9A08}" type="slidenum">
+            <a:fld id="{91523000-38A7-4B52-9D5B-CDDCA8F6F7F1}" type="slidenum">
               <a:rPr b="0" lang="de-DE" sz="1000" spc="-1" strike="noStrike">
                 <a:solidFill>
                   <a:srgbClr val="000000"/>
@@ -23222,7 +23925,7 @@
                 <a:latin typeface="Arial"/>
                 <a:ea typeface="DejaVu Sans"/>
               </a:rPr>
-              <a:t>1</a:t>
+              <a:t>&lt;Foliennummer&gt;</a:t>
             </a:fld>
             <a:endParaRPr b="0" lang="de-DE" sz="1000" spc="-1" strike="noStrike">
               <a:latin typeface="Arial"/>
@@ -23232,14 +23935,14 @@
       </p:sp>
       <p:sp>
         <p:nvSpPr>
-          <p:cNvPr id="197" name="CustomShape 2"/>
+          <p:cNvPr id="202" name="CustomShape 2"/>
           <p:cNvSpPr/>
           <p:nvPr/>
         </p:nvSpPr>
         <p:spPr>
           <a:xfrm>
             <a:off x="522360" y="671400"/>
-            <a:ext cx="9646200" cy="946800"/>
+            <a:ext cx="9645840" cy="946440"/>
           </a:xfrm>
           <a:prstGeom prst="rect">
             <a:avLst/>
@@ -23292,14 +23995,14 @@
       </p:sp>
       <p:sp>
         <p:nvSpPr>
-          <p:cNvPr id="198" name="CustomShape 3"/>
+          <p:cNvPr id="203" name="CustomShape 3"/>
           <p:cNvSpPr/>
           <p:nvPr/>
         </p:nvSpPr>
         <p:spPr>
           <a:xfrm>
             <a:off x="522360" y="2138400"/>
-            <a:ext cx="8422200" cy="4520160"/>
+            <a:ext cx="8421840" cy="4519800"/>
           </a:xfrm>
           <a:prstGeom prst="rect">
             <a:avLst/>
@@ -23318,14 +24021,14 @@
       </p:sp>
       <p:sp>
         <p:nvSpPr>
-          <p:cNvPr id="199" name="CustomShape 4"/>
+          <p:cNvPr id="204" name="CustomShape 4"/>
           <p:cNvSpPr/>
           <p:nvPr/>
         </p:nvSpPr>
         <p:spPr>
           <a:xfrm>
             <a:off x="522360" y="2138400"/>
-            <a:ext cx="8422200" cy="4520160"/>
+            <a:ext cx="8421840" cy="4519800"/>
           </a:xfrm>
           <a:prstGeom prst="rect">
             <a:avLst/>
@@ -23344,14 +24047,14 @@
       </p:sp>
       <p:sp>
         <p:nvSpPr>
-          <p:cNvPr id="200" name="CustomShape 5"/>
+          <p:cNvPr id="205" name="CustomShape 5"/>
           <p:cNvSpPr/>
           <p:nvPr/>
         </p:nvSpPr>
         <p:spPr>
           <a:xfrm>
             <a:off x="534600" y="1769400"/>
-            <a:ext cx="8607600" cy="4383720"/>
+            <a:ext cx="8607240" cy="4383360"/>
           </a:xfrm>
           <a:prstGeom prst="rect">
             <a:avLst/>
@@ -23372,7 +24075,7 @@
             <a:normAutofit/>
           </a:bodyPr>
           <a:p>
-            <a:pPr marL="432000" indent="-322200">
+            <a:pPr marL="432000" indent="-321840">
               <a:lnSpc>
                 <a:spcPct val="100000"/>
               </a:lnSpc>
@@ -23401,7 +24104,7 @@
             </a:endParaRPr>
           </a:p>
           <a:p>
-            <a:pPr lvl="1" marL="864000" indent="-322200">
+            <a:pPr lvl="1" marL="864000" indent="-321840">
               <a:lnSpc>
                 <a:spcPct val="100000"/>
               </a:lnSpc>
@@ -23430,7 +24133,7 @@
             </a:endParaRPr>
           </a:p>
           <a:p>
-            <a:pPr lvl="1" marL="864000" indent="-322200">
+            <a:pPr lvl="1" marL="864000" indent="-321840">
               <a:lnSpc>
                 <a:spcPct val="100000"/>
               </a:lnSpc>
@@ -23459,7 +24162,7 @@
             </a:endParaRPr>
           </a:p>
           <a:p>
-            <a:pPr marL="432000" indent="-322200">
+            <a:pPr marL="432000" indent="-321840">
               <a:lnSpc>
                 <a:spcPct val="100000"/>
               </a:lnSpc>
@@ -23488,7 +24191,7 @@
             </a:endParaRPr>
           </a:p>
           <a:p>
-            <a:pPr lvl="1" marL="864000" indent="-322200">
+            <a:pPr lvl="1" marL="864000" indent="-321840">
               <a:lnSpc>
                 <a:spcPct val="100000"/>
               </a:lnSpc>
@@ -23569,14 +24272,14 @@
       </p:grpSpPr>
       <p:sp>
         <p:nvSpPr>
-          <p:cNvPr id="201" name="CustomShape 1"/>
+          <p:cNvPr id="206" name="CustomShape 1"/>
           <p:cNvSpPr/>
           <p:nvPr/>
         </p:nvSpPr>
         <p:spPr>
           <a:xfrm>
             <a:off x="8947080" y="7165800"/>
-            <a:ext cx="1221480" cy="226080"/>
+            <a:ext cx="1221120" cy="225720"/>
           </a:xfrm>
           <a:prstGeom prst="rect">
             <a:avLst/>
@@ -23610,7 +24313,7 @@
               </a:rPr>
               <a:t>Seite </a:t>
             </a:r>
-            <a:fld id="{C67BFA6A-E898-4FDE-AD7D-5DBEB98DD990}" type="slidenum">
+            <a:fld id="{E18136C4-548A-4AB5-9E7B-102B6C331435}" type="slidenum">
               <a:rPr b="0" lang="de-DE" sz="1000" spc="-1" strike="noStrike">
                 <a:solidFill>
                   <a:srgbClr val="000000"/>
@@ -23618,7 +24321,7 @@
                 <a:latin typeface="Arial"/>
                 <a:ea typeface="DejaVu Sans"/>
               </a:rPr>
-              <a:t>1</a:t>
+              <a:t>&lt;Foliennummer&gt;</a:t>
             </a:fld>
             <a:endParaRPr b="0" lang="de-DE" sz="1000" spc="-1" strike="noStrike">
               <a:latin typeface="Arial"/>
@@ -23628,14 +24331,14 @@
       </p:sp>
       <p:sp>
         <p:nvSpPr>
-          <p:cNvPr id="202" name="CustomShape 2"/>
+          <p:cNvPr id="207" name="CustomShape 2"/>
           <p:cNvSpPr/>
           <p:nvPr/>
         </p:nvSpPr>
         <p:spPr>
           <a:xfrm>
             <a:off x="522360" y="671400"/>
-            <a:ext cx="9646200" cy="946800"/>
+            <a:ext cx="9645840" cy="946440"/>
           </a:xfrm>
           <a:prstGeom prst="rect">
             <a:avLst/>
@@ -23688,14 +24391,14 @@
       </p:sp>
       <p:sp>
         <p:nvSpPr>
-          <p:cNvPr id="203" name="CustomShape 3"/>
+          <p:cNvPr id="208" name="CustomShape 3"/>
           <p:cNvSpPr/>
           <p:nvPr/>
         </p:nvSpPr>
         <p:spPr>
           <a:xfrm>
             <a:off x="522360" y="2138400"/>
-            <a:ext cx="8422200" cy="4520160"/>
+            <a:ext cx="8421840" cy="4519800"/>
           </a:xfrm>
           <a:prstGeom prst="rect">
             <a:avLst/>
@@ -23714,14 +24417,14 @@
       </p:sp>
       <p:sp>
         <p:nvSpPr>
-          <p:cNvPr id="204" name="CustomShape 4"/>
+          <p:cNvPr id="209" name="CustomShape 4"/>
           <p:cNvSpPr/>
           <p:nvPr/>
         </p:nvSpPr>
         <p:spPr>
           <a:xfrm>
             <a:off x="522360" y="2138400"/>
-            <a:ext cx="8422200" cy="4520160"/>
+            <a:ext cx="8421840" cy="4519800"/>
           </a:xfrm>
           <a:prstGeom prst="rect">
             <a:avLst/>
@@ -23740,14 +24443,14 @@
       </p:sp>
       <p:sp>
         <p:nvSpPr>
-          <p:cNvPr id="205" name="CustomShape 5"/>
+          <p:cNvPr id="210" name="CustomShape 5"/>
           <p:cNvSpPr/>
           <p:nvPr/>
         </p:nvSpPr>
         <p:spPr>
           <a:xfrm>
             <a:off x="534600" y="1769400"/>
-            <a:ext cx="8607600" cy="4383720"/>
+            <a:ext cx="8607240" cy="4383360"/>
           </a:xfrm>
           <a:prstGeom prst="rect">
             <a:avLst/>
@@ -23768,7 +24471,7 @@
             <a:normAutofit/>
           </a:bodyPr>
           <a:p>
-            <a:pPr marL="432000" indent="-322200">
+            <a:pPr marL="432000" indent="-321840">
               <a:lnSpc>
                 <a:spcPct val="100000"/>
               </a:lnSpc>
@@ -23790,14 +24493,14 @@
                 <a:latin typeface="Arial"/>
                 <a:ea typeface="DejaVu Sans"/>
               </a:rPr>
-              <a:t>Feature-Detektor und Deskriptor von Lowe</a:t>
+              <a:t>Feature-Detektor und -Deskriptor von Lowe</a:t>
             </a:r>
             <a:endParaRPr b="0" lang="de-DE" sz="3200" spc="-1" strike="noStrike">
               <a:latin typeface="Arial"/>
             </a:endParaRPr>
           </a:p>
           <a:p>
-            <a:pPr marL="432000" indent="-322200">
+            <a:pPr marL="432000" indent="-321840">
               <a:lnSpc>
                 <a:spcPct val="100000"/>
               </a:lnSpc>
@@ -23819,7 +24522,94 @@
                 <a:latin typeface="Arial"/>
                 <a:ea typeface="DejaVu Sans"/>
               </a:rPr>
-              <a:t>Beschreibt ein Feature als Vektor mit 128 Komponenten</a:t>
+              <a:t>Berücksichtigt Orientung und Maßstab</a:t>
+            </a:r>
+            <a:endParaRPr b="0" lang="de-DE" sz="3200" spc="-1" strike="noStrike">
+              <a:latin typeface="Arial"/>
+            </a:endParaRPr>
+          </a:p>
+          <a:p>
+            <a:pPr marL="432000" indent="-321840">
+              <a:lnSpc>
+                <a:spcPct val="100000"/>
+              </a:lnSpc>
+              <a:spcBef>
+                <a:spcPts val="1134"/>
+              </a:spcBef>
+              <a:buClr>
+                <a:srgbClr val="000000"/>
+              </a:buClr>
+              <a:buSzPct val="45000"/>
+              <a:buFont typeface="Wingdings" charset="2"/>
+              <a:buChar char=""/>
+            </a:pPr>
+            <a:r>
+              <a:rPr b="0" lang="de-DE" sz="3200" spc="-1" strike="noStrike">
+                <a:solidFill>
+                  <a:srgbClr val="000000"/>
+                </a:solidFill>
+                <a:latin typeface="Arial"/>
+                <a:ea typeface="DejaVu Sans"/>
+              </a:rPr>
+              <a:t>Vektor mit 128 Komponenten</a:t>
+            </a:r>
+            <a:endParaRPr b="0" lang="de-DE" sz="3200" spc="-1" strike="noStrike">
+              <a:latin typeface="Arial"/>
+            </a:endParaRPr>
+          </a:p>
+          <a:p>
+            <a:pPr marL="432000" indent="-321840">
+              <a:lnSpc>
+                <a:spcPct val="100000"/>
+              </a:lnSpc>
+              <a:spcBef>
+                <a:spcPts val="1134"/>
+              </a:spcBef>
+              <a:buClr>
+                <a:srgbClr val="000000"/>
+              </a:buClr>
+              <a:buSzPct val="45000"/>
+              <a:buFont typeface="Wingdings" charset="2"/>
+              <a:buChar char=""/>
+            </a:pPr>
+            <a:r>
+              <a:rPr b="0" lang="de-DE" sz="3200" spc="-1" strike="noStrike">
+                <a:solidFill>
+                  <a:srgbClr val="000000"/>
+                </a:solidFill>
+                <a:latin typeface="Arial"/>
+                <a:ea typeface="DejaVu Sans"/>
+              </a:rPr>
+              <a:t>In der Praxis auch gute Ergebnisse mit verschiedenen Perspektiven</a:t>
+            </a:r>
+            <a:endParaRPr b="0" lang="de-DE" sz="3200" spc="-1" strike="noStrike">
+              <a:latin typeface="Arial"/>
+            </a:endParaRPr>
+          </a:p>
+          <a:p>
+            <a:pPr marL="432000" indent="-321840">
+              <a:lnSpc>
+                <a:spcPct val="100000"/>
+              </a:lnSpc>
+              <a:spcBef>
+                <a:spcPts val="1134"/>
+              </a:spcBef>
+              <a:buClr>
+                <a:srgbClr val="000000"/>
+              </a:buClr>
+              <a:buSzPct val="45000"/>
+              <a:buFont typeface="Wingdings" charset="2"/>
+              <a:buChar char=""/>
+            </a:pPr>
+            <a:r>
+              <a:rPr b="0" lang="de-DE" sz="3200" spc="-1" strike="noStrike">
+                <a:solidFill>
+                  <a:srgbClr val="000000"/>
+                </a:solidFill>
+                <a:latin typeface="Arial"/>
+                <a:ea typeface="DejaVu Sans"/>
+              </a:rPr>
+              <a:t>Hier: Basis für die Ermittlung von keypoints</a:t>
             </a:r>
             <a:endParaRPr b="0" lang="de-DE" sz="3200" spc="-1" strike="noStrike">
               <a:latin typeface="Arial"/>
@@ -23878,14 +24668,14 @@
       </p:grpSpPr>
       <p:sp>
         <p:nvSpPr>
-          <p:cNvPr id="206" name="CustomShape 1"/>
+          <p:cNvPr id="211" name="CustomShape 1"/>
           <p:cNvSpPr/>
           <p:nvPr/>
         </p:nvSpPr>
         <p:spPr>
           <a:xfrm>
             <a:off x="8947080" y="7165800"/>
-            <a:ext cx="1221480" cy="226080"/>
+            <a:ext cx="1221120" cy="225720"/>
           </a:xfrm>
           <a:prstGeom prst="rect">
             <a:avLst/>
@@ -23919,7 +24709,7 @@
               </a:rPr>
               <a:t>Seite </a:t>
             </a:r>
-            <a:fld id="{405A49B8-9980-436A-88B6-49904E1D1190}" type="slidenum">
+            <a:fld id="{0CF80E07-F5C9-4FAF-8411-D521E6ABFD33}" type="slidenum">
               <a:rPr b="0" lang="de-DE" sz="1000" spc="-1" strike="noStrike">
                 <a:solidFill>
                   <a:srgbClr val="000000"/>
@@ -23927,7 +24717,7 @@
                 <a:latin typeface="Arial"/>
                 <a:ea typeface="DejaVu Sans"/>
               </a:rPr>
-              <a:t>1</a:t>
+              <a:t>&lt;Foliennummer&gt;</a:t>
             </a:fld>
             <a:endParaRPr b="0" lang="de-DE" sz="1000" spc="-1" strike="noStrike">
               <a:latin typeface="Arial"/>
@@ -23937,14 +24727,14 @@
       </p:sp>
       <p:sp>
         <p:nvSpPr>
-          <p:cNvPr id="207" name="CustomShape 2"/>
+          <p:cNvPr id="212" name="CustomShape 2"/>
           <p:cNvSpPr/>
           <p:nvPr/>
         </p:nvSpPr>
         <p:spPr>
           <a:xfrm>
             <a:off x="522360" y="671400"/>
-            <a:ext cx="9646200" cy="946800"/>
+            <a:ext cx="9645840" cy="946440"/>
           </a:xfrm>
           <a:prstGeom prst="rect">
             <a:avLst/>
@@ -23997,14 +24787,14 @@
       </p:sp>
       <p:sp>
         <p:nvSpPr>
-          <p:cNvPr id="208" name="CustomShape 3"/>
+          <p:cNvPr id="213" name="CustomShape 3"/>
           <p:cNvSpPr/>
           <p:nvPr/>
         </p:nvSpPr>
         <p:spPr>
           <a:xfrm>
             <a:off x="522360" y="2138400"/>
-            <a:ext cx="8422200" cy="4520160"/>
+            <a:ext cx="8421840" cy="4519800"/>
           </a:xfrm>
           <a:prstGeom prst="rect">
             <a:avLst/>
@@ -24023,14 +24813,14 @@
       </p:sp>
       <p:sp>
         <p:nvSpPr>
-          <p:cNvPr id="209" name="CustomShape 4"/>
+          <p:cNvPr id="214" name="CustomShape 4"/>
           <p:cNvSpPr/>
           <p:nvPr/>
         </p:nvSpPr>
         <p:spPr>
           <a:xfrm>
             <a:off x="522360" y="2138400"/>
-            <a:ext cx="8422200" cy="4520160"/>
+            <a:ext cx="8421840" cy="4519800"/>
           </a:xfrm>
           <a:prstGeom prst="rect">
             <a:avLst/>
@@ -24049,14 +24839,14 @@
       </p:sp>
       <p:sp>
         <p:nvSpPr>
-          <p:cNvPr id="210" name="CustomShape 5"/>
+          <p:cNvPr id="215" name="CustomShape 5"/>
           <p:cNvSpPr/>
           <p:nvPr/>
         </p:nvSpPr>
         <p:spPr>
           <a:xfrm>
             <a:off x="535320" y="1769400"/>
-            <a:ext cx="8607600" cy="4383720"/>
+            <a:ext cx="8607240" cy="4383360"/>
           </a:xfrm>
           <a:prstGeom prst="rect">
             <a:avLst/>
@@ -24077,7 +24867,7 @@
             <a:normAutofit/>
           </a:bodyPr>
           <a:p>
-            <a:pPr marL="432000" indent="-322200">
+            <a:pPr marL="432000" indent="-321840">
               <a:lnSpc>
                 <a:spcPct val="100000"/>
               </a:lnSpc>
@@ -24106,7 +24896,7 @@
             </a:endParaRPr>
           </a:p>
           <a:p>
-            <a:pPr marL="432000" indent="-322200">
+            <a:pPr marL="432000" indent="-321840">
               <a:lnSpc>
                 <a:spcPct val="100000"/>
               </a:lnSpc>
@@ -24135,7 +24925,7 @@
             </a:endParaRPr>
           </a:p>
           <a:p>
-            <a:pPr lvl="1" marL="864000" indent="-322200">
+            <a:pPr lvl="1" marL="864000" indent="-321840">
               <a:lnSpc>
                 <a:spcPct val="100000"/>
               </a:lnSpc>
@@ -24164,7 +24954,7 @@
             </a:endParaRPr>
           </a:p>
           <a:p>
-            <a:pPr lvl="1" marL="864000" indent="-322200">
+            <a:pPr lvl="1" marL="864000" indent="-321840">
               <a:lnSpc>
                 <a:spcPct val="100000"/>
               </a:lnSpc>
@@ -24193,7 +24983,7 @@
             </a:endParaRPr>
           </a:p>
           <a:p>
-            <a:pPr marL="432000" indent="-322200">
+            <a:pPr marL="432000" indent="-321840">
               <a:lnSpc>
                 <a:spcPct val="100000"/>
               </a:lnSpc>
@@ -24208,7 +24998,7 @@
               <a:buChar char=""/>
             </a:pPr>
             <a:r>
-              <a:rPr b="0" lang="de-DE" sz="2800" spc="-1" strike="noStrike">
+              <a:rPr b="0" lang="de-DE" sz="3130" spc="-1" strike="noStrike">
                 <a:solidFill>
                   <a:srgbClr val="000000"/>
                 </a:solidFill>
@@ -24217,12 +25007,12 @@
               </a:rPr>
               <a:t>Besteht aus Trainings- und Testphase</a:t>
             </a:r>
-            <a:endParaRPr b="0" lang="de-DE" sz="2800" spc="-1" strike="noStrike">
-              <a:latin typeface="Arial"/>
-            </a:endParaRPr>
-          </a:p>
-          <a:p>
-            <a:pPr lvl="1" marL="864000" indent="-322200">
+            <a:endParaRPr b="0" lang="de-DE" sz="3130" spc="-1" strike="noStrike">
+              <a:latin typeface="Arial"/>
+            </a:endParaRPr>
+          </a:p>
+          <a:p>
+            <a:pPr lvl="1" marL="864000" indent="-321840">
               <a:lnSpc>
                 <a:spcPct val="100000"/>
               </a:lnSpc>
@@ -24251,7 +25041,7 @@
             </a:endParaRPr>
           </a:p>
           <a:p>
-            <a:pPr lvl="1" marL="864000" indent="-322200">
+            <a:pPr lvl="1" marL="864000" indent="-321840">
               <a:lnSpc>
                 <a:spcPct val="100000"/>
               </a:lnSpc>
@@ -25203,4 +25993,227 @@
     </a:fmtScheme>
   </a:themeElements>
 </a:theme>
+</file>
+
+<file path=ppt/theme/theme5.xml><?xml version="1.0" encoding="utf-8"?>
+<a:theme xmlns:a="http://schemas.openxmlformats.org/drawingml/2006/main" name="Office Theme">
+  <a:themeElements>
+    <a:clrScheme name="Office">
+      <a:dk1>
+        <a:sysClr val="windowText" lastClr="000000"/>
+      </a:dk1>
+      <a:lt1>
+        <a:sysClr val="window" lastClr="FFFFFF"/>
+      </a:lt1>
+      <a:dk2>
+        <a:srgbClr val="1F497D"/>
+      </a:dk2>
+      <a:lt2>
+        <a:srgbClr val="EEECE1"/>
+      </a:lt2>
+      <a:accent1>
+        <a:srgbClr val="4F81BD"/>
+      </a:accent1>
+      <a:accent2>
+        <a:srgbClr val="C0504D"/>
+      </a:accent2>
+      <a:accent3>
+        <a:srgbClr val="9BBB59"/>
+      </a:accent3>
+      <a:accent4>
+        <a:srgbClr val="8064A2"/>
+      </a:accent4>
+      <a:accent5>
+        <a:srgbClr val="4BACC6"/>
+      </a:accent5>
+      <a:accent6>
+        <a:srgbClr val="F79646"/>
+      </a:accent6>
+      <a:hlink>
+        <a:srgbClr val="0000FF"/>
+      </a:hlink>
+      <a:folHlink>
+        <a:srgbClr val="800080"/>
+      </a:folHlink>
+    </a:clrScheme>
+    <a:fontScheme name="Office">
+      <a:majorFont>
+        <a:latin typeface="Arial"/>
+        <a:ea typeface="DejaVu Sans"/>
+        <a:cs typeface="DejaVu Sans"/>
+      </a:majorFont>
+      <a:minorFont>
+        <a:latin typeface="Arial"/>
+        <a:ea typeface="DejaVu Sans"/>
+        <a:cs typeface="DejaVu Sans"/>
+      </a:minorFont>
+    </a:fontScheme>
+    <a:fmtScheme name="Office">
+      <a:fillStyleLst>
+        <a:solidFill>
+          <a:schemeClr val="phClr"/>
+        </a:solidFill>
+        <a:gradFill rotWithShape="1">
+          <a:gsLst>
+            <a:gs pos="0">
+              <a:schemeClr val="phClr">
+                <a:tint val="50000"/>
+                <a:satMod val="300000"/>
+              </a:schemeClr>
+            </a:gs>
+            <a:gs pos="35000">
+              <a:schemeClr val="phClr">
+                <a:tint val="37000"/>
+                <a:satMod val="300000"/>
+              </a:schemeClr>
+            </a:gs>
+            <a:gs pos="100000">
+              <a:schemeClr val="phClr">
+                <a:tint val="15000"/>
+                <a:satMod val="350000"/>
+              </a:schemeClr>
+            </a:gs>
+          </a:gsLst>
+          <a:lin ang="16200000" scaled="1"/>
+        </a:gradFill>
+        <a:gradFill rotWithShape="1">
+          <a:gsLst>
+            <a:gs pos="0">
+              <a:schemeClr val="phClr">
+                <a:shade val="51000"/>
+                <a:satMod val="130000"/>
+              </a:schemeClr>
+            </a:gs>
+            <a:gs pos="80000">
+              <a:schemeClr val="phClr">
+                <a:shade val="93000"/>
+                <a:satMod val="130000"/>
+              </a:schemeClr>
+            </a:gs>
+            <a:gs pos="100000">
+              <a:schemeClr val="phClr">
+                <a:shade val="94000"/>
+                <a:satMod val="135000"/>
+              </a:schemeClr>
+            </a:gs>
+          </a:gsLst>
+          <a:lin ang="16200000" scaled="0"/>
+        </a:gradFill>
+      </a:fillStyleLst>
+      <a:lnStyleLst>
+        <a:ln w="9525" cap="flat" cmpd="sng" algn="ctr">
+          <a:solidFill>
+            <a:schemeClr val="phClr">
+              <a:shade val="95000"/>
+              <a:satMod val="105000"/>
+            </a:schemeClr>
+          </a:solidFill>
+          <a:prstDash val="solid"/>
+        </a:ln>
+        <a:ln w="25400" cap="flat" cmpd="sng" algn="ctr">
+          <a:solidFill>
+            <a:schemeClr val="phClr"/>
+          </a:solidFill>
+          <a:prstDash val="solid"/>
+        </a:ln>
+        <a:ln w="38100" cap="flat" cmpd="sng" algn="ctr">
+          <a:solidFill>
+            <a:schemeClr val="phClr"/>
+          </a:solidFill>
+          <a:prstDash val="solid"/>
+        </a:ln>
+      </a:lnStyleLst>
+      <a:effectStyleLst>
+        <a:effectStyle>
+          <a:effectLst>
+            <a:outerShdw blurRad="40000" dist="20000" dir="5400000" rotWithShape="0">
+              <a:srgbClr val="000000">
+                <a:alpha val="38000"/>
+              </a:srgbClr>
+            </a:outerShdw>
+          </a:effectLst>
+        </a:effectStyle>
+        <a:effectStyle>
+          <a:effectLst>
+            <a:outerShdw blurRad="40000" dist="23000" dir="5400000" rotWithShape="0">
+              <a:srgbClr val="000000">
+                <a:alpha val="35000"/>
+              </a:srgbClr>
+            </a:outerShdw>
+          </a:effectLst>
+        </a:effectStyle>
+        <a:effectStyle>
+          <a:effectLst>
+            <a:outerShdw blurRad="40000" dist="23000" dir="5400000" rotWithShape="0">
+              <a:srgbClr val="000000">
+                <a:alpha val="35000"/>
+              </a:srgbClr>
+            </a:outerShdw>
+          </a:effectLst>
+          <a:scene3d>
+            <a:camera prst="orthographicFront">
+              <a:rot lat="0" lon="0" rev="0"/>
+            </a:camera>
+            <a:lightRig rig="threePt" dir="t">
+              <a:rot lat="0" lon="0" rev="1200000"/>
+            </a:lightRig>
+          </a:scene3d>
+          <a:sp3d>
+            <a:bevelT w="63500" h="25400"/>
+          </a:sp3d>
+        </a:effectStyle>
+      </a:effectStyleLst>
+      <a:bgFillStyleLst>
+        <a:solidFill>
+          <a:schemeClr val="phClr"/>
+        </a:solidFill>
+        <a:gradFill rotWithShape="1">
+          <a:gsLst>
+            <a:gs pos="0">
+              <a:schemeClr val="phClr">
+                <a:tint val="40000"/>
+                <a:satMod val="350000"/>
+              </a:schemeClr>
+            </a:gs>
+            <a:gs pos="40000">
+              <a:schemeClr val="phClr">
+                <a:tint val="45000"/>
+                <a:shade val="99000"/>
+                <a:satMod val="350000"/>
+              </a:schemeClr>
+            </a:gs>
+            <a:gs pos="100000">
+              <a:schemeClr val="phClr">
+                <a:shade val="20000"/>
+                <a:satMod val="255000"/>
+              </a:schemeClr>
+            </a:gs>
+          </a:gsLst>
+          <a:path path="circle">
+            <a:fillToRect l="50000" t="-80000" r="50000" b="180000"/>
+          </a:path>
+        </a:gradFill>
+        <a:gradFill rotWithShape="1">
+          <a:gsLst>
+            <a:gs pos="0">
+              <a:schemeClr val="phClr">
+                <a:tint val="80000"/>
+                <a:satMod val="300000"/>
+              </a:schemeClr>
+            </a:gs>
+            <a:gs pos="100000">
+              <a:schemeClr val="phClr">
+                <a:shade val="30000"/>
+                <a:satMod val="200000"/>
+              </a:schemeClr>
+            </a:gs>
+          </a:gsLst>
+          <a:path path="circle">
+            <a:fillToRect l="50000" t="50000" r="50000" b="50000"/>
+          </a:path>
+        </a:gradFill>
+      </a:bgFillStyleLst>
+    </a:fmtScheme>
+  </a:themeElements>
+</a:theme>
 </file>